--- a/ppt/MOD_5.pptx
+++ b/ppt/MOD_5.pptx
@@ -1,12 +1,24 @@
 
 <file path=ppt/presentation.xml><?xml version="1.0" encoding="utf-8"?>
-<p:presentation xmlns:a="http://schemas.openxmlformats.org/drawingml/2006/main" xmlns:r="http://schemas.openxmlformats.org/officeDocument/2006/relationships" xmlns:p="http://schemas.openxmlformats.org/presentationml/2006/main" saveSubsetFonts="1">
+<p:presentation xmlns:a="http://schemas.openxmlformats.org/drawingml/2006/main" xmlns:r="http://schemas.openxmlformats.org/officeDocument/2006/relationships" xmlns:p="http://schemas.openxmlformats.org/presentationml/2006/main" showSpecialPlsOnTitleSld="0" saveSubsetFonts="1">
   <p:sldMasterIdLst>
     <p:sldMasterId id="2147483648" r:id="rId1"/>
   </p:sldMasterIdLst>
+  <p:notesMasterIdLst>
+    <p:notesMasterId r:id="rId13"/>
+  </p:notesMasterIdLst>
   <p:sldIdLst>
     <p:sldId id="256" r:id="rId2"/>
-    <p:sldId id="257" r:id="rId3"/>
+    <p:sldId id="260" r:id="rId3"/>
+    <p:sldId id="261" r:id="rId4"/>
+    <p:sldId id="262" r:id="rId5"/>
+    <p:sldId id="263" r:id="rId6"/>
+    <p:sldId id="264" r:id="rId7"/>
+    <p:sldId id="265" r:id="rId8"/>
+    <p:sldId id="266" r:id="rId9"/>
+    <p:sldId id="267" r:id="rId10"/>
+    <p:sldId id="268" r:id="rId11"/>
+    <p:sldId id="257" r:id="rId12"/>
   </p:sldIdLst>
   <p:sldSz cx="12192000" cy="6858000"/>
   <p:notesSz cx="6858000" cy="9144000"/>
@@ -113,6 +125,355 @@
 </p:presentation>
 </file>
 
+<file path=ppt/notesMasters/notesMaster1.xml><?xml version="1.0" encoding="utf-8"?>
+<p:notesMaster xmlns:a="http://schemas.openxmlformats.org/drawingml/2006/main" xmlns:r="http://schemas.openxmlformats.org/officeDocument/2006/relationships" xmlns:p="http://schemas.openxmlformats.org/presentationml/2006/main">
+  <p:cSld>
+    <p:bg>
+      <p:bgRef idx="1001">
+        <a:schemeClr val="bg1"/>
+      </p:bgRef>
+    </p:bg>
+    <p:spTree>
+      <p:nvGrpSpPr>
+        <p:cNvPr id="1" name=""/>
+        <p:cNvGrpSpPr/>
+        <p:nvPr/>
+      </p:nvGrpSpPr>
+      <p:grpSpPr>
+        <a:xfrm>
+          <a:off x="0" y="0"/>
+          <a:ext cx="0" cy="0"/>
+          <a:chOff x="0" y="0"/>
+          <a:chExt cx="0" cy="0"/>
+        </a:xfrm>
+      </p:grpSpPr>
+      <p:sp>
+        <p:nvSpPr>
+          <p:cNvPr id="2" name="Header Placeholder 1"/>
+          <p:cNvSpPr>
+            <a:spLocks noGrp="1"/>
+          </p:cNvSpPr>
+          <p:nvPr>
+            <p:ph type="hdr" sz="quarter"/>
+          </p:nvPr>
+        </p:nvSpPr>
+        <p:spPr>
+          <a:xfrm>
+            <a:off x="0" y="0"/>
+            <a:ext cx="2971800" cy="458788"/>
+          </a:xfrm>
+          <a:prstGeom prst="rect">
+            <a:avLst/>
+          </a:prstGeom>
+        </p:spPr>
+        <p:txBody>
+          <a:bodyPr vert="horz" lIns="91440" tIns="45720" rIns="91440" bIns="45720" rtlCol="0"/>
+          <a:lstStyle>
+            <a:lvl1pPr algn="l">
+              <a:defRPr sz="1200"/>
+            </a:lvl1pPr>
+          </a:lstStyle>
+          <a:p>
+            <a:endParaRPr lang="en-US"/>
+          </a:p>
+        </p:txBody>
+      </p:sp>
+      <p:sp>
+        <p:nvSpPr>
+          <p:cNvPr id="3" name="Date Placeholder 2"/>
+          <p:cNvSpPr>
+            <a:spLocks noGrp="1"/>
+          </p:cNvSpPr>
+          <p:nvPr>
+            <p:ph type="dt" idx="1"/>
+          </p:nvPr>
+        </p:nvSpPr>
+        <p:spPr>
+          <a:xfrm>
+            <a:off x="3884613" y="0"/>
+            <a:ext cx="2971800" cy="458788"/>
+          </a:xfrm>
+          <a:prstGeom prst="rect">
+            <a:avLst/>
+          </a:prstGeom>
+        </p:spPr>
+        <p:txBody>
+          <a:bodyPr vert="horz" lIns="91440" tIns="45720" rIns="91440" bIns="45720" rtlCol="0"/>
+          <a:lstStyle>
+            <a:lvl1pPr algn="r">
+              <a:defRPr sz="1200"/>
+            </a:lvl1pPr>
+          </a:lstStyle>
+          <a:p>
+            <a:fld id="{944200C6-F8E7-4CD6-AD45-A03DB8ADEC2E}" type="datetimeFigureOut">
+              <a:rPr lang="en-US" smtClean="0"/>
+              <a:t>7/26/2020</a:t>
+            </a:fld>
+            <a:endParaRPr lang="en-US"/>
+          </a:p>
+        </p:txBody>
+      </p:sp>
+      <p:sp>
+        <p:nvSpPr>
+          <p:cNvPr id="4" name="Slide Image Placeholder 3"/>
+          <p:cNvSpPr>
+            <a:spLocks noGrp="1" noRot="1" noChangeAspect="1"/>
+          </p:cNvSpPr>
+          <p:nvPr>
+            <p:ph type="sldImg" idx="2"/>
+          </p:nvPr>
+        </p:nvSpPr>
+        <p:spPr>
+          <a:xfrm>
+            <a:off x="685800" y="1143000"/>
+            <a:ext cx="5486400" cy="3086100"/>
+          </a:xfrm>
+          <a:prstGeom prst="rect">
+            <a:avLst/>
+          </a:prstGeom>
+          <a:noFill/>
+          <a:ln w="12700">
+            <a:solidFill>
+              <a:prstClr val="black"/>
+            </a:solidFill>
+          </a:ln>
+        </p:spPr>
+        <p:txBody>
+          <a:bodyPr vert="horz" lIns="91440" tIns="45720" rIns="91440" bIns="45720" rtlCol="0" anchor="ctr"/>
+          <a:lstStyle/>
+          <a:p>
+            <a:endParaRPr lang="en-US"/>
+          </a:p>
+        </p:txBody>
+      </p:sp>
+      <p:sp>
+        <p:nvSpPr>
+          <p:cNvPr id="5" name="Notes Placeholder 4"/>
+          <p:cNvSpPr>
+            <a:spLocks noGrp="1"/>
+          </p:cNvSpPr>
+          <p:nvPr>
+            <p:ph type="body" sz="quarter" idx="3"/>
+          </p:nvPr>
+        </p:nvSpPr>
+        <p:spPr>
+          <a:xfrm>
+            <a:off x="685800" y="4400550"/>
+            <a:ext cx="5486400" cy="3600450"/>
+          </a:xfrm>
+          <a:prstGeom prst="rect">
+            <a:avLst/>
+          </a:prstGeom>
+        </p:spPr>
+        <p:txBody>
+          <a:bodyPr vert="horz" lIns="91440" tIns="45720" rIns="91440" bIns="45720" rtlCol="0"/>
+          <a:lstStyle/>
+          <a:p>
+            <a:pPr lvl="0"/>
+            <a:r>
+              <a:rPr lang="en-US"/>
+              <a:t>Click to edit Master text styles</a:t>
+            </a:r>
+          </a:p>
+          <a:p>
+            <a:pPr lvl="1"/>
+            <a:r>
+              <a:rPr lang="en-US"/>
+              <a:t>Second level</a:t>
+            </a:r>
+          </a:p>
+          <a:p>
+            <a:pPr lvl="2"/>
+            <a:r>
+              <a:rPr lang="en-US"/>
+              <a:t>Third level</a:t>
+            </a:r>
+          </a:p>
+          <a:p>
+            <a:pPr lvl="3"/>
+            <a:r>
+              <a:rPr lang="en-US"/>
+              <a:t>Fourth level</a:t>
+            </a:r>
+          </a:p>
+          <a:p>
+            <a:pPr lvl="4"/>
+            <a:r>
+              <a:rPr lang="en-US"/>
+              <a:t>Fifth level</a:t>
+            </a:r>
+          </a:p>
+        </p:txBody>
+      </p:sp>
+      <p:sp>
+        <p:nvSpPr>
+          <p:cNvPr id="6" name="Footer Placeholder 5"/>
+          <p:cNvSpPr>
+            <a:spLocks noGrp="1"/>
+          </p:cNvSpPr>
+          <p:nvPr>
+            <p:ph type="ftr" sz="quarter" idx="4"/>
+          </p:nvPr>
+        </p:nvSpPr>
+        <p:spPr>
+          <a:xfrm>
+            <a:off x="0" y="8685213"/>
+            <a:ext cx="2971800" cy="458787"/>
+          </a:xfrm>
+          <a:prstGeom prst="rect">
+            <a:avLst/>
+          </a:prstGeom>
+        </p:spPr>
+        <p:txBody>
+          <a:bodyPr vert="horz" lIns="91440" tIns="45720" rIns="91440" bIns="45720" rtlCol="0" anchor="b"/>
+          <a:lstStyle>
+            <a:lvl1pPr algn="l">
+              <a:defRPr sz="1200"/>
+            </a:lvl1pPr>
+          </a:lstStyle>
+          <a:p>
+            <a:endParaRPr lang="en-US"/>
+          </a:p>
+        </p:txBody>
+      </p:sp>
+      <p:sp>
+        <p:nvSpPr>
+          <p:cNvPr id="7" name="Slide Number Placeholder 6"/>
+          <p:cNvSpPr>
+            <a:spLocks noGrp="1"/>
+          </p:cNvSpPr>
+          <p:nvPr>
+            <p:ph type="sldNum" sz="quarter" idx="5"/>
+          </p:nvPr>
+        </p:nvSpPr>
+        <p:spPr>
+          <a:xfrm>
+            <a:off x="3884613" y="8685213"/>
+            <a:ext cx="2971800" cy="458787"/>
+          </a:xfrm>
+          <a:prstGeom prst="rect">
+            <a:avLst/>
+          </a:prstGeom>
+        </p:spPr>
+        <p:txBody>
+          <a:bodyPr vert="horz" lIns="91440" tIns="45720" rIns="91440" bIns="45720" rtlCol="0" anchor="b"/>
+          <a:lstStyle>
+            <a:lvl1pPr algn="r">
+              <a:defRPr sz="1200"/>
+            </a:lvl1pPr>
+          </a:lstStyle>
+          <a:p>
+            <a:fld id="{83FE5510-2C2C-4AF1-AC4A-C0393CE0774B}" type="slidenum">
+              <a:rPr lang="en-US" smtClean="0"/>
+              <a:t>‹#›</a:t>
+            </a:fld>
+            <a:endParaRPr lang="en-US"/>
+          </a:p>
+        </p:txBody>
+      </p:sp>
+    </p:spTree>
+    <p:extLst>
+      <p:ext uri="{BB962C8B-B14F-4D97-AF65-F5344CB8AC3E}">
+        <p14:creationId xmlns:p14="http://schemas.microsoft.com/office/powerpoint/2010/main" val="3107573728"/>
+      </p:ext>
+    </p:extLst>
+  </p:cSld>
+  <p:clrMap bg1="lt1" tx1="dk1" bg2="lt2" tx2="dk2" accent1="accent1" accent2="accent2" accent3="accent3" accent4="accent4" accent5="accent5" accent6="accent6" hlink="hlink" folHlink="folHlink"/>
+  <p:notesStyle>
+    <a:lvl1pPr marL="0" algn="l" defTabSz="914400" rtl="0" eaLnBrk="1" latinLnBrk="0" hangingPunct="1">
+      <a:defRPr sz="1200" kern="1200">
+        <a:solidFill>
+          <a:schemeClr val="tx1"/>
+        </a:solidFill>
+        <a:latin typeface="+mn-lt"/>
+        <a:ea typeface="+mn-ea"/>
+        <a:cs typeface="+mn-cs"/>
+      </a:defRPr>
+    </a:lvl1pPr>
+    <a:lvl2pPr marL="457200" algn="l" defTabSz="914400" rtl="0" eaLnBrk="1" latinLnBrk="0" hangingPunct="1">
+      <a:defRPr sz="1200" kern="1200">
+        <a:solidFill>
+          <a:schemeClr val="tx1"/>
+        </a:solidFill>
+        <a:latin typeface="+mn-lt"/>
+        <a:ea typeface="+mn-ea"/>
+        <a:cs typeface="+mn-cs"/>
+      </a:defRPr>
+    </a:lvl2pPr>
+    <a:lvl3pPr marL="914400" algn="l" defTabSz="914400" rtl="0" eaLnBrk="1" latinLnBrk="0" hangingPunct="1">
+      <a:defRPr sz="1200" kern="1200">
+        <a:solidFill>
+          <a:schemeClr val="tx1"/>
+        </a:solidFill>
+        <a:latin typeface="+mn-lt"/>
+        <a:ea typeface="+mn-ea"/>
+        <a:cs typeface="+mn-cs"/>
+      </a:defRPr>
+    </a:lvl3pPr>
+    <a:lvl4pPr marL="1371600" algn="l" defTabSz="914400" rtl="0" eaLnBrk="1" latinLnBrk="0" hangingPunct="1">
+      <a:defRPr sz="1200" kern="1200">
+        <a:solidFill>
+          <a:schemeClr val="tx1"/>
+        </a:solidFill>
+        <a:latin typeface="+mn-lt"/>
+        <a:ea typeface="+mn-ea"/>
+        <a:cs typeface="+mn-cs"/>
+      </a:defRPr>
+    </a:lvl4pPr>
+    <a:lvl5pPr marL="1828800" algn="l" defTabSz="914400" rtl="0" eaLnBrk="1" latinLnBrk="0" hangingPunct="1">
+      <a:defRPr sz="1200" kern="1200">
+        <a:solidFill>
+          <a:schemeClr val="tx1"/>
+        </a:solidFill>
+        <a:latin typeface="+mn-lt"/>
+        <a:ea typeface="+mn-ea"/>
+        <a:cs typeface="+mn-cs"/>
+      </a:defRPr>
+    </a:lvl5pPr>
+    <a:lvl6pPr marL="2286000" algn="l" defTabSz="914400" rtl="0" eaLnBrk="1" latinLnBrk="0" hangingPunct="1">
+      <a:defRPr sz="1200" kern="1200">
+        <a:solidFill>
+          <a:schemeClr val="tx1"/>
+        </a:solidFill>
+        <a:latin typeface="+mn-lt"/>
+        <a:ea typeface="+mn-ea"/>
+        <a:cs typeface="+mn-cs"/>
+      </a:defRPr>
+    </a:lvl6pPr>
+    <a:lvl7pPr marL="2743200" algn="l" defTabSz="914400" rtl="0" eaLnBrk="1" latinLnBrk="0" hangingPunct="1">
+      <a:defRPr sz="1200" kern="1200">
+        <a:solidFill>
+          <a:schemeClr val="tx1"/>
+        </a:solidFill>
+        <a:latin typeface="+mn-lt"/>
+        <a:ea typeface="+mn-ea"/>
+        <a:cs typeface="+mn-cs"/>
+      </a:defRPr>
+    </a:lvl7pPr>
+    <a:lvl8pPr marL="3200400" algn="l" defTabSz="914400" rtl="0" eaLnBrk="1" latinLnBrk="0" hangingPunct="1">
+      <a:defRPr sz="1200" kern="1200">
+        <a:solidFill>
+          <a:schemeClr val="tx1"/>
+        </a:solidFill>
+        <a:latin typeface="+mn-lt"/>
+        <a:ea typeface="+mn-ea"/>
+        <a:cs typeface="+mn-cs"/>
+      </a:defRPr>
+    </a:lvl8pPr>
+    <a:lvl9pPr marL="3657600" algn="l" defTabSz="914400" rtl="0" eaLnBrk="1" latinLnBrk="0" hangingPunct="1">
+      <a:defRPr sz="1200" kern="1200">
+        <a:solidFill>
+          <a:schemeClr val="tx1"/>
+        </a:solidFill>
+        <a:latin typeface="+mn-lt"/>
+        <a:ea typeface="+mn-ea"/>
+        <a:cs typeface="+mn-cs"/>
+      </a:defRPr>
+    </a:lvl9pPr>
+  </p:notesStyle>
+</p:notesMaster>
+</file>
+
 <file path=ppt/slideLayouts/slideLayout1.xml><?xml version="1.0" encoding="utf-8"?>
 <p:sldLayout xmlns:a="http://schemas.openxmlformats.org/drawingml/2006/main" xmlns:r="http://schemas.openxmlformats.org/officeDocument/2006/relationships" xmlns:p="http://schemas.openxmlformats.org/presentationml/2006/main" type="title" preserve="1">
   <p:cSld name="Title Slide">
@@ -258,9 +619,9 @@
           <a:bodyPr/>
           <a:lstStyle/>
           <a:p>
-            <a:fld id="{9728C758-8AFA-462E-8C2D-15409ABDB154}" type="datetimeFigureOut">
+            <a:fld id="{067684EC-C4B2-43C6-BDC8-184431E6E2DB}" type="datetime1">
               <a:rPr lang="en-US" smtClean="0"/>
-              <a:t>7/9/2020</a:t>
+              <a:t>7/26/2020</a:t>
             </a:fld>
             <a:endParaRPr lang="en-US"/>
           </a:p>
@@ -456,9 +817,9 @@
           <a:bodyPr/>
           <a:lstStyle/>
           <a:p>
-            <a:fld id="{9728C758-8AFA-462E-8C2D-15409ABDB154}" type="datetimeFigureOut">
+            <a:fld id="{8ED2AB16-EB92-483F-B9C5-BA94201E60CE}" type="datetime1">
               <a:rPr lang="en-US" smtClean="0"/>
-              <a:t>7/9/2020</a:t>
+              <a:t>7/26/2020</a:t>
             </a:fld>
             <a:endParaRPr lang="en-US"/>
           </a:p>
@@ -664,9 +1025,9 @@
           <a:bodyPr/>
           <a:lstStyle/>
           <a:p>
-            <a:fld id="{9728C758-8AFA-462E-8C2D-15409ABDB154}" type="datetimeFigureOut">
+            <a:fld id="{7E090191-A12F-44A0-9F31-B3ED69B7A332}" type="datetime1">
               <a:rPr lang="en-US" smtClean="0"/>
-              <a:t>7/9/2020</a:t>
+              <a:t>7/26/2020</a:t>
             </a:fld>
             <a:endParaRPr lang="en-US"/>
           </a:p>
@@ -862,9 +1223,9 @@
           <a:bodyPr/>
           <a:lstStyle/>
           <a:p>
-            <a:fld id="{9728C758-8AFA-462E-8C2D-15409ABDB154}" type="datetimeFigureOut">
+            <a:fld id="{9F535B62-2A88-4150-B93F-F0529DC8A71D}" type="datetime1">
               <a:rPr lang="en-US" smtClean="0"/>
-              <a:t>7/9/2020</a:t>
+              <a:t>7/26/2020</a:t>
             </a:fld>
             <a:endParaRPr lang="en-US"/>
           </a:p>
@@ -924,6 +1285,42 @@
           </a:p>
         </p:txBody>
       </p:sp>
+      <p:pic>
+        <p:nvPicPr>
+          <p:cNvPr id="8" name="Picture 7" descr="A close up of text on a white background&#10;&#10;Description automatically generated">
+            <a:extLst>
+              <a:ext uri="{FF2B5EF4-FFF2-40B4-BE49-F238E27FC236}">
+                <a16:creationId xmlns:a16="http://schemas.microsoft.com/office/drawing/2014/main" id="{421CA631-650F-456F-BAB3-8A47F3994807}"/>
+              </a:ext>
+            </a:extLst>
+          </p:cNvPr>
+          <p:cNvPicPr>
+            <a:picLocks noChangeAspect="1"/>
+          </p:cNvPicPr>
+          <p:nvPr userDrawn="1"/>
+        </p:nvPicPr>
+        <p:blipFill rotWithShape="1">
+          <a:blip r:embed="rId2">
+            <a:alphaModFix amt="5000"/>
+            <a:extLst>
+              <a:ext uri="{28A0092B-C50C-407E-A947-70E740481C1C}">
+                <a14:useLocalDpi xmlns:a14="http://schemas.microsoft.com/office/drawing/2010/main" val="0"/>
+              </a:ext>
+            </a:extLst>
+          </a:blip>
+          <a:srcRect t="15888" b="7957"/>
+          <a:stretch/>
+        </p:blipFill>
+        <p:spPr>
+          <a:xfrm>
+            <a:off x="0" y="0"/>
+            <a:ext cx="12192000" cy="6852952"/>
+          </a:xfrm>
+          <a:prstGeom prst="rect">
+            <a:avLst/>
+          </a:prstGeom>
+        </p:spPr>
+      </p:pic>
     </p:spTree>
     <p:extLst>
       <p:ext uri="{BB962C8B-B14F-4D97-AF65-F5344CB8AC3E}">
@@ -1137,9 +1534,9 @@
           <a:bodyPr/>
           <a:lstStyle/>
           <a:p>
-            <a:fld id="{9728C758-8AFA-462E-8C2D-15409ABDB154}" type="datetimeFigureOut">
+            <a:fld id="{0976E5EB-E45D-4220-918D-0C3E463C2314}" type="datetime1">
               <a:rPr lang="en-US" smtClean="0"/>
-              <a:t>7/9/2020</a:t>
+              <a:t>7/26/2020</a:t>
             </a:fld>
             <a:endParaRPr lang="en-US"/>
           </a:p>
@@ -1402,9 +1799,9 @@
           <a:bodyPr/>
           <a:lstStyle/>
           <a:p>
-            <a:fld id="{9728C758-8AFA-462E-8C2D-15409ABDB154}" type="datetimeFigureOut">
+            <a:fld id="{525F1668-20D9-46A7-86BB-48F86F4D7660}" type="datetime1">
               <a:rPr lang="en-US" smtClean="0"/>
-              <a:t>7/9/2020</a:t>
+              <a:t>7/26/2020</a:t>
             </a:fld>
             <a:endParaRPr lang="en-US"/>
           </a:p>
@@ -1814,9 +2211,9 @@
           <a:bodyPr/>
           <a:lstStyle/>
           <a:p>
-            <a:fld id="{9728C758-8AFA-462E-8C2D-15409ABDB154}" type="datetimeFigureOut">
+            <a:fld id="{F6FB28C1-B380-4E38-ADE6-5D441BEFCDCA}" type="datetime1">
               <a:rPr lang="en-US" smtClean="0"/>
-              <a:t>7/9/2020</a:t>
+              <a:t>7/26/2020</a:t>
             </a:fld>
             <a:endParaRPr lang="en-US"/>
           </a:p>
@@ -1955,9 +2352,9 @@
           <a:bodyPr/>
           <a:lstStyle/>
           <a:p>
-            <a:fld id="{9728C758-8AFA-462E-8C2D-15409ABDB154}" type="datetimeFigureOut">
+            <a:fld id="{EE159EB3-582F-46E1-A3BB-F82CC3AB30FA}" type="datetime1">
               <a:rPr lang="en-US" smtClean="0"/>
-              <a:t>7/9/2020</a:t>
+              <a:t>7/26/2020</a:t>
             </a:fld>
             <a:endParaRPr lang="en-US"/>
           </a:p>
@@ -2068,9 +2465,9 @@
           <a:bodyPr/>
           <a:lstStyle/>
           <a:p>
-            <a:fld id="{9728C758-8AFA-462E-8C2D-15409ABDB154}" type="datetimeFigureOut">
+            <a:fld id="{97167329-57DD-46F0-BB8C-8EDA39C07A5C}" type="datetime1">
               <a:rPr lang="en-US" smtClean="0"/>
-              <a:t>7/9/2020</a:t>
+              <a:t>7/26/2020</a:t>
             </a:fld>
             <a:endParaRPr lang="en-US"/>
           </a:p>
@@ -2379,9 +2776,9 @@
           <a:bodyPr/>
           <a:lstStyle/>
           <a:p>
-            <a:fld id="{9728C758-8AFA-462E-8C2D-15409ABDB154}" type="datetimeFigureOut">
+            <a:fld id="{DC9D90E0-E22A-4E40-A029-6FF706DF5FD2}" type="datetime1">
               <a:rPr lang="en-US" smtClean="0"/>
-              <a:t>7/9/2020</a:t>
+              <a:t>7/26/2020</a:t>
             </a:fld>
             <a:endParaRPr lang="en-US"/>
           </a:p>
@@ -2667,9 +3064,9 @@
           <a:bodyPr/>
           <a:lstStyle/>
           <a:p>
-            <a:fld id="{9728C758-8AFA-462E-8C2D-15409ABDB154}" type="datetimeFigureOut">
+            <a:fld id="{AB010AF7-7A4A-4423-BB22-BDE17273CE00}" type="datetime1">
               <a:rPr lang="en-US" smtClean="0"/>
-              <a:t>7/9/2020</a:t>
+              <a:t>7/26/2020</a:t>
             </a:fld>
             <a:endParaRPr lang="en-US"/>
           </a:p>
@@ -2908,9 +3305,9 @@
             </a:lvl1pPr>
           </a:lstStyle>
           <a:p>
-            <a:fld id="{9728C758-8AFA-462E-8C2D-15409ABDB154}" type="datetimeFigureOut">
+            <a:fld id="{92ED9411-F502-4267-8E23-CAEA2E642654}" type="datetime1">
               <a:rPr lang="en-US" smtClean="0"/>
-              <a:t>7/9/2020</a:t>
+              <a:t>7/26/2020</a:t>
             </a:fld>
             <a:endParaRPr lang="en-US"/>
           </a:p>
@@ -3027,6 +3424,7 @@
     <p:sldLayoutId id="2147483658" r:id="rId10"/>
     <p:sldLayoutId id="2147483659" r:id="rId11"/>
   </p:sldLayoutIdLst>
+  <p:hf hdr="0" ftr="0" dt="0"/>
   <p:txStyles>
     <p:titleStyle>
       <a:lvl1pPr algn="l" defTabSz="914400" rtl="0" eaLnBrk="1" latinLnBrk="0" hangingPunct="1">
@@ -3313,6 +3711,14 @@
 <file path=ppt/slides/slide1.xml><?xml version="1.0" encoding="utf-8"?>
 <p:sld xmlns:a="http://schemas.openxmlformats.org/drawingml/2006/main" xmlns:r="http://schemas.openxmlformats.org/officeDocument/2006/relationships" xmlns:p="http://schemas.openxmlformats.org/presentationml/2006/main">
   <p:cSld>
+    <p:bg>
+      <p:bgPr>
+        <a:solidFill>
+          <a:schemeClr val="bg1"/>
+        </a:solidFill>
+        <a:effectLst/>
+      </p:bgPr>
+    </p:bg>
     <p:spTree>
       <p:nvGrpSpPr>
         <p:cNvPr id="1" name=""/>
@@ -3329,99 +3735,460 @@
       </p:grpSpPr>
       <p:sp>
         <p:nvSpPr>
-          <p:cNvPr id="2" name="Title 1">
-            <a:extLst>
-              <a:ext uri="{FF2B5EF4-FFF2-40B4-BE49-F238E27FC236}">
-                <a16:creationId xmlns:a16="http://schemas.microsoft.com/office/drawing/2014/main" id="{1B545B31-9CA2-4994-AF23-96DF0F9347C5}"/>
-              </a:ext>
-            </a:extLst>
-          </p:cNvPr>
-          <p:cNvSpPr>
-            <a:spLocks noGrp="1"/>
-          </p:cNvSpPr>
-          <p:nvPr>
-            <p:ph type="ctrTitle"/>
+          <p:cNvPr id="12" name="Rectangle 11">
+            <a:extLst>
+              <a:ext uri="{FF2B5EF4-FFF2-40B4-BE49-F238E27FC236}">
+                <a16:creationId xmlns:a16="http://schemas.microsoft.com/office/drawing/2014/main" id="{AFA67CD3-AB4E-4A7A-BEB8-53C445D8C44E}"/>
+              </a:ext>
+              <a:ext uri="{C183D7F6-B498-43B3-948B-1728B52AA6E4}">
+                <adec:decorative xmlns:adec="http://schemas.microsoft.com/office/drawing/2017/decorative" val="1"/>
+              </a:ext>
+            </a:extLst>
+          </p:cNvPr>
+          <p:cNvSpPr>
+            <a:spLocks noGrp="1" noRot="1" noChangeAspect="1" noMove="1" noResize="1" noEditPoints="1" noAdjustHandles="1" noChangeArrowheads="1" noChangeShapeType="1" noTextEdit="1"/>
+          </p:cNvSpPr>
+          <p:nvPr>
+            <p:extLst>
+              <p:ext uri="{386F3935-93C4-4BCD-93E2-E3B085C9AB24}">
+                <p16:designElem xmlns:p16="http://schemas.microsoft.com/office/powerpoint/2015/main" val="1"/>
+              </p:ext>
+            </p:extLst>
           </p:nvPr>
         </p:nvSpPr>
         <p:spPr>
           <a:xfrm>
-            <a:off x="1524000" y="665163"/>
-            <a:ext cx="9144000" cy="2047557"/>
+            <a:off x="1" y="3726"/>
+            <a:ext cx="5614875" cy="6858000"/>
+          </a:xfrm>
+          <a:prstGeom prst="rect">
+            <a:avLst/>
+          </a:prstGeom>
+          <a:gradFill>
+            <a:gsLst>
+              <a:gs pos="0">
+                <a:schemeClr val="accent1">
+                  <a:lumMod val="100000"/>
+                  <a:alpha val="82000"/>
+                </a:schemeClr>
+              </a:gs>
+              <a:gs pos="25000">
+                <a:schemeClr val="accent1">
+                  <a:alpha val="60000"/>
+                </a:schemeClr>
+              </a:gs>
+              <a:gs pos="94000">
+                <a:schemeClr val="bg2">
+                  <a:lumMod val="75000"/>
+                </a:schemeClr>
+              </a:gs>
+              <a:gs pos="100000">
+                <a:schemeClr val="bg2">
+                  <a:lumMod val="75000"/>
+                </a:schemeClr>
+              </a:gs>
+            </a:gsLst>
+            <a:lin ang="4200000" scaled="0"/>
+          </a:gradFill>
+          <a:ln>
+            <a:noFill/>
+          </a:ln>
+        </p:spPr>
+        <p:style>
+          <a:lnRef idx="2">
+            <a:schemeClr val="accent1">
+              <a:shade val="50000"/>
+            </a:schemeClr>
+          </a:lnRef>
+          <a:fillRef idx="1">
+            <a:schemeClr val="accent1"/>
+          </a:fillRef>
+          <a:effectRef idx="0">
+            <a:schemeClr val="accent1"/>
+          </a:effectRef>
+          <a:fontRef idx="minor">
+            <a:schemeClr val="lt1"/>
+          </a:fontRef>
+        </p:style>
+        <p:txBody>
+          <a:bodyPr rtlCol="0" anchor="ctr"/>
+          <a:lstStyle/>
+          <a:p>
+            <a:pPr algn="ctr"/>
+            <a:endParaRPr lang="en-US"/>
+          </a:p>
+        </p:txBody>
+      </p:sp>
+      <p:pic>
+        <p:nvPicPr>
+          <p:cNvPr id="14" name="Picture 13">
+            <a:extLst>
+              <a:ext uri="{FF2B5EF4-FFF2-40B4-BE49-F238E27FC236}">
+                <a16:creationId xmlns:a16="http://schemas.microsoft.com/office/drawing/2014/main" id="{07CF545F-9C2E-4446-97CD-AD92990C2B68}"/>
+              </a:ext>
+              <a:ext uri="{C183D7F6-B498-43B3-948B-1728B52AA6E4}">
+                <adec:decorative xmlns:adec="http://schemas.microsoft.com/office/drawing/2017/decorative" val="1"/>
+              </a:ext>
+            </a:extLst>
+          </p:cNvPr>
+          <p:cNvPicPr>
+            <a:picLocks noGrp="1" noRot="1" noChangeAspect="1" noMove="1" noResize="1" noEditPoints="1" noAdjustHandles="1" noChangeArrowheads="1" noChangeShapeType="1" noCrop="1"/>
+          </p:cNvPicPr>
+          <p:nvPr>
+            <p:extLst>
+              <p:ext uri="{386F3935-93C4-4BCD-93E2-E3B085C9AB24}">
+                <p16:designElem xmlns:p16="http://schemas.microsoft.com/office/powerpoint/2015/main" val="1"/>
+              </p:ext>
+            </p:extLst>
+          </p:nvPr>
+        </p:nvPicPr>
+        <p:blipFill>
+          <a:blip r:embed="rId2">
+            <a:extLst>
+              <a:ext uri="{28A0092B-C50C-407E-A947-70E740481C1C}">
+                <a14:useLocalDpi xmlns:a14="http://schemas.microsoft.com/office/drawing/2010/main" val="0"/>
+              </a:ext>
+            </a:extLst>
+          </a:blip>
+          <a:stretch>
+            <a:fillRect/>
+          </a:stretch>
+        </p:blipFill>
+        <p:spPr>
+          <a:xfrm>
+            <a:off x="0" y="0"/>
+            <a:ext cx="12192000" cy="6858000"/>
+          </a:xfrm>
+          <a:prstGeom prst="rect">
+            <a:avLst/>
+          </a:prstGeom>
+        </p:spPr>
+      </p:pic>
+      <p:sp>
+        <p:nvSpPr>
+          <p:cNvPr id="2" name="Title 1">
+            <a:extLst>
+              <a:ext uri="{FF2B5EF4-FFF2-40B4-BE49-F238E27FC236}">
+                <a16:creationId xmlns:a16="http://schemas.microsoft.com/office/drawing/2014/main" id="{1B545B31-9CA2-4994-AF23-96DF0F9347C5}"/>
+              </a:ext>
+            </a:extLst>
+          </p:cNvPr>
+          <p:cNvSpPr>
+            <a:spLocks noGrp="1"/>
+          </p:cNvSpPr>
+          <p:nvPr>
+            <p:ph type="ctrTitle"/>
+          </p:nvPr>
+        </p:nvSpPr>
+        <p:spPr>
+          <a:xfrm>
+            <a:off x="5270090" y="186812"/>
+            <a:ext cx="6705600" cy="2004375"/>
           </a:xfrm>
         </p:spPr>
         <p:txBody>
-          <a:bodyPr/>
+          <a:bodyPr vert="horz" lIns="91440" tIns="45720" rIns="91440" bIns="45720" rtlCol="0" anchor="ctr">
+            <a:normAutofit/>
+          </a:bodyPr>
           <a:lstStyle/>
           <a:p>
             <a:r>
-              <a:rPr lang="en-US" b="1" dirty="0" err="1"/>
+              <a:rPr lang="en-US" sz="4800" b="1" kern="1200" dirty="0" err="1">
+                <a:solidFill>
+                  <a:srgbClr val="000000"/>
+                </a:solidFill>
+                <a:effectLst>
+                  <a:glow rad="139700">
+                    <a:schemeClr val="accent1">
+                      <a:satMod val="175000"/>
+                      <a:alpha val="40000"/>
+                    </a:schemeClr>
+                  </a:glow>
+                </a:effectLst>
+                <a:latin typeface="+mj-lt"/>
+                <a:ea typeface="+mj-ea"/>
+                <a:cs typeface="+mj-cs"/>
+              </a:rPr>
               <a:t>EmoJ</a:t>
             </a:r>
             <a:r>
-              <a:rPr lang="en-US" b="1" dirty="0"/>
-              <a:t>       – A Journal of emotional state</a:t>
-            </a:r>
-          </a:p>
-        </p:txBody>
-      </p:sp>
-      <p:sp>
-        <p:nvSpPr>
-          <p:cNvPr id="3" name="Subtitle 2">
-            <a:extLst>
-              <a:ext uri="{FF2B5EF4-FFF2-40B4-BE49-F238E27FC236}">
-                <a16:creationId xmlns:a16="http://schemas.microsoft.com/office/drawing/2014/main" id="{74DC56C8-F7DE-4640-AA15-646294E05434}"/>
-              </a:ext>
-            </a:extLst>
-          </p:cNvPr>
-          <p:cNvSpPr>
-            <a:spLocks noGrp="1"/>
-          </p:cNvSpPr>
-          <p:nvPr>
-            <p:ph type="subTitle" idx="1"/>
+              <a:rPr lang="en-US" sz="4800" b="1" kern="1200" dirty="0">
+                <a:solidFill>
+                  <a:srgbClr val="000000"/>
+                </a:solidFill>
+                <a:effectLst>
+                  <a:glow rad="139700">
+                    <a:schemeClr val="accent1">
+                      <a:satMod val="175000"/>
+                      <a:alpha val="40000"/>
+                    </a:schemeClr>
+                  </a:glow>
+                </a:effectLst>
+                <a:latin typeface="+mj-lt"/>
+                <a:ea typeface="+mj-ea"/>
+                <a:cs typeface="+mj-cs"/>
+              </a:rPr>
+              <a:t>– A Journal of emotional state</a:t>
+            </a:r>
+          </a:p>
+        </p:txBody>
+      </p:sp>
+      <p:sp>
+        <p:nvSpPr>
+          <p:cNvPr id="16" name="Freeform 62">
+            <a:extLst>
+              <a:ext uri="{FF2B5EF4-FFF2-40B4-BE49-F238E27FC236}">
+                <a16:creationId xmlns:a16="http://schemas.microsoft.com/office/drawing/2014/main" id="{339C8D78-A644-462F-B674-F440635E5353}"/>
+              </a:ext>
+              <a:ext uri="{C183D7F6-B498-43B3-948B-1728B52AA6E4}">
+                <adec:decorative xmlns:adec="http://schemas.microsoft.com/office/drawing/2017/decorative" val="1"/>
+              </a:ext>
+            </a:extLst>
+          </p:cNvPr>
+          <p:cNvSpPr>
+            <a:spLocks noGrp="1" noRot="1" noChangeAspect="1" noMove="1" noResize="1" noEditPoints="1" noAdjustHandles="1" noChangeArrowheads="1" noChangeShapeType="1" noTextEdit="1"/>
+          </p:cNvSpPr>
+          <p:nvPr>
+            <p:extLst>
+              <p:ext uri="{386F3935-93C4-4BCD-93E2-E3B085C9AB24}">
+                <p16:designElem xmlns:p16="http://schemas.microsoft.com/office/powerpoint/2015/main" val="1"/>
+              </p:ext>
+            </p:extLst>
           </p:nvPr>
         </p:nvSpPr>
         <p:spPr>
           <a:xfrm>
-            <a:off x="1422400" y="3774440"/>
-            <a:ext cx="9144000" cy="2636520"/>
+            <a:off x="0" y="738619"/>
+            <a:ext cx="5000438" cy="5400962"/>
+          </a:xfrm>
+          <a:custGeom>
+            <a:avLst/>
+            <a:gdLst>
+              <a:gd name="connsiteX0" fmla="*/ 2299956 w 5000438"/>
+              <a:gd name="connsiteY0" fmla="*/ 0 h 5400962"/>
+              <a:gd name="connsiteX1" fmla="*/ 5000438 w 5000438"/>
+              <a:gd name="connsiteY1" fmla="*/ 2700481 h 5400962"/>
+              <a:gd name="connsiteX2" fmla="*/ 2299956 w 5000438"/>
+              <a:gd name="connsiteY2" fmla="*/ 5400962 h 5400962"/>
+              <a:gd name="connsiteX3" fmla="*/ 60675 w 5000438"/>
+              <a:gd name="connsiteY3" fmla="*/ 4210346 h 5400962"/>
+              <a:gd name="connsiteX4" fmla="*/ 0 w 5000438"/>
+              <a:gd name="connsiteY4" fmla="*/ 4110472 h 5400962"/>
+              <a:gd name="connsiteX5" fmla="*/ 0 w 5000438"/>
+              <a:gd name="connsiteY5" fmla="*/ 1290491 h 5400962"/>
+              <a:gd name="connsiteX6" fmla="*/ 60675 w 5000438"/>
+              <a:gd name="connsiteY6" fmla="*/ 1190617 h 5400962"/>
+              <a:gd name="connsiteX7" fmla="*/ 2299956 w 5000438"/>
+              <a:gd name="connsiteY7" fmla="*/ 0 h 5400962"/>
+            </a:gdLst>
+            <a:ahLst/>
+            <a:cxnLst>
+              <a:cxn ang="0">
+                <a:pos x="connsiteX0" y="connsiteY0"/>
+              </a:cxn>
+              <a:cxn ang="0">
+                <a:pos x="connsiteX1" y="connsiteY1"/>
+              </a:cxn>
+              <a:cxn ang="0">
+                <a:pos x="connsiteX2" y="connsiteY2"/>
+              </a:cxn>
+              <a:cxn ang="0">
+                <a:pos x="connsiteX3" y="connsiteY3"/>
+              </a:cxn>
+              <a:cxn ang="0">
+                <a:pos x="connsiteX4" y="connsiteY4"/>
+              </a:cxn>
+              <a:cxn ang="0">
+                <a:pos x="connsiteX5" y="connsiteY5"/>
+              </a:cxn>
+              <a:cxn ang="0">
+                <a:pos x="connsiteX6" y="connsiteY6"/>
+              </a:cxn>
+              <a:cxn ang="0">
+                <a:pos x="connsiteX7" y="connsiteY7"/>
+              </a:cxn>
+            </a:cxnLst>
+            <a:rect l="l" t="t" r="r" b="b"/>
+            <a:pathLst>
+              <a:path w="5000438" h="5400962">
+                <a:moveTo>
+                  <a:pt x="2299956" y="0"/>
+                </a:moveTo>
+                <a:cubicBezTo>
+                  <a:pt x="3791390" y="0"/>
+                  <a:pt x="5000438" y="1209047"/>
+                  <a:pt x="5000438" y="2700481"/>
+                </a:cubicBezTo>
+                <a:cubicBezTo>
+                  <a:pt x="5000438" y="4191915"/>
+                  <a:pt x="3791390" y="5400962"/>
+                  <a:pt x="2299956" y="5400962"/>
+                </a:cubicBezTo>
+                <a:cubicBezTo>
+                  <a:pt x="1367810" y="5400962"/>
+                  <a:pt x="545971" y="4928678"/>
+                  <a:pt x="60675" y="4210346"/>
+                </a:cubicBezTo>
+                <a:lnTo>
+                  <a:pt x="0" y="4110472"/>
+                </a:lnTo>
+                <a:lnTo>
+                  <a:pt x="0" y="1290491"/>
+                </a:lnTo>
+                <a:lnTo>
+                  <a:pt x="60675" y="1190617"/>
+                </a:lnTo>
+                <a:cubicBezTo>
+                  <a:pt x="545971" y="472284"/>
+                  <a:pt x="1367810" y="0"/>
+                  <a:pt x="2299956" y="0"/>
+                </a:cubicBezTo>
+                <a:close/>
+              </a:path>
+            </a:pathLst>
+          </a:custGeom>
+          <a:solidFill>
+            <a:srgbClr val="FFFFFF"/>
+          </a:solidFill>
+          <a:ln>
+            <a:gradFill>
+              <a:gsLst>
+                <a:gs pos="0">
+                  <a:schemeClr val="accent1">
+                    <a:lumMod val="40000"/>
+                    <a:lumOff val="60000"/>
+                  </a:schemeClr>
+                </a:gs>
+                <a:gs pos="23000">
+                  <a:schemeClr val="accent1">
+                    <a:lumMod val="45000"/>
+                    <a:lumOff val="55000"/>
+                  </a:schemeClr>
+                </a:gs>
+                <a:gs pos="83000">
+                  <a:schemeClr val="bg2">
+                    <a:lumMod val="85000"/>
+                  </a:schemeClr>
+                </a:gs>
+                <a:gs pos="100000">
+                  <a:schemeClr val="bg2">
+                    <a:lumMod val="85000"/>
+                  </a:schemeClr>
+                </a:gs>
+              </a:gsLst>
+              <a:lin ang="5400000" scaled="1"/>
+            </a:gradFill>
+          </a:ln>
+        </p:spPr>
+        <p:style>
+          <a:lnRef idx="2">
+            <a:schemeClr val="accent1">
+              <a:shade val="50000"/>
+            </a:schemeClr>
+          </a:lnRef>
+          <a:fillRef idx="1">
+            <a:schemeClr val="accent1"/>
+          </a:fillRef>
+          <a:effectRef idx="0">
+            <a:schemeClr val="accent1"/>
+          </a:effectRef>
+          <a:fontRef idx="minor">
+            <a:schemeClr val="lt1"/>
+          </a:fontRef>
+        </p:style>
+        <p:txBody>
+          <a:bodyPr wrap="square" rtlCol="0" anchor="ctr">
+            <a:noAutofit/>
+          </a:bodyPr>
+          <a:lstStyle/>
+          <a:p>
+            <a:pPr algn="ctr"/>
+            <a:endParaRPr lang="en-US"/>
+          </a:p>
+        </p:txBody>
+      </p:sp>
+      <p:sp>
+        <p:nvSpPr>
+          <p:cNvPr id="3" name="Subtitle 2">
+            <a:extLst>
+              <a:ext uri="{FF2B5EF4-FFF2-40B4-BE49-F238E27FC236}">
+                <a16:creationId xmlns:a16="http://schemas.microsoft.com/office/drawing/2014/main" id="{74DC56C8-F7DE-4640-AA15-646294E05434}"/>
+              </a:ext>
+            </a:extLst>
+          </p:cNvPr>
+          <p:cNvSpPr>
+            <a:spLocks noGrp="1"/>
+          </p:cNvSpPr>
+          <p:nvPr>
+            <p:ph type="subTitle" idx="1"/>
+          </p:nvPr>
+        </p:nvSpPr>
+        <p:spPr>
+          <a:xfrm>
+            <a:off x="6236094" y="3429000"/>
+            <a:ext cx="4977578" cy="3242188"/>
           </a:xfrm>
         </p:spPr>
         <p:txBody>
-          <a:bodyPr>
-            <a:normAutofit lnSpcReduction="10000"/>
+          <a:bodyPr vert="horz" lIns="91440" tIns="45720" rIns="91440" bIns="45720" rtlCol="0" anchor="ctr">
+            <a:normAutofit/>
           </a:bodyPr>
           <a:lstStyle/>
           <a:p>
             <a:r>
-              <a:rPr lang="en-US" dirty="0"/>
+              <a:rPr lang="en-US" sz="2000" dirty="0">
+                <a:solidFill>
+                  <a:srgbClr val="000000"/>
+                </a:solidFill>
+              </a:rPr>
               <a:t>Chamila Dharmawardhana, PhD</a:t>
             </a:r>
           </a:p>
           <a:p>
-            <a:endParaRPr lang="en-US" dirty="0"/>
-          </a:p>
-          <a:p>
-            <a:r>
-              <a:rPr lang="en-US" dirty="0"/>
+            <a:endParaRPr lang="en-US" sz="2000" dirty="0">
+              <a:solidFill>
+                <a:srgbClr val="000000"/>
+              </a:solidFill>
+            </a:endParaRPr>
+          </a:p>
+          <a:p>
+            <a:r>
+              <a:rPr lang="en-US" sz="2000" dirty="0">
+                <a:solidFill>
+                  <a:srgbClr val="000000"/>
+                </a:solidFill>
+              </a:rPr>
               <a:t>Capstone project</a:t>
             </a:r>
           </a:p>
           <a:p>
             <a:r>
-              <a:rPr lang="en-US" dirty="0"/>
+              <a:rPr lang="en-US" sz="2000" dirty="0">
+                <a:solidFill>
+                  <a:srgbClr val="000000"/>
+                </a:solidFill>
+              </a:rPr>
               <a:t>Flatiron School </a:t>
             </a:r>
           </a:p>
           <a:p>
             <a:r>
-              <a:rPr lang="en-US" dirty="0"/>
+              <a:rPr lang="en-US" sz="2000" dirty="0">
+                <a:solidFill>
+                  <a:srgbClr val="000000"/>
+                </a:solidFill>
+              </a:rPr>
               <a:t>Data Science </a:t>
             </a:r>
           </a:p>
           <a:p>
             <a:r>
-              <a:rPr lang="en-US" dirty="0"/>
-              <a:t>07/2020</a:t>
+              <a:rPr lang="en-US" sz="2000" dirty="0">
+                <a:solidFill>
+                  <a:srgbClr val="000000"/>
+                </a:solidFill>
+              </a:rPr>
+              <a:t>07/28/2020</a:t>
             </a:r>
           </a:p>
         </p:txBody>
@@ -3440,10 +4207,10 @@
         </p:nvGrpSpPr>
         <p:grpSpPr>
           <a:xfrm>
-            <a:off x="4393190" y="944880"/>
-            <a:ext cx="1052768" cy="1177945"/>
+            <a:off x="816171" y="1865063"/>
+            <a:ext cx="3314842" cy="4139392"/>
             <a:chOff x="8711190" y="2712720"/>
-            <a:chExt cx="1052768" cy="1177945"/>
+            <a:chExt cx="1078641" cy="1346947"/>
           </a:xfrm>
         </p:grpSpPr>
         <p:pic>
@@ -3461,7 +4228,7 @@
             <p:nvPr/>
           </p:nvPicPr>
           <p:blipFill>
-            <a:blip r:embed="rId2">
+            <a:blip r:embed="rId3">
               <a:extLst>
                 <a:ext uri="{28A0092B-C50C-407E-A947-70E740481C1C}">
                   <a14:useLocalDpi xmlns:a14="http://schemas.microsoft.com/office/drawing/2010/main" val="0"/>
@@ -3496,7 +4263,7 @@
           </p:nvSpPr>
           <p:spPr>
             <a:xfrm>
-              <a:off x="9350062" y="2967335"/>
+              <a:off x="9375935" y="3136337"/>
               <a:ext cx="413896" cy="923330"/>
             </a:xfrm>
             <a:prstGeom prst="rect">
@@ -3506,13 +4273,17 @@
           </p:spPr>
           <p:txBody>
             <a:bodyPr wrap="none" lIns="91440" tIns="45720" rIns="91440" bIns="45720">
-              <a:spAutoFit/>
+              <a:normAutofit/>
             </a:bodyPr>
             <a:lstStyle/>
             <a:p>
-              <a:pPr algn="ctr"/>
+              <a:pPr algn="ctr">
+                <a:spcAft>
+                  <a:spcPts val="600"/>
+                </a:spcAft>
+              </a:pPr>
               <a:r>
-                <a:rPr lang="en-US" sz="5400" b="1" dirty="0">
+                <a:rPr lang="en-US" sz="12800" b="1" dirty="0">
                   <a:ln w="6600">
                     <a:solidFill>
                       <a:schemeClr val="tx1"/>
@@ -3534,6 +4305,41 @@
           </p:txBody>
         </p:sp>
       </p:grpSp>
+      <p:pic>
+        <p:nvPicPr>
+          <p:cNvPr id="8" name="Picture 7" descr="A close up of text on a white background&#10;&#10;Description automatically generated">
+            <a:extLst>
+              <a:ext uri="{FF2B5EF4-FFF2-40B4-BE49-F238E27FC236}">
+                <a16:creationId xmlns:a16="http://schemas.microsoft.com/office/drawing/2014/main" id="{B1281412-48A6-4FC9-BB45-3CB347D60E68}"/>
+              </a:ext>
+            </a:extLst>
+          </p:cNvPr>
+          <p:cNvPicPr>
+            <a:picLocks noChangeAspect="1"/>
+          </p:cNvPicPr>
+          <p:nvPr/>
+        </p:nvPicPr>
+        <p:blipFill rotWithShape="1">
+          <a:blip r:embed="rId4">
+            <a:extLst>
+              <a:ext uri="{28A0092B-C50C-407E-A947-70E740481C1C}">
+                <a14:useLocalDpi xmlns:a14="http://schemas.microsoft.com/office/drawing/2010/main" val="0"/>
+              </a:ext>
+            </a:extLst>
+          </a:blip>
+          <a:srcRect t="15888" b="7957"/>
+          <a:stretch/>
+        </p:blipFill>
+        <p:spPr>
+          <a:xfrm>
+            <a:off x="7927560" y="2315545"/>
+            <a:ext cx="1594645" cy="1214421"/>
+          </a:xfrm>
+          <a:prstGeom prst="rect">
+            <a:avLst/>
+          </a:prstGeom>
+        </p:spPr>
+      </p:pic>
     </p:spTree>
     <p:extLst>
       <p:ext uri="{BB962C8B-B14F-4D97-AF65-F5344CB8AC3E}">
@@ -3547,7 +4353,935 @@
 </p:sld>
 </file>
 
-<file path=ppt/slides/slide2.xml><?xml version="1.0" encoding="utf-8"?>
+<file path=ppt/slides/slide10.xml><?xml version="1.0" encoding="utf-8"?>
+<p:sld xmlns:a="http://schemas.openxmlformats.org/drawingml/2006/main" xmlns:r="http://schemas.openxmlformats.org/officeDocument/2006/relationships" xmlns:p="http://schemas.openxmlformats.org/presentationml/2006/main">
+  <p:cSld>
+    <p:bg>
+      <p:bgPr>
+        <a:solidFill>
+          <a:schemeClr val="bg1"/>
+        </a:solidFill>
+        <a:effectLst/>
+      </p:bgPr>
+    </p:bg>
+    <p:spTree>
+      <p:nvGrpSpPr>
+        <p:cNvPr id="1" name=""/>
+        <p:cNvGrpSpPr/>
+        <p:nvPr/>
+      </p:nvGrpSpPr>
+      <p:grpSpPr>
+        <a:xfrm>
+          <a:off x="0" y="0"/>
+          <a:ext cx="0" cy="0"/>
+          <a:chOff x="0" y="0"/>
+          <a:chExt cx="0" cy="0"/>
+        </a:xfrm>
+      </p:grpSpPr>
+      <p:sp>
+        <p:nvSpPr>
+          <p:cNvPr id="16" name="Rectangle 15">
+            <a:extLst>
+              <a:ext uri="{FF2B5EF4-FFF2-40B4-BE49-F238E27FC236}">
+                <a16:creationId xmlns:a16="http://schemas.microsoft.com/office/drawing/2014/main" id="{35555856-9970-4BC3-9AA9-6A917F53AFBD}"/>
+              </a:ext>
+              <a:ext uri="{C183D7F6-B498-43B3-948B-1728B52AA6E4}">
+                <adec:decorative xmlns:adec="http://schemas.microsoft.com/office/drawing/2017/decorative" val="1"/>
+              </a:ext>
+            </a:extLst>
+          </p:cNvPr>
+          <p:cNvSpPr>
+            <a:spLocks noGrp="1" noRot="1" noChangeAspect="1" noMove="1" noResize="1" noEditPoints="1" noAdjustHandles="1" noChangeArrowheads="1" noChangeShapeType="1" noTextEdit="1"/>
+          </p:cNvSpPr>
+          <p:nvPr>
+            <p:extLst>
+              <p:ext uri="{386F3935-93C4-4BCD-93E2-E3B085C9AB24}">
+                <p16:designElem xmlns:p16="http://schemas.microsoft.com/office/powerpoint/2015/main" val="1"/>
+              </p:ext>
+            </p:extLst>
+          </p:nvPr>
+        </p:nvSpPr>
+        <p:spPr>
+          <a:xfrm flipH="1">
+            <a:off x="0" y="0"/>
+            <a:ext cx="6421721" cy="6858000"/>
+          </a:xfrm>
+          <a:prstGeom prst="rect">
+            <a:avLst/>
+          </a:prstGeom>
+          <a:gradFill>
+            <a:gsLst>
+              <a:gs pos="0">
+                <a:schemeClr val="accent1">
+                  <a:lumMod val="100000"/>
+                  <a:alpha val="82000"/>
+                </a:schemeClr>
+              </a:gs>
+              <a:gs pos="25000">
+                <a:schemeClr val="accent1">
+                  <a:alpha val="60000"/>
+                </a:schemeClr>
+              </a:gs>
+              <a:gs pos="94000">
+                <a:schemeClr val="bg2">
+                  <a:lumMod val="75000"/>
+                </a:schemeClr>
+              </a:gs>
+              <a:gs pos="100000">
+                <a:schemeClr val="bg2">
+                  <a:lumMod val="75000"/>
+                </a:schemeClr>
+              </a:gs>
+            </a:gsLst>
+            <a:lin ang="4200000" scaled="0"/>
+          </a:gradFill>
+          <a:ln>
+            <a:noFill/>
+          </a:ln>
+        </p:spPr>
+        <p:style>
+          <a:lnRef idx="2">
+            <a:schemeClr val="accent1">
+              <a:shade val="50000"/>
+            </a:schemeClr>
+          </a:lnRef>
+          <a:fillRef idx="1">
+            <a:schemeClr val="accent1"/>
+          </a:fillRef>
+          <a:effectRef idx="0">
+            <a:schemeClr val="accent1"/>
+          </a:effectRef>
+          <a:fontRef idx="minor">
+            <a:schemeClr val="lt1"/>
+          </a:fontRef>
+        </p:style>
+        <p:txBody>
+          <a:bodyPr rtlCol="0" anchor="ctr"/>
+          <a:lstStyle/>
+          <a:p>
+            <a:pPr algn="ctr"/>
+            <a:endParaRPr lang="en-US"/>
+          </a:p>
+        </p:txBody>
+      </p:sp>
+      <p:pic>
+        <p:nvPicPr>
+          <p:cNvPr id="18" name="Picture 17">
+            <a:extLst>
+              <a:ext uri="{FF2B5EF4-FFF2-40B4-BE49-F238E27FC236}">
+                <a16:creationId xmlns:a16="http://schemas.microsoft.com/office/drawing/2014/main" id="{7F487851-BFAF-46D8-A1ED-50CAD6E46F59}"/>
+              </a:ext>
+              <a:ext uri="{C183D7F6-B498-43B3-948B-1728B52AA6E4}">
+                <adec:decorative xmlns:adec="http://schemas.microsoft.com/office/drawing/2017/decorative" val="1"/>
+              </a:ext>
+            </a:extLst>
+          </p:cNvPr>
+          <p:cNvPicPr>
+            <a:picLocks noGrp="1" noRot="1" noChangeAspect="1" noMove="1" noResize="1" noEditPoints="1" noAdjustHandles="1" noChangeArrowheads="1" noChangeShapeType="1" noCrop="1"/>
+          </p:cNvPicPr>
+          <p:nvPr>
+            <p:extLst>
+              <p:ext uri="{386F3935-93C4-4BCD-93E2-E3B085C9AB24}">
+                <p16:designElem xmlns:p16="http://schemas.microsoft.com/office/powerpoint/2015/main" val="1"/>
+              </p:ext>
+            </p:extLst>
+          </p:nvPr>
+        </p:nvPicPr>
+        <p:blipFill>
+          <a:blip r:embed="rId2">
+            <a:extLst>
+              <a:ext uri="{28A0092B-C50C-407E-A947-70E740481C1C}">
+                <a14:useLocalDpi xmlns:a14="http://schemas.microsoft.com/office/drawing/2010/main" val="0"/>
+              </a:ext>
+            </a:extLst>
+          </a:blip>
+          <a:stretch>
+            <a:fillRect/>
+          </a:stretch>
+        </p:blipFill>
+        <p:spPr>
+          <a:xfrm>
+            <a:off x="0" y="0"/>
+            <a:ext cx="12192000" cy="6858000"/>
+          </a:xfrm>
+          <a:prstGeom prst="rect">
+            <a:avLst/>
+          </a:prstGeom>
+        </p:spPr>
+      </p:pic>
+      <p:sp>
+        <p:nvSpPr>
+          <p:cNvPr id="2" name="Title 1">
+            <a:extLst>
+              <a:ext uri="{FF2B5EF4-FFF2-40B4-BE49-F238E27FC236}">
+                <a16:creationId xmlns:a16="http://schemas.microsoft.com/office/drawing/2014/main" id="{CC7FBDA6-AD21-4B9B-BDBD-A6B54D426A3A}"/>
+              </a:ext>
+            </a:extLst>
+          </p:cNvPr>
+          <p:cNvSpPr>
+            <a:spLocks noGrp="1"/>
+          </p:cNvSpPr>
+          <p:nvPr>
+            <p:ph type="title"/>
+          </p:nvPr>
+        </p:nvSpPr>
+        <p:spPr>
+          <a:xfrm>
+            <a:off x="7374195" y="480577"/>
+            <a:ext cx="3368362" cy="1297115"/>
+          </a:xfrm>
+        </p:spPr>
+        <p:txBody>
+          <a:bodyPr vert="horz" lIns="91440" tIns="45720" rIns="91440" bIns="45720" rtlCol="0" anchor="t">
+            <a:noAutofit/>
+          </a:bodyPr>
+          <a:lstStyle/>
+          <a:p>
+            <a:r>
+              <a:rPr lang="en-US" sz="5400" b="1" kern="1200" dirty="0">
+                <a:solidFill>
+                  <a:srgbClr val="000000"/>
+                </a:solidFill>
+                <a:latin typeface="+mj-lt"/>
+                <a:ea typeface="+mj-ea"/>
+                <a:cs typeface="+mj-cs"/>
+              </a:rPr>
+              <a:t>Thank You</a:t>
+            </a:r>
+          </a:p>
+        </p:txBody>
+      </p:sp>
+      <p:sp>
+        <p:nvSpPr>
+          <p:cNvPr id="20" name="Freeform 50">
+            <a:extLst>
+              <a:ext uri="{FF2B5EF4-FFF2-40B4-BE49-F238E27FC236}">
+                <a16:creationId xmlns:a16="http://schemas.microsoft.com/office/drawing/2014/main" id="{13722DD7-BA73-4776-93A3-94491FEF7260}"/>
+              </a:ext>
+              <a:ext uri="{C183D7F6-B498-43B3-948B-1728B52AA6E4}">
+                <adec:decorative xmlns:adec="http://schemas.microsoft.com/office/drawing/2017/decorative" val="1"/>
+              </a:ext>
+            </a:extLst>
+          </p:cNvPr>
+          <p:cNvSpPr>
+            <a:spLocks noGrp="1" noRot="1" noChangeAspect="1" noMove="1" noResize="1" noEditPoints="1" noAdjustHandles="1" noChangeArrowheads="1" noChangeShapeType="1" noTextEdit="1"/>
+          </p:cNvSpPr>
+          <p:nvPr>
+            <p:extLst>
+              <p:ext uri="{386F3935-93C4-4BCD-93E2-E3B085C9AB24}">
+                <p16:designElem xmlns:p16="http://schemas.microsoft.com/office/powerpoint/2015/main" val="1"/>
+              </p:ext>
+            </p:extLst>
+          </p:nvPr>
+        </p:nvSpPr>
+        <p:spPr>
+          <a:xfrm flipH="1">
+            <a:off x="0" y="581159"/>
+            <a:ext cx="5464879" cy="6276841"/>
+          </a:xfrm>
+          <a:custGeom>
+            <a:avLst/>
+            <a:gdLst>
+              <a:gd name="connsiteX0" fmla="*/ 3299930 w 5464879"/>
+              <a:gd name="connsiteY0" fmla="*/ 0 h 6276841"/>
+              <a:gd name="connsiteX1" fmla="*/ 5398992 w 5464879"/>
+              <a:gd name="connsiteY1" fmla="*/ 753544 h 6276841"/>
+              <a:gd name="connsiteX2" fmla="*/ 5464879 w 5464879"/>
+              <a:gd name="connsiteY2" fmla="*/ 813426 h 6276841"/>
+              <a:gd name="connsiteX3" fmla="*/ 5464879 w 5464879"/>
+              <a:gd name="connsiteY3" fmla="*/ 5786434 h 6276841"/>
+              <a:gd name="connsiteX4" fmla="*/ 5398992 w 5464879"/>
+              <a:gd name="connsiteY4" fmla="*/ 5846317 h 6276841"/>
+              <a:gd name="connsiteX5" fmla="*/ 4872873 w 5464879"/>
+              <a:gd name="connsiteY5" fmla="*/ 6201577 h 6276841"/>
+              <a:gd name="connsiteX6" fmla="*/ 4716632 w 5464879"/>
+              <a:gd name="connsiteY6" fmla="*/ 6276841 h 6276841"/>
+              <a:gd name="connsiteX7" fmla="*/ 1883227 w 5464879"/>
+              <a:gd name="connsiteY7" fmla="*/ 6276841 h 6276841"/>
+              <a:gd name="connsiteX8" fmla="*/ 1726987 w 5464879"/>
+              <a:gd name="connsiteY8" fmla="*/ 6201577 h 6276841"/>
+              <a:gd name="connsiteX9" fmla="*/ 0 w 5464879"/>
+              <a:gd name="connsiteY9" fmla="*/ 3299930 h 6276841"/>
+              <a:gd name="connsiteX10" fmla="*/ 3299930 w 5464879"/>
+              <a:gd name="connsiteY10" fmla="*/ 0 h 6276841"/>
+            </a:gdLst>
+            <a:ahLst/>
+            <a:cxnLst>
+              <a:cxn ang="0">
+                <a:pos x="connsiteX0" y="connsiteY0"/>
+              </a:cxn>
+              <a:cxn ang="0">
+                <a:pos x="connsiteX1" y="connsiteY1"/>
+              </a:cxn>
+              <a:cxn ang="0">
+                <a:pos x="connsiteX2" y="connsiteY2"/>
+              </a:cxn>
+              <a:cxn ang="0">
+                <a:pos x="connsiteX3" y="connsiteY3"/>
+              </a:cxn>
+              <a:cxn ang="0">
+                <a:pos x="connsiteX4" y="connsiteY4"/>
+              </a:cxn>
+              <a:cxn ang="0">
+                <a:pos x="connsiteX5" y="connsiteY5"/>
+              </a:cxn>
+              <a:cxn ang="0">
+                <a:pos x="connsiteX6" y="connsiteY6"/>
+              </a:cxn>
+              <a:cxn ang="0">
+                <a:pos x="connsiteX7" y="connsiteY7"/>
+              </a:cxn>
+              <a:cxn ang="0">
+                <a:pos x="connsiteX8" y="connsiteY8"/>
+              </a:cxn>
+              <a:cxn ang="0">
+                <a:pos x="connsiteX9" y="connsiteY9"/>
+              </a:cxn>
+              <a:cxn ang="0">
+                <a:pos x="connsiteX10" y="connsiteY10"/>
+              </a:cxn>
+            </a:cxnLst>
+            <a:rect l="l" t="t" r="r" b="b"/>
+            <a:pathLst>
+              <a:path w="5464879" h="6276841">
+                <a:moveTo>
+                  <a:pt x="3299930" y="0"/>
+                </a:moveTo>
+                <a:cubicBezTo>
+                  <a:pt x="4097274" y="0"/>
+                  <a:pt x="4828569" y="282789"/>
+                  <a:pt x="5398992" y="753544"/>
+                </a:cubicBezTo>
+                <a:lnTo>
+                  <a:pt x="5464879" y="813426"/>
+                </a:lnTo>
+                <a:lnTo>
+                  <a:pt x="5464879" y="5786434"/>
+                </a:lnTo>
+                <a:lnTo>
+                  <a:pt x="5398992" y="5846317"/>
+                </a:lnTo>
+                <a:cubicBezTo>
+                  <a:pt x="5236014" y="5980818"/>
+                  <a:pt x="5059904" y="6099975"/>
+                  <a:pt x="4872873" y="6201577"/>
+                </a:cubicBezTo>
+                <a:lnTo>
+                  <a:pt x="4716632" y="6276841"/>
+                </a:lnTo>
+                <a:lnTo>
+                  <a:pt x="1883227" y="6276841"/>
+                </a:lnTo>
+                <a:lnTo>
+                  <a:pt x="1726987" y="6201577"/>
+                </a:lnTo>
+                <a:cubicBezTo>
+                  <a:pt x="698316" y="5642769"/>
+                  <a:pt x="0" y="4552900"/>
+                  <a:pt x="0" y="3299930"/>
+                </a:cubicBezTo>
+                <a:cubicBezTo>
+                  <a:pt x="0" y="1477429"/>
+                  <a:pt x="1477429" y="0"/>
+                  <a:pt x="3299930" y="0"/>
+                </a:cubicBezTo>
+                <a:close/>
+              </a:path>
+            </a:pathLst>
+          </a:custGeom>
+          <a:solidFill>
+            <a:srgbClr val="FFFFFF"/>
+          </a:solidFill>
+          <a:ln>
+            <a:gradFill>
+              <a:gsLst>
+                <a:gs pos="0">
+                  <a:schemeClr val="accent1">
+                    <a:lumMod val="40000"/>
+                    <a:lumOff val="60000"/>
+                  </a:schemeClr>
+                </a:gs>
+                <a:gs pos="23000">
+                  <a:schemeClr val="accent1">
+                    <a:lumMod val="45000"/>
+                    <a:lumOff val="55000"/>
+                  </a:schemeClr>
+                </a:gs>
+                <a:gs pos="83000">
+                  <a:schemeClr val="bg2">
+                    <a:lumMod val="75000"/>
+                  </a:schemeClr>
+                </a:gs>
+                <a:gs pos="100000">
+                  <a:schemeClr val="bg2">
+                    <a:lumMod val="75000"/>
+                  </a:schemeClr>
+                </a:gs>
+              </a:gsLst>
+              <a:lin ang="5400000" scaled="1"/>
+            </a:gradFill>
+          </a:ln>
+        </p:spPr>
+        <p:style>
+          <a:lnRef idx="2">
+            <a:schemeClr val="accent1">
+              <a:shade val="50000"/>
+            </a:schemeClr>
+          </a:lnRef>
+          <a:fillRef idx="1">
+            <a:schemeClr val="accent1"/>
+          </a:fillRef>
+          <a:effectRef idx="0">
+            <a:schemeClr val="accent1"/>
+          </a:effectRef>
+          <a:fontRef idx="minor">
+            <a:schemeClr val="lt1"/>
+          </a:fontRef>
+        </p:style>
+        <p:txBody>
+          <a:bodyPr wrap="square" rtlCol="0" anchor="ctr">
+            <a:noAutofit/>
+          </a:bodyPr>
+          <a:lstStyle/>
+          <a:p>
+            <a:pPr algn="ctr"/>
+            <a:endParaRPr lang="en-US"/>
+          </a:p>
+        </p:txBody>
+      </p:sp>
+      <p:pic>
+        <p:nvPicPr>
+          <p:cNvPr id="13" name="Graphic 12" descr="Help">
+            <a:extLst>
+              <a:ext uri="{FF2B5EF4-FFF2-40B4-BE49-F238E27FC236}">
+                <a16:creationId xmlns:a16="http://schemas.microsoft.com/office/drawing/2014/main" id="{3BD773DB-A58B-4DEB-AD5C-6ABEF34D3C40}"/>
+              </a:ext>
+            </a:extLst>
+          </p:cNvPr>
+          <p:cNvPicPr>
+            <a:picLocks noChangeAspect="1"/>
+          </p:cNvPicPr>
+          <p:nvPr/>
+        </p:nvPicPr>
+        <p:blipFill>
+          <a:blip r:embed="rId3">
+            <a:extLst>
+              <a:ext uri="{28A0092B-C50C-407E-A947-70E740481C1C}">
+                <a14:useLocalDpi xmlns:a14="http://schemas.microsoft.com/office/drawing/2010/main" val="0"/>
+              </a:ext>
+              <a:ext uri="{96DAC541-7B7A-43D3-8B79-37D633B846F1}">
+                <asvg:svgBlip xmlns:asvg="http://schemas.microsoft.com/office/drawing/2016/SVG/main" r:embed="rId4"/>
+              </a:ext>
+            </a:extLst>
+          </a:blip>
+          <a:stretch>
+            <a:fillRect/>
+          </a:stretch>
+        </p:blipFill>
+        <p:spPr>
+          <a:xfrm>
+            <a:off x="340470" y="1815320"/>
+            <a:ext cx="4141760" cy="4141760"/>
+          </a:xfrm>
+          <a:custGeom>
+            <a:avLst/>
+            <a:gdLst/>
+            <a:ahLst/>
+            <a:cxnLst/>
+            <a:rect l="l" t="t" r="r" b="b"/>
+            <a:pathLst>
+              <a:path w="4141760" h="4377846">
+                <a:moveTo>
+                  <a:pt x="0" y="0"/>
+                </a:moveTo>
+                <a:lnTo>
+                  <a:pt x="4141760" y="0"/>
+                </a:lnTo>
+                <a:lnTo>
+                  <a:pt x="4141760" y="4377846"/>
+                </a:lnTo>
+                <a:lnTo>
+                  <a:pt x="0" y="4377846"/>
+                </a:lnTo>
+                <a:close/>
+              </a:path>
+            </a:pathLst>
+          </a:custGeom>
+        </p:spPr>
+      </p:pic>
+      <p:sp>
+        <p:nvSpPr>
+          <p:cNvPr id="4" name="Slide Number Placeholder 3">
+            <a:extLst>
+              <a:ext uri="{FF2B5EF4-FFF2-40B4-BE49-F238E27FC236}">
+                <a16:creationId xmlns:a16="http://schemas.microsoft.com/office/drawing/2014/main" id="{85D0A944-F130-4D60-AE11-D304E27B89E2}"/>
+              </a:ext>
+            </a:extLst>
+          </p:cNvPr>
+          <p:cNvSpPr>
+            <a:spLocks noGrp="1"/>
+          </p:cNvSpPr>
+          <p:nvPr>
+            <p:ph type="sldNum" sz="quarter" idx="12"/>
+          </p:nvPr>
+        </p:nvSpPr>
+        <p:spPr>
+          <a:xfrm>
+            <a:off x="800211" y="6223702"/>
+            <a:ext cx="511231" cy="314067"/>
+          </a:xfrm>
+        </p:spPr>
+        <p:txBody>
+          <a:bodyPr vert="horz" lIns="91440" tIns="45720" rIns="91440" bIns="45720" rtlCol="0" anchor="ctr">
+            <a:normAutofit/>
+          </a:bodyPr>
+          <a:lstStyle/>
+          <a:p>
+            <a:pPr algn="l">
+              <a:spcAft>
+                <a:spcPts val="600"/>
+              </a:spcAft>
+            </a:pPr>
+            <a:fld id="{5BD42AC1-DE13-46F2-A3E8-BAE2CF711F37}" type="slidenum">
+              <a:rPr lang="en-US" sz="1100">
+                <a:solidFill>
+                  <a:srgbClr val="898989"/>
+                </a:solidFill>
+              </a:rPr>
+              <a:pPr algn="l">
+                <a:spcAft>
+                  <a:spcPts val="600"/>
+                </a:spcAft>
+              </a:pPr>
+              <a:t>10</a:t>
+            </a:fld>
+            <a:endParaRPr lang="en-US" sz="1100">
+              <a:solidFill>
+                <a:srgbClr val="898989"/>
+              </a:solidFill>
+            </a:endParaRPr>
+          </a:p>
+        </p:txBody>
+      </p:sp>
+      <p:sp>
+        <p:nvSpPr>
+          <p:cNvPr id="8" name="Subtitle 3">
+            <a:extLst>
+              <a:ext uri="{FF2B5EF4-FFF2-40B4-BE49-F238E27FC236}">
+                <a16:creationId xmlns:a16="http://schemas.microsoft.com/office/drawing/2014/main" id="{BC5B6482-81FF-47A7-B11C-BD636EDA8765}"/>
+              </a:ext>
+            </a:extLst>
+          </p:cNvPr>
+          <p:cNvSpPr txBox="1">
+            <a:spLocks/>
+          </p:cNvSpPr>
+          <p:nvPr/>
+        </p:nvSpPr>
+        <p:spPr>
+          <a:xfrm>
+            <a:off x="1625922" y="5088811"/>
+            <a:ext cx="1713626" cy="526144"/>
+          </a:xfrm>
+          <a:prstGeom prst="rect">
+            <a:avLst/>
+          </a:prstGeom>
+        </p:spPr>
+        <p:txBody>
+          <a:bodyPr vert="horz" lIns="91440" tIns="45720" rIns="91440" bIns="45720" rtlCol="0">
+            <a:normAutofit fontScale="85000" lnSpcReduction="10000"/>
+          </a:bodyPr>
+          <a:lstStyle>
+            <a:lvl1pPr marL="228600" indent="-228600" algn="l" defTabSz="914400" rtl="0" eaLnBrk="1" latinLnBrk="0" hangingPunct="1">
+              <a:lnSpc>
+                <a:spcPct val="90000"/>
+              </a:lnSpc>
+              <a:spcBef>
+                <a:spcPts val="1000"/>
+              </a:spcBef>
+              <a:buFont typeface="Arial" panose="020B0604020202020204" pitchFamily="34" charset="0"/>
+              <a:buChar char="•"/>
+              <a:defRPr sz="2800" kern="1200">
+                <a:solidFill>
+                  <a:schemeClr val="tx1"/>
+                </a:solidFill>
+                <a:latin typeface="+mn-lt"/>
+                <a:ea typeface="+mn-ea"/>
+                <a:cs typeface="+mn-cs"/>
+              </a:defRPr>
+            </a:lvl1pPr>
+            <a:lvl2pPr marL="685800" indent="-228600" algn="l" defTabSz="914400" rtl="0" eaLnBrk="1" latinLnBrk="0" hangingPunct="1">
+              <a:lnSpc>
+                <a:spcPct val="90000"/>
+              </a:lnSpc>
+              <a:spcBef>
+                <a:spcPts val="500"/>
+              </a:spcBef>
+              <a:buFont typeface="Arial" panose="020B0604020202020204" pitchFamily="34" charset="0"/>
+              <a:buChar char="•"/>
+              <a:defRPr sz="2400" kern="1200">
+                <a:solidFill>
+                  <a:schemeClr val="tx1"/>
+                </a:solidFill>
+                <a:latin typeface="+mn-lt"/>
+                <a:ea typeface="+mn-ea"/>
+                <a:cs typeface="+mn-cs"/>
+              </a:defRPr>
+            </a:lvl2pPr>
+            <a:lvl3pPr marL="1143000" indent="-228600" algn="l" defTabSz="914400" rtl="0" eaLnBrk="1" latinLnBrk="0" hangingPunct="1">
+              <a:lnSpc>
+                <a:spcPct val="90000"/>
+              </a:lnSpc>
+              <a:spcBef>
+                <a:spcPts val="500"/>
+              </a:spcBef>
+              <a:buFont typeface="Arial" panose="020B0604020202020204" pitchFamily="34" charset="0"/>
+              <a:buChar char="•"/>
+              <a:defRPr sz="2000" kern="1200">
+                <a:solidFill>
+                  <a:schemeClr val="tx1"/>
+                </a:solidFill>
+                <a:latin typeface="+mn-lt"/>
+                <a:ea typeface="+mn-ea"/>
+                <a:cs typeface="+mn-cs"/>
+              </a:defRPr>
+            </a:lvl3pPr>
+            <a:lvl4pPr marL="1600200" indent="-228600" algn="l" defTabSz="914400" rtl="0" eaLnBrk="1" latinLnBrk="0" hangingPunct="1">
+              <a:lnSpc>
+                <a:spcPct val="90000"/>
+              </a:lnSpc>
+              <a:spcBef>
+                <a:spcPts val="500"/>
+              </a:spcBef>
+              <a:buFont typeface="Arial" panose="020B0604020202020204" pitchFamily="34" charset="0"/>
+              <a:buChar char="•"/>
+              <a:defRPr sz="1800" kern="1200">
+                <a:solidFill>
+                  <a:schemeClr val="tx1"/>
+                </a:solidFill>
+                <a:latin typeface="+mn-lt"/>
+                <a:ea typeface="+mn-ea"/>
+                <a:cs typeface="+mn-cs"/>
+              </a:defRPr>
+            </a:lvl4pPr>
+            <a:lvl5pPr marL="2057400" indent="-228600" algn="l" defTabSz="914400" rtl="0" eaLnBrk="1" latinLnBrk="0" hangingPunct="1">
+              <a:lnSpc>
+                <a:spcPct val="90000"/>
+              </a:lnSpc>
+              <a:spcBef>
+                <a:spcPts val="500"/>
+              </a:spcBef>
+              <a:buFont typeface="Arial" panose="020B0604020202020204" pitchFamily="34" charset="0"/>
+              <a:buChar char="•"/>
+              <a:defRPr sz="1800" kern="1200">
+                <a:solidFill>
+                  <a:schemeClr val="tx1"/>
+                </a:solidFill>
+                <a:latin typeface="+mn-lt"/>
+                <a:ea typeface="+mn-ea"/>
+                <a:cs typeface="+mn-cs"/>
+              </a:defRPr>
+            </a:lvl5pPr>
+            <a:lvl6pPr marL="2514600" indent="-228600" algn="l" defTabSz="914400" rtl="0" eaLnBrk="1" latinLnBrk="0" hangingPunct="1">
+              <a:lnSpc>
+                <a:spcPct val="90000"/>
+              </a:lnSpc>
+              <a:spcBef>
+                <a:spcPts val="500"/>
+              </a:spcBef>
+              <a:buFont typeface="Arial" panose="020B0604020202020204" pitchFamily="34" charset="0"/>
+              <a:buChar char="•"/>
+              <a:defRPr sz="1800" kern="1200">
+                <a:solidFill>
+                  <a:schemeClr val="tx1"/>
+                </a:solidFill>
+                <a:latin typeface="+mn-lt"/>
+                <a:ea typeface="+mn-ea"/>
+                <a:cs typeface="+mn-cs"/>
+              </a:defRPr>
+            </a:lvl6pPr>
+            <a:lvl7pPr marL="2971800" indent="-228600" algn="l" defTabSz="914400" rtl="0" eaLnBrk="1" latinLnBrk="0" hangingPunct="1">
+              <a:lnSpc>
+                <a:spcPct val="90000"/>
+              </a:lnSpc>
+              <a:spcBef>
+                <a:spcPts val="500"/>
+              </a:spcBef>
+              <a:buFont typeface="Arial" panose="020B0604020202020204" pitchFamily="34" charset="0"/>
+              <a:buChar char="•"/>
+              <a:defRPr sz="1800" kern="1200">
+                <a:solidFill>
+                  <a:schemeClr val="tx1"/>
+                </a:solidFill>
+                <a:latin typeface="+mn-lt"/>
+                <a:ea typeface="+mn-ea"/>
+                <a:cs typeface="+mn-cs"/>
+              </a:defRPr>
+            </a:lvl7pPr>
+            <a:lvl8pPr marL="3429000" indent="-228600" algn="l" defTabSz="914400" rtl="0" eaLnBrk="1" latinLnBrk="0" hangingPunct="1">
+              <a:lnSpc>
+                <a:spcPct val="90000"/>
+              </a:lnSpc>
+              <a:spcBef>
+                <a:spcPts val="500"/>
+              </a:spcBef>
+              <a:buFont typeface="Arial" panose="020B0604020202020204" pitchFamily="34" charset="0"/>
+              <a:buChar char="•"/>
+              <a:defRPr sz="1800" kern="1200">
+                <a:solidFill>
+                  <a:schemeClr val="tx1"/>
+                </a:solidFill>
+                <a:latin typeface="+mn-lt"/>
+                <a:ea typeface="+mn-ea"/>
+                <a:cs typeface="+mn-cs"/>
+              </a:defRPr>
+            </a:lvl8pPr>
+            <a:lvl9pPr marL="3886200" indent="-228600" algn="l" defTabSz="914400" rtl="0" eaLnBrk="1" latinLnBrk="0" hangingPunct="1">
+              <a:lnSpc>
+                <a:spcPct val="90000"/>
+              </a:lnSpc>
+              <a:spcBef>
+                <a:spcPts val="500"/>
+              </a:spcBef>
+              <a:buFont typeface="Arial" panose="020B0604020202020204" pitchFamily="34" charset="0"/>
+              <a:buChar char="•"/>
+              <a:defRPr sz="1800" kern="1200">
+                <a:solidFill>
+                  <a:schemeClr val="tx1"/>
+                </a:solidFill>
+                <a:latin typeface="+mn-lt"/>
+                <a:ea typeface="+mn-ea"/>
+                <a:cs typeface="+mn-cs"/>
+              </a:defRPr>
+            </a:lvl9pPr>
+          </a:lstStyle>
+          <a:p>
+            <a:pPr marL="0" indent="0">
+              <a:buNone/>
+            </a:pPr>
+            <a:r>
+              <a:rPr lang="en-US" sz="2400" b="1" dirty="0">
+                <a:solidFill>
+                  <a:schemeClr val="bg1"/>
+                </a:solidFill>
+              </a:rPr>
+              <a:t>Any Questions</a:t>
+            </a:r>
+          </a:p>
+        </p:txBody>
+      </p:sp>
+      <p:sp>
+        <p:nvSpPr>
+          <p:cNvPr id="9" name="Subtitle 3">
+            <a:extLst>
+              <a:ext uri="{FF2B5EF4-FFF2-40B4-BE49-F238E27FC236}">
+                <a16:creationId xmlns:a16="http://schemas.microsoft.com/office/drawing/2014/main" id="{CC529384-DC36-4D83-B788-53D651DC36F5}"/>
+              </a:ext>
+            </a:extLst>
+          </p:cNvPr>
+          <p:cNvSpPr txBox="1">
+            <a:spLocks/>
+          </p:cNvSpPr>
+          <p:nvPr/>
+        </p:nvSpPr>
+        <p:spPr>
+          <a:xfrm>
+            <a:off x="7561006" y="2258269"/>
+            <a:ext cx="3805084" cy="3542763"/>
+          </a:xfrm>
+          <a:prstGeom prst="rect">
+            <a:avLst/>
+          </a:prstGeom>
+        </p:spPr>
+        <p:txBody>
+          <a:bodyPr vert="horz" lIns="0" tIns="0" rIns="0" bIns="0" rtlCol="0">
+            <a:noAutofit/>
+          </a:bodyPr>
+          <a:lstStyle>
+            <a:defPPr>
+              <a:defRPr lang="en-US"/>
+            </a:defPPr>
+            <a:lvl1pPr marL="0" algn="l" defTabSz="914400" rtl="0" eaLnBrk="1" latinLnBrk="0" hangingPunct="1">
+              <a:defRPr sz="1800" kern="1200">
+                <a:solidFill>
+                  <a:schemeClr val="tx1"/>
+                </a:solidFill>
+                <a:latin typeface="+mn-lt"/>
+                <a:ea typeface="+mn-ea"/>
+                <a:cs typeface="+mn-cs"/>
+              </a:defRPr>
+            </a:lvl1pPr>
+            <a:lvl2pPr marL="457200" algn="l" defTabSz="914400" rtl="0" eaLnBrk="1" latinLnBrk="0" hangingPunct="1">
+              <a:defRPr sz="1800" kern="1200">
+                <a:solidFill>
+                  <a:schemeClr val="tx1"/>
+                </a:solidFill>
+                <a:latin typeface="+mn-lt"/>
+                <a:ea typeface="+mn-ea"/>
+                <a:cs typeface="+mn-cs"/>
+              </a:defRPr>
+            </a:lvl2pPr>
+            <a:lvl3pPr marL="914400" algn="l" defTabSz="914400" rtl="0" eaLnBrk="1" latinLnBrk="0" hangingPunct="1">
+              <a:defRPr sz="1800" kern="1200">
+                <a:solidFill>
+                  <a:schemeClr val="tx1"/>
+                </a:solidFill>
+                <a:latin typeface="+mn-lt"/>
+                <a:ea typeface="+mn-ea"/>
+                <a:cs typeface="+mn-cs"/>
+              </a:defRPr>
+            </a:lvl3pPr>
+            <a:lvl4pPr marL="1371600" algn="l" defTabSz="914400" rtl="0" eaLnBrk="1" latinLnBrk="0" hangingPunct="1">
+              <a:defRPr sz="1800" kern="1200">
+                <a:solidFill>
+                  <a:schemeClr val="tx1"/>
+                </a:solidFill>
+                <a:latin typeface="+mn-lt"/>
+                <a:ea typeface="+mn-ea"/>
+                <a:cs typeface="+mn-cs"/>
+              </a:defRPr>
+            </a:lvl4pPr>
+            <a:lvl5pPr marL="1828800" algn="l" defTabSz="914400" rtl="0" eaLnBrk="1" latinLnBrk="0" hangingPunct="1">
+              <a:defRPr sz="1800" kern="1200">
+                <a:solidFill>
+                  <a:schemeClr val="tx1"/>
+                </a:solidFill>
+                <a:latin typeface="+mn-lt"/>
+                <a:ea typeface="+mn-ea"/>
+                <a:cs typeface="+mn-cs"/>
+              </a:defRPr>
+            </a:lvl5pPr>
+            <a:lvl6pPr marL="2286000" algn="l" defTabSz="914400" rtl="0" eaLnBrk="1" latinLnBrk="0" hangingPunct="1">
+              <a:defRPr sz="1800" kern="1200">
+                <a:solidFill>
+                  <a:schemeClr val="tx1"/>
+                </a:solidFill>
+                <a:latin typeface="+mn-lt"/>
+                <a:ea typeface="+mn-ea"/>
+                <a:cs typeface="+mn-cs"/>
+              </a:defRPr>
+            </a:lvl6pPr>
+            <a:lvl7pPr marL="2743200" algn="l" defTabSz="914400" rtl="0" eaLnBrk="1" latinLnBrk="0" hangingPunct="1">
+              <a:defRPr sz="1800" kern="1200">
+                <a:solidFill>
+                  <a:schemeClr val="tx1"/>
+                </a:solidFill>
+                <a:latin typeface="+mn-lt"/>
+                <a:ea typeface="+mn-ea"/>
+                <a:cs typeface="+mn-cs"/>
+              </a:defRPr>
+            </a:lvl7pPr>
+            <a:lvl8pPr marL="3200400" algn="l" defTabSz="914400" rtl="0" eaLnBrk="1" latinLnBrk="0" hangingPunct="1">
+              <a:defRPr sz="1800" kern="1200">
+                <a:solidFill>
+                  <a:schemeClr val="tx1"/>
+                </a:solidFill>
+                <a:latin typeface="+mn-lt"/>
+                <a:ea typeface="+mn-ea"/>
+                <a:cs typeface="+mn-cs"/>
+              </a:defRPr>
+            </a:lvl8pPr>
+            <a:lvl9pPr marL="3657600" algn="l" defTabSz="914400" rtl="0" eaLnBrk="1" latinLnBrk="0" hangingPunct="1">
+              <a:defRPr sz="1800" kern="1200">
+                <a:solidFill>
+                  <a:schemeClr val="tx1"/>
+                </a:solidFill>
+                <a:latin typeface="+mn-lt"/>
+                <a:ea typeface="+mn-ea"/>
+                <a:cs typeface="+mn-cs"/>
+              </a:defRPr>
+            </a:lvl9pPr>
+          </a:lstStyle>
+          <a:p>
+            <a:pPr marL="342900" indent="-342900" algn="l">
+              <a:spcAft>
+                <a:spcPts val="600"/>
+              </a:spcAft>
+              <a:buFont typeface="Arial" panose="020B0604020202020204" pitchFamily="34" charset="0"/>
+              <a:buChar char="•"/>
+            </a:pPr>
+            <a:r>
+              <a:rPr lang="en-US" sz="2400" b="1" dirty="0"/>
+              <a:t>Amber </a:t>
+            </a:r>
+            <a:r>
+              <a:rPr lang="en-US" sz="2400" b="1" dirty="0" err="1"/>
+              <a:t>Yandow</a:t>
+            </a:r>
+            <a:endParaRPr lang="en-US" sz="2400" b="1" dirty="0"/>
+          </a:p>
+          <a:p>
+            <a:pPr marL="342900" indent="-342900" algn="l">
+              <a:spcAft>
+                <a:spcPts val="600"/>
+              </a:spcAft>
+              <a:buFont typeface="Arial" panose="020B0604020202020204" pitchFamily="34" charset="0"/>
+              <a:buChar char="•"/>
+            </a:pPr>
+            <a:r>
+              <a:rPr lang="en-US" sz="2400" b="1" dirty="0"/>
+              <a:t>Ben Jacobson</a:t>
+            </a:r>
+          </a:p>
+          <a:p>
+            <a:pPr marL="342900" indent="-342900">
+              <a:spcAft>
+                <a:spcPts val="600"/>
+              </a:spcAft>
+              <a:buFont typeface="Arial" panose="020B0604020202020204" pitchFamily="34" charset="0"/>
+              <a:buChar char="•"/>
+            </a:pPr>
+            <a:r>
+              <a:rPr lang="en-US" sz="2400" b="1" dirty="0"/>
+              <a:t>Dara </a:t>
+            </a:r>
+            <a:r>
+              <a:rPr lang="en-US" sz="2400" b="1" dirty="0" err="1"/>
+              <a:t>Paoletti</a:t>
+            </a:r>
+            <a:endParaRPr lang="en-US" sz="2400" b="1" dirty="0"/>
+          </a:p>
+          <a:p>
+            <a:pPr marL="342900" indent="-342900">
+              <a:spcAft>
+                <a:spcPts val="600"/>
+              </a:spcAft>
+              <a:buFont typeface="Arial" panose="020B0604020202020204" pitchFamily="34" charset="0"/>
+              <a:buChar char="•"/>
+            </a:pPr>
+            <a:r>
+              <a:rPr lang="en-US" sz="2400" b="1" dirty="0"/>
+              <a:t>Vidya Menon</a:t>
+            </a:r>
+          </a:p>
+          <a:p>
+            <a:pPr marL="342900" indent="-342900">
+              <a:spcAft>
+                <a:spcPts val="600"/>
+              </a:spcAft>
+              <a:buFont typeface="Arial" panose="020B0604020202020204" pitchFamily="34" charset="0"/>
+              <a:buChar char="•"/>
+            </a:pPr>
+            <a:r>
+              <a:rPr lang="en-US" sz="2400" b="1" dirty="0"/>
+              <a:t>Jesse Neumann</a:t>
+            </a:r>
+          </a:p>
+        </p:txBody>
+      </p:sp>
+    </p:spTree>
+    <p:extLst>
+      <p:ext uri="{BB962C8B-B14F-4D97-AF65-F5344CB8AC3E}">
+        <p14:creationId xmlns:p14="http://schemas.microsoft.com/office/powerpoint/2010/main" val="52627496"/>
+      </p:ext>
+    </p:extLst>
+  </p:cSld>
+  <p:clrMapOvr>
+    <a:masterClrMapping/>
+  </p:clrMapOvr>
+</p:sld>
+</file>
+
+<file path=ppt/slides/slide11.xml><?xml version="1.0" encoding="utf-8"?>
 <p:sld xmlns:a="http://schemas.openxmlformats.org/drawingml/2006/main" xmlns:r="http://schemas.openxmlformats.org/officeDocument/2006/relationships" xmlns:p="http://schemas.openxmlformats.org/presentationml/2006/main">
   <p:cSld>
     <p:bg>
@@ -6015,10 +7749,1375 @@
           </a:graphicData>
         </a:graphic>
       </p:graphicFrame>
+      <p:sp>
+        <p:nvSpPr>
+          <p:cNvPr id="3" name="Slide Number Placeholder 2">
+            <a:extLst>
+              <a:ext uri="{FF2B5EF4-FFF2-40B4-BE49-F238E27FC236}">
+                <a16:creationId xmlns:a16="http://schemas.microsoft.com/office/drawing/2014/main" id="{14F003F5-0A88-4627-A1E9-87B3EE7AEF06}"/>
+              </a:ext>
+            </a:extLst>
+          </p:cNvPr>
+          <p:cNvSpPr>
+            <a:spLocks noGrp="1"/>
+          </p:cNvSpPr>
+          <p:nvPr>
+            <p:ph type="sldNum" sz="quarter" idx="12"/>
+          </p:nvPr>
+        </p:nvSpPr>
+        <p:spPr/>
+        <p:txBody>
+          <a:bodyPr/>
+          <a:lstStyle/>
+          <a:p>
+            <a:fld id="{5BD42AC1-DE13-46F2-A3E8-BAE2CF711F37}" type="slidenum">
+              <a:rPr lang="en-US" smtClean="0"/>
+              <a:t>11</a:t>
+            </a:fld>
+            <a:endParaRPr lang="en-US"/>
+          </a:p>
+        </p:txBody>
+      </p:sp>
     </p:spTree>
     <p:extLst>
       <p:ext uri="{BB962C8B-B14F-4D97-AF65-F5344CB8AC3E}">
         <p14:creationId xmlns:p14="http://schemas.microsoft.com/office/powerpoint/2010/main" val="4156919740"/>
+      </p:ext>
+    </p:extLst>
+  </p:cSld>
+  <p:clrMapOvr>
+    <a:masterClrMapping/>
+  </p:clrMapOvr>
+</p:sld>
+</file>
+
+<file path=ppt/slides/slide2.xml><?xml version="1.0" encoding="utf-8"?>
+<p:sld xmlns:a="http://schemas.openxmlformats.org/drawingml/2006/main" xmlns:r="http://schemas.openxmlformats.org/officeDocument/2006/relationships" xmlns:p="http://schemas.openxmlformats.org/presentationml/2006/main">
+  <p:cSld>
+    <p:spTree>
+      <p:nvGrpSpPr>
+        <p:cNvPr id="1" name=""/>
+        <p:cNvGrpSpPr/>
+        <p:nvPr/>
+      </p:nvGrpSpPr>
+      <p:grpSpPr>
+        <a:xfrm>
+          <a:off x="0" y="0"/>
+          <a:ext cx="0" cy="0"/>
+          <a:chOff x="0" y="0"/>
+          <a:chExt cx="0" cy="0"/>
+        </a:xfrm>
+      </p:grpSpPr>
+      <p:sp>
+        <p:nvSpPr>
+          <p:cNvPr id="2" name="Title 1">
+            <a:extLst>
+              <a:ext uri="{FF2B5EF4-FFF2-40B4-BE49-F238E27FC236}">
+                <a16:creationId xmlns:a16="http://schemas.microsoft.com/office/drawing/2014/main" id="{F88E7B90-90E2-48F0-B7A1-011B913D25BE}"/>
+              </a:ext>
+            </a:extLst>
+          </p:cNvPr>
+          <p:cNvSpPr>
+            <a:spLocks noGrp="1"/>
+          </p:cNvSpPr>
+          <p:nvPr>
+            <p:ph type="title"/>
+          </p:nvPr>
+        </p:nvSpPr>
+        <p:spPr>
+          <a:xfrm>
+            <a:off x="838200" y="365126"/>
+            <a:ext cx="10515600" cy="1050720"/>
+          </a:xfrm>
+        </p:spPr>
+        <p:txBody>
+          <a:bodyPr/>
+          <a:lstStyle/>
+          <a:p>
+            <a:r>
+              <a:rPr lang="en-US" dirty="0"/>
+              <a:t>Human Facial Expressions</a:t>
+            </a:r>
+          </a:p>
+        </p:txBody>
+      </p:sp>
+      <p:sp>
+        <p:nvSpPr>
+          <p:cNvPr id="3" name="Content Placeholder 2">
+            <a:extLst>
+              <a:ext uri="{FF2B5EF4-FFF2-40B4-BE49-F238E27FC236}">
+                <a16:creationId xmlns:a16="http://schemas.microsoft.com/office/drawing/2014/main" id="{65C8D19A-4680-4BD9-8A89-B4572EB0A909}"/>
+              </a:ext>
+            </a:extLst>
+          </p:cNvPr>
+          <p:cNvSpPr>
+            <a:spLocks noGrp="1"/>
+          </p:cNvSpPr>
+          <p:nvPr>
+            <p:ph idx="1"/>
+          </p:nvPr>
+        </p:nvSpPr>
+        <p:spPr/>
+        <p:txBody>
+          <a:bodyPr/>
+          <a:lstStyle/>
+          <a:p>
+            <a:endParaRPr lang="en-US" dirty="0"/>
+          </a:p>
+        </p:txBody>
+      </p:sp>
+      <p:sp>
+        <p:nvSpPr>
+          <p:cNvPr id="4" name="Slide Number Placeholder 3">
+            <a:extLst>
+              <a:ext uri="{FF2B5EF4-FFF2-40B4-BE49-F238E27FC236}">
+                <a16:creationId xmlns:a16="http://schemas.microsoft.com/office/drawing/2014/main" id="{BB624FD7-4E53-42F6-96D2-315FF54174F9}"/>
+              </a:ext>
+            </a:extLst>
+          </p:cNvPr>
+          <p:cNvSpPr>
+            <a:spLocks noGrp="1"/>
+          </p:cNvSpPr>
+          <p:nvPr>
+            <p:ph type="sldNum" sz="quarter" idx="12"/>
+          </p:nvPr>
+        </p:nvSpPr>
+        <p:spPr/>
+        <p:txBody>
+          <a:bodyPr/>
+          <a:lstStyle/>
+          <a:p>
+            <a:fld id="{5BD42AC1-DE13-46F2-A3E8-BAE2CF711F37}" type="slidenum">
+              <a:rPr lang="en-US" smtClean="0"/>
+              <a:t>2</a:t>
+            </a:fld>
+            <a:endParaRPr lang="en-US"/>
+          </a:p>
+        </p:txBody>
+      </p:sp>
+    </p:spTree>
+    <p:extLst>
+      <p:ext uri="{BB962C8B-B14F-4D97-AF65-F5344CB8AC3E}">
+        <p14:creationId xmlns:p14="http://schemas.microsoft.com/office/powerpoint/2010/main" val="375470796"/>
+      </p:ext>
+    </p:extLst>
+  </p:cSld>
+  <p:clrMapOvr>
+    <a:masterClrMapping/>
+  </p:clrMapOvr>
+</p:sld>
+</file>
+
+<file path=ppt/slides/slide3.xml><?xml version="1.0" encoding="utf-8"?>
+<p:sld xmlns:a="http://schemas.openxmlformats.org/drawingml/2006/main" xmlns:r="http://schemas.openxmlformats.org/officeDocument/2006/relationships" xmlns:p="http://schemas.openxmlformats.org/presentationml/2006/main">
+  <p:cSld>
+    <p:bg>
+      <p:bgPr>
+        <a:solidFill>
+          <a:schemeClr val="bg1"/>
+        </a:solidFill>
+        <a:effectLst/>
+      </p:bgPr>
+    </p:bg>
+    <p:spTree>
+      <p:nvGrpSpPr>
+        <p:cNvPr id="1" name=""/>
+        <p:cNvGrpSpPr/>
+        <p:nvPr/>
+      </p:nvGrpSpPr>
+      <p:grpSpPr>
+        <a:xfrm>
+          <a:off x="0" y="0"/>
+          <a:ext cx="0" cy="0"/>
+          <a:chOff x="0" y="0"/>
+          <a:chExt cx="0" cy="0"/>
+        </a:xfrm>
+      </p:grpSpPr>
+      <p:sp>
+        <p:nvSpPr>
+          <p:cNvPr id="9" name="Rectangle 8">
+            <a:extLst>
+              <a:ext uri="{FF2B5EF4-FFF2-40B4-BE49-F238E27FC236}">
+                <a16:creationId xmlns:a16="http://schemas.microsoft.com/office/drawing/2014/main" id="{0BC9EFE1-D8CB-4668-9980-DB108327A794}"/>
+              </a:ext>
+              <a:ext uri="{C183D7F6-B498-43B3-948B-1728B52AA6E4}">
+                <adec:decorative xmlns:adec="http://schemas.microsoft.com/office/drawing/2017/decorative" val="1"/>
+              </a:ext>
+            </a:extLst>
+          </p:cNvPr>
+          <p:cNvSpPr>
+            <a:spLocks noGrp="1" noRot="1" noChangeAspect="1" noMove="1" noResize="1" noEditPoints="1" noAdjustHandles="1" noChangeArrowheads="1" noChangeShapeType="1" noTextEdit="1"/>
+          </p:cNvSpPr>
+          <p:nvPr>
+            <p:extLst>
+              <p:ext uri="{386F3935-93C4-4BCD-93E2-E3B085C9AB24}">
+                <p16:designElem xmlns:p16="http://schemas.microsoft.com/office/powerpoint/2015/main" val="1"/>
+              </p:ext>
+            </p:extLst>
+          </p:nvPr>
+        </p:nvSpPr>
+        <p:spPr>
+          <a:xfrm>
+            <a:off x="-305" y="0"/>
+            <a:ext cx="6271569" cy="6858000"/>
+          </a:xfrm>
+          <a:prstGeom prst="rect">
+            <a:avLst/>
+          </a:prstGeom>
+          <a:gradFill>
+            <a:gsLst>
+              <a:gs pos="0">
+                <a:schemeClr val="accent1">
+                  <a:lumMod val="100000"/>
+                  <a:alpha val="82000"/>
+                </a:schemeClr>
+              </a:gs>
+              <a:gs pos="25000">
+                <a:schemeClr val="accent1">
+                  <a:alpha val="60000"/>
+                </a:schemeClr>
+              </a:gs>
+              <a:gs pos="94000">
+                <a:schemeClr val="bg2">
+                  <a:lumMod val="75000"/>
+                </a:schemeClr>
+              </a:gs>
+              <a:gs pos="100000">
+                <a:schemeClr val="bg2">
+                  <a:lumMod val="75000"/>
+                </a:schemeClr>
+              </a:gs>
+            </a:gsLst>
+            <a:lin ang="4200000" scaled="0"/>
+          </a:gradFill>
+          <a:ln>
+            <a:noFill/>
+          </a:ln>
+        </p:spPr>
+        <p:style>
+          <a:lnRef idx="2">
+            <a:schemeClr val="accent1">
+              <a:shade val="50000"/>
+            </a:schemeClr>
+          </a:lnRef>
+          <a:fillRef idx="1">
+            <a:schemeClr val="accent1"/>
+          </a:fillRef>
+          <a:effectRef idx="0">
+            <a:schemeClr val="accent1"/>
+          </a:effectRef>
+          <a:fontRef idx="minor">
+            <a:schemeClr val="lt1"/>
+          </a:fontRef>
+        </p:style>
+        <p:txBody>
+          <a:bodyPr rtlCol="0" anchor="ctr"/>
+          <a:lstStyle/>
+          <a:p>
+            <a:pPr algn="ctr"/>
+            <a:endParaRPr lang="en-US"/>
+          </a:p>
+        </p:txBody>
+      </p:sp>
+      <p:pic>
+        <p:nvPicPr>
+          <p:cNvPr id="11" name="Picture 10">
+            <a:extLst>
+              <a:ext uri="{FF2B5EF4-FFF2-40B4-BE49-F238E27FC236}">
+                <a16:creationId xmlns:a16="http://schemas.microsoft.com/office/drawing/2014/main" id="{7CBAE1BD-B8E4-4029-8AA2-C77E4FED9864}"/>
+              </a:ext>
+              <a:ext uri="{C183D7F6-B498-43B3-948B-1728B52AA6E4}">
+                <adec:decorative xmlns:adec="http://schemas.microsoft.com/office/drawing/2017/decorative" val="1"/>
+              </a:ext>
+            </a:extLst>
+          </p:cNvPr>
+          <p:cNvPicPr>
+            <a:picLocks noGrp="1" noRot="1" noChangeAspect="1" noMove="1" noResize="1" noEditPoints="1" noAdjustHandles="1" noChangeArrowheads="1" noChangeShapeType="1" noCrop="1"/>
+          </p:cNvPicPr>
+          <p:nvPr>
+            <p:extLst>
+              <p:ext uri="{386F3935-93C4-4BCD-93E2-E3B085C9AB24}">
+                <p16:designElem xmlns:p16="http://schemas.microsoft.com/office/powerpoint/2015/main" val="1"/>
+              </p:ext>
+            </p:extLst>
+          </p:nvPr>
+        </p:nvPicPr>
+        <p:blipFill>
+          <a:blip r:embed="rId2">
+            <a:extLst>
+              <a:ext uri="{28A0092B-C50C-407E-A947-70E740481C1C}">
+                <a14:useLocalDpi xmlns:a14="http://schemas.microsoft.com/office/drawing/2010/main" val="0"/>
+              </a:ext>
+            </a:extLst>
+          </a:blip>
+          <a:stretch>
+            <a:fillRect/>
+          </a:stretch>
+        </p:blipFill>
+        <p:spPr>
+          <a:xfrm>
+            <a:off x="0" y="0"/>
+            <a:ext cx="12192000" cy="6858000"/>
+          </a:xfrm>
+          <a:prstGeom prst="rect">
+            <a:avLst/>
+          </a:prstGeom>
+        </p:spPr>
+      </p:pic>
+      <p:sp>
+        <p:nvSpPr>
+          <p:cNvPr id="13" name="Freeform 49">
+            <a:extLst>
+              <a:ext uri="{FF2B5EF4-FFF2-40B4-BE49-F238E27FC236}">
+                <a16:creationId xmlns:a16="http://schemas.microsoft.com/office/drawing/2014/main" id="{77DA6D33-2D62-458C-BF5D-DBF612FD557E}"/>
+              </a:ext>
+              <a:ext uri="{C183D7F6-B498-43B3-948B-1728B52AA6E4}">
+                <adec:decorative xmlns:adec="http://schemas.microsoft.com/office/drawing/2017/decorative" val="1"/>
+              </a:ext>
+            </a:extLst>
+          </p:cNvPr>
+          <p:cNvSpPr>
+            <a:spLocks noGrp="1" noRot="1" noChangeAspect="1" noMove="1" noResize="1" noEditPoints="1" noAdjustHandles="1" noChangeArrowheads="1" noChangeShapeType="1" noTextEdit="1"/>
+          </p:cNvSpPr>
+          <p:nvPr>
+            <p:extLst>
+              <p:ext uri="{386F3935-93C4-4BCD-93E2-E3B085C9AB24}">
+                <p16:designElem xmlns:p16="http://schemas.microsoft.com/office/powerpoint/2015/main" val="1"/>
+              </p:ext>
+            </p:extLst>
+          </p:nvPr>
+        </p:nvSpPr>
+        <p:spPr>
+          <a:xfrm>
+            <a:off x="1" y="590635"/>
+            <a:ext cx="5478085" cy="6276841"/>
+          </a:xfrm>
+          <a:custGeom>
+            <a:avLst/>
+            <a:gdLst>
+              <a:gd name="connsiteX0" fmla="*/ 2178155 w 5478085"/>
+              <a:gd name="connsiteY0" fmla="*/ 0 h 6276841"/>
+              <a:gd name="connsiteX1" fmla="*/ 5478085 w 5478085"/>
+              <a:gd name="connsiteY1" fmla="*/ 3299930 h 6276841"/>
+              <a:gd name="connsiteX2" fmla="*/ 3751098 w 5478085"/>
+              <a:gd name="connsiteY2" fmla="*/ 6201577 h 6276841"/>
+              <a:gd name="connsiteX3" fmla="*/ 3594858 w 5478085"/>
+              <a:gd name="connsiteY3" fmla="*/ 6276841 h 6276841"/>
+              <a:gd name="connsiteX4" fmla="*/ 761453 w 5478085"/>
+              <a:gd name="connsiteY4" fmla="*/ 6276841 h 6276841"/>
+              <a:gd name="connsiteX5" fmla="*/ 605213 w 5478085"/>
+              <a:gd name="connsiteY5" fmla="*/ 6201577 h 6276841"/>
+              <a:gd name="connsiteX6" fmla="*/ 79093 w 5478085"/>
+              <a:gd name="connsiteY6" fmla="*/ 5846317 h 6276841"/>
+              <a:gd name="connsiteX7" fmla="*/ 0 w 5478085"/>
+              <a:gd name="connsiteY7" fmla="*/ 5774432 h 6276841"/>
+              <a:gd name="connsiteX8" fmla="*/ 0 w 5478085"/>
+              <a:gd name="connsiteY8" fmla="*/ 825429 h 6276841"/>
+              <a:gd name="connsiteX9" fmla="*/ 79093 w 5478085"/>
+              <a:gd name="connsiteY9" fmla="*/ 753544 h 6276841"/>
+              <a:gd name="connsiteX10" fmla="*/ 2178155 w 5478085"/>
+              <a:gd name="connsiteY10" fmla="*/ 0 h 6276841"/>
+            </a:gdLst>
+            <a:ahLst/>
+            <a:cxnLst>
+              <a:cxn ang="0">
+                <a:pos x="connsiteX0" y="connsiteY0"/>
+              </a:cxn>
+              <a:cxn ang="0">
+                <a:pos x="connsiteX1" y="connsiteY1"/>
+              </a:cxn>
+              <a:cxn ang="0">
+                <a:pos x="connsiteX2" y="connsiteY2"/>
+              </a:cxn>
+              <a:cxn ang="0">
+                <a:pos x="connsiteX3" y="connsiteY3"/>
+              </a:cxn>
+              <a:cxn ang="0">
+                <a:pos x="connsiteX4" y="connsiteY4"/>
+              </a:cxn>
+              <a:cxn ang="0">
+                <a:pos x="connsiteX5" y="connsiteY5"/>
+              </a:cxn>
+              <a:cxn ang="0">
+                <a:pos x="connsiteX6" y="connsiteY6"/>
+              </a:cxn>
+              <a:cxn ang="0">
+                <a:pos x="connsiteX7" y="connsiteY7"/>
+              </a:cxn>
+              <a:cxn ang="0">
+                <a:pos x="connsiteX8" y="connsiteY8"/>
+              </a:cxn>
+              <a:cxn ang="0">
+                <a:pos x="connsiteX9" y="connsiteY9"/>
+              </a:cxn>
+              <a:cxn ang="0">
+                <a:pos x="connsiteX10" y="connsiteY10"/>
+              </a:cxn>
+            </a:cxnLst>
+            <a:rect l="l" t="t" r="r" b="b"/>
+            <a:pathLst>
+              <a:path w="5478085" h="6276841">
+                <a:moveTo>
+                  <a:pt x="2178155" y="0"/>
+                </a:moveTo>
+                <a:cubicBezTo>
+                  <a:pt x="4000656" y="0"/>
+                  <a:pt x="5478085" y="1477429"/>
+                  <a:pt x="5478085" y="3299930"/>
+                </a:cubicBezTo>
+                <a:cubicBezTo>
+                  <a:pt x="5478085" y="4552900"/>
+                  <a:pt x="4779769" y="5642769"/>
+                  <a:pt x="3751098" y="6201577"/>
+                </a:cubicBezTo>
+                <a:lnTo>
+                  <a:pt x="3594858" y="6276841"/>
+                </a:lnTo>
+                <a:lnTo>
+                  <a:pt x="761453" y="6276841"/>
+                </a:lnTo>
+                <a:lnTo>
+                  <a:pt x="605213" y="6201577"/>
+                </a:lnTo>
+                <a:cubicBezTo>
+                  <a:pt x="418182" y="6099975"/>
+                  <a:pt x="242071" y="5980818"/>
+                  <a:pt x="79093" y="5846317"/>
+                </a:cubicBezTo>
+                <a:lnTo>
+                  <a:pt x="0" y="5774432"/>
+                </a:lnTo>
+                <a:lnTo>
+                  <a:pt x="0" y="825429"/>
+                </a:lnTo>
+                <a:lnTo>
+                  <a:pt x="79093" y="753544"/>
+                </a:lnTo>
+                <a:cubicBezTo>
+                  <a:pt x="649516" y="282789"/>
+                  <a:pt x="1380811" y="0"/>
+                  <a:pt x="2178155" y="0"/>
+                </a:cubicBezTo>
+                <a:close/>
+              </a:path>
+            </a:pathLst>
+          </a:custGeom>
+          <a:solidFill>
+            <a:srgbClr val="FFFFFF"/>
+          </a:solidFill>
+          <a:ln>
+            <a:gradFill>
+              <a:gsLst>
+                <a:gs pos="0">
+                  <a:schemeClr val="accent1">
+                    <a:lumMod val="40000"/>
+                    <a:lumOff val="60000"/>
+                  </a:schemeClr>
+                </a:gs>
+                <a:gs pos="23000">
+                  <a:schemeClr val="accent1">
+                    <a:lumMod val="45000"/>
+                    <a:lumOff val="55000"/>
+                  </a:schemeClr>
+                </a:gs>
+                <a:gs pos="83000">
+                  <a:schemeClr val="accent3"/>
+                </a:gs>
+                <a:gs pos="100000">
+                  <a:schemeClr val="accent3"/>
+                </a:gs>
+              </a:gsLst>
+              <a:lin ang="5400000" scaled="1"/>
+            </a:gradFill>
+          </a:ln>
+        </p:spPr>
+        <p:style>
+          <a:lnRef idx="2">
+            <a:schemeClr val="accent1">
+              <a:shade val="50000"/>
+            </a:schemeClr>
+          </a:lnRef>
+          <a:fillRef idx="1">
+            <a:schemeClr val="accent1"/>
+          </a:fillRef>
+          <a:effectRef idx="0">
+            <a:schemeClr val="accent1"/>
+          </a:effectRef>
+          <a:fontRef idx="minor">
+            <a:schemeClr val="lt1"/>
+          </a:fontRef>
+        </p:style>
+        <p:txBody>
+          <a:bodyPr wrap="square" rtlCol="0" anchor="ctr">
+            <a:noAutofit/>
+          </a:bodyPr>
+          <a:lstStyle/>
+          <a:p>
+            <a:pPr algn="ctr"/>
+            <a:endParaRPr lang="en-US"/>
+          </a:p>
+        </p:txBody>
+      </p:sp>
+      <p:pic>
+        <p:nvPicPr>
+          <p:cNvPr id="5" name="Picture 4">
+            <a:extLst>
+              <a:ext uri="{FF2B5EF4-FFF2-40B4-BE49-F238E27FC236}">
+                <a16:creationId xmlns:a16="http://schemas.microsoft.com/office/drawing/2014/main" id="{9FE7BC8A-A3B9-4F19-9072-DB0E0F1D86AE}"/>
+              </a:ext>
+            </a:extLst>
+          </p:cNvPr>
+          <p:cNvPicPr>
+            <a:picLocks noChangeAspect="1"/>
+          </p:cNvPicPr>
+          <p:nvPr/>
+        </p:nvPicPr>
+        <p:blipFill rotWithShape="1">
+          <a:blip r:embed="rId3">
+            <a:alphaModFix/>
+          </a:blip>
+          <a:srcRect l="28741" r="9126" b="1"/>
+          <a:stretch/>
+        </p:blipFill>
+        <p:spPr>
+          <a:xfrm>
+            <a:off x="1" y="770037"/>
+            <a:ext cx="5298683" cy="6097438"/>
+          </a:xfrm>
+          <a:custGeom>
+            <a:avLst/>
+            <a:gdLst/>
+            <a:ahLst/>
+            <a:cxnLst/>
+            <a:rect l="l" t="t" r="r" b="b"/>
+            <a:pathLst>
+              <a:path w="5298683" h="6097438">
+                <a:moveTo>
+                  <a:pt x="2178155" y="0"/>
+                </a:moveTo>
+                <a:cubicBezTo>
+                  <a:pt x="3901575" y="0"/>
+                  <a:pt x="5298683" y="1397108"/>
+                  <a:pt x="5298683" y="3120527"/>
+                </a:cubicBezTo>
+                <a:cubicBezTo>
+                  <a:pt x="5298683" y="4413092"/>
+                  <a:pt x="4512810" y="5522106"/>
+                  <a:pt x="3392805" y="5995828"/>
+                </a:cubicBezTo>
+                <a:lnTo>
+                  <a:pt x="3115184" y="6097438"/>
+                </a:lnTo>
+                <a:lnTo>
+                  <a:pt x="1241127" y="6097438"/>
+                </a:lnTo>
+                <a:lnTo>
+                  <a:pt x="963506" y="5995828"/>
+                </a:lnTo>
+                <a:cubicBezTo>
+                  <a:pt x="683504" y="5877397"/>
+                  <a:pt x="424387" y="5719261"/>
+                  <a:pt x="193210" y="5528477"/>
+                </a:cubicBezTo>
+                <a:lnTo>
+                  <a:pt x="0" y="5352876"/>
+                </a:lnTo>
+                <a:lnTo>
+                  <a:pt x="0" y="888178"/>
+                </a:lnTo>
+                <a:lnTo>
+                  <a:pt x="193210" y="712577"/>
+                </a:lnTo>
+                <a:cubicBezTo>
+                  <a:pt x="732621" y="267415"/>
+                  <a:pt x="1424159" y="0"/>
+                  <a:pt x="2178155" y="0"/>
+                </a:cubicBezTo>
+                <a:close/>
+              </a:path>
+            </a:pathLst>
+          </a:custGeom>
+          <a:effectLst>
+            <a:softEdge rad="0"/>
+          </a:effectLst>
+        </p:spPr>
+      </p:pic>
+      <p:sp>
+        <p:nvSpPr>
+          <p:cNvPr id="2" name="Title 1">
+            <a:extLst>
+              <a:ext uri="{FF2B5EF4-FFF2-40B4-BE49-F238E27FC236}">
+                <a16:creationId xmlns:a16="http://schemas.microsoft.com/office/drawing/2014/main" id="{76240A2D-1BF8-45A8-99FC-31C5F1047B32}"/>
+              </a:ext>
+            </a:extLst>
+          </p:cNvPr>
+          <p:cNvSpPr>
+            <a:spLocks noGrp="1"/>
+          </p:cNvSpPr>
+          <p:nvPr>
+            <p:ph type="title"/>
+          </p:nvPr>
+        </p:nvSpPr>
+        <p:spPr>
+          <a:xfrm>
+            <a:off x="-141028" y="2397642"/>
+            <a:ext cx="5112632" cy="3138055"/>
+          </a:xfrm>
+        </p:spPr>
+        <p:txBody>
+          <a:bodyPr vert="horz" lIns="91440" tIns="45720" rIns="91440" bIns="45720" rtlCol="0" anchor="t">
+            <a:normAutofit/>
+          </a:bodyPr>
+          <a:lstStyle/>
+          <a:p>
+            <a:pPr algn="ctr"/>
+            <a:r>
+              <a:rPr lang="en-US" sz="6600" b="1" dirty="0">
+                <a:solidFill>
+                  <a:schemeClr val="bg1"/>
+                </a:solidFill>
+              </a:rPr>
+              <a:t>The Challenge</a:t>
+            </a:r>
+            <a:br>
+              <a:rPr lang="en-US" sz="6600" b="1" dirty="0">
+                <a:solidFill>
+                  <a:schemeClr val="bg1"/>
+                </a:solidFill>
+              </a:rPr>
+            </a:br>
+            <a:r>
+              <a:rPr lang="en-US" sz="6600" b="1" dirty="0">
+                <a:solidFill>
+                  <a:schemeClr val="bg1"/>
+                </a:solidFill>
+              </a:rPr>
+              <a:t>&amp;</a:t>
+            </a:r>
+            <a:br>
+              <a:rPr lang="en-US" sz="6600" b="1" dirty="0">
+                <a:solidFill>
+                  <a:schemeClr val="bg1"/>
+                </a:solidFill>
+              </a:rPr>
+            </a:br>
+            <a:r>
+              <a:rPr lang="en-US" sz="6600" b="1" dirty="0">
+                <a:solidFill>
+                  <a:schemeClr val="bg1"/>
+                </a:solidFill>
+              </a:rPr>
+              <a:t>Objective</a:t>
+            </a:r>
+          </a:p>
+        </p:txBody>
+      </p:sp>
+      <p:sp>
+        <p:nvSpPr>
+          <p:cNvPr id="4" name="Slide Number Placeholder 3">
+            <a:extLst>
+              <a:ext uri="{FF2B5EF4-FFF2-40B4-BE49-F238E27FC236}">
+                <a16:creationId xmlns:a16="http://schemas.microsoft.com/office/drawing/2014/main" id="{876CD03C-2D40-464D-8D09-8460430E223D}"/>
+              </a:ext>
+            </a:extLst>
+          </p:cNvPr>
+          <p:cNvSpPr>
+            <a:spLocks noGrp="1"/>
+          </p:cNvSpPr>
+          <p:nvPr>
+            <p:ph type="sldNum" sz="quarter" idx="12"/>
+          </p:nvPr>
+        </p:nvSpPr>
+        <p:spPr/>
+        <p:txBody>
+          <a:bodyPr/>
+          <a:lstStyle/>
+          <a:p>
+            <a:fld id="{5BD42AC1-DE13-46F2-A3E8-BAE2CF711F37}" type="slidenum">
+              <a:rPr lang="en-US" smtClean="0"/>
+              <a:t>3</a:t>
+            </a:fld>
+            <a:endParaRPr lang="en-US"/>
+          </a:p>
+        </p:txBody>
+      </p:sp>
+    </p:spTree>
+    <p:extLst>
+      <p:ext uri="{BB962C8B-B14F-4D97-AF65-F5344CB8AC3E}">
+        <p14:creationId xmlns:p14="http://schemas.microsoft.com/office/powerpoint/2010/main" val="3602845499"/>
+      </p:ext>
+    </p:extLst>
+  </p:cSld>
+  <p:clrMapOvr>
+    <a:masterClrMapping/>
+  </p:clrMapOvr>
+</p:sld>
+</file>
+
+<file path=ppt/slides/slide4.xml><?xml version="1.0" encoding="utf-8"?>
+<p:sld xmlns:a="http://schemas.openxmlformats.org/drawingml/2006/main" xmlns:r="http://schemas.openxmlformats.org/officeDocument/2006/relationships" xmlns:p="http://schemas.openxmlformats.org/presentationml/2006/main">
+  <p:cSld>
+    <p:spTree>
+      <p:nvGrpSpPr>
+        <p:cNvPr id="1" name=""/>
+        <p:cNvGrpSpPr/>
+        <p:nvPr/>
+      </p:nvGrpSpPr>
+      <p:grpSpPr>
+        <a:xfrm>
+          <a:off x="0" y="0"/>
+          <a:ext cx="0" cy="0"/>
+          <a:chOff x="0" y="0"/>
+          <a:chExt cx="0" cy="0"/>
+        </a:xfrm>
+      </p:grpSpPr>
+      <p:sp>
+        <p:nvSpPr>
+          <p:cNvPr id="2" name="Title 1">
+            <a:extLst>
+              <a:ext uri="{FF2B5EF4-FFF2-40B4-BE49-F238E27FC236}">
+                <a16:creationId xmlns:a16="http://schemas.microsoft.com/office/drawing/2014/main" id="{FFA07A5C-CEE5-4763-81A0-A31BF50126C2}"/>
+              </a:ext>
+            </a:extLst>
+          </p:cNvPr>
+          <p:cNvSpPr>
+            <a:spLocks noGrp="1"/>
+          </p:cNvSpPr>
+          <p:nvPr>
+            <p:ph type="title"/>
+          </p:nvPr>
+        </p:nvSpPr>
+        <p:spPr/>
+        <p:txBody>
+          <a:bodyPr/>
+          <a:lstStyle/>
+          <a:p>
+            <a:r>
+              <a:rPr lang="en-US" dirty="0"/>
+              <a:t>Strategy</a:t>
+            </a:r>
+          </a:p>
+        </p:txBody>
+      </p:sp>
+      <p:sp>
+        <p:nvSpPr>
+          <p:cNvPr id="3" name="Content Placeholder 2">
+            <a:extLst>
+              <a:ext uri="{FF2B5EF4-FFF2-40B4-BE49-F238E27FC236}">
+                <a16:creationId xmlns:a16="http://schemas.microsoft.com/office/drawing/2014/main" id="{09CDC256-E4B7-43FD-A666-673BAE318A86}"/>
+              </a:ext>
+            </a:extLst>
+          </p:cNvPr>
+          <p:cNvSpPr>
+            <a:spLocks noGrp="1"/>
+          </p:cNvSpPr>
+          <p:nvPr>
+            <p:ph idx="1"/>
+          </p:nvPr>
+        </p:nvSpPr>
+        <p:spPr/>
+        <p:txBody>
+          <a:bodyPr/>
+          <a:lstStyle/>
+          <a:p>
+            <a:endParaRPr lang="en-US"/>
+          </a:p>
+        </p:txBody>
+      </p:sp>
+      <p:sp>
+        <p:nvSpPr>
+          <p:cNvPr id="4" name="Slide Number Placeholder 3">
+            <a:extLst>
+              <a:ext uri="{FF2B5EF4-FFF2-40B4-BE49-F238E27FC236}">
+                <a16:creationId xmlns:a16="http://schemas.microsoft.com/office/drawing/2014/main" id="{58652D9F-8A03-409A-A4DA-A5179CBFF8FE}"/>
+              </a:ext>
+            </a:extLst>
+          </p:cNvPr>
+          <p:cNvSpPr>
+            <a:spLocks noGrp="1"/>
+          </p:cNvSpPr>
+          <p:nvPr>
+            <p:ph type="sldNum" sz="quarter" idx="12"/>
+          </p:nvPr>
+        </p:nvSpPr>
+        <p:spPr/>
+        <p:txBody>
+          <a:bodyPr/>
+          <a:lstStyle/>
+          <a:p>
+            <a:fld id="{5BD42AC1-DE13-46F2-A3E8-BAE2CF711F37}" type="slidenum">
+              <a:rPr lang="en-US" smtClean="0"/>
+              <a:t>4</a:t>
+            </a:fld>
+            <a:endParaRPr lang="en-US"/>
+          </a:p>
+        </p:txBody>
+      </p:sp>
+    </p:spTree>
+    <p:extLst>
+      <p:ext uri="{BB962C8B-B14F-4D97-AF65-F5344CB8AC3E}">
+        <p14:creationId xmlns:p14="http://schemas.microsoft.com/office/powerpoint/2010/main" val="2559975766"/>
+      </p:ext>
+    </p:extLst>
+  </p:cSld>
+  <p:clrMapOvr>
+    <a:masterClrMapping/>
+  </p:clrMapOvr>
+</p:sld>
+</file>
+
+<file path=ppt/slides/slide5.xml><?xml version="1.0" encoding="utf-8"?>
+<p:sld xmlns:a="http://schemas.openxmlformats.org/drawingml/2006/main" xmlns:r="http://schemas.openxmlformats.org/officeDocument/2006/relationships" xmlns:p="http://schemas.openxmlformats.org/presentationml/2006/main">
+  <p:cSld>
+    <p:spTree>
+      <p:nvGrpSpPr>
+        <p:cNvPr id="1" name=""/>
+        <p:cNvGrpSpPr/>
+        <p:nvPr/>
+      </p:nvGrpSpPr>
+      <p:grpSpPr>
+        <a:xfrm>
+          <a:off x="0" y="0"/>
+          <a:ext cx="0" cy="0"/>
+          <a:chOff x="0" y="0"/>
+          <a:chExt cx="0" cy="0"/>
+        </a:xfrm>
+      </p:grpSpPr>
+      <p:sp>
+        <p:nvSpPr>
+          <p:cNvPr id="2" name="Title 1">
+            <a:extLst>
+              <a:ext uri="{FF2B5EF4-FFF2-40B4-BE49-F238E27FC236}">
+                <a16:creationId xmlns:a16="http://schemas.microsoft.com/office/drawing/2014/main" id="{2097F131-7809-4DE0-8A6A-445864B9E277}"/>
+              </a:ext>
+            </a:extLst>
+          </p:cNvPr>
+          <p:cNvSpPr>
+            <a:spLocks noGrp="1"/>
+          </p:cNvSpPr>
+          <p:nvPr>
+            <p:ph type="title"/>
+          </p:nvPr>
+        </p:nvSpPr>
+        <p:spPr/>
+        <p:txBody>
+          <a:bodyPr/>
+          <a:lstStyle/>
+          <a:p>
+            <a:r>
+              <a:rPr lang="en-US" dirty="0"/>
+              <a:t>The Model</a:t>
+            </a:r>
+          </a:p>
+        </p:txBody>
+      </p:sp>
+      <p:sp>
+        <p:nvSpPr>
+          <p:cNvPr id="3" name="Content Placeholder 2">
+            <a:extLst>
+              <a:ext uri="{FF2B5EF4-FFF2-40B4-BE49-F238E27FC236}">
+                <a16:creationId xmlns:a16="http://schemas.microsoft.com/office/drawing/2014/main" id="{5F9CD2FC-CCA4-4F36-9092-93FE24F67A0F}"/>
+              </a:ext>
+            </a:extLst>
+          </p:cNvPr>
+          <p:cNvSpPr>
+            <a:spLocks noGrp="1"/>
+          </p:cNvSpPr>
+          <p:nvPr>
+            <p:ph idx="1"/>
+          </p:nvPr>
+        </p:nvSpPr>
+        <p:spPr/>
+        <p:txBody>
+          <a:bodyPr/>
+          <a:lstStyle/>
+          <a:p>
+            <a:endParaRPr lang="en-US"/>
+          </a:p>
+        </p:txBody>
+      </p:sp>
+      <p:sp>
+        <p:nvSpPr>
+          <p:cNvPr id="4" name="Slide Number Placeholder 3">
+            <a:extLst>
+              <a:ext uri="{FF2B5EF4-FFF2-40B4-BE49-F238E27FC236}">
+                <a16:creationId xmlns:a16="http://schemas.microsoft.com/office/drawing/2014/main" id="{69065CD1-1C47-424D-825E-3C79B8A31241}"/>
+              </a:ext>
+            </a:extLst>
+          </p:cNvPr>
+          <p:cNvSpPr>
+            <a:spLocks noGrp="1"/>
+          </p:cNvSpPr>
+          <p:nvPr>
+            <p:ph type="sldNum" sz="quarter" idx="12"/>
+          </p:nvPr>
+        </p:nvSpPr>
+        <p:spPr/>
+        <p:txBody>
+          <a:bodyPr/>
+          <a:lstStyle/>
+          <a:p>
+            <a:fld id="{5BD42AC1-DE13-46F2-A3E8-BAE2CF711F37}" type="slidenum">
+              <a:rPr lang="en-US" smtClean="0"/>
+              <a:t>5</a:t>
+            </a:fld>
+            <a:endParaRPr lang="en-US"/>
+          </a:p>
+        </p:txBody>
+      </p:sp>
+    </p:spTree>
+    <p:extLst>
+      <p:ext uri="{BB962C8B-B14F-4D97-AF65-F5344CB8AC3E}">
+        <p14:creationId xmlns:p14="http://schemas.microsoft.com/office/powerpoint/2010/main" val="4239715848"/>
+      </p:ext>
+    </p:extLst>
+  </p:cSld>
+  <p:clrMapOvr>
+    <a:masterClrMapping/>
+  </p:clrMapOvr>
+</p:sld>
+</file>
+
+<file path=ppt/slides/slide6.xml><?xml version="1.0" encoding="utf-8"?>
+<p:sld xmlns:a="http://schemas.openxmlformats.org/drawingml/2006/main" xmlns:r="http://schemas.openxmlformats.org/officeDocument/2006/relationships" xmlns:p="http://schemas.openxmlformats.org/presentationml/2006/main">
+  <p:cSld>
+    <p:spTree>
+      <p:nvGrpSpPr>
+        <p:cNvPr id="1" name=""/>
+        <p:cNvGrpSpPr/>
+        <p:nvPr/>
+      </p:nvGrpSpPr>
+      <p:grpSpPr>
+        <a:xfrm>
+          <a:off x="0" y="0"/>
+          <a:ext cx="0" cy="0"/>
+          <a:chOff x="0" y="0"/>
+          <a:chExt cx="0" cy="0"/>
+        </a:xfrm>
+      </p:grpSpPr>
+      <p:sp>
+        <p:nvSpPr>
+          <p:cNvPr id="2" name="Title 1">
+            <a:extLst>
+              <a:ext uri="{FF2B5EF4-FFF2-40B4-BE49-F238E27FC236}">
+                <a16:creationId xmlns:a16="http://schemas.microsoft.com/office/drawing/2014/main" id="{B23370A6-6474-49CF-9467-C3660CDD6155}"/>
+              </a:ext>
+            </a:extLst>
+          </p:cNvPr>
+          <p:cNvSpPr>
+            <a:spLocks noGrp="1"/>
+          </p:cNvSpPr>
+          <p:nvPr>
+            <p:ph type="title"/>
+          </p:nvPr>
+        </p:nvSpPr>
+        <p:spPr/>
+        <p:txBody>
+          <a:bodyPr/>
+          <a:lstStyle/>
+          <a:p>
+            <a:r>
+              <a:rPr lang="en-US" dirty="0"/>
+              <a:t>Results</a:t>
+            </a:r>
+          </a:p>
+        </p:txBody>
+      </p:sp>
+      <p:sp>
+        <p:nvSpPr>
+          <p:cNvPr id="3" name="Content Placeholder 2">
+            <a:extLst>
+              <a:ext uri="{FF2B5EF4-FFF2-40B4-BE49-F238E27FC236}">
+                <a16:creationId xmlns:a16="http://schemas.microsoft.com/office/drawing/2014/main" id="{4B206306-3E6A-4671-AE72-7A87ACEE85B2}"/>
+              </a:ext>
+            </a:extLst>
+          </p:cNvPr>
+          <p:cNvSpPr>
+            <a:spLocks noGrp="1"/>
+          </p:cNvSpPr>
+          <p:nvPr>
+            <p:ph idx="1"/>
+          </p:nvPr>
+        </p:nvSpPr>
+        <p:spPr/>
+        <p:txBody>
+          <a:bodyPr/>
+          <a:lstStyle/>
+          <a:p>
+            <a:endParaRPr lang="en-US"/>
+          </a:p>
+        </p:txBody>
+      </p:sp>
+      <p:sp>
+        <p:nvSpPr>
+          <p:cNvPr id="4" name="Slide Number Placeholder 3">
+            <a:extLst>
+              <a:ext uri="{FF2B5EF4-FFF2-40B4-BE49-F238E27FC236}">
+                <a16:creationId xmlns:a16="http://schemas.microsoft.com/office/drawing/2014/main" id="{478841F7-16D3-42CC-8A3B-24D41076FCAE}"/>
+              </a:ext>
+            </a:extLst>
+          </p:cNvPr>
+          <p:cNvSpPr>
+            <a:spLocks noGrp="1"/>
+          </p:cNvSpPr>
+          <p:nvPr>
+            <p:ph type="sldNum" sz="quarter" idx="12"/>
+          </p:nvPr>
+        </p:nvSpPr>
+        <p:spPr/>
+        <p:txBody>
+          <a:bodyPr/>
+          <a:lstStyle/>
+          <a:p>
+            <a:fld id="{5BD42AC1-DE13-46F2-A3E8-BAE2CF711F37}" type="slidenum">
+              <a:rPr lang="en-US" smtClean="0"/>
+              <a:t>6</a:t>
+            </a:fld>
+            <a:endParaRPr lang="en-US"/>
+          </a:p>
+        </p:txBody>
+      </p:sp>
+    </p:spTree>
+    <p:extLst>
+      <p:ext uri="{BB962C8B-B14F-4D97-AF65-F5344CB8AC3E}">
+        <p14:creationId xmlns:p14="http://schemas.microsoft.com/office/powerpoint/2010/main" val="550541978"/>
+      </p:ext>
+    </p:extLst>
+  </p:cSld>
+  <p:clrMapOvr>
+    <a:masterClrMapping/>
+  </p:clrMapOvr>
+</p:sld>
+</file>
+
+<file path=ppt/slides/slide7.xml><?xml version="1.0" encoding="utf-8"?>
+<p:sld xmlns:a="http://schemas.openxmlformats.org/drawingml/2006/main" xmlns:r="http://schemas.openxmlformats.org/officeDocument/2006/relationships" xmlns:p="http://schemas.openxmlformats.org/presentationml/2006/main">
+  <p:cSld>
+    <p:spTree>
+      <p:nvGrpSpPr>
+        <p:cNvPr id="1" name=""/>
+        <p:cNvGrpSpPr/>
+        <p:nvPr/>
+      </p:nvGrpSpPr>
+      <p:grpSpPr>
+        <a:xfrm>
+          <a:off x="0" y="0"/>
+          <a:ext cx="0" cy="0"/>
+          <a:chOff x="0" y="0"/>
+          <a:chExt cx="0" cy="0"/>
+        </a:xfrm>
+      </p:grpSpPr>
+      <p:sp>
+        <p:nvSpPr>
+          <p:cNvPr id="2" name="Title 1">
+            <a:extLst>
+              <a:ext uri="{FF2B5EF4-FFF2-40B4-BE49-F238E27FC236}">
+                <a16:creationId xmlns:a16="http://schemas.microsoft.com/office/drawing/2014/main" id="{63AF2FC1-D59D-43A0-9778-AA3ABC977A60}"/>
+              </a:ext>
+            </a:extLst>
+          </p:cNvPr>
+          <p:cNvSpPr>
+            <a:spLocks noGrp="1"/>
+          </p:cNvSpPr>
+          <p:nvPr>
+            <p:ph type="title"/>
+          </p:nvPr>
+        </p:nvSpPr>
+        <p:spPr/>
+        <p:txBody>
+          <a:bodyPr/>
+          <a:lstStyle/>
+          <a:p>
+            <a:r>
+              <a:rPr lang="en-US" dirty="0"/>
+              <a:t>Conclusion</a:t>
+            </a:r>
+          </a:p>
+        </p:txBody>
+      </p:sp>
+      <p:sp>
+        <p:nvSpPr>
+          <p:cNvPr id="3" name="Content Placeholder 2">
+            <a:extLst>
+              <a:ext uri="{FF2B5EF4-FFF2-40B4-BE49-F238E27FC236}">
+                <a16:creationId xmlns:a16="http://schemas.microsoft.com/office/drawing/2014/main" id="{4B96166C-5EF2-4CCD-9BA0-286E13609F20}"/>
+              </a:ext>
+            </a:extLst>
+          </p:cNvPr>
+          <p:cNvSpPr>
+            <a:spLocks noGrp="1"/>
+          </p:cNvSpPr>
+          <p:nvPr>
+            <p:ph idx="1"/>
+          </p:nvPr>
+        </p:nvSpPr>
+        <p:spPr/>
+        <p:txBody>
+          <a:bodyPr/>
+          <a:lstStyle/>
+          <a:p>
+            <a:endParaRPr lang="en-US"/>
+          </a:p>
+        </p:txBody>
+      </p:sp>
+      <p:sp>
+        <p:nvSpPr>
+          <p:cNvPr id="4" name="Slide Number Placeholder 3">
+            <a:extLst>
+              <a:ext uri="{FF2B5EF4-FFF2-40B4-BE49-F238E27FC236}">
+                <a16:creationId xmlns:a16="http://schemas.microsoft.com/office/drawing/2014/main" id="{113E6715-4EAF-4423-B01F-60091E5C6AF0}"/>
+              </a:ext>
+            </a:extLst>
+          </p:cNvPr>
+          <p:cNvSpPr>
+            <a:spLocks noGrp="1"/>
+          </p:cNvSpPr>
+          <p:nvPr>
+            <p:ph type="sldNum" sz="quarter" idx="12"/>
+          </p:nvPr>
+        </p:nvSpPr>
+        <p:spPr/>
+        <p:txBody>
+          <a:bodyPr/>
+          <a:lstStyle/>
+          <a:p>
+            <a:fld id="{5BD42AC1-DE13-46F2-A3E8-BAE2CF711F37}" type="slidenum">
+              <a:rPr lang="en-US" smtClean="0"/>
+              <a:t>7</a:t>
+            </a:fld>
+            <a:endParaRPr lang="en-US"/>
+          </a:p>
+        </p:txBody>
+      </p:sp>
+    </p:spTree>
+    <p:extLst>
+      <p:ext uri="{BB962C8B-B14F-4D97-AF65-F5344CB8AC3E}">
+        <p14:creationId xmlns:p14="http://schemas.microsoft.com/office/powerpoint/2010/main" val="3675199139"/>
+      </p:ext>
+    </p:extLst>
+  </p:cSld>
+  <p:clrMapOvr>
+    <a:masterClrMapping/>
+  </p:clrMapOvr>
+</p:sld>
+</file>
+
+<file path=ppt/slides/slide8.xml><?xml version="1.0" encoding="utf-8"?>
+<p:sld xmlns:a="http://schemas.openxmlformats.org/drawingml/2006/main" xmlns:r="http://schemas.openxmlformats.org/officeDocument/2006/relationships" xmlns:p="http://schemas.openxmlformats.org/presentationml/2006/main">
+  <p:cSld>
+    <p:spTree>
+      <p:nvGrpSpPr>
+        <p:cNvPr id="1" name=""/>
+        <p:cNvGrpSpPr/>
+        <p:nvPr/>
+      </p:nvGrpSpPr>
+      <p:grpSpPr>
+        <a:xfrm>
+          <a:off x="0" y="0"/>
+          <a:ext cx="0" cy="0"/>
+          <a:chOff x="0" y="0"/>
+          <a:chExt cx="0" cy="0"/>
+        </a:xfrm>
+      </p:grpSpPr>
+      <p:sp>
+        <p:nvSpPr>
+          <p:cNvPr id="2" name="Title 1">
+            <a:extLst>
+              <a:ext uri="{FF2B5EF4-FFF2-40B4-BE49-F238E27FC236}">
+                <a16:creationId xmlns:a16="http://schemas.microsoft.com/office/drawing/2014/main" id="{81D57D61-6C4E-4FA4-80EA-A46C811121D5}"/>
+              </a:ext>
+            </a:extLst>
+          </p:cNvPr>
+          <p:cNvSpPr>
+            <a:spLocks noGrp="1"/>
+          </p:cNvSpPr>
+          <p:nvPr>
+            <p:ph type="title"/>
+          </p:nvPr>
+        </p:nvSpPr>
+        <p:spPr/>
+        <p:txBody>
+          <a:bodyPr/>
+          <a:lstStyle/>
+          <a:p>
+            <a:r>
+              <a:rPr lang="en-US" dirty="0" err="1"/>
+              <a:t>Recomendations</a:t>
+            </a:r>
+            <a:endParaRPr lang="en-US" dirty="0"/>
+          </a:p>
+        </p:txBody>
+      </p:sp>
+      <p:sp>
+        <p:nvSpPr>
+          <p:cNvPr id="3" name="Content Placeholder 2">
+            <a:extLst>
+              <a:ext uri="{FF2B5EF4-FFF2-40B4-BE49-F238E27FC236}">
+                <a16:creationId xmlns:a16="http://schemas.microsoft.com/office/drawing/2014/main" id="{C65A2088-314F-4E65-AF9C-212B22F2BC4A}"/>
+              </a:ext>
+            </a:extLst>
+          </p:cNvPr>
+          <p:cNvSpPr>
+            <a:spLocks noGrp="1"/>
+          </p:cNvSpPr>
+          <p:nvPr>
+            <p:ph idx="1"/>
+          </p:nvPr>
+        </p:nvSpPr>
+        <p:spPr/>
+        <p:txBody>
+          <a:bodyPr/>
+          <a:lstStyle/>
+          <a:p>
+            <a:endParaRPr lang="en-US"/>
+          </a:p>
+        </p:txBody>
+      </p:sp>
+      <p:sp>
+        <p:nvSpPr>
+          <p:cNvPr id="4" name="Slide Number Placeholder 3">
+            <a:extLst>
+              <a:ext uri="{FF2B5EF4-FFF2-40B4-BE49-F238E27FC236}">
+                <a16:creationId xmlns:a16="http://schemas.microsoft.com/office/drawing/2014/main" id="{385A3CC3-8AA9-41C2-A92A-43D6EA5BFB90}"/>
+              </a:ext>
+            </a:extLst>
+          </p:cNvPr>
+          <p:cNvSpPr>
+            <a:spLocks noGrp="1"/>
+          </p:cNvSpPr>
+          <p:nvPr>
+            <p:ph type="sldNum" sz="quarter" idx="12"/>
+          </p:nvPr>
+        </p:nvSpPr>
+        <p:spPr/>
+        <p:txBody>
+          <a:bodyPr/>
+          <a:lstStyle/>
+          <a:p>
+            <a:fld id="{5BD42AC1-DE13-46F2-A3E8-BAE2CF711F37}" type="slidenum">
+              <a:rPr lang="en-US" smtClean="0"/>
+              <a:t>8</a:t>
+            </a:fld>
+            <a:endParaRPr lang="en-US"/>
+          </a:p>
+        </p:txBody>
+      </p:sp>
+    </p:spTree>
+    <p:extLst>
+      <p:ext uri="{BB962C8B-B14F-4D97-AF65-F5344CB8AC3E}">
+        <p14:creationId xmlns:p14="http://schemas.microsoft.com/office/powerpoint/2010/main" val="2449471538"/>
+      </p:ext>
+    </p:extLst>
+  </p:cSld>
+  <p:clrMapOvr>
+    <a:masterClrMapping/>
+  </p:clrMapOvr>
+</p:sld>
+</file>
+
+<file path=ppt/slides/slide9.xml><?xml version="1.0" encoding="utf-8"?>
+<p:sld xmlns:a="http://schemas.openxmlformats.org/drawingml/2006/main" xmlns:r="http://schemas.openxmlformats.org/officeDocument/2006/relationships" xmlns:p="http://schemas.openxmlformats.org/presentationml/2006/main">
+  <p:cSld>
+    <p:spTree>
+      <p:nvGrpSpPr>
+        <p:cNvPr id="1" name=""/>
+        <p:cNvGrpSpPr/>
+        <p:nvPr/>
+      </p:nvGrpSpPr>
+      <p:grpSpPr>
+        <a:xfrm>
+          <a:off x="0" y="0"/>
+          <a:ext cx="0" cy="0"/>
+          <a:chOff x="0" y="0"/>
+          <a:chExt cx="0" cy="0"/>
+        </a:xfrm>
+      </p:grpSpPr>
+      <p:sp>
+        <p:nvSpPr>
+          <p:cNvPr id="2" name="Title 1">
+            <a:extLst>
+              <a:ext uri="{FF2B5EF4-FFF2-40B4-BE49-F238E27FC236}">
+                <a16:creationId xmlns:a16="http://schemas.microsoft.com/office/drawing/2014/main" id="{AE874DF7-07E2-497E-9D8F-112A4FDE4C99}"/>
+              </a:ext>
+            </a:extLst>
+          </p:cNvPr>
+          <p:cNvSpPr>
+            <a:spLocks noGrp="1"/>
+          </p:cNvSpPr>
+          <p:nvPr>
+            <p:ph type="title"/>
+          </p:nvPr>
+        </p:nvSpPr>
+        <p:spPr/>
+        <p:txBody>
+          <a:bodyPr/>
+          <a:lstStyle/>
+          <a:p>
+            <a:r>
+              <a:rPr lang="en-US" dirty="0"/>
+              <a:t>Future work</a:t>
+            </a:r>
+          </a:p>
+        </p:txBody>
+      </p:sp>
+      <p:sp>
+        <p:nvSpPr>
+          <p:cNvPr id="3" name="Content Placeholder 2">
+            <a:extLst>
+              <a:ext uri="{FF2B5EF4-FFF2-40B4-BE49-F238E27FC236}">
+                <a16:creationId xmlns:a16="http://schemas.microsoft.com/office/drawing/2014/main" id="{819C7B6C-2467-4C85-9D1F-D8E599229154}"/>
+              </a:ext>
+            </a:extLst>
+          </p:cNvPr>
+          <p:cNvSpPr>
+            <a:spLocks noGrp="1"/>
+          </p:cNvSpPr>
+          <p:nvPr>
+            <p:ph idx="1"/>
+          </p:nvPr>
+        </p:nvSpPr>
+        <p:spPr/>
+        <p:txBody>
+          <a:bodyPr/>
+          <a:lstStyle/>
+          <a:p>
+            <a:endParaRPr lang="en-US"/>
+          </a:p>
+        </p:txBody>
+      </p:sp>
+      <p:sp>
+        <p:nvSpPr>
+          <p:cNvPr id="4" name="Slide Number Placeholder 3">
+            <a:extLst>
+              <a:ext uri="{FF2B5EF4-FFF2-40B4-BE49-F238E27FC236}">
+                <a16:creationId xmlns:a16="http://schemas.microsoft.com/office/drawing/2014/main" id="{70A00C5B-46A0-4C9A-B4CC-72E696908AE9}"/>
+              </a:ext>
+            </a:extLst>
+          </p:cNvPr>
+          <p:cNvSpPr>
+            <a:spLocks noGrp="1"/>
+          </p:cNvSpPr>
+          <p:nvPr>
+            <p:ph type="sldNum" sz="quarter" idx="12"/>
+          </p:nvPr>
+        </p:nvSpPr>
+        <p:spPr/>
+        <p:txBody>
+          <a:bodyPr/>
+          <a:lstStyle/>
+          <a:p>
+            <a:fld id="{5BD42AC1-DE13-46F2-A3E8-BAE2CF711F37}" type="slidenum">
+              <a:rPr lang="en-US" smtClean="0"/>
+              <a:t>9</a:t>
+            </a:fld>
+            <a:endParaRPr lang="en-US"/>
+          </a:p>
+        </p:txBody>
+      </p:sp>
+    </p:spTree>
+    <p:extLst>
+      <p:ext uri="{BB962C8B-B14F-4D97-AF65-F5344CB8AC3E}">
+        <p14:creationId xmlns:p14="http://schemas.microsoft.com/office/powerpoint/2010/main" val="853445775"/>
       </p:ext>
     </p:extLst>
   </p:cSld>
@@ -6321,4 +9420,299 @@
     </a:ext>
   </a:extLst>
 </a:theme>
+</file>
+
+<file path=ppt/theme/theme2.xml><?xml version="1.0" encoding="utf-8"?>
+<a:theme xmlns:a="http://schemas.openxmlformats.org/drawingml/2006/main" name="Office Theme">
+  <a:themeElements>
+    <a:clrScheme name="Office">
+      <a:dk1>
+        <a:sysClr val="windowText" lastClr="000000"/>
+      </a:dk1>
+      <a:lt1>
+        <a:sysClr val="window" lastClr="FFFFFF"/>
+      </a:lt1>
+      <a:dk2>
+        <a:srgbClr val="44546A"/>
+      </a:dk2>
+      <a:lt2>
+        <a:srgbClr val="E7E6E6"/>
+      </a:lt2>
+      <a:accent1>
+        <a:srgbClr val="4472C4"/>
+      </a:accent1>
+      <a:accent2>
+        <a:srgbClr val="ED7D31"/>
+      </a:accent2>
+      <a:accent3>
+        <a:srgbClr val="A5A5A5"/>
+      </a:accent3>
+      <a:accent4>
+        <a:srgbClr val="FFC000"/>
+      </a:accent4>
+      <a:accent5>
+        <a:srgbClr val="5B9BD5"/>
+      </a:accent5>
+      <a:accent6>
+        <a:srgbClr val="70AD47"/>
+      </a:accent6>
+      <a:hlink>
+        <a:srgbClr val="0563C1"/>
+      </a:hlink>
+      <a:folHlink>
+        <a:srgbClr val="954F72"/>
+      </a:folHlink>
+    </a:clrScheme>
+    <a:fontScheme name="Office">
+      <a:majorFont>
+        <a:latin typeface="Calibri Light" panose="020F0302020204030204"/>
+        <a:ea typeface=""/>
+        <a:cs typeface=""/>
+        <a:font script="Jpan" typeface="游ゴシック Light"/>
+        <a:font script="Hang" typeface="맑은 고딕"/>
+        <a:font script="Hans" typeface="等线 Light"/>
+        <a:font script="Hant" typeface="新細明體"/>
+        <a:font script="Arab" typeface="Times New Roman"/>
+        <a:font script="Hebr" typeface="Times New Roman"/>
+        <a:font script="Thai" typeface="Angsana New"/>
+        <a:font script="Ethi" typeface="Nyala"/>
+        <a:font script="Beng" typeface="Vrinda"/>
+        <a:font script="Gujr" typeface="Shruti"/>
+        <a:font script="Khmr" typeface="MoolBoran"/>
+        <a:font script="Knda" typeface="Tunga"/>
+        <a:font script="Guru" typeface="Raavi"/>
+        <a:font script="Cans" typeface="Euphemia"/>
+        <a:font script="Cher" typeface="Plantagenet Cherokee"/>
+        <a:font script="Yiii" typeface="Microsoft Yi Baiti"/>
+        <a:font script="Tibt" typeface="Microsoft Himalaya"/>
+        <a:font script="Thaa" typeface="MV Boli"/>
+        <a:font script="Deva" typeface="Mangal"/>
+        <a:font script="Telu" typeface="Gautami"/>
+        <a:font script="Taml" typeface="Latha"/>
+        <a:font script="Syrc" typeface="Estrangelo Edessa"/>
+        <a:font script="Orya" typeface="Kalinga"/>
+        <a:font script="Mlym" typeface="Kartika"/>
+        <a:font script="Laoo" typeface="DokChampa"/>
+        <a:font script="Sinh" typeface="Iskoola Pota"/>
+        <a:font script="Mong" typeface="Mongolian Baiti"/>
+        <a:font script="Viet" typeface="Times New Roman"/>
+        <a:font script="Uigh" typeface="Microsoft Uighur"/>
+        <a:font script="Geor" typeface="Sylfaen"/>
+        <a:font script="Armn" typeface="Arial"/>
+        <a:font script="Bugi" typeface="Leelawadee UI"/>
+        <a:font script="Bopo" typeface="Microsoft JhengHei"/>
+        <a:font script="Java" typeface="Javanese Text"/>
+        <a:font script="Lisu" typeface="Segoe UI"/>
+        <a:font script="Mymr" typeface="Myanmar Text"/>
+        <a:font script="Nkoo" typeface="Ebrima"/>
+        <a:font script="Olck" typeface="Nirmala UI"/>
+        <a:font script="Osma" typeface="Ebrima"/>
+        <a:font script="Phag" typeface="Phagspa"/>
+        <a:font script="Syrn" typeface="Estrangelo Edessa"/>
+        <a:font script="Syrj" typeface="Estrangelo Edessa"/>
+        <a:font script="Syre" typeface="Estrangelo Edessa"/>
+        <a:font script="Sora" typeface="Nirmala UI"/>
+        <a:font script="Tale" typeface="Microsoft Tai Le"/>
+        <a:font script="Talu" typeface="Microsoft New Tai Lue"/>
+        <a:font script="Tfng" typeface="Ebrima"/>
+      </a:majorFont>
+      <a:minorFont>
+        <a:latin typeface="Calibri" panose="020F0502020204030204"/>
+        <a:ea typeface=""/>
+        <a:cs typeface=""/>
+        <a:font script="Jpan" typeface="游ゴシック"/>
+        <a:font script="Hang" typeface="맑은 고딕"/>
+        <a:font script="Hans" typeface="等线"/>
+        <a:font script="Hant" typeface="新細明體"/>
+        <a:font script="Arab" typeface="Arial"/>
+        <a:font script="Hebr" typeface="Arial"/>
+        <a:font script="Thai" typeface="Cordia New"/>
+        <a:font script="Ethi" typeface="Nyala"/>
+        <a:font script="Beng" typeface="Vrinda"/>
+        <a:font script="Gujr" typeface="Shruti"/>
+        <a:font script="Khmr" typeface="DaunPenh"/>
+        <a:font script="Knda" typeface="Tunga"/>
+        <a:font script="Guru" typeface="Raavi"/>
+        <a:font script="Cans" typeface="Euphemia"/>
+        <a:font script="Cher" typeface="Plantagenet Cherokee"/>
+        <a:font script="Yiii" typeface="Microsoft Yi Baiti"/>
+        <a:font script="Tibt" typeface="Microsoft Himalaya"/>
+        <a:font script="Thaa" typeface="MV Boli"/>
+        <a:font script="Deva" typeface="Mangal"/>
+        <a:font script="Telu" typeface="Gautami"/>
+        <a:font script="Taml" typeface="Latha"/>
+        <a:font script="Syrc" typeface="Estrangelo Edessa"/>
+        <a:font script="Orya" typeface="Kalinga"/>
+        <a:font script="Mlym" typeface="Kartika"/>
+        <a:font script="Laoo" typeface="DokChampa"/>
+        <a:font script="Sinh" typeface="Iskoola Pota"/>
+        <a:font script="Mong" typeface="Mongolian Baiti"/>
+        <a:font script="Viet" typeface="Arial"/>
+        <a:font script="Uigh" typeface="Microsoft Uighur"/>
+        <a:font script="Geor" typeface="Sylfaen"/>
+        <a:font script="Armn" typeface="Arial"/>
+        <a:font script="Bugi" typeface="Leelawadee UI"/>
+        <a:font script="Bopo" typeface="Microsoft JhengHei"/>
+        <a:font script="Java" typeface="Javanese Text"/>
+        <a:font script="Lisu" typeface="Segoe UI"/>
+        <a:font script="Mymr" typeface="Myanmar Text"/>
+        <a:font script="Nkoo" typeface="Ebrima"/>
+        <a:font script="Olck" typeface="Nirmala UI"/>
+        <a:font script="Osma" typeface="Ebrima"/>
+        <a:font script="Phag" typeface="Phagspa"/>
+        <a:font script="Syrn" typeface="Estrangelo Edessa"/>
+        <a:font script="Syrj" typeface="Estrangelo Edessa"/>
+        <a:font script="Syre" typeface="Estrangelo Edessa"/>
+        <a:font script="Sora" typeface="Nirmala UI"/>
+        <a:font script="Tale" typeface="Microsoft Tai Le"/>
+        <a:font script="Talu" typeface="Microsoft New Tai Lue"/>
+        <a:font script="Tfng" typeface="Ebrima"/>
+      </a:minorFont>
+    </a:fontScheme>
+    <a:fmtScheme name="Office">
+      <a:fillStyleLst>
+        <a:solidFill>
+          <a:schemeClr val="phClr"/>
+        </a:solidFill>
+        <a:gradFill rotWithShape="1">
+          <a:gsLst>
+            <a:gs pos="0">
+              <a:schemeClr val="phClr">
+                <a:lumMod val="110000"/>
+                <a:satMod val="105000"/>
+                <a:tint val="67000"/>
+              </a:schemeClr>
+            </a:gs>
+            <a:gs pos="50000">
+              <a:schemeClr val="phClr">
+                <a:lumMod val="105000"/>
+                <a:satMod val="103000"/>
+                <a:tint val="73000"/>
+              </a:schemeClr>
+            </a:gs>
+            <a:gs pos="100000">
+              <a:schemeClr val="phClr">
+                <a:lumMod val="105000"/>
+                <a:satMod val="109000"/>
+                <a:tint val="81000"/>
+              </a:schemeClr>
+            </a:gs>
+          </a:gsLst>
+          <a:lin ang="5400000" scaled="0"/>
+        </a:gradFill>
+        <a:gradFill rotWithShape="1">
+          <a:gsLst>
+            <a:gs pos="0">
+              <a:schemeClr val="phClr">
+                <a:satMod val="103000"/>
+                <a:lumMod val="102000"/>
+                <a:tint val="94000"/>
+              </a:schemeClr>
+            </a:gs>
+            <a:gs pos="50000">
+              <a:schemeClr val="phClr">
+                <a:satMod val="110000"/>
+                <a:lumMod val="100000"/>
+                <a:shade val="100000"/>
+              </a:schemeClr>
+            </a:gs>
+            <a:gs pos="100000">
+              <a:schemeClr val="phClr">
+                <a:lumMod val="99000"/>
+                <a:satMod val="120000"/>
+                <a:shade val="78000"/>
+              </a:schemeClr>
+            </a:gs>
+          </a:gsLst>
+          <a:lin ang="5400000" scaled="0"/>
+        </a:gradFill>
+      </a:fillStyleLst>
+      <a:lnStyleLst>
+        <a:ln w="6350" cap="flat" cmpd="sng" algn="ctr">
+          <a:solidFill>
+            <a:schemeClr val="phClr"/>
+          </a:solidFill>
+          <a:prstDash val="solid"/>
+          <a:miter lim="800000"/>
+        </a:ln>
+        <a:ln w="12700" cap="flat" cmpd="sng" algn="ctr">
+          <a:solidFill>
+            <a:schemeClr val="phClr"/>
+          </a:solidFill>
+          <a:prstDash val="solid"/>
+          <a:miter lim="800000"/>
+        </a:ln>
+        <a:ln w="19050" cap="flat" cmpd="sng" algn="ctr">
+          <a:solidFill>
+            <a:schemeClr val="phClr"/>
+          </a:solidFill>
+          <a:prstDash val="solid"/>
+          <a:miter lim="800000"/>
+        </a:ln>
+      </a:lnStyleLst>
+      <a:effectStyleLst>
+        <a:effectStyle>
+          <a:effectLst/>
+        </a:effectStyle>
+        <a:effectStyle>
+          <a:effectLst/>
+        </a:effectStyle>
+        <a:effectStyle>
+          <a:effectLst>
+            <a:outerShdw blurRad="57150" dist="19050" dir="5400000" algn="ctr" rotWithShape="0">
+              <a:srgbClr val="000000">
+                <a:alpha val="63000"/>
+              </a:srgbClr>
+            </a:outerShdw>
+          </a:effectLst>
+        </a:effectStyle>
+      </a:effectStyleLst>
+      <a:bgFillStyleLst>
+        <a:solidFill>
+          <a:schemeClr val="phClr"/>
+        </a:solidFill>
+        <a:solidFill>
+          <a:schemeClr val="phClr">
+            <a:tint val="95000"/>
+            <a:satMod val="170000"/>
+          </a:schemeClr>
+        </a:solidFill>
+        <a:gradFill rotWithShape="1">
+          <a:gsLst>
+            <a:gs pos="0">
+              <a:schemeClr val="phClr">
+                <a:tint val="93000"/>
+                <a:satMod val="150000"/>
+                <a:shade val="98000"/>
+                <a:lumMod val="102000"/>
+              </a:schemeClr>
+            </a:gs>
+            <a:gs pos="50000">
+              <a:schemeClr val="phClr">
+                <a:tint val="98000"/>
+                <a:satMod val="130000"/>
+                <a:shade val="90000"/>
+                <a:lumMod val="103000"/>
+              </a:schemeClr>
+            </a:gs>
+            <a:gs pos="100000">
+              <a:schemeClr val="phClr">
+                <a:shade val="63000"/>
+                <a:satMod val="120000"/>
+              </a:schemeClr>
+            </a:gs>
+          </a:gsLst>
+          <a:lin ang="5400000" scaled="0"/>
+        </a:gradFill>
+      </a:bgFillStyleLst>
+    </a:fmtScheme>
+  </a:themeElements>
+  <a:objectDefaults/>
+  <a:extraClrSchemeLst/>
+  <a:extLst>
+    <a:ext uri="{05A4C25C-085E-4340-85A3-A5531E510DB2}">
+      <thm15:themeFamily xmlns:thm15="http://schemas.microsoft.com/office/thememl/2012/main" name="Office Theme" id="{62F939B6-93AF-4DB8-9C6B-D6C7DFDC589F}" vid="{4A3C46E8-61CC-4603-A589-7422A47A8E4A}"/>
+    </a:ext>
+  </a:extLst>
+</a:theme>
 </file>
--- a/ppt/MOD_5.pptx
+++ b/ppt/MOD_5.pptx
@@ -207,7 +207,7 @@
           <a:p>
             <a:fld id="{944200C6-F8E7-4CD6-AD45-A03DB8ADEC2E}" type="datetimeFigureOut">
               <a:rPr lang="en-US" smtClean="0"/>
-              <a:t>7/26/2020</a:t>
+              <a:t>7/27/2020</a:t>
             </a:fld>
             <a:endParaRPr lang="en-US"/>
           </a:p>
@@ -621,7 +621,7 @@
           <a:p>
             <a:fld id="{067684EC-C4B2-43C6-BDC8-184431E6E2DB}" type="datetime1">
               <a:rPr lang="en-US" smtClean="0"/>
-              <a:t>7/26/2020</a:t>
+              <a:t>7/27/2020</a:t>
             </a:fld>
             <a:endParaRPr lang="en-US"/>
           </a:p>
@@ -819,7 +819,7 @@
           <a:p>
             <a:fld id="{8ED2AB16-EB92-483F-B9C5-BA94201E60CE}" type="datetime1">
               <a:rPr lang="en-US" smtClean="0"/>
-              <a:t>7/26/2020</a:t>
+              <a:t>7/27/2020</a:t>
             </a:fld>
             <a:endParaRPr lang="en-US"/>
           </a:p>
@@ -1027,7 +1027,7 @@
           <a:p>
             <a:fld id="{7E090191-A12F-44A0-9F31-B3ED69B7A332}" type="datetime1">
               <a:rPr lang="en-US" smtClean="0"/>
-              <a:t>7/26/2020</a:t>
+              <a:t>7/27/2020</a:t>
             </a:fld>
             <a:endParaRPr lang="en-US"/>
           </a:p>
@@ -1225,7 +1225,7 @@
           <a:p>
             <a:fld id="{9F535B62-2A88-4150-B93F-F0529DC8A71D}" type="datetime1">
               <a:rPr lang="en-US" smtClean="0"/>
-              <a:t>7/26/2020</a:t>
+              <a:t>7/27/2020</a:t>
             </a:fld>
             <a:endParaRPr lang="en-US"/>
           </a:p>
@@ -1315,6 +1315,41 @@
           <a:xfrm>
             <a:off x="0" y="0"/>
             <a:ext cx="12192000" cy="6852952"/>
+          </a:xfrm>
+          <a:prstGeom prst="rect">
+            <a:avLst/>
+          </a:prstGeom>
+        </p:spPr>
+      </p:pic>
+      <p:pic>
+        <p:nvPicPr>
+          <p:cNvPr id="7" name="Picture 6" descr="A close up of text on a white background&#10;&#10;Description automatically generated">
+            <a:extLst>
+              <a:ext uri="{FF2B5EF4-FFF2-40B4-BE49-F238E27FC236}">
+                <a16:creationId xmlns:a16="http://schemas.microsoft.com/office/drawing/2014/main" id="{28EDC5FB-09C1-47A9-B062-A6D9711C8095}"/>
+              </a:ext>
+            </a:extLst>
+          </p:cNvPr>
+          <p:cNvPicPr>
+            <a:picLocks noChangeAspect="1"/>
+          </p:cNvPicPr>
+          <p:nvPr userDrawn="1"/>
+        </p:nvPicPr>
+        <p:blipFill rotWithShape="1">
+          <a:blip r:embed="rId2">
+            <a:extLst>
+              <a:ext uri="{28A0092B-C50C-407E-A947-70E740481C1C}">
+                <a14:useLocalDpi xmlns:a14="http://schemas.microsoft.com/office/drawing/2010/main" val="0"/>
+              </a:ext>
+            </a:extLst>
+          </a:blip>
+          <a:srcRect l="6243" t="15888" r="42347" b="16621"/>
+          <a:stretch/>
+        </p:blipFill>
+        <p:spPr>
+          <a:xfrm>
+            <a:off x="18394" y="5728521"/>
+            <a:ext cx="819806" cy="1076271"/>
           </a:xfrm>
           <a:prstGeom prst="rect">
             <a:avLst/>
@@ -1536,7 +1571,7 @@
           <a:p>
             <a:fld id="{0976E5EB-E45D-4220-918D-0C3E463C2314}" type="datetime1">
               <a:rPr lang="en-US" smtClean="0"/>
-              <a:t>7/26/2020</a:t>
+              <a:t>7/27/2020</a:t>
             </a:fld>
             <a:endParaRPr lang="en-US"/>
           </a:p>
@@ -1801,7 +1836,7 @@
           <a:p>
             <a:fld id="{525F1668-20D9-46A7-86BB-48F86F4D7660}" type="datetime1">
               <a:rPr lang="en-US" smtClean="0"/>
-              <a:t>7/26/2020</a:t>
+              <a:t>7/27/2020</a:t>
             </a:fld>
             <a:endParaRPr lang="en-US"/>
           </a:p>
@@ -2213,7 +2248,7 @@
           <a:p>
             <a:fld id="{F6FB28C1-B380-4E38-ADE6-5D441BEFCDCA}" type="datetime1">
               <a:rPr lang="en-US" smtClean="0"/>
-              <a:t>7/26/2020</a:t>
+              <a:t>7/27/2020</a:t>
             </a:fld>
             <a:endParaRPr lang="en-US"/>
           </a:p>
@@ -2354,7 +2389,7 @@
           <a:p>
             <a:fld id="{EE159EB3-582F-46E1-A3BB-F82CC3AB30FA}" type="datetime1">
               <a:rPr lang="en-US" smtClean="0"/>
-              <a:t>7/26/2020</a:t>
+              <a:t>7/27/2020</a:t>
             </a:fld>
             <a:endParaRPr lang="en-US"/>
           </a:p>
@@ -2467,7 +2502,7 @@
           <a:p>
             <a:fld id="{97167329-57DD-46F0-BB8C-8EDA39C07A5C}" type="datetime1">
               <a:rPr lang="en-US" smtClean="0"/>
-              <a:t>7/26/2020</a:t>
+              <a:t>7/27/2020</a:t>
             </a:fld>
             <a:endParaRPr lang="en-US"/>
           </a:p>
@@ -2778,7 +2813,7 @@
           <a:p>
             <a:fld id="{DC9D90E0-E22A-4E40-A029-6FF706DF5FD2}" type="datetime1">
               <a:rPr lang="en-US" smtClean="0"/>
-              <a:t>7/26/2020</a:t>
+              <a:t>7/27/2020</a:t>
             </a:fld>
             <a:endParaRPr lang="en-US"/>
           </a:p>
@@ -3066,7 +3101,7 @@
           <a:p>
             <a:fld id="{AB010AF7-7A4A-4423-BB22-BDE17273CE00}" type="datetime1">
               <a:rPr lang="en-US" smtClean="0"/>
-              <a:t>7/26/2020</a:t>
+              <a:t>7/27/2020</a:t>
             </a:fld>
             <a:endParaRPr lang="en-US"/>
           </a:p>
@@ -3307,7 +3342,7 @@
           <a:p>
             <a:fld id="{92ED9411-F502-4267-8E23-CAEA2E642654}" type="datetime1">
               <a:rPr lang="en-US" smtClean="0"/>
-              <a:t>7/26/2020</a:t>
+              <a:t>7/27/2020</a:t>
             </a:fld>
             <a:endParaRPr lang="en-US"/>
           </a:p>
@@ -7826,8 +7861,8 @@
         </p:nvSpPr>
         <p:spPr>
           <a:xfrm>
-            <a:off x="838200" y="365126"/>
-            <a:ext cx="10515600" cy="1050720"/>
+            <a:off x="759178" y="162984"/>
+            <a:ext cx="10515600" cy="910518"/>
           </a:xfrm>
         </p:spPr>
         <p:txBody>
@@ -7857,12 +7892,20 @@
             <p:ph idx="1"/>
           </p:nvPr>
         </p:nvSpPr>
-        <p:spPr/>
+        <p:spPr>
+          <a:xfrm>
+            <a:off x="270875" y="1193264"/>
+            <a:ext cx="11715701" cy="1132023"/>
+          </a:xfrm>
+        </p:spPr>
         <p:txBody>
           <a:bodyPr/>
           <a:lstStyle/>
           <a:p>
-            <a:endParaRPr lang="en-US" dirty="0"/>
+            <a:r>
+              <a:rPr lang="en-US" dirty="0"/>
+              <a:t>Human emotion is most vividly understood by facial expression. Dr. Paul Ekman’s shows there are 7 universal facial expression of emotion.  </a:t>
+            </a:r>
           </a:p>
         </p:txBody>
       </p:sp>
@@ -7892,6 +7935,247 @@
               <a:t>2</a:t>
             </a:fld>
             <a:endParaRPr lang="en-US"/>
+          </a:p>
+        </p:txBody>
+      </p:sp>
+      <p:pic>
+        <p:nvPicPr>
+          <p:cNvPr id="6" name="Picture 5">
+            <a:extLst>
+              <a:ext uri="{FF2B5EF4-FFF2-40B4-BE49-F238E27FC236}">
+                <a16:creationId xmlns:a16="http://schemas.microsoft.com/office/drawing/2014/main" id="{48BCBEAE-70AA-4A88-80B8-EB4181E238F1}"/>
+              </a:ext>
+            </a:extLst>
+          </p:cNvPr>
+          <p:cNvPicPr>
+            <a:picLocks noChangeAspect="1"/>
+          </p:cNvPicPr>
+          <p:nvPr/>
+        </p:nvPicPr>
+        <p:blipFill>
+          <a:blip r:embed="rId2"/>
+          <a:stretch>
+            <a:fillRect/>
+          </a:stretch>
+        </p:blipFill>
+        <p:spPr>
+          <a:xfrm>
+            <a:off x="4704045" y="2559657"/>
+            <a:ext cx="7398143" cy="4044166"/>
+          </a:xfrm>
+          <a:prstGeom prst="rect">
+            <a:avLst/>
+          </a:prstGeom>
+        </p:spPr>
+      </p:pic>
+      <p:sp>
+        <p:nvSpPr>
+          <p:cNvPr id="7" name="Content Placeholder 2">
+            <a:extLst>
+              <a:ext uri="{FF2B5EF4-FFF2-40B4-BE49-F238E27FC236}">
+                <a16:creationId xmlns:a16="http://schemas.microsoft.com/office/drawing/2014/main" id="{6662E51B-ADC7-4264-B5CF-5B51C02697E4}"/>
+              </a:ext>
+            </a:extLst>
+          </p:cNvPr>
+          <p:cNvSpPr txBox="1">
+            <a:spLocks/>
+          </p:cNvSpPr>
+          <p:nvPr/>
+        </p:nvSpPr>
+        <p:spPr>
+          <a:xfrm>
+            <a:off x="270875" y="2445049"/>
+            <a:ext cx="4433170" cy="4249967"/>
+          </a:xfrm>
+          <a:prstGeom prst="rect">
+            <a:avLst/>
+          </a:prstGeom>
+        </p:spPr>
+        <p:txBody>
+          <a:bodyPr vert="horz" lIns="91440" tIns="45720" rIns="91440" bIns="45720" rtlCol="0">
+            <a:normAutofit/>
+          </a:bodyPr>
+          <a:lstStyle>
+            <a:lvl1pPr marL="228600" indent="-228600" algn="l" defTabSz="914400" rtl="0" eaLnBrk="1" latinLnBrk="0" hangingPunct="1">
+              <a:lnSpc>
+                <a:spcPct val="90000"/>
+              </a:lnSpc>
+              <a:spcBef>
+                <a:spcPts val="1000"/>
+              </a:spcBef>
+              <a:buFont typeface="Arial" panose="020B0604020202020204" pitchFamily="34" charset="0"/>
+              <a:buChar char="•"/>
+              <a:defRPr sz="2800" kern="1200">
+                <a:solidFill>
+                  <a:schemeClr val="tx1"/>
+                </a:solidFill>
+                <a:latin typeface="+mn-lt"/>
+                <a:ea typeface="+mn-ea"/>
+                <a:cs typeface="+mn-cs"/>
+              </a:defRPr>
+            </a:lvl1pPr>
+            <a:lvl2pPr marL="685800" indent="-228600" algn="l" defTabSz="914400" rtl="0" eaLnBrk="1" latinLnBrk="0" hangingPunct="1">
+              <a:lnSpc>
+                <a:spcPct val="90000"/>
+              </a:lnSpc>
+              <a:spcBef>
+                <a:spcPts val="500"/>
+              </a:spcBef>
+              <a:buFont typeface="Arial" panose="020B0604020202020204" pitchFamily="34" charset="0"/>
+              <a:buChar char="•"/>
+              <a:defRPr sz="2400" kern="1200">
+                <a:solidFill>
+                  <a:schemeClr val="tx1"/>
+                </a:solidFill>
+                <a:latin typeface="+mn-lt"/>
+                <a:ea typeface="+mn-ea"/>
+                <a:cs typeface="+mn-cs"/>
+              </a:defRPr>
+            </a:lvl2pPr>
+            <a:lvl3pPr marL="1143000" indent="-228600" algn="l" defTabSz="914400" rtl="0" eaLnBrk="1" latinLnBrk="0" hangingPunct="1">
+              <a:lnSpc>
+                <a:spcPct val="90000"/>
+              </a:lnSpc>
+              <a:spcBef>
+                <a:spcPts val="500"/>
+              </a:spcBef>
+              <a:buFont typeface="Arial" panose="020B0604020202020204" pitchFamily="34" charset="0"/>
+              <a:buChar char="•"/>
+              <a:defRPr sz="2000" kern="1200">
+                <a:solidFill>
+                  <a:schemeClr val="tx1"/>
+                </a:solidFill>
+                <a:latin typeface="+mn-lt"/>
+                <a:ea typeface="+mn-ea"/>
+                <a:cs typeface="+mn-cs"/>
+              </a:defRPr>
+            </a:lvl3pPr>
+            <a:lvl4pPr marL="1600200" indent="-228600" algn="l" defTabSz="914400" rtl="0" eaLnBrk="1" latinLnBrk="0" hangingPunct="1">
+              <a:lnSpc>
+                <a:spcPct val="90000"/>
+              </a:lnSpc>
+              <a:spcBef>
+                <a:spcPts val="500"/>
+              </a:spcBef>
+              <a:buFont typeface="Arial" panose="020B0604020202020204" pitchFamily="34" charset="0"/>
+              <a:buChar char="•"/>
+              <a:defRPr sz="1800" kern="1200">
+                <a:solidFill>
+                  <a:schemeClr val="tx1"/>
+                </a:solidFill>
+                <a:latin typeface="+mn-lt"/>
+                <a:ea typeface="+mn-ea"/>
+                <a:cs typeface="+mn-cs"/>
+              </a:defRPr>
+            </a:lvl4pPr>
+            <a:lvl5pPr marL="2057400" indent="-228600" algn="l" defTabSz="914400" rtl="0" eaLnBrk="1" latinLnBrk="0" hangingPunct="1">
+              <a:lnSpc>
+                <a:spcPct val="90000"/>
+              </a:lnSpc>
+              <a:spcBef>
+                <a:spcPts val="500"/>
+              </a:spcBef>
+              <a:buFont typeface="Arial" panose="020B0604020202020204" pitchFamily="34" charset="0"/>
+              <a:buChar char="•"/>
+              <a:defRPr sz="1800" kern="1200">
+                <a:solidFill>
+                  <a:schemeClr val="tx1"/>
+                </a:solidFill>
+                <a:latin typeface="+mn-lt"/>
+                <a:ea typeface="+mn-ea"/>
+                <a:cs typeface="+mn-cs"/>
+              </a:defRPr>
+            </a:lvl5pPr>
+            <a:lvl6pPr marL="2514600" indent="-228600" algn="l" defTabSz="914400" rtl="0" eaLnBrk="1" latinLnBrk="0" hangingPunct="1">
+              <a:lnSpc>
+                <a:spcPct val="90000"/>
+              </a:lnSpc>
+              <a:spcBef>
+                <a:spcPts val="500"/>
+              </a:spcBef>
+              <a:buFont typeface="Arial" panose="020B0604020202020204" pitchFamily="34" charset="0"/>
+              <a:buChar char="•"/>
+              <a:defRPr sz="1800" kern="1200">
+                <a:solidFill>
+                  <a:schemeClr val="tx1"/>
+                </a:solidFill>
+                <a:latin typeface="+mn-lt"/>
+                <a:ea typeface="+mn-ea"/>
+                <a:cs typeface="+mn-cs"/>
+              </a:defRPr>
+            </a:lvl6pPr>
+            <a:lvl7pPr marL="2971800" indent="-228600" algn="l" defTabSz="914400" rtl="0" eaLnBrk="1" latinLnBrk="0" hangingPunct="1">
+              <a:lnSpc>
+                <a:spcPct val="90000"/>
+              </a:lnSpc>
+              <a:spcBef>
+                <a:spcPts val="500"/>
+              </a:spcBef>
+              <a:buFont typeface="Arial" panose="020B0604020202020204" pitchFamily="34" charset="0"/>
+              <a:buChar char="•"/>
+              <a:defRPr sz="1800" kern="1200">
+                <a:solidFill>
+                  <a:schemeClr val="tx1"/>
+                </a:solidFill>
+                <a:latin typeface="+mn-lt"/>
+                <a:ea typeface="+mn-ea"/>
+                <a:cs typeface="+mn-cs"/>
+              </a:defRPr>
+            </a:lvl7pPr>
+            <a:lvl8pPr marL="3429000" indent="-228600" algn="l" defTabSz="914400" rtl="0" eaLnBrk="1" latinLnBrk="0" hangingPunct="1">
+              <a:lnSpc>
+                <a:spcPct val="90000"/>
+              </a:lnSpc>
+              <a:spcBef>
+                <a:spcPts val="500"/>
+              </a:spcBef>
+              <a:buFont typeface="Arial" panose="020B0604020202020204" pitchFamily="34" charset="0"/>
+              <a:buChar char="•"/>
+              <a:defRPr sz="1800" kern="1200">
+                <a:solidFill>
+                  <a:schemeClr val="tx1"/>
+                </a:solidFill>
+                <a:latin typeface="+mn-lt"/>
+                <a:ea typeface="+mn-ea"/>
+                <a:cs typeface="+mn-cs"/>
+              </a:defRPr>
+            </a:lvl8pPr>
+            <a:lvl9pPr marL="3886200" indent="-228600" algn="l" defTabSz="914400" rtl="0" eaLnBrk="1" latinLnBrk="0" hangingPunct="1">
+              <a:lnSpc>
+                <a:spcPct val="90000"/>
+              </a:lnSpc>
+              <a:spcBef>
+                <a:spcPts val="500"/>
+              </a:spcBef>
+              <a:buFont typeface="Arial" panose="020B0604020202020204" pitchFamily="34" charset="0"/>
+              <a:buChar char="•"/>
+              <a:defRPr sz="1800" kern="1200">
+                <a:solidFill>
+                  <a:schemeClr val="tx1"/>
+                </a:solidFill>
+                <a:latin typeface="+mn-lt"/>
+                <a:ea typeface="+mn-ea"/>
+                <a:cs typeface="+mn-cs"/>
+              </a:defRPr>
+            </a:lvl9pPr>
+          </a:lstStyle>
+          <a:p>
+            <a:r>
+              <a:rPr lang="en-US" dirty="0"/>
+              <a:t>A personal journal is not only a record of events it’s a record of the person.</a:t>
+            </a:r>
+          </a:p>
+          <a:p>
+            <a:endParaRPr lang="en-US" dirty="0"/>
+          </a:p>
+          <a:p>
+            <a:r>
+              <a:rPr lang="en-US" dirty="0"/>
+              <a:t> What if we can record images, translated to a record of emotions to record our emotional state in our daily life ? </a:t>
+            </a:r>
+          </a:p>
+          <a:p>
+            <a:endParaRPr lang="en-US" dirty="0"/>
           </a:p>
         </p:txBody>
       </p:sp>
@@ -8441,6 +8725,235 @@
           </a:p>
         </p:txBody>
       </p:sp>
+      <p:sp>
+        <p:nvSpPr>
+          <p:cNvPr id="7" name="Content Placeholder 2">
+            <a:extLst>
+              <a:ext uri="{FF2B5EF4-FFF2-40B4-BE49-F238E27FC236}">
+                <a16:creationId xmlns:a16="http://schemas.microsoft.com/office/drawing/2014/main" id="{8409F902-5837-454D-A7E0-F4CFE3636FC8}"/>
+              </a:ext>
+            </a:extLst>
+          </p:cNvPr>
+          <p:cNvSpPr txBox="1">
+            <a:spLocks/>
+          </p:cNvSpPr>
+          <p:nvPr/>
+        </p:nvSpPr>
+        <p:spPr>
+          <a:xfrm>
+            <a:off x="6394014" y="508000"/>
+            <a:ext cx="5594785" cy="6118578"/>
+          </a:xfrm>
+          <a:prstGeom prst="rect">
+            <a:avLst/>
+          </a:prstGeom>
+        </p:spPr>
+        <p:txBody>
+          <a:bodyPr vert="horz" lIns="91440" tIns="45720" rIns="91440" bIns="45720" rtlCol="0">
+            <a:normAutofit/>
+          </a:bodyPr>
+          <a:lstStyle>
+            <a:lvl1pPr marL="228600" indent="-228600" algn="l" defTabSz="914400" rtl="0" eaLnBrk="1" latinLnBrk="0" hangingPunct="1">
+              <a:lnSpc>
+                <a:spcPct val="90000"/>
+              </a:lnSpc>
+              <a:spcBef>
+                <a:spcPts val="1000"/>
+              </a:spcBef>
+              <a:buFont typeface="Arial" panose="020B0604020202020204" pitchFamily="34" charset="0"/>
+              <a:buChar char="•"/>
+              <a:defRPr sz="2800" kern="1200">
+                <a:solidFill>
+                  <a:schemeClr val="tx1"/>
+                </a:solidFill>
+                <a:latin typeface="+mn-lt"/>
+                <a:ea typeface="+mn-ea"/>
+                <a:cs typeface="+mn-cs"/>
+              </a:defRPr>
+            </a:lvl1pPr>
+            <a:lvl2pPr marL="685800" indent="-228600" algn="l" defTabSz="914400" rtl="0" eaLnBrk="1" latinLnBrk="0" hangingPunct="1">
+              <a:lnSpc>
+                <a:spcPct val="90000"/>
+              </a:lnSpc>
+              <a:spcBef>
+                <a:spcPts val="500"/>
+              </a:spcBef>
+              <a:buFont typeface="Arial" panose="020B0604020202020204" pitchFamily="34" charset="0"/>
+              <a:buChar char="•"/>
+              <a:defRPr sz="2400" kern="1200">
+                <a:solidFill>
+                  <a:schemeClr val="tx1"/>
+                </a:solidFill>
+                <a:latin typeface="+mn-lt"/>
+                <a:ea typeface="+mn-ea"/>
+                <a:cs typeface="+mn-cs"/>
+              </a:defRPr>
+            </a:lvl2pPr>
+            <a:lvl3pPr marL="1143000" indent="-228600" algn="l" defTabSz="914400" rtl="0" eaLnBrk="1" latinLnBrk="0" hangingPunct="1">
+              <a:lnSpc>
+                <a:spcPct val="90000"/>
+              </a:lnSpc>
+              <a:spcBef>
+                <a:spcPts val="500"/>
+              </a:spcBef>
+              <a:buFont typeface="Arial" panose="020B0604020202020204" pitchFamily="34" charset="0"/>
+              <a:buChar char="•"/>
+              <a:defRPr sz="2000" kern="1200">
+                <a:solidFill>
+                  <a:schemeClr val="tx1"/>
+                </a:solidFill>
+                <a:latin typeface="+mn-lt"/>
+                <a:ea typeface="+mn-ea"/>
+                <a:cs typeface="+mn-cs"/>
+              </a:defRPr>
+            </a:lvl3pPr>
+            <a:lvl4pPr marL="1600200" indent="-228600" algn="l" defTabSz="914400" rtl="0" eaLnBrk="1" latinLnBrk="0" hangingPunct="1">
+              <a:lnSpc>
+                <a:spcPct val="90000"/>
+              </a:lnSpc>
+              <a:spcBef>
+                <a:spcPts val="500"/>
+              </a:spcBef>
+              <a:buFont typeface="Arial" panose="020B0604020202020204" pitchFamily="34" charset="0"/>
+              <a:buChar char="•"/>
+              <a:defRPr sz="1800" kern="1200">
+                <a:solidFill>
+                  <a:schemeClr val="tx1"/>
+                </a:solidFill>
+                <a:latin typeface="+mn-lt"/>
+                <a:ea typeface="+mn-ea"/>
+                <a:cs typeface="+mn-cs"/>
+              </a:defRPr>
+            </a:lvl4pPr>
+            <a:lvl5pPr marL="2057400" indent="-228600" algn="l" defTabSz="914400" rtl="0" eaLnBrk="1" latinLnBrk="0" hangingPunct="1">
+              <a:lnSpc>
+                <a:spcPct val="90000"/>
+              </a:lnSpc>
+              <a:spcBef>
+                <a:spcPts val="500"/>
+              </a:spcBef>
+              <a:buFont typeface="Arial" panose="020B0604020202020204" pitchFamily="34" charset="0"/>
+              <a:buChar char="•"/>
+              <a:defRPr sz="1800" kern="1200">
+                <a:solidFill>
+                  <a:schemeClr val="tx1"/>
+                </a:solidFill>
+                <a:latin typeface="+mn-lt"/>
+                <a:ea typeface="+mn-ea"/>
+                <a:cs typeface="+mn-cs"/>
+              </a:defRPr>
+            </a:lvl5pPr>
+            <a:lvl6pPr marL="2514600" indent="-228600" algn="l" defTabSz="914400" rtl="0" eaLnBrk="1" latinLnBrk="0" hangingPunct="1">
+              <a:lnSpc>
+                <a:spcPct val="90000"/>
+              </a:lnSpc>
+              <a:spcBef>
+                <a:spcPts val="500"/>
+              </a:spcBef>
+              <a:buFont typeface="Arial" panose="020B0604020202020204" pitchFamily="34" charset="0"/>
+              <a:buChar char="•"/>
+              <a:defRPr sz="1800" kern="1200">
+                <a:solidFill>
+                  <a:schemeClr val="tx1"/>
+                </a:solidFill>
+                <a:latin typeface="+mn-lt"/>
+                <a:ea typeface="+mn-ea"/>
+                <a:cs typeface="+mn-cs"/>
+              </a:defRPr>
+            </a:lvl6pPr>
+            <a:lvl7pPr marL="2971800" indent="-228600" algn="l" defTabSz="914400" rtl="0" eaLnBrk="1" latinLnBrk="0" hangingPunct="1">
+              <a:lnSpc>
+                <a:spcPct val="90000"/>
+              </a:lnSpc>
+              <a:spcBef>
+                <a:spcPts val="500"/>
+              </a:spcBef>
+              <a:buFont typeface="Arial" panose="020B0604020202020204" pitchFamily="34" charset="0"/>
+              <a:buChar char="•"/>
+              <a:defRPr sz="1800" kern="1200">
+                <a:solidFill>
+                  <a:schemeClr val="tx1"/>
+                </a:solidFill>
+                <a:latin typeface="+mn-lt"/>
+                <a:ea typeface="+mn-ea"/>
+                <a:cs typeface="+mn-cs"/>
+              </a:defRPr>
+            </a:lvl7pPr>
+            <a:lvl8pPr marL="3429000" indent="-228600" algn="l" defTabSz="914400" rtl="0" eaLnBrk="1" latinLnBrk="0" hangingPunct="1">
+              <a:lnSpc>
+                <a:spcPct val="90000"/>
+              </a:lnSpc>
+              <a:spcBef>
+                <a:spcPts val="500"/>
+              </a:spcBef>
+              <a:buFont typeface="Arial" panose="020B0604020202020204" pitchFamily="34" charset="0"/>
+              <a:buChar char="•"/>
+              <a:defRPr sz="1800" kern="1200">
+                <a:solidFill>
+                  <a:schemeClr val="tx1"/>
+                </a:solidFill>
+                <a:latin typeface="+mn-lt"/>
+                <a:ea typeface="+mn-ea"/>
+                <a:cs typeface="+mn-cs"/>
+              </a:defRPr>
+            </a:lvl8pPr>
+            <a:lvl9pPr marL="3886200" indent="-228600" algn="l" defTabSz="914400" rtl="0" eaLnBrk="1" latinLnBrk="0" hangingPunct="1">
+              <a:lnSpc>
+                <a:spcPct val="90000"/>
+              </a:lnSpc>
+              <a:spcBef>
+                <a:spcPts val="500"/>
+              </a:spcBef>
+              <a:buFont typeface="Arial" panose="020B0604020202020204" pitchFamily="34" charset="0"/>
+              <a:buChar char="•"/>
+              <a:defRPr sz="1800" kern="1200">
+                <a:solidFill>
+                  <a:schemeClr val="tx1"/>
+                </a:solidFill>
+                <a:latin typeface="+mn-lt"/>
+                <a:ea typeface="+mn-ea"/>
+                <a:cs typeface="+mn-cs"/>
+              </a:defRPr>
+            </a:lvl9pPr>
+          </a:lstStyle>
+          <a:p>
+            <a:r>
+              <a:rPr lang="en-US" dirty="0"/>
+              <a:t>Obtain diverse and large enough image dataset that is well labelled</a:t>
+            </a:r>
+          </a:p>
+          <a:p>
+            <a:endParaRPr lang="en-US" dirty="0"/>
+          </a:p>
+          <a:p>
+            <a:r>
+              <a:rPr lang="en-US" dirty="0"/>
+              <a:t> Build a CNN model that can continuously improve with usage</a:t>
+            </a:r>
+          </a:p>
+          <a:p>
+            <a:endParaRPr lang="en-US" dirty="0"/>
+          </a:p>
+          <a:p>
+            <a:r>
+              <a:rPr lang="en-US" dirty="0"/>
+              <a:t>Build a web app that is both efficient and attractive to the user </a:t>
+            </a:r>
+          </a:p>
+          <a:p>
+            <a:endParaRPr lang="en-US" dirty="0"/>
+          </a:p>
+          <a:p>
+            <a:r>
+              <a:rPr lang="en-US" dirty="0"/>
+              <a:t>Develop meaningful analysis for the gathered data and useful reporting to the user</a:t>
+            </a:r>
+          </a:p>
+          <a:p>
+            <a:endParaRPr lang="en-US" dirty="0"/>
+          </a:p>
+        </p:txBody>
+      </p:sp>
     </p:spTree>
     <p:extLst>
       <p:ext uri="{BB962C8B-B14F-4D97-AF65-F5344CB8AC3E}">
@@ -8515,12 +9028,34 @@
             <p:ph idx="1"/>
           </p:nvPr>
         </p:nvSpPr>
-        <p:spPr/>
-        <p:txBody>
-          <a:bodyPr/>
+        <p:spPr>
+          <a:xfrm>
+            <a:off x="838200" y="1825625"/>
+            <a:ext cx="10515600" cy="827264"/>
+          </a:xfrm>
+        </p:spPr>
+        <p:txBody>
+          <a:bodyPr>
+            <a:normAutofit/>
+          </a:bodyPr>
           <a:lstStyle/>
           <a:p>
-            <a:endParaRPr lang="en-US"/>
+            <a:pPr marL="0" indent="0">
+              <a:buNone/>
+            </a:pPr>
+            <a:r>
+              <a:rPr lang="en-US" dirty="0"/>
+              <a:t>The overall strategy is a three-stage process within ROSEMED method</a:t>
+            </a:r>
+          </a:p>
+          <a:p>
+            <a:pPr marL="0" indent="0">
+              <a:buNone/>
+            </a:pPr>
+            <a:endParaRPr lang="en-US" dirty="0"/>
+          </a:p>
+          <a:p>
+            <a:endParaRPr lang="en-US" dirty="0"/>
           </a:p>
         </p:txBody>
       </p:sp>
@@ -8549,6 +9084,447 @@
               <a:rPr lang="en-US" smtClean="0"/>
               <a:t>4</a:t>
             </a:fld>
+            <a:endParaRPr lang="en-US"/>
+          </a:p>
+        </p:txBody>
+      </p:sp>
+      <p:sp>
+        <p:nvSpPr>
+          <p:cNvPr id="5" name="Rectangle: Rounded Corners 4">
+            <a:extLst>
+              <a:ext uri="{FF2B5EF4-FFF2-40B4-BE49-F238E27FC236}">
+                <a16:creationId xmlns:a16="http://schemas.microsoft.com/office/drawing/2014/main" id="{753903D5-21E9-4FC8-A0AF-6853EA16237A}"/>
+              </a:ext>
+            </a:extLst>
+          </p:cNvPr>
+          <p:cNvSpPr/>
+          <p:nvPr/>
+        </p:nvSpPr>
+        <p:spPr>
+          <a:xfrm>
+            <a:off x="158044" y="2652889"/>
+            <a:ext cx="2935110" cy="1648177"/>
+          </a:xfrm>
+          <a:prstGeom prst="roundRect">
+            <a:avLst/>
+          </a:prstGeom>
+        </p:spPr>
+        <p:style>
+          <a:lnRef idx="2">
+            <a:schemeClr val="accent1">
+              <a:shade val="50000"/>
+            </a:schemeClr>
+          </a:lnRef>
+          <a:fillRef idx="1">
+            <a:schemeClr val="accent1"/>
+          </a:fillRef>
+          <a:effectRef idx="0">
+            <a:schemeClr val="accent1"/>
+          </a:effectRef>
+          <a:fontRef idx="minor">
+            <a:schemeClr val="lt1"/>
+          </a:fontRef>
+        </p:style>
+        <p:txBody>
+          <a:bodyPr rtlCol="0" anchor="ctr"/>
+          <a:lstStyle/>
+          <a:p>
+            <a:pPr algn="ctr"/>
+            <a:r>
+              <a:rPr lang="en-US" dirty="0"/>
+              <a:t>Stage-1</a:t>
+            </a:r>
+          </a:p>
+          <a:p>
+            <a:pPr algn="ctr"/>
+            <a:r>
+              <a:rPr lang="en-US" dirty="0"/>
+              <a:t>FER2013 dataset</a:t>
+            </a:r>
+          </a:p>
+          <a:p>
+            <a:pPr algn="ctr"/>
+            <a:r>
+              <a:rPr lang="en-US" dirty="0"/>
+              <a:t>(FER model)</a:t>
+            </a:r>
+          </a:p>
+        </p:txBody>
+      </p:sp>
+      <p:sp>
+        <p:nvSpPr>
+          <p:cNvPr id="7" name="Rectangle: Rounded Corners 6">
+            <a:extLst>
+              <a:ext uri="{FF2B5EF4-FFF2-40B4-BE49-F238E27FC236}">
+                <a16:creationId xmlns:a16="http://schemas.microsoft.com/office/drawing/2014/main" id="{6B69BCFA-9510-4C41-9540-FA9D812AE948}"/>
+              </a:ext>
+            </a:extLst>
+          </p:cNvPr>
+          <p:cNvSpPr/>
+          <p:nvPr/>
+        </p:nvSpPr>
+        <p:spPr>
+          <a:xfrm>
+            <a:off x="4752624" y="2652890"/>
+            <a:ext cx="2935110" cy="1648177"/>
+          </a:xfrm>
+          <a:prstGeom prst="roundRect">
+            <a:avLst/>
+          </a:prstGeom>
+        </p:spPr>
+        <p:style>
+          <a:lnRef idx="2">
+            <a:schemeClr val="accent1">
+              <a:shade val="50000"/>
+            </a:schemeClr>
+          </a:lnRef>
+          <a:fillRef idx="1">
+            <a:schemeClr val="accent1"/>
+          </a:fillRef>
+          <a:effectRef idx="0">
+            <a:schemeClr val="accent1"/>
+          </a:effectRef>
+          <a:fontRef idx="minor">
+            <a:schemeClr val="lt1"/>
+          </a:fontRef>
+        </p:style>
+        <p:txBody>
+          <a:bodyPr rtlCol="0" anchor="ctr"/>
+          <a:lstStyle/>
+          <a:p>
+            <a:pPr algn="ctr"/>
+            <a:r>
+              <a:rPr lang="en-US" dirty="0"/>
+              <a:t>Stage-2</a:t>
+            </a:r>
+          </a:p>
+          <a:p>
+            <a:pPr algn="ctr"/>
+            <a:r>
+              <a:rPr lang="en-US" dirty="0"/>
+              <a:t>Scraped dataset</a:t>
+            </a:r>
+          </a:p>
+          <a:p>
+            <a:pPr algn="ctr"/>
+            <a:r>
+              <a:rPr lang="en-US" dirty="0"/>
+              <a:t>(FIW model)</a:t>
+            </a:r>
+          </a:p>
+        </p:txBody>
+      </p:sp>
+      <p:sp>
+        <p:nvSpPr>
+          <p:cNvPr id="9" name="Rectangle: Rounded Corners 8">
+            <a:extLst>
+              <a:ext uri="{FF2B5EF4-FFF2-40B4-BE49-F238E27FC236}">
+                <a16:creationId xmlns:a16="http://schemas.microsoft.com/office/drawing/2014/main" id="{2D3854FD-78AC-486B-B7A5-6F7B321EA274}"/>
+              </a:ext>
+            </a:extLst>
+          </p:cNvPr>
+          <p:cNvSpPr/>
+          <p:nvPr/>
+        </p:nvSpPr>
+        <p:spPr>
+          <a:xfrm>
+            <a:off x="9166580" y="2652889"/>
+            <a:ext cx="2935110" cy="1648177"/>
+          </a:xfrm>
+          <a:prstGeom prst="roundRect">
+            <a:avLst/>
+          </a:prstGeom>
+        </p:spPr>
+        <p:style>
+          <a:lnRef idx="2">
+            <a:schemeClr val="accent1">
+              <a:shade val="50000"/>
+            </a:schemeClr>
+          </a:lnRef>
+          <a:fillRef idx="1">
+            <a:schemeClr val="accent1"/>
+          </a:fillRef>
+          <a:effectRef idx="0">
+            <a:schemeClr val="accent1"/>
+          </a:effectRef>
+          <a:fontRef idx="minor">
+            <a:schemeClr val="lt1"/>
+          </a:fontRef>
+        </p:style>
+        <p:txBody>
+          <a:bodyPr rtlCol="0" anchor="ctr"/>
+          <a:lstStyle/>
+          <a:p>
+            <a:pPr algn="ctr"/>
+            <a:r>
+              <a:rPr lang="en-US" dirty="0"/>
+              <a:t>Stage-3</a:t>
+            </a:r>
+          </a:p>
+          <a:p>
+            <a:pPr algn="ctr"/>
+            <a:r>
+              <a:rPr lang="en-US" dirty="0"/>
+              <a:t>user dataset</a:t>
+            </a:r>
+          </a:p>
+          <a:p>
+            <a:pPr algn="ctr"/>
+            <a:r>
+              <a:rPr lang="en-US" dirty="0"/>
+              <a:t>(continuous model)</a:t>
+            </a:r>
+          </a:p>
+        </p:txBody>
+      </p:sp>
+      <p:sp>
+        <p:nvSpPr>
+          <p:cNvPr id="10" name="Arrow: Right 9">
+            <a:extLst>
+              <a:ext uri="{FF2B5EF4-FFF2-40B4-BE49-F238E27FC236}">
+                <a16:creationId xmlns:a16="http://schemas.microsoft.com/office/drawing/2014/main" id="{E8C8393E-053A-4E3D-8E87-DC8B53E73ED6}"/>
+              </a:ext>
+            </a:extLst>
+          </p:cNvPr>
+          <p:cNvSpPr/>
+          <p:nvPr/>
+        </p:nvSpPr>
+        <p:spPr>
+          <a:xfrm>
+            <a:off x="3273778" y="3240266"/>
+            <a:ext cx="1286933" cy="524581"/>
+          </a:xfrm>
+          <a:prstGeom prst="rightArrow">
+            <a:avLst/>
+          </a:prstGeom>
+          <a:solidFill>
+            <a:srgbClr val="FFFF00"/>
+          </a:solidFill>
+        </p:spPr>
+        <p:style>
+          <a:lnRef idx="2">
+            <a:schemeClr val="accent1">
+              <a:shade val="50000"/>
+            </a:schemeClr>
+          </a:lnRef>
+          <a:fillRef idx="1">
+            <a:schemeClr val="accent1"/>
+          </a:fillRef>
+          <a:effectRef idx="0">
+            <a:schemeClr val="accent1"/>
+          </a:effectRef>
+          <a:fontRef idx="minor">
+            <a:schemeClr val="lt1"/>
+          </a:fontRef>
+        </p:style>
+        <p:txBody>
+          <a:bodyPr rtlCol="0" anchor="ctr"/>
+          <a:lstStyle/>
+          <a:p>
+            <a:pPr algn="ctr"/>
+            <a:endParaRPr lang="en-US"/>
+          </a:p>
+        </p:txBody>
+      </p:sp>
+      <p:sp>
+        <p:nvSpPr>
+          <p:cNvPr id="12" name="Arrow: Right 11">
+            <a:extLst>
+              <a:ext uri="{FF2B5EF4-FFF2-40B4-BE49-F238E27FC236}">
+                <a16:creationId xmlns:a16="http://schemas.microsoft.com/office/drawing/2014/main" id="{28E946CA-A0FE-44DB-9CA9-BA722F4171A5}"/>
+              </a:ext>
+            </a:extLst>
+          </p:cNvPr>
+          <p:cNvSpPr/>
+          <p:nvPr/>
+        </p:nvSpPr>
+        <p:spPr>
+          <a:xfrm>
+            <a:off x="7783690" y="3130375"/>
+            <a:ext cx="1286933" cy="524581"/>
+          </a:xfrm>
+          <a:prstGeom prst="rightArrow">
+            <a:avLst/>
+          </a:prstGeom>
+          <a:solidFill>
+            <a:srgbClr val="FFFF00"/>
+          </a:solidFill>
+        </p:spPr>
+        <p:style>
+          <a:lnRef idx="2">
+            <a:schemeClr val="accent1">
+              <a:shade val="50000"/>
+            </a:schemeClr>
+          </a:lnRef>
+          <a:fillRef idx="1">
+            <a:schemeClr val="accent1"/>
+          </a:fillRef>
+          <a:effectRef idx="0">
+            <a:schemeClr val="accent1"/>
+          </a:effectRef>
+          <a:fontRef idx="minor">
+            <a:schemeClr val="lt1"/>
+          </a:fontRef>
+        </p:style>
+        <p:txBody>
+          <a:bodyPr rtlCol="0" anchor="ctr"/>
+          <a:lstStyle/>
+          <a:p>
+            <a:pPr algn="ctr"/>
+            <a:endParaRPr lang="en-US"/>
+          </a:p>
+        </p:txBody>
+      </p:sp>
+      <p:sp>
+        <p:nvSpPr>
+          <p:cNvPr id="14" name="Rectangle: Rounded Corners 13">
+            <a:extLst>
+              <a:ext uri="{FF2B5EF4-FFF2-40B4-BE49-F238E27FC236}">
+                <a16:creationId xmlns:a16="http://schemas.microsoft.com/office/drawing/2014/main" id="{F572E78F-810D-44EF-B0AB-5818BD64056C}"/>
+              </a:ext>
+            </a:extLst>
+          </p:cNvPr>
+          <p:cNvSpPr/>
+          <p:nvPr/>
+        </p:nvSpPr>
+        <p:spPr>
+          <a:xfrm>
+            <a:off x="4814713" y="5171984"/>
+            <a:ext cx="2935110" cy="1648177"/>
+          </a:xfrm>
+          <a:prstGeom prst="roundRect">
+            <a:avLst/>
+          </a:prstGeom>
+        </p:spPr>
+        <p:style>
+          <a:lnRef idx="2">
+            <a:schemeClr val="accent1">
+              <a:shade val="50000"/>
+            </a:schemeClr>
+          </a:lnRef>
+          <a:fillRef idx="1">
+            <a:schemeClr val="accent1"/>
+          </a:fillRef>
+          <a:effectRef idx="0">
+            <a:schemeClr val="accent1"/>
+          </a:effectRef>
+          <a:fontRef idx="minor">
+            <a:schemeClr val="lt1"/>
+          </a:fontRef>
+        </p:style>
+        <p:txBody>
+          <a:bodyPr rtlCol="0" anchor="ctr"/>
+          <a:lstStyle/>
+          <a:p>
+            <a:pPr algn="ctr"/>
+            <a:r>
+              <a:rPr lang="en-US" dirty="0"/>
+              <a:t>Incorporate model </a:t>
+            </a:r>
+          </a:p>
+          <a:p>
+            <a:pPr algn="ctr"/>
+            <a:r>
+              <a:rPr lang="en-US" dirty="0"/>
+              <a:t>A web app</a:t>
+            </a:r>
+          </a:p>
+        </p:txBody>
+      </p:sp>
+      <p:sp>
+        <p:nvSpPr>
+          <p:cNvPr id="16" name="Arrow: Right 15">
+            <a:extLst>
+              <a:ext uri="{FF2B5EF4-FFF2-40B4-BE49-F238E27FC236}">
+                <a16:creationId xmlns:a16="http://schemas.microsoft.com/office/drawing/2014/main" id="{62D05BC7-3BED-42CF-A401-3D7E3C14870B}"/>
+              </a:ext>
+            </a:extLst>
+          </p:cNvPr>
+          <p:cNvSpPr/>
+          <p:nvPr/>
+        </p:nvSpPr>
+        <p:spPr>
+          <a:xfrm rot="5400000">
+            <a:off x="5970987" y="4474235"/>
+            <a:ext cx="622560" cy="524581"/>
+          </a:xfrm>
+          <a:prstGeom prst="rightArrow">
+            <a:avLst/>
+          </a:prstGeom>
+          <a:solidFill>
+            <a:srgbClr val="FFFF00"/>
+          </a:solidFill>
+        </p:spPr>
+        <p:style>
+          <a:lnRef idx="2">
+            <a:schemeClr val="accent1">
+              <a:shade val="50000"/>
+            </a:schemeClr>
+          </a:lnRef>
+          <a:fillRef idx="1">
+            <a:schemeClr val="accent1"/>
+          </a:fillRef>
+          <a:effectRef idx="0">
+            <a:schemeClr val="accent1"/>
+          </a:effectRef>
+          <a:fontRef idx="minor">
+            <a:schemeClr val="lt1"/>
+          </a:fontRef>
+        </p:style>
+        <p:txBody>
+          <a:bodyPr rtlCol="0" anchor="ctr"/>
+          <a:lstStyle/>
+          <a:p>
+            <a:pPr algn="ctr"/>
+            <a:endParaRPr lang="en-US"/>
+          </a:p>
+        </p:txBody>
+      </p:sp>
+      <p:sp>
+        <p:nvSpPr>
+          <p:cNvPr id="19" name="Arrow: Left-Right 18">
+            <a:extLst>
+              <a:ext uri="{FF2B5EF4-FFF2-40B4-BE49-F238E27FC236}">
+                <a16:creationId xmlns:a16="http://schemas.microsoft.com/office/drawing/2014/main" id="{2089DF4B-94C1-4377-9877-F83D340F02C8}"/>
+              </a:ext>
+            </a:extLst>
+          </p:cNvPr>
+          <p:cNvSpPr/>
+          <p:nvPr/>
+        </p:nvSpPr>
+        <p:spPr>
+          <a:xfrm rot="19421948">
+            <a:off x="7753233" y="4496737"/>
+            <a:ext cx="1402644" cy="524581"/>
+          </a:xfrm>
+          <a:prstGeom prst="leftRightArrow">
+            <a:avLst/>
+          </a:prstGeom>
+          <a:solidFill>
+            <a:srgbClr val="FFFF00"/>
+          </a:solidFill>
+        </p:spPr>
+        <p:style>
+          <a:lnRef idx="2">
+            <a:schemeClr val="accent1">
+              <a:shade val="50000"/>
+            </a:schemeClr>
+          </a:lnRef>
+          <a:fillRef idx="1">
+            <a:schemeClr val="accent1"/>
+          </a:fillRef>
+          <a:effectRef idx="0">
+            <a:schemeClr val="accent1"/>
+          </a:effectRef>
+          <a:fontRef idx="minor">
+            <a:schemeClr val="lt1"/>
+          </a:fontRef>
+        </p:style>
+        <p:txBody>
+          <a:bodyPr rtlCol="0" anchor="ctr"/>
+          <a:lstStyle/>
+          <a:p>
+            <a:pPr algn="ctr"/>
             <a:endParaRPr lang="en-US"/>
           </a:p>
         </p:txBody>
@@ -8611,31 +9587,41 @@
           </a:p>
         </p:txBody>
       </p:sp>
-      <p:sp>
-        <p:nvSpPr>
-          <p:cNvPr id="3" name="Content Placeholder 2">
-            <a:extLst>
-              <a:ext uri="{FF2B5EF4-FFF2-40B4-BE49-F238E27FC236}">
-                <a16:creationId xmlns:a16="http://schemas.microsoft.com/office/drawing/2014/main" id="{5F9CD2FC-CCA4-4F36-9092-93FE24F67A0F}"/>
-              </a:ext>
-            </a:extLst>
-          </p:cNvPr>
-          <p:cNvSpPr>
-            <a:spLocks noGrp="1"/>
-          </p:cNvSpPr>
+      <p:pic>
+        <p:nvPicPr>
+          <p:cNvPr id="6" name="Content Placeholder 5" descr="A screenshot of a cell phone&#10;&#10;Description automatically generated">
+            <a:extLst>
+              <a:ext uri="{FF2B5EF4-FFF2-40B4-BE49-F238E27FC236}">
+                <a16:creationId xmlns:a16="http://schemas.microsoft.com/office/drawing/2014/main" id="{EB5C565D-9070-4A31-AA72-DFD494A59F85}"/>
+              </a:ext>
+            </a:extLst>
+          </p:cNvPr>
+          <p:cNvPicPr>
+            <a:picLocks noGrp="1" noChangeAspect="1"/>
+          </p:cNvPicPr>
           <p:nvPr>
             <p:ph idx="1"/>
           </p:nvPr>
-        </p:nvSpPr>
-        <p:spPr/>
-        <p:txBody>
-          <a:bodyPr/>
-          <a:lstStyle/>
-          <a:p>
-            <a:endParaRPr lang="en-US"/>
-          </a:p>
-        </p:txBody>
-      </p:sp>
+        </p:nvPicPr>
+        <p:blipFill>
+          <a:blip r:embed="rId2">
+            <a:extLst>
+              <a:ext uri="{28A0092B-C50C-407E-A947-70E740481C1C}">
+                <a14:useLocalDpi xmlns:a14="http://schemas.microsoft.com/office/drawing/2010/main" val="0"/>
+              </a:ext>
+            </a:extLst>
+          </a:blip>
+          <a:stretch>
+            <a:fillRect/>
+          </a:stretch>
+        </p:blipFill>
+        <p:spPr>
+          <a:xfrm>
+            <a:off x="1790142" y="3512530"/>
+            <a:ext cx="4031329" cy="3345470"/>
+          </a:xfrm>
+        </p:spPr>
+      </p:pic>
       <p:sp>
         <p:nvSpPr>
           <p:cNvPr id="4" name="Slide Number Placeholder 3">
@@ -8665,6 +9651,66 @@
           </a:p>
         </p:txBody>
       </p:sp>
+      <p:pic>
+        <p:nvPicPr>
+          <p:cNvPr id="10" name="Picture 9">
+            <a:extLst>
+              <a:ext uri="{FF2B5EF4-FFF2-40B4-BE49-F238E27FC236}">
+                <a16:creationId xmlns:a16="http://schemas.microsoft.com/office/drawing/2014/main" id="{CC8E40A6-8909-4C92-A8F9-BF93325A6DA3}"/>
+              </a:ext>
+            </a:extLst>
+          </p:cNvPr>
+          <p:cNvPicPr>
+            <a:picLocks noChangeAspect="1"/>
+          </p:cNvPicPr>
+          <p:nvPr/>
+        </p:nvPicPr>
+        <p:blipFill>
+          <a:blip r:embed="rId3"/>
+          <a:stretch>
+            <a:fillRect/>
+          </a:stretch>
+        </p:blipFill>
+        <p:spPr>
+          <a:xfrm>
+            <a:off x="418821" y="1661831"/>
+            <a:ext cx="6210300" cy="1533525"/>
+          </a:xfrm>
+          <a:prstGeom prst="rect">
+            <a:avLst/>
+          </a:prstGeom>
+        </p:spPr>
+      </p:pic>
+      <p:pic>
+        <p:nvPicPr>
+          <p:cNvPr id="14" name="Picture 13">
+            <a:extLst>
+              <a:ext uri="{FF2B5EF4-FFF2-40B4-BE49-F238E27FC236}">
+                <a16:creationId xmlns:a16="http://schemas.microsoft.com/office/drawing/2014/main" id="{F62CB6AB-2E3D-46C7-9FA3-B4BFC1B96D23}"/>
+              </a:ext>
+            </a:extLst>
+          </p:cNvPr>
+          <p:cNvPicPr>
+            <a:picLocks noChangeAspect="1"/>
+          </p:cNvPicPr>
+          <p:nvPr/>
+        </p:nvPicPr>
+        <p:blipFill>
+          <a:blip r:embed="rId4"/>
+          <a:stretch>
+            <a:fillRect/>
+          </a:stretch>
+        </p:blipFill>
+        <p:spPr>
+          <a:xfrm>
+            <a:off x="7436771" y="0"/>
+            <a:ext cx="4653000" cy="6858000"/>
+          </a:xfrm>
+          <a:prstGeom prst="rect">
+            <a:avLst/>
+          </a:prstGeom>
+        </p:spPr>
+      </p:pic>
     </p:spTree>
     <p:extLst>
       <p:ext uri="{BB962C8B-B14F-4D97-AF65-F5344CB8AC3E}">
@@ -8777,6 +9823,369 @@
           </a:p>
         </p:txBody>
       </p:sp>
+      <p:pic>
+        <p:nvPicPr>
+          <p:cNvPr id="6" name="Picture 5" descr="A close up of a person wearing glasses and smiling at the camera&#10;&#10;Description automatically generated">
+            <a:extLst>
+              <a:ext uri="{FF2B5EF4-FFF2-40B4-BE49-F238E27FC236}">
+                <a16:creationId xmlns:a16="http://schemas.microsoft.com/office/drawing/2014/main" id="{C36F9E99-C932-4599-8BD4-857FC98FA439}"/>
+              </a:ext>
+            </a:extLst>
+          </p:cNvPr>
+          <p:cNvPicPr>
+            <a:picLocks noChangeAspect="1"/>
+          </p:cNvPicPr>
+          <p:nvPr/>
+        </p:nvPicPr>
+        <p:blipFill>
+          <a:blip r:embed="rId2">
+            <a:extLst>
+              <a:ext uri="{28A0092B-C50C-407E-A947-70E740481C1C}">
+                <a14:useLocalDpi xmlns:a14="http://schemas.microsoft.com/office/drawing/2010/main" val="0"/>
+              </a:ext>
+            </a:extLst>
+          </a:blip>
+          <a:stretch>
+            <a:fillRect/>
+          </a:stretch>
+        </p:blipFill>
+        <p:spPr>
+          <a:xfrm>
+            <a:off x="2323766" y="4027071"/>
+            <a:ext cx="1334167" cy="1334167"/>
+          </a:xfrm>
+          <a:prstGeom prst="rect">
+            <a:avLst/>
+          </a:prstGeom>
+        </p:spPr>
+      </p:pic>
+      <p:pic>
+        <p:nvPicPr>
+          <p:cNvPr id="8" name="Picture 7" descr="A screenshot of a cell phone&#10;&#10;Description automatically generated">
+            <a:extLst>
+              <a:ext uri="{FF2B5EF4-FFF2-40B4-BE49-F238E27FC236}">
+                <a16:creationId xmlns:a16="http://schemas.microsoft.com/office/drawing/2014/main" id="{210A5519-9878-40B4-BFA5-7EC370E57840}"/>
+              </a:ext>
+            </a:extLst>
+          </p:cNvPr>
+          <p:cNvPicPr>
+            <a:picLocks noChangeAspect="1"/>
+          </p:cNvPicPr>
+          <p:nvPr/>
+        </p:nvPicPr>
+        <p:blipFill>
+          <a:blip r:embed="rId3">
+            <a:extLst>
+              <a:ext uri="{28A0092B-C50C-407E-A947-70E740481C1C}">
+                <a14:useLocalDpi xmlns:a14="http://schemas.microsoft.com/office/drawing/2010/main" val="0"/>
+              </a:ext>
+            </a:extLst>
+          </a:blip>
+          <a:stretch>
+            <a:fillRect/>
+          </a:stretch>
+        </p:blipFill>
+        <p:spPr>
+          <a:xfrm>
+            <a:off x="5721612" y="2087309"/>
+            <a:ext cx="6178887" cy="4634166"/>
+          </a:xfrm>
+          <a:prstGeom prst="rect">
+            <a:avLst/>
+          </a:prstGeom>
+        </p:spPr>
+      </p:pic>
+      <p:pic>
+        <p:nvPicPr>
+          <p:cNvPr id="7" name="Picture 6">
+            <a:extLst>
+              <a:ext uri="{FF2B5EF4-FFF2-40B4-BE49-F238E27FC236}">
+                <a16:creationId xmlns:a16="http://schemas.microsoft.com/office/drawing/2014/main" id="{CBF4083C-30E7-487E-BE83-8B61B29C4828}"/>
+              </a:ext>
+            </a:extLst>
+          </p:cNvPr>
+          <p:cNvPicPr>
+            <a:picLocks noChangeAspect="1"/>
+          </p:cNvPicPr>
+          <p:nvPr/>
+        </p:nvPicPr>
+        <p:blipFill>
+          <a:blip r:embed="rId4"/>
+          <a:stretch>
+            <a:fillRect/>
+          </a:stretch>
+        </p:blipFill>
+        <p:spPr>
+          <a:xfrm>
+            <a:off x="9773766" y="7912522"/>
+            <a:ext cx="87503" cy="83806"/>
+          </a:xfrm>
+          <a:prstGeom prst="rect">
+            <a:avLst/>
+          </a:prstGeom>
+        </p:spPr>
+      </p:pic>
+      <p:pic>
+        <p:nvPicPr>
+          <p:cNvPr id="10" name="Picture 9">
+            <a:extLst>
+              <a:ext uri="{FF2B5EF4-FFF2-40B4-BE49-F238E27FC236}">
+                <a16:creationId xmlns:a16="http://schemas.microsoft.com/office/drawing/2014/main" id="{8CBA2DEE-0EF7-43EE-A54C-D94563F9207E}"/>
+              </a:ext>
+            </a:extLst>
+          </p:cNvPr>
+          <p:cNvPicPr>
+            <a:picLocks noChangeAspect="1"/>
+          </p:cNvPicPr>
+          <p:nvPr/>
+        </p:nvPicPr>
+        <p:blipFill>
+          <a:blip r:embed="rId5"/>
+          <a:stretch>
+            <a:fillRect/>
+          </a:stretch>
+        </p:blipFill>
+        <p:spPr>
+          <a:xfrm>
+            <a:off x="7390357" y="5816302"/>
+            <a:ext cx="402259" cy="443672"/>
+          </a:xfrm>
+          <a:prstGeom prst="rect">
+            <a:avLst/>
+          </a:prstGeom>
+        </p:spPr>
+      </p:pic>
+      <p:pic>
+        <p:nvPicPr>
+          <p:cNvPr id="1026" name="Picture 2" descr="Face Screaming in Fear Emoji (U+1F631)">
+            <a:extLst>
+              <a:ext uri="{FF2B5EF4-FFF2-40B4-BE49-F238E27FC236}">
+                <a16:creationId xmlns:a16="http://schemas.microsoft.com/office/drawing/2014/main" id="{A7C0CFC6-B0F1-4E9B-9CDB-B871547BBF7A}"/>
+              </a:ext>
+            </a:extLst>
+          </p:cNvPr>
+          <p:cNvPicPr>
+            <a:picLocks noChangeAspect="1" noChangeArrowheads="1"/>
+          </p:cNvPicPr>
+          <p:nvPr/>
+        </p:nvPicPr>
+        <p:blipFill>
+          <a:blip r:embed="rId6">
+            <a:extLst>
+              <a:ext uri="{28A0092B-C50C-407E-A947-70E740481C1C}">
+                <a14:useLocalDpi xmlns:a14="http://schemas.microsoft.com/office/drawing/2010/main" val="0"/>
+              </a:ext>
+            </a:extLst>
+          </a:blip>
+          <a:srcRect/>
+          <a:stretch>
+            <a:fillRect/>
+          </a:stretch>
+        </p:blipFill>
+        <p:spPr bwMode="auto">
+          <a:xfrm>
+            <a:off x="8034151" y="5816302"/>
+            <a:ext cx="436910" cy="436910"/>
+          </a:xfrm>
+          <a:prstGeom prst="rect">
+            <a:avLst/>
+          </a:prstGeom>
+          <a:noFill/>
+          <a:extLst>
+            <a:ext uri="{909E8E84-426E-40DD-AFC4-6F175D3DCCD1}">
+              <a14:hiddenFill xmlns:a14="http://schemas.microsoft.com/office/drawing/2010/main">
+                <a:solidFill>
+                  <a:srgbClr val="FFFFFF"/>
+                </a:solidFill>
+              </a14:hiddenFill>
+            </a:ext>
+          </a:extLst>
+        </p:spPr>
+      </p:pic>
+      <p:pic>
+        <p:nvPicPr>
+          <p:cNvPr id="12" name="Picture 11">
+            <a:extLst>
+              <a:ext uri="{FF2B5EF4-FFF2-40B4-BE49-F238E27FC236}">
+                <a16:creationId xmlns:a16="http://schemas.microsoft.com/office/drawing/2014/main" id="{3FBEF6B6-69B5-4CCB-A26A-0AA91823F785}"/>
+              </a:ext>
+            </a:extLst>
+          </p:cNvPr>
+          <p:cNvPicPr>
+            <a:picLocks noChangeAspect="1"/>
+          </p:cNvPicPr>
+          <p:nvPr/>
+        </p:nvPicPr>
+        <p:blipFill>
+          <a:blip r:embed="rId7"/>
+          <a:stretch>
+            <a:fillRect/>
+          </a:stretch>
+        </p:blipFill>
+        <p:spPr>
+          <a:xfrm>
+            <a:off x="6773712" y="5763419"/>
+            <a:ext cx="457200" cy="457200"/>
+          </a:xfrm>
+          <a:prstGeom prst="rect">
+            <a:avLst/>
+          </a:prstGeom>
+        </p:spPr>
+      </p:pic>
+      <p:pic>
+        <p:nvPicPr>
+          <p:cNvPr id="14" name="Picture 13">
+            <a:extLst>
+              <a:ext uri="{FF2B5EF4-FFF2-40B4-BE49-F238E27FC236}">
+                <a16:creationId xmlns:a16="http://schemas.microsoft.com/office/drawing/2014/main" id="{419ACBA9-1AAD-4AE6-887B-358A81297EDA}"/>
+              </a:ext>
+            </a:extLst>
+          </p:cNvPr>
+          <p:cNvPicPr>
+            <a:picLocks noChangeAspect="1"/>
+          </p:cNvPicPr>
+          <p:nvPr/>
+        </p:nvPicPr>
+        <p:blipFill>
+          <a:blip r:embed="rId8"/>
+          <a:stretch>
+            <a:fillRect/>
+          </a:stretch>
+        </p:blipFill>
+        <p:spPr>
+          <a:xfrm>
+            <a:off x="8660704" y="2870981"/>
+            <a:ext cx="463730" cy="457200"/>
+          </a:xfrm>
+          <a:prstGeom prst="rect">
+            <a:avLst/>
+          </a:prstGeom>
+        </p:spPr>
+      </p:pic>
+      <p:pic>
+        <p:nvPicPr>
+          <p:cNvPr id="16" name="Picture 15">
+            <a:extLst>
+              <a:ext uri="{FF2B5EF4-FFF2-40B4-BE49-F238E27FC236}">
+                <a16:creationId xmlns:a16="http://schemas.microsoft.com/office/drawing/2014/main" id="{F1C59E83-6CC3-44D2-822F-66AAFB4FCE10}"/>
+              </a:ext>
+            </a:extLst>
+          </p:cNvPr>
+          <p:cNvPicPr>
+            <a:picLocks noChangeAspect="1"/>
+          </p:cNvPicPr>
+          <p:nvPr/>
+        </p:nvPicPr>
+        <p:blipFill>
+          <a:blip r:embed="rId9"/>
+          <a:stretch>
+            <a:fillRect/>
+          </a:stretch>
+        </p:blipFill>
+        <p:spPr>
+          <a:xfrm>
+            <a:off x="9323096" y="5757888"/>
+            <a:ext cx="450670" cy="457200"/>
+          </a:xfrm>
+          <a:prstGeom prst="rect">
+            <a:avLst/>
+          </a:prstGeom>
+        </p:spPr>
+      </p:pic>
+      <p:pic>
+        <p:nvPicPr>
+          <p:cNvPr id="1028" name="Picture 4" descr="Shock surprised emoji emoticon - Transparent PNG &amp; SVG vector file">
+            <a:extLst>
+              <a:ext uri="{FF2B5EF4-FFF2-40B4-BE49-F238E27FC236}">
+                <a16:creationId xmlns:a16="http://schemas.microsoft.com/office/drawing/2014/main" id="{AC5E09AB-6732-42BF-9E66-EBED689544AD}"/>
+              </a:ext>
+            </a:extLst>
+          </p:cNvPr>
+          <p:cNvPicPr>
+            <a:picLocks noChangeAspect="1" noChangeArrowheads="1"/>
+          </p:cNvPicPr>
+          <p:nvPr/>
+        </p:nvPicPr>
+        <p:blipFill>
+          <a:blip r:embed="rId10">
+            <a:extLst>
+              <a:ext uri="{28A0092B-C50C-407E-A947-70E740481C1C}">
+                <a14:useLocalDpi xmlns:a14="http://schemas.microsoft.com/office/drawing/2010/main" val="0"/>
+              </a:ext>
+            </a:extLst>
+          </a:blip>
+          <a:srcRect/>
+          <a:stretch>
+            <a:fillRect/>
+          </a:stretch>
+        </p:blipFill>
+        <p:spPr bwMode="auto">
+          <a:xfrm>
+            <a:off x="9982200" y="5843863"/>
+            <a:ext cx="371225" cy="371225"/>
+          </a:xfrm>
+          <a:prstGeom prst="rect">
+            <a:avLst/>
+          </a:prstGeom>
+          <a:noFill/>
+          <a:extLst>
+            <a:ext uri="{909E8E84-426E-40DD-AFC4-6F175D3DCCD1}">
+              <a14:hiddenFill xmlns:a14="http://schemas.microsoft.com/office/drawing/2010/main">
+                <a:solidFill>
+                  <a:srgbClr val="FFFFFF"/>
+                </a:solidFill>
+              </a14:hiddenFill>
+            </a:ext>
+          </a:extLst>
+        </p:spPr>
+      </p:pic>
+      <p:pic>
+        <p:nvPicPr>
+          <p:cNvPr id="1030" name="Picture 6" descr="Neutral Face Emoji Vector Free | Vector free, Emoji, Free vector art">
+            <a:extLst>
+              <a:ext uri="{FF2B5EF4-FFF2-40B4-BE49-F238E27FC236}">
+                <a16:creationId xmlns:a16="http://schemas.microsoft.com/office/drawing/2014/main" id="{312786C3-FF5A-4A94-93C1-F582BFF81EDD}"/>
+              </a:ext>
+            </a:extLst>
+          </p:cNvPr>
+          <p:cNvPicPr>
+            <a:picLocks noChangeAspect="1" noChangeArrowheads="1"/>
+          </p:cNvPicPr>
+          <p:nvPr/>
+        </p:nvPicPr>
+        <p:blipFill>
+          <a:blip r:embed="rId11">
+            <a:extLst>
+              <a:ext uri="{28A0092B-C50C-407E-A947-70E740481C1C}">
+                <a14:useLocalDpi xmlns:a14="http://schemas.microsoft.com/office/drawing/2010/main" val="0"/>
+              </a:ext>
+            </a:extLst>
+          </a:blip>
+          <a:srcRect/>
+          <a:stretch>
+            <a:fillRect/>
+          </a:stretch>
+        </p:blipFill>
+        <p:spPr bwMode="auto">
+          <a:xfrm>
+            <a:off x="10597103" y="5529288"/>
+            <a:ext cx="457200" cy="457200"/>
+          </a:xfrm>
+          <a:prstGeom prst="rect">
+            <a:avLst/>
+          </a:prstGeom>
+          <a:noFill/>
+          <a:extLst>
+            <a:ext uri="{909E8E84-426E-40DD-AFC4-6F175D3DCCD1}">
+              <a14:hiddenFill xmlns:a14="http://schemas.microsoft.com/office/drawing/2010/main">
+                <a:solidFill>
+                  <a:srgbClr val="FFFFFF"/>
+                </a:solidFill>
+              </a14:hiddenFill>
+            </a:ext>
+          </a:extLst>
+        </p:spPr>
+      </p:pic>
     </p:spTree>
     <p:extLst>
       <p:ext uri="{BB962C8B-B14F-4D97-AF65-F5344CB8AC3E}">

--- a/ppt/MOD_5.pptx
+++ b/ppt/MOD_5.pptx
@@ -5431,15 +5431,7 @@
           <a:p>
             <a:r>
               <a:rPr lang="en-US" sz="3400" b="1" dirty="0"/>
-              <a:t>FER 2013 dataset (</a:t>
-            </a:r>
-            <a:r>
-              <a:rPr lang="en-US" sz="3400" b="1" dirty="0" err="1"/>
-              <a:t>Kaggel</a:t>
-            </a:r>
-            <a:r>
-              <a:rPr lang="en-US" sz="3400" b="1" dirty="0"/>
-              <a:t>) </a:t>
+              <a:t>FER 2013 dataset (Kaggle) </a:t>
             </a:r>
           </a:p>
         </p:txBody>
@@ -5610,12 +5602,8 @@
           <a:lstStyle/>
           <a:p>
             <a:r>
-              <a:rPr lang="en-US" sz="2400" dirty="0" err="1"/>
-              <a:t>Kaggel</a:t>
-            </a:r>
-            <a:r>
               <a:rPr lang="en-US" sz="2400" dirty="0"/>
-              <a:t> dataset has a total of 35887 images</a:t>
+              <a:t>Kaggle dataset has a total of 35887 images</a:t>
             </a:r>
           </a:p>
           <a:p>
@@ -7902,6 +7890,7 @@
           <a:bodyPr/>
           <a:lstStyle/>
           <a:p>
+            <a:pPr algn="just"/>
             <a:r>
               <a:rPr lang="en-US" dirty="0"/>
               <a:t>Human emotion is most vividly understood by facial expression. Dr. Paul Ekman’s shows there are 7 universal facial expression of emotion.  </a:t>
@@ -7985,7 +7974,7 @@
         <p:spPr>
           <a:xfrm>
             <a:off x="270875" y="2445049"/>
-            <a:ext cx="4433170" cy="4249967"/>
+            <a:ext cx="4188236" cy="4249967"/>
           </a:xfrm>
           <a:prstGeom prst="rect">
             <a:avLst/>
@@ -8160,21 +8149,25 @@
             </a:lvl9pPr>
           </a:lstStyle>
           <a:p>
+            <a:pPr algn="just"/>
             <a:r>
               <a:rPr lang="en-US" dirty="0"/>
               <a:t>A personal journal is not only a record of events it’s a record of the person.</a:t>
             </a:r>
           </a:p>
           <a:p>
+            <a:pPr algn="just"/>
             <a:endParaRPr lang="en-US" dirty="0"/>
           </a:p>
           <a:p>
+            <a:pPr algn="just"/>
             <a:r>
               <a:rPr lang="en-US" dirty="0"/>
               <a:t> What if we can record images, translated to a record of emotions to record our emotional state in our daily life ? </a:t>
             </a:r>
           </a:p>
           <a:p>
+            <a:pPr algn="just"/>
             <a:endParaRPr lang="en-US" dirty="0"/>
           </a:p>
         </p:txBody>
@@ -9617,7 +9610,7 @@
         </p:blipFill>
         <p:spPr>
           <a:xfrm>
-            <a:off x="1790142" y="3512530"/>
+            <a:off x="3581401" y="3376005"/>
             <a:ext cx="4031329" cy="3345470"/>
           </a:xfrm>
         </p:spPr>
@@ -9673,38 +9666,8 @@
         </p:blipFill>
         <p:spPr>
           <a:xfrm>
-            <a:off x="418821" y="1661831"/>
+            <a:off x="2727610" y="1553898"/>
             <a:ext cx="6210300" cy="1533525"/>
-          </a:xfrm>
-          <a:prstGeom prst="rect">
-            <a:avLst/>
-          </a:prstGeom>
-        </p:spPr>
-      </p:pic>
-      <p:pic>
-        <p:nvPicPr>
-          <p:cNvPr id="14" name="Picture 13">
-            <a:extLst>
-              <a:ext uri="{FF2B5EF4-FFF2-40B4-BE49-F238E27FC236}">
-                <a16:creationId xmlns:a16="http://schemas.microsoft.com/office/drawing/2014/main" id="{F62CB6AB-2E3D-46C7-9FA3-B4BFC1B96D23}"/>
-              </a:ext>
-            </a:extLst>
-          </p:cNvPr>
-          <p:cNvPicPr>
-            <a:picLocks noChangeAspect="1"/>
-          </p:cNvPicPr>
-          <p:nvPr/>
-        </p:nvPicPr>
-        <p:blipFill>
-          <a:blip r:embed="rId4"/>
-          <a:stretch>
-            <a:fillRect/>
-          </a:stretch>
-        </p:blipFill>
-        <p:spPr>
-          <a:xfrm>
-            <a:off x="7436771" y="0"/>
-            <a:ext cx="4653000" cy="6858000"/>
           </a:xfrm>
           <a:prstGeom prst="rect">
             <a:avLst/>
@@ -10350,10 +10313,9 @@
           <a:lstStyle/>
           <a:p>
             <a:r>
-              <a:rPr lang="en-US" dirty="0" err="1"/>
-              <a:t>Recomendations</a:t>
-            </a:r>
-            <a:endParaRPr lang="en-US" dirty="0"/>
+              <a:rPr lang="en-US" dirty="0"/>
+              <a:t>Recommendations</a:t>
+            </a:r>
           </a:p>
         </p:txBody>
       </p:sp>

--- a/ppt/MOD_5.pptx
+++ b/ppt/MOD_5.pptx
@@ -1117,174 +1117,6 @@
           <a:chExt cx="0" cy="0"/>
         </a:xfrm>
       </p:grpSpPr>
-      <p:sp>
-        <p:nvSpPr>
-          <p:cNvPr id="2" name="Title 1">
-            <a:extLst>
-              <a:ext uri="{FF2B5EF4-FFF2-40B4-BE49-F238E27FC236}">
-                <a16:creationId xmlns:a16="http://schemas.microsoft.com/office/drawing/2014/main" id="{965AA630-486C-4F71-9422-205916C66678}"/>
-              </a:ext>
-            </a:extLst>
-          </p:cNvPr>
-          <p:cNvSpPr>
-            <a:spLocks noGrp="1"/>
-          </p:cNvSpPr>
-          <p:nvPr>
-            <p:ph type="title"/>
-          </p:nvPr>
-        </p:nvSpPr>
-        <p:spPr/>
-        <p:txBody>
-          <a:bodyPr/>
-          <a:lstStyle/>
-          <a:p>
-            <a:r>
-              <a:rPr lang="en-US"/>
-              <a:t>Click to edit Master title style</a:t>
-            </a:r>
-          </a:p>
-        </p:txBody>
-      </p:sp>
-      <p:sp>
-        <p:nvSpPr>
-          <p:cNvPr id="3" name="Content Placeholder 2">
-            <a:extLst>
-              <a:ext uri="{FF2B5EF4-FFF2-40B4-BE49-F238E27FC236}">
-                <a16:creationId xmlns:a16="http://schemas.microsoft.com/office/drawing/2014/main" id="{16DC1441-7944-415D-81B8-0D8ED78373D1}"/>
-              </a:ext>
-            </a:extLst>
-          </p:cNvPr>
-          <p:cNvSpPr>
-            <a:spLocks noGrp="1"/>
-          </p:cNvSpPr>
-          <p:nvPr>
-            <p:ph idx="1"/>
-          </p:nvPr>
-        </p:nvSpPr>
-        <p:spPr/>
-        <p:txBody>
-          <a:bodyPr/>
-          <a:lstStyle/>
-          <a:p>
-            <a:pPr lvl="0"/>
-            <a:r>
-              <a:rPr lang="en-US"/>
-              <a:t>Click to edit Master text styles</a:t>
-            </a:r>
-          </a:p>
-          <a:p>
-            <a:pPr lvl="1"/>
-            <a:r>
-              <a:rPr lang="en-US"/>
-              <a:t>Second level</a:t>
-            </a:r>
-          </a:p>
-          <a:p>
-            <a:pPr lvl="2"/>
-            <a:r>
-              <a:rPr lang="en-US"/>
-              <a:t>Third level</a:t>
-            </a:r>
-          </a:p>
-          <a:p>
-            <a:pPr lvl="3"/>
-            <a:r>
-              <a:rPr lang="en-US"/>
-              <a:t>Fourth level</a:t>
-            </a:r>
-          </a:p>
-          <a:p>
-            <a:pPr lvl="4"/>
-            <a:r>
-              <a:rPr lang="en-US"/>
-              <a:t>Fifth level</a:t>
-            </a:r>
-          </a:p>
-        </p:txBody>
-      </p:sp>
-      <p:sp>
-        <p:nvSpPr>
-          <p:cNvPr id="4" name="Date Placeholder 3">
-            <a:extLst>
-              <a:ext uri="{FF2B5EF4-FFF2-40B4-BE49-F238E27FC236}">
-                <a16:creationId xmlns:a16="http://schemas.microsoft.com/office/drawing/2014/main" id="{E0F80D84-7694-4A81-AB1B-5D8C012854A4}"/>
-              </a:ext>
-            </a:extLst>
-          </p:cNvPr>
-          <p:cNvSpPr>
-            <a:spLocks noGrp="1"/>
-          </p:cNvSpPr>
-          <p:nvPr>
-            <p:ph type="dt" sz="half" idx="10"/>
-          </p:nvPr>
-        </p:nvSpPr>
-        <p:spPr/>
-        <p:txBody>
-          <a:bodyPr/>
-          <a:lstStyle/>
-          <a:p>
-            <a:fld id="{9F535B62-2A88-4150-B93F-F0529DC8A71D}" type="datetime1">
-              <a:rPr lang="en-US" smtClean="0"/>
-              <a:t>7/27/2020</a:t>
-            </a:fld>
-            <a:endParaRPr lang="en-US"/>
-          </a:p>
-        </p:txBody>
-      </p:sp>
-      <p:sp>
-        <p:nvSpPr>
-          <p:cNvPr id="5" name="Footer Placeholder 4">
-            <a:extLst>
-              <a:ext uri="{FF2B5EF4-FFF2-40B4-BE49-F238E27FC236}">
-                <a16:creationId xmlns:a16="http://schemas.microsoft.com/office/drawing/2014/main" id="{9026D261-DD9B-4982-99ED-B708A02236DE}"/>
-              </a:ext>
-            </a:extLst>
-          </p:cNvPr>
-          <p:cNvSpPr>
-            <a:spLocks noGrp="1"/>
-          </p:cNvSpPr>
-          <p:nvPr>
-            <p:ph type="ftr" sz="quarter" idx="11"/>
-          </p:nvPr>
-        </p:nvSpPr>
-        <p:spPr/>
-        <p:txBody>
-          <a:bodyPr/>
-          <a:lstStyle/>
-          <a:p>
-            <a:endParaRPr lang="en-US"/>
-          </a:p>
-        </p:txBody>
-      </p:sp>
-      <p:sp>
-        <p:nvSpPr>
-          <p:cNvPr id="6" name="Slide Number Placeholder 5">
-            <a:extLst>
-              <a:ext uri="{FF2B5EF4-FFF2-40B4-BE49-F238E27FC236}">
-                <a16:creationId xmlns:a16="http://schemas.microsoft.com/office/drawing/2014/main" id="{0594A861-05CC-498B-94EF-0DDB7ABC70C7}"/>
-              </a:ext>
-            </a:extLst>
-          </p:cNvPr>
-          <p:cNvSpPr>
-            <a:spLocks noGrp="1"/>
-          </p:cNvSpPr>
-          <p:nvPr>
-            <p:ph type="sldNum" sz="quarter" idx="12"/>
-          </p:nvPr>
-        </p:nvSpPr>
-        <p:spPr/>
-        <p:txBody>
-          <a:bodyPr/>
-          <a:lstStyle/>
-          <a:p>
-            <a:fld id="{5BD42AC1-DE13-46F2-A3E8-BAE2CF711F37}" type="slidenum">
-              <a:rPr lang="en-US" smtClean="0"/>
-              <a:t>‹#›</a:t>
-            </a:fld>
-            <a:endParaRPr lang="en-US"/>
-          </a:p>
-        </p:txBody>
-      </p:sp>
       <p:pic>
         <p:nvPicPr>
           <p:cNvPr id="8" name="Picture 7" descr="A close up of text on a white background&#10;&#10;Description automatically generated">
@@ -1321,6 +1153,182 @@
           </a:prstGeom>
         </p:spPr>
       </p:pic>
+      <p:sp>
+        <p:nvSpPr>
+          <p:cNvPr id="2" name="Title 1">
+            <a:extLst>
+              <a:ext uri="{FF2B5EF4-FFF2-40B4-BE49-F238E27FC236}">
+                <a16:creationId xmlns:a16="http://schemas.microsoft.com/office/drawing/2014/main" id="{965AA630-486C-4F71-9422-205916C66678}"/>
+              </a:ext>
+            </a:extLst>
+          </p:cNvPr>
+          <p:cNvSpPr>
+            <a:spLocks noGrp="1"/>
+          </p:cNvSpPr>
+          <p:nvPr>
+            <p:ph type="title"/>
+          </p:nvPr>
+        </p:nvSpPr>
+        <p:spPr/>
+        <p:txBody>
+          <a:bodyPr/>
+          <a:lstStyle>
+            <a:lvl1pPr>
+              <a:defRPr>
+                <a:solidFill>
+                  <a:schemeClr val="accent1"/>
+                </a:solidFill>
+              </a:defRPr>
+            </a:lvl1pPr>
+          </a:lstStyle>
+          <a:p>
+            <a:r>
+              <a:rPr lang="en-US"/>
+              <a:t>Click to edit Master title style</a:t>
+            </a:r>
+          </a:p>
+        </p:txBody>
+      </p:sp>
+      <p:sp>
+        <p:nvSpPr>
+          <p:cNvPr id="3" name="Content Placeholder 2">
+            <a:extLst>
+              <a:ext uri="{FF2B5EF4-FFF2-40B4-BE49-F238E27FC236}">
+                <a16:creationId xmlns:a16="http://schemas.microsoft.com/office/drawing/2014/main" id="{16DC1441-7944-415D-81B8-0D8ED78373D1}"/>
+              </a:ext>
+            </a:extLst>
+          </p:cNvPr>
+          <p:cNvSpPr>
+            <a:spLocks noGrp="1"/>
+          </p:cNvSpPr>
+          <p:nvPr>
+            <p:ph idx="1"/>
+          </p:nvPr>
+        </p:nvSpPr>
+        <p:spPr/>
+        <p:txBody>
+          <a:bodyPr/>
+          <a:lstStyle/>
+          <a:p>
+            <a:pPr lvl="0"/>
+            <a:r>
+              <a:rPr lang="en-US"/>
+              <a:t>Click to edit Master text styles</a:t>
+            </a:r>
+          </a:p>
+          <a:p>
+            <a:pPr lvl="1"/>
+            <a:r>
+              <a:rPr lang="en-US"/>
+              <a:t>Second level</a:t>
+            </a:r>
+          </a:p>
+          <a:p>
+            <a:pPr lvl="2"/>
+            <a:r>
+              <a:rPr lang="en-US"/>
+              <a:t>Third level</a:t>
+            </a:r>
+          </a:p>
+          <a:p>
+            <a:pPr lvl="3"/>
+            <a:r>
+              <a:rPr lang="en-US"/>
+              <a:t>Fourth level</a:t>
+            </a:r>
+          </a:p>
+          <a:p>
+            <a:pPr lvl="4"/>
+            <a:r>
+              <a:rPr lang="en-US"/>
+              <a:t>Fifth level</a:t>
+            </a:r>
+          </a:p>
+        </p:txBody>
+      </p:sp>
+      <p:sp>
+        <p:nvSpPr>
+          <p:cNvPr id="4" name="Date Placeholder 3">
+            <a:extLst>
+              <a:ext uri="{FF2B5EF4-FFF2-40B4-BE49-F238E27FC236}">
+                <a16:creationId xmlns:a16="http://schemas.microsoft.com/office/drawing/2014/main" id="{E0F80D84-7694-4A81-AB1B-5D8C012854A4}"/>
+              </a:ext>
+            </a:extLst>
+          </p:cNvPr>
+          <p:cNvSpPr>
+            <a:spLocks noGrp="1"/>
+          </p:cNvSpPr>
+          <p:nvPr>
+            <p:ph type="dt" sz="half" idx="10"/>
+          </p:nvPr>
+        </p:nvSpPr>
+        <p:spPr/>
+        <p:txBody>
+          <a:bodyPr/>
+          <a:lstStyle/>
+          <a:p>
+            <a:fld id="{9F535B62-2A88-4150-B93F-F0529DC8A71D}" type="datetime1">
+              <a:rPr lang="en-US" smtClean="0"/>
+              <a:t>7/27/2020</a:t>
+            </a:fld>
+            <a:endParaRPr lang="en-US"/>
+          </a:p>
+        </p:txBody>
+      </p:sp>
+      <p:sp>
+        <p:nvSpPr>
+          <p:cNvPr id="5" name="Footer Placeholder 4">
+            <a:extLst>
+              <a:ext uri="{FF2B5EF4-FFF2-40B4-BE49-F238E27FC236}">
+                <a16:creationId xmlns:a16="http://schemas.microsoft.com/office/drawing/2014/main" id="{9026D261-DD9B-4982-99ED-B708A02236DE}"/>
+              </a:ext>
+            </a:extLst>
+          </p:cNvPr>
+          <p:cNvSpPr>
+            <a:spLocks noGrp="1"/>
+          </p:cNvSpPr>
+          <p:nvPr>
+            <p:ph type="ftr" sz="quarter" idx="11"/>
+          </p:nvPr>
+        </p:nvSpPr>
+        <p:spPr/>
+        <p:txBody>
+          <a:bodyPr/>
+          <a:lstStyle/>
+          <a:p>
+            <a:endParaRPr lang="en-US"/>
+          </a:p>
+        </p:txBody>
+      </p:sp>
+      <p:sp>
+        <p:nvSpPr>
+          <p:cNvPr id="6" name="Slide Number Placeholder 5">
+            <a:extLst>
+              <a:ext uri="{FF2B5EF4-FFF2-40B4-BE49-F238E27FC236}">
+                <a16:creationId xmlns:a16="http://schemas.microsoft.com/office/drawing/2014/main" id="{0594A861-05CC-498B-94EF-0DDB7ABC70C7}"/>
+              </a:ext>
+            </a:extLst>
+          </p:cNvPr>
+          <p:cNvSpPr>
+            <a:spLocks noGrp="1"/>
+          </p:cNvSpPr>
+          <p:nvPr>
+            <p:ph type="sldNum" sz="quarter" idx="12"/>
+          </p:nvPr>
+        </p:nvSpPr>
+        <p:spPr/>
+        <p:txBody>
+          <a:bodyPr/>
+          <a:lstStyle/>
+          <a:p>
+            <a:fld id="{5BD42AC1-DE13-46F2-A3E8-BAE2CF711F37}" type="slidenum">
+              <a:rPr lang="en-US" smtClean="0"/>
+              <a:t>‹#›</a:t>
+            </a:fld>
+            <a:endParaRPr lang="en-US"/>
+          </a:p>
+        </p:txBody>
+      </p:sp>
       <p:pic>
         <p:nvPicPr>
           <p:cNvPr id="7" name="Picture 6" descr="A close up of text on a white background&#10;&#10;Description automatically generated">
@@ -1417,7 +1425,7 @@
           </a:lstStyle>
           <a:p>
             <a:r>
-              <a:rPr lang="en-US"/>
+              <a:rPr lang="en-US" dirty="0"/>
               <a:t>Click to edit Master title style</a:t>
             </a:r>
           </a:p>
@@ -5431,7 +5439,7 @@
           <a:p>
             <a:r>
               <a:rPr lang="en-US" sz="3400" b="1" dirty="0"/>
-              <a:t>FER 2013 dataset (Kaggle) </a:t>
+              <a:t>Appendix: </a:t>
             </a:r>
           </a:p>
         </p:txBody>
@@ -5603,7 +5611,7 @@
           <a:p>
             <a:r>
               <a:rPr lang="en-US" sz="2400" dirty="0"/>
-              <a:t>Kaggle dataset has a total of 35887 images</a:t>
+              <a:t>Kaggle dataset has a total of 35888 images</a:t>
             </a:r>
           </a:p>
           <a:p>
@@ -5613,2165 +5621,16 @@
             </a:r>
           </a:p>
           <a:p>
+            <a:r>
+              <a:rPr lang="en-US" sz="2400" dirty="0"/>
+              <a:t>User image dataset 77</a:t>
+            </a:r>
+          </a:p>
+          <a:p>
             <a:endParaRPr lang="en-US" sz="2400" dirty="0"/>
           </a:p>
         </p:txBody>
       </p:sp>
-      <p:graphicFrame>
-        <p:nvGraphicFramePr>
-          <p:cNvPr id="7" name="Content Placeholder 3">
-            <a:extLst>
-              <a:ext uri="{FF2B5EF4-FFF2-40B4-BE49-F238E27FC236}">
-                <a16:creationId xmlns:a16="http://schemas.microsoft.com/office/drawing/2014/main" id="{EC4EB643-5A6E-469E-9FB7-0B611E43AFF1}"/>
-              </a:ext>
-            </a:extLst>
-          </p:cNvPr>
-          <p:cNvGraphicFramePr>
-            <a:graphicFrameLocks/>
-          </p:cNvGraphicFramePr>
-          <p:nvPr>
-            <p:extLst>
-              <p:ext uri="{D42A27DB-BD31-4B8C-83A1-F6EECF244321}">
-                <p14:modId xmlns:p14="http://schemas.microsoft.com/office/powerpoint/2010/main" val="3190684496"/>
-              </p:ext>
-            </p:extLst>
-          </p:nvPr>
-        </p:nvGraphicFramePr>
-        <p:xfrm>
-          <a:off x="5532297" y="625683"/>
-          <a:ext cx="6147463" cy="5551283"/>
-        </p:xfrm>
-        <a:graphic>
-          <a:graphicData uri="http://schemas.openxmlformats.org/drawingml/2006/table">
-            <a:tbl>
-              <a:tblPr firstRow="1" bandRow="1">
-                <a:solidFill>
-                  <a:schemeClr val="bg1">
-                    <a:lumMod val="95000"/>
-                  </a:schemeClr>
-                </a:solidFill>
-                <a:tableStyleId>{5C22544A-7EE6-4342-B048-85BDC9FD1C3A}</a:tableStyleId>
-              </a:tblPr>
-              <a:tblGrid>
-                <a:gridCol w="1257810">
-                  <a:extLst>
-                    <a:ext uri="{9D8B030D-6E8A-4147-A177-3AD203B41FA5}">
-                      <a16:colId xmlns:a16="http://schemas.microsoft.com/office/drawing/2014/main" val="902803620"/>
-                    </a:ext>
-                  </a:extLst>
-                </a:gridCol>
-                <a:gridCol w="1253891">
-                  <a:extLst>
-                    <a:ext uri="{9D8B030D-6E8A-4147-A177-3AD203B41FA5}">
-                      <a16:colId xmlns:a16="http://schemas.microsoft.com/office/drawing/2014/main" val="321686957"/>
-                    </a:ext>
-                  </a:extLst>
-                </a:gridCol>
-                <a:gridCol w="2050242">
-                  <a:extLst>
-                    <a:ext uri="{9D8B030D-6E8A-4147-A177-3AD203B41FA5}">
-                      <a16:colId xmlns:a16="http://schemas.microsoft.com/office/drawing/2014/main" val="4081183290"/>
-                    </a:ext>
-                  </a:extLst>
-                </a:gridCol>
-                <a:gridCol w="1585520">
-                  <a:extLst>
-                    <a:ext uri="{9D8B030D-6E8A-4147-A177-3AD203B41FA5}">
-                      <a16:colId xmlns:a16="http://schemas.microsoft.com/office/drawing/2014/main" val="2665619781"/>
-                    </a:ext>
-                  </a:extLst>
-                </a:gridCol>
-              </a:tblGrid>
-              <a:tr h="732779">
-                <a:tc>
-                  <a:txBody>
-                    <a:bodyPr/>
-                    <a:lstStyle/>
-                    <a:p>
-                      <a:pPr algn="l" fontAlgn="b"/>
-                      <a:endParaRPr lang="en-US" sz="3300" b="0" i="0" u="none" strike="noStrike" cap="none" spc="0" dirty="0">
-                        <a:solidFill>
-                          <a:schemeClr val="bg1"/>
-                        </a:solidFill>
-                        <a:effectLst/>
-                        <a:latin typeface="Calibri" panose="020F0502020204030204" pitchFamily="34" charset="0"/>
-                      </a:endParaRPr>
-                    </a:p>
-                  </a:txBody>
-                  <a:tcPr marL="13062" marR="13062" marT="188084" marB="0" anchor="ctr">
-                    <a:lnL w="12700" cmpd="sng">
-                      <a:noFill/>
-                    </a:lnL>
-                    <a:lnR w="12700" cmpd="sng">
-                      <a:noFill/>
-                    </a:lnR>
-                    <a:lnT w="19050" cap="flat" cmpd="sng" algn="ctr">
-                      <a:noFill/>
-                      <a:prstDash val="solid"/>
-                    </a:lnT>
-                    <a:lnB w="38100" cap="flat" cmpd="sng" algn="ctr">
-                      <a:solidFill>
-                        <a:schemeClr val="tx1"/>
-                      </a:solidFill>
-                      <a:prstDash val="solid"/>
-                      <a:round/>
-                      <a:headEnd type="none" w="med" len="med"/>
-                      <a:tailEnd type="none" w="med" len="med"/>
-                    </a:lnB>
-                    <a:solidFill>
-                      <a:schemeClr val="accent2"/>
-                    </a:solidFill>
-                  </a:tcPr>
-                </a:tc>
-                <a:tc>
-                  <a:txBody>
-                    <a:bodyPr/>
-                    <a:lstStyle/>
-                    <a:p>
-                      <a:pPr algn="ctr" fontAlgn="b"/>
-                      <a:r>
-                        <a:rPr lang="en-US" sz="3300" b="0" u="none" strike="noStrike" cap="none" spc="0" dirty="0">
-                          <a:solidFill>
-                            <a:schemeClr val="bg1"/>
-                          </a:solidFill>
-                          <a:effectLst/>
-                        </a:rPr>
-                        <a:t>Train </a:t>
-                      </a:r>
-                      <a:endParaRPr lang="en-US" sz="3300" b="0" i="0" u="none" strike="noStrike" cap="none" spc="0" dirty="0">
-                        <a:solidFill>
-                          <a:schemeClr val="bg1"/>
-                        </a:solidFill>
-                        <a:effectLst/>
-                        <a:latin typeface="Calibri" panose="020F0502020204030204" pitchFamily="34" charset="0"/>
-                      </a:endParaRPr>
-                    </a:p>
-                  </a:txBody>
-                  <a:tcPr marL="13062" marR="13062" marT="188084" marB="0" anchor="ctr">
-                    <a:lnL w="12700" cmpd="sng">
-                      <a:noFill/>
-                    </a:lnL>
-                    <a:lnR w="12700" cmpd="sng">
-                      <a:noFill/>
-                    </a:lnR>
-                    <a:lnT w="19050" cap="flat" cmpd="sng" algn="ctr">
-                      <a:noFill/>
-                      <a:prstDash val="solid"/>
-                    </a:lnT>
-                    <a:lnB w="38100" cap="flat" cmpd="sng" algn="ctr">
-                      <a:solidFill>
-                        <a:schemeClr val="tx1"/>
-                      </a:solidFill>
-                      <a:prstDash val="solid"/>
-                      <a:round/>
-                      <a:headEnd type="none" w="med" len="med"/>
-                      <a:tailEnd type="none" w="med" len="med"/>
-                    </a:lnB>
-                    <a:solidFill>
-                      <a:schemeClr val="accent2"/>
-                    </a:solidFill>
-                  </a:tcPr>
-                </a:tc>
-                <a:tc>
-                  <a:txBody>
-                    <a:bodyPr/>
-                    <a:lstStyle/>
-                    <a:p>
-                      <a:pPr algn="ctr" fontAlgn="b"/>
-                      <a:r>
-                        <a:rPr lang="en-US" sz="3300" b="0" u="none" strike="noStrike" cap="none" spc="0" dirty="0">
-                          <a:solidFill>
-                            <a:schemeClr val="bg1"/>
-                          </a:solidFill>
-                          <a:effectLst/>
-                        </a:rPr>
-                        <a:t>Validation </a:t>
-                      </a:r>
-                      <a:endParaRPr lang="en-US" sz="3300" b="0" i="0" u="none" strike="noStrike" cap="none" spc="0" dirty="0">
-                        <a:solidFill>
-                          <a:schemeClr val="bg1"/>
-                        </a:solidFill>
-                        <a:effectLst/>
-                        <a:latin typeface="Calibri" panose="020F0502020204030204" pitchFamily="34" charset="0"/>
-                      </a:endParaRPr>
-                    </a:p>
-                  </a:txBody>
-                  <a:tcPr marL="13062" marR="13062" marT="188084" marB="0" anchor="ctr">
-                    <a:lnL w="12700" cmpd="sng">
-                      <a:noFill/>
-                    </a:lnL>
-                    <a:lnR w="12700" cmpd="sng">
-                      <a:noFill/>
-                    </a:lnR>
-                    <a:lnT w="19050" cap="flat" cmpd="sng" algn="ctr">
-                      <a:noFill/>
-                      <a:prstDash val="solid"/>
-                    </a:lnT>
-                    <a:lnB w="38100" cap="flat" cmpd="sng" algn="ctr">
-                      <a:solidFill>
-                        <a:schemeClr val="tx1"/>
-                      </a:solidFill>
-                      <a:prstDash val="solid"/>
-                      <a:round/>
-                      <a:headEnd type="none" w="med" len="med"/>
-                      <a:tailEnd type="none" w="med" len="med"/>
-                    </a:lnB>
-                    <a:solidFill>
-                      <a:schemeClr val="accent2"/>
-                    </a:solidFill>
-                  </a:tcPr>
-                </a:tc>
-                <a:tc>
-                  <a:txBody>
-                    <a:bodyPr/>
-                    <a:lstStyle/>
-                    <a:p>
-                      <a:pPr algn="ctr" fontAlgn="b"/>
-                      <a:r>
-                        <a:rPr lang="en-US" sz="3300" b="0" u="none" strike="noStrike" cap="none" spc="0" dirty="0">
-                          <a:solidFill>
-                            <a:schemeClr val="bg1"/>
-                          </a:solidFill>
-                          <a:effectLst/>
-                        </a:rPr>
-                        <a:t>scraped</a:t>
-                      </a:r>
-                      <a:endParaRPr lang="en-US" sz="3300" b="0" i="0" u="none" strike="noStrike" cap="none" spc="0" dirty="0">
-                        <a:solidFill>
-                          <a:schemeClr val="bg1"/>
-                        </a:solidFill>
-                        <a:effectLst/>
-                        <a:latin typeface="Calibri" panose="020F0502020204030204" pitchFamily="34" charset="0"/>
-                      </a:endParaRPr>
-                    </a:p>
-                  </a:txBody>
-                  <a:tcPr marL="13062" marR="13062" marT="188084" marB="0" anchor="ctr">
-                    <a:lnL w="12700" cmpd="sng">
-                      <a:noFill/>
-                    </a:lnL>
-                    <a:lnR w="12700" cmpd="sng">
-                      <a:noFill/>
-                    </a:lnR>
-                    <a:lnT w="19050" cap="flat" cmpd="sng" algn="ctr">
-                      <a:noFill/>
-                      <a:prstDash val="solid"/>
-                    </a:lnT>
-                    <a:lnB w="38100" cap="flat" cmpd="sng" algn="ctr">
-                      <a:solidFill>
-                        <a:schemeClr val="tx1"/>
-                      </a:solidFill>
-                      <a:prstDash val="solid"/>
-                      <a:round/>
-                      <a:headEnd type="none" w="med" len="med"/>
-                      <a:tailEnd type="none" w="med" len="med"/>
-                    </a:lnB>
-                    <a:solidFill>
-                      <a:schemeClr val="accent2"/>
-                    </a:solidFill>
-                  </a:tcPr>
-                </a:tc>
-                <a:extLst>
-                  <a:ext uri="{0D108BD9-81ED-4DB2-BD59-A6C34878D82A}">
-                    <a16:rowId xmlns:a16="http://schemas.microsoft.com/office/drawing/2014/main" val="581481990"/>
-                  </a:ext>
-                </a:extLst>
-              </a:tr>
-              <a:tr h="602313">
-                <a:tc>
-                  <a:txBody>
-                    <a:bodyPr/>
-                    <a:lstStyle/>
-                    <a:p>
-                      <a:pPr algn="l" fontAlgn="b"/>
-                      <a:r>
-                        <a:rPr lang="en-US" sz="2500" u="none" strike="noStrike" cap="none" spc="0" dirty="0">
-                          <a:solidFill>
-                            <a:schemeClr val="tx1"/>
-                          </a:solidFill>
-                          <a:effectLst/>
-                        </a:rPr>
-                        <a:t>angry</a:t>
-                      </a:r>
-                      <a:endParaRPr lang="en-US" sz="2500" b="0" i="0" u="none" strike="noStrike" cap="none" spc="0" dirty="0">
-                        <a:solidFill>
-                          <a:schemeClr val="tx1"/>
-                        </a:solidFill>
-                        <a:effectLst/>
-                        <a:latin typeface="Calibri" panose="020F0502020204030204" pitchFamily="34" charset="0"/>
-                      </a:endParaRPr>
-                    </a:p>
-                  </a:txBody>
-                  <a:tcPr marL="13062" marR="13062" marT="188084" marB="0" anchor="ctr">
-                    <a:lnL w="12700" cmpd="sng">
-                      <a:noFill/>
-                      <a:prstDash val="solid"/>
-                    </a:lnL>
-                    <a:lnR w="12700" cmpd="sng">
-                      <a:noFill/>
-                      <a:prstDash val="solid"/>
-                    </a:lnR>
-                    <a:lnT w="38100" cap="flat" cmpd="sng" algn="ctr">
-                      <a:solidFill>
-                        <a:schemeClr val="tx1"/>
-                      </a:solidFill>
-                      <a:prstDash val="solid"/>
-                      <a:round/>
-                      <a:headEnd type="none" w="med" len="med"/>
-                      <a:tailEnd type="none" w="med" len="med"/>
-                    </a:lnT>
-                    <a:lnB w="9525" cap="flat" cmpd="sng" algn="ctr">
-                      <a:solidFill>
-                        <a:schemeClr val="tx1">
-                          <a:lumMod val="50000"/>
-                          <a:lumOff val="50000"/>
-                        </a:schemeClr>
-                      </a:solidFill>
-                      <a:prstDash val="solid"/>
-                    </a:lnB>
-                    <a:solidFill>
-                      <a:schemeClr val="bg1">
-                        <a:lumMod val="95000"/>
-                      </a:schemeClr>
-                    </a:solidFill>
-                  </a:tcPr>
-                </a:tc>
-                <a:tc>
-                  <a:txBody>
-                    <a:bodyPr/>
-                    <a:lstStyle/>
-                    <a:p>
-                      <a:pPr algn="ctr" fontAlgn="b"/>
-                      <a:r>
-                        <a:rPr lang="en-US" sz="2500" u="none" strike="noStrike" cap="none" spc="0">
-                          <a:solidFill>
-                            <a:schemeClr val="tx1"/>
-                          </a:solidFill>
-                          <a:effectLst/>
-                        </a:rPr>
-                        <a:t>3993</a:t>
-                      </a:r>
-                      <a:endParaRPr lang="en-US" sz="2500" b="0" i="0" u="none" strike="noStrike" cap="none" spc="0">
-                        <a:solidFill>
-                          <a:schemeClr val="tx1"/>
-                        </a:solidFill>
-                        <a:effectLst/>
-                        <a:latin typeface="Calibri" panose="020F0502020204030204" pitchFamily="34" charset="0"/>
-                      </a:endParaRPr>
-                    </a:p>
-                  </a:txBody>
-                  <a:tcPr marL="13062" marR="13062" marT="188084" marB="0" anchor="ctr">
-                    <a:lnL w="12700" cmpd="sng">
-                      <a:noFill/>
-                      <a:prstDash val="solid"/>
-                    </a:lnL>
-                    <a:lnR w="12700" cmpd="sng">
-                      <a:noFill/>
-                      <a:prstDash val="solid"/>
-                    </a:lnR>
-                    <a:lnT w="38100" cap="flat" cmpd="sng" algn="ctr">
-                      <a:solidFill>
-                        <a:schemeClr val="tx1"/>
-                      </a:solidFill>
-                      <a:prstDash val="solid"/>
-                      <a:round/>
-                      <a:headEnd type="none" w="med" len="med"/>
-                      <a:tailEnd type="none" w="med" len="med"/>
-                    </a:lnT>
-                    <a:lnB w="9525" cap="flat" cmpd="sng" algn="ctr">
-                      <a:solidFill>
-                        <a:schemeClr val="tx1">
-                          <a:lumMod val="50000"/>
-                          <a:lumOff val="50000"/>
-                        </a:schemeClr>
-                      </a:solidFill>
-                      <a:prstDash val="solid"/>
-                    </a:lnB>
-                    <a:solidFill>
-                      <a:schemeClr val="bg1">
-                        <a:lumMod val="95000"/>
-                      </a:schemeClr>
-                    </a:solidFill>
-                  </a:tcPr>
-                </a:tc>
-                <a:tc>
-                  <a:txBody>
-                    <a:bodyPr/>
-                    <a:lstStyle/>
-                    <a:p>
-                      <a:pPr algn="ctr" fontAlgn="b"/>
-                      <a:r>
-                        <a:rPr lang="en-US" sz="2500" u="none" strike="noStrike" cap="none" spc="0">
-                          <a:solidFill>
-                            <a:schemeClr val="tx1"/>
-                          </a:solidFill>
-                          <a:effectLst/>
-                        </a:rPr>
-                        <a:t>960</a:t>
-                      </a:r>
-                      <a:endParaRPr lang="en-US" sz="2500" b="0" i="0" u="none" strike="noStrike" cap="none" spc="0">
-                        <a:solidFill>
-                          <a:schemeClr val="tx1"/>
-                        </a:solidFill>
-                        <a:effectLst/>
-                        <a:latin typeface="Calibri" panose="020F0502020204030204" pitchFamily="34" charset="0"/>
-                      </a:endParaRPr>
-                    </a:p>
-                  </a:txBody>
-                  <a:tcPr marL="13062" marR="13062" marT="188084" marB="0" anchor="ctr">
-                    <a:lnL w="12700" cmpd="sng">
-                      <a:noFill/>
-                      <a:prstDash val="solid"/>
-                    </a:lnL>
-                    <a:lnR w="12700" cmpd="sng">
-                      <a:noFill/>
-                      <a:prstDash val="solid"/>
-                    </a:lnR>
-                    <a:lnT w="38100" cap="flat" cmpd="sng" algn="ctr">
-                      <a:solidFill>
-                        <a:schemeClr val="tx1"/>
-                      </a:solidFill>
-                      <a:prstDash val="solid"/>
-                      <a:round/>
-                      <a:headEnd type="none" w="med" len="med"/>
-                      <a:tailEnd type="none" w="med" len="med"/>
-                    </a:lnT>
-                    <a:lnB w="9525" cap="flat" cmpd="sng" algn="ctr">
-                      <a:solidFill>
-                        <a:schemeClr val="tx1">
-                          <a:lumMod val="50000"/>
-                          <a:lumOff val="50000"/>
-                        </a:schemeClr>
-                      </a:solidFill>
-                      <a:prstDash val="solid"/>
-                    </a:lnB>
-                    <a:solidFill>
-                      <a:schemeClr val="bg1">
-                        <a:lumMod val="95000"/>
-                      </a:schemeClr>
-                    </a:solidFill>
-                  </a:tcPr>
-                </a:tc>
-                <a:tc>
-                  <a:txBody>
-                    <a:bodyPr/>
-                    <a:lstStyle/>
-                    <a:p>
-                      <a:pPr algn="ctr" fontAlgn="b"/>
-                      <a:r>
-                        <a:rPr lang="en-US" sz="2500" u="none" strike="noStrike" cap="none" spc="0" dirty="0">
-                          <a:solidFill>
-                            <a:schemeClr val="tx1"/>
-                          </a:solidFill>
-                          <a:effectLst/>
-                        </a:rPr>
-                        <a:t>498</a:t>
-                      </a:r>
-                      <a:endParaRPr lang="en-US" sz="2500" b="0" i="0" u="none" strike="noStrike" cap="none" spc="0" dirty="0">
-                        <a:solidFill>
-                          <a:schemeClr val="tx1"/>
-                        </a:solidFill>
-                        <a:effectLst/>
-                        <a:latin typeface="Calibri" panose="020F0502020204030204" pitchFamily="34" charset="0"/>
-                      </a:endParaRPr>
-                    </a:p>
-                  </a:txBody>
-                  <a:tcPr marL="13062" marR="13062" marT="188084" marB="0" anchor="ctr">
-                    <a:lnL w="12700" cmpd="sng">
-                      <a:noFill/>
-                      <a:prstDash val="solid"/>
-                    </a:lnL>
-                    <a:lnR w="12700" cmpd="sng">
-                      <a:noFill/>
-                      <a:prstDash val="solid"/>
-                    </a:lnR>
-                    <a:lnT w="38100" cap="flat" cmpd="sng" algn="ctr">
-                      <a:solidFill>
-                        <a:schemeClr val="tx1"/>
-                      </a:solidFill>
-                      <a:prstDash val="solid"/>
-                      <a:round/>
-                      <a:headEnd type="none" w="med" len="med"/>
-                      <a:tailEnd type="none" w="med" len="med"/>
-                    </a:lnT>
-                    <a:lnB w="9525" cap="flat" cmpd="sng" algn="ctr">
-                      <a:solidFill>
-                        <a:schemeClr val="tx1">
-                          <a:lumMod val="50000"/>
-                          <a:lumOff val="50000"/>
-                        </a:schemeClr>
-                      </a:solidFill>
-                      <a:prstDash val="solid"/>
-                    </a:lnB>
-                    <a:solidFill>
-                      <a:schemeClr val="bg1">
-                        <a:lumMod val="95000"/>
-                      </a:schemeClr>
-                    </a:solidFill>
-                  </a:tcPr>
-                </a:tc>
-                <a:extLst>
-                  <a:ext uri="{0D108BD9-81ED-4DB2-BD59-A6C34878D82A}">
-                    <a16:rowId xmlns:a16="http://schemas.microsoft.com/office/drawing/2014/main" val="3891050495"/>
-                  </a:ext>
-                </a:extLst>
-              </a:tr>
-              <a:tr h="602313">
-                <a:tc>
-                  <a:txBody>
-                    <a:bodyPr/>
-                    <a:lstStyle/>
-                    <a:p>
-                      <a:pPr algn="l" fontAlgn="b"/>
-                      <a:r>
-                        <a:rPr lang="en-US" sz="2500" u="none" strike="noStrike" cap="none" spc="0" dirty="0">
-                          <a:solidFill>
-                            <a:schemeClr val="tx1"/>
-                          </a:solidFill>
-                          <a:effectLst/>
-                        </a:rPr>
-                        <a:t>disgust</a:t>
-                      </a:r>
-                      <a:endParaRPr lang="en-US" sz="2500" b="0" i="0" u="none" strike="noStrike" cap="none" spc="0" dirty="0">
-                        <a:solidFill>
-                          <a:schemeClr val="tx1"/>
-                        </a:solidFill>
-                        <a:effectLst/>
-                        <a:latin typeface="Calibri" panose="020F0502020204030204" pitchFamily="34" charset="0"/>
-                      </a:endParaRPr>
-                    </a:p>
-                  </a:txBody>
-                  <a:tcPr marL="13062" marR="13062" marT="188084" marB="0" anchor="ctr">
-                    <a:lnL w="12700" cmpd="sng">
-                      <a:noFill/>
-                      <a:prstDash val="solid"/>
-                    </a:lnL>
-                    <a:lnR w="12700" cmpd="sng">
-                      <a:noFill/>
-                      <a:prstDash val="solid"/>
-                    </a:lnR>
-                    <a:lnT w="9525" cap="flat" cmpd="sng" algn="ctr">
-                      <a:solidFill>
-                        <a:schemeClr val="tx1">
-                          <a:lumMod val="50000"/>
-                          <a:lumOff val="50000"/>
-                        </a:schemeClr>
-                      </a:solidFill>
-                      <a:prstDash val="solid"/>
-                    </a:lnT>
-                    <a:lnB w="9525" cap="flat" cmpd="sng" algn="ctr">
-                      <a:solidFill>
-                        <a:schemeClr val="tx1">
-                          <a:lumMod val="50000"/>
-                          <a:lumOff val="50000"/>
-                        </a:schemeClr>
-                      </a:solidFill>
-                      <a:prstDash val="solid"/>
-                    </a:lnB>
-                    <a:solidFill>
-                      <a:schemeClr val="bg1">
-                        <a:lumMod val="95000"/>
-                      </a:schemeClr>
-                    </a:solidFill>
-                  </a:tcPr>
-                </a:tc>
-                <a:tc>
-                  <a:txBody>
-                    <a:bodyPr/>
-                    <a:lstStyle/>
-                    <a:p>
-                      <a:pPr algn="ctr" fontAlgn="b"/>
-                      <a:r>
-                        <a:rPr lang="en-US" sz="2500" u="none" strike="noStrike" cap="none" spc="0" dirty="0">
-                          <a:solidFill>
-                            <a:schemeClr val="tx1"/>
-                          </a:solidFill>
-                          <a:effectLst/>
-                        </a:rPr>
-                        <a:t>436</a:t>
-                      </a:r>
-                      <a:endParaRPr lang="en-US" sz="2500" b="0" i="0" u="none" strike="noStrike" cap="none" spc="0" dirty="0">
-                        <a:solidFill>
-                          <a:schemeClr val="tx1"/>
-                        </a:solidFill>
-                        <a:effectLst/>
-                        <a:latin typeface="Calibri" panose="020F0502020204030204" pitchFamily="34" charset="0"/>
-                      </a:endParaRPr>
-                    </a:p>
-                  </a:txBody>
-                  <a:tcPr marL="13062" marR="13062" marT="188084" marB="0" anchor="ctr">
-                    <a:lnL w="12700" cmpd="sng">
-                      <a:noFill/>
-                      <a:prstDash val="solid"/>
-                    </a:lnL>
-                    <a:lnR w="12700" cmpd="sng">
-                      <a:noFill/>
-                      <a:prstDash val="solid"/>
-                    </a:lnR>
-                    <a:lnT w="9525" cap="flat" cmpd="sng" algn="ctr">
-                      <a:solidFill>
-                        <a:schemeClr val="tx1">
-                          <a:lumMod val="50000"/>
-                          <a:lumOff val="50000"/>
-                        </a:schemeClr>
-                      </a:solidFill>
-                      <a:prstDash val="solid"/>
-                    </a:lnT>
-                    <a:lnB w="9525" cap="flat" cmpd="sng" algn="ctr">
-                      <a:solidFill>
-                        <a:schemeClr val="tx1">
-                          <a:lumMod val="50000"/>
-                          <a:lumOff val="50000"/>
-                        </a:schemeClr>
-                      </a:solidFill>
-                      <a:prstDash val="solid"/>
-                    </a:lnB>
-                    <a:solidFill>
-                      <a:schemeClr val="bg1">
-                        <a:lumMod val="95000"/>
-                      </a:schemeClr>
-                    </a:solidFill>
-                  </a:tcPr>
-                </a:tc>
-                <a:tc>
-                  <a:txBody>
-                    <a:bodyPr/>
-                    <a:lstStyle/>
-                    <a:p>
-                      <a:pPr algn="ctr" fontAlgn="b"/>
-                      <a:r>
-                        <a:rPr lang="en-US" sz="2500" u="none" strike="noStrike" cap="none" spc="0">
-                          <a:solidFill>
-                            <a:schemeClr val="tx1"/>
-                          </a:solidFill>
-                          <a:effectLst/>
-                        </a:rPr>
-                        <a:t>111</a:t>
-                      </a:r>
-                      <a:endParaRPr lang="en-US" sz="2500" b="0" i="0" u="none" strike="noStrike" cap="none" spc="0">
-                        <a:solidFill>
-                          <a:schemeClr val="tx1"/>
-                        </a:solidFill>
-                        <a:effectLst/>
-                        <a:latin typeface="Calibri" panose="020F0502020204030204" pitchFamily="34" charset="0"/>
-                      </a:endParaRPr>
-                    </a:p>
-                  </a:txBody>
-                  <a:tcPr marL="13062" marR="13062" marT="188084" marB="0" anchor="ctr">
-                    <a:lnL w="12700" cmpd="sng">
-                      <a:noFill/>
-                      <a:prstDash val="solid"/>
-                    </a:lnL>
-                    <a:lnR w="12700" cmpd="sng">
-                      <a:noFill/>
-                      <a:prstDash val="solid"/>
-                    </a:lnR>
-                    <a:lnT w="9525" cap="flat" cmpd="sng" algn="ctr">
-                      <a:solidFill>
-                        <a:schemeClr val="tx1">
-                          <a:lumMod val="50000"/>
-                          <a:lumOff val="50000"/>
-                        </a:schemeClr>
-                      </a:solidFill>
-                      <a:prstDash val="solid"/>
-                    </a:lnT>
-                    <a:lnB w="9525" cap="flat" cmpd="sng" algn="ctr">
-                      <a:solidFill>
-                        <a:schemeClr val="tx1">
-                          <a:lumMod val="50000"/>
-                          <a:lumOff val="50000"/>
-                        </a:schemeClr>
-                      </a:solidFill>
-                      <a:prstDash val="solid"/>
-                    </a:lnB>
-                    <a:solidFill>
-                      <a:schemeClr val="bg1">
-                        <a:lumMod val="95000"/>
-                      </a:schemeClr>
-                    </a:solidFill>
-                  </a:tcPr>
-                </a:tc>
-                <a:tc>
-                  <a:txBody>
-                    <a:bodyPr/>
-                    <a:lstStyle/>
-                    <a:p>
-                      <a:pPr algn="ctr" fontAlgn="b"/>
-                      <a:r>
-                        <a:rPr lang="en-US" sz="2500" u="none" strike="noStrike" cap="none" spc="0" dirty="0">
-                          <a:solidFill>
-                            <a:schemeClr val="tx1"/>
-                          </a:solidFill>
-                          <a:effectLst/>
-                        </a:rPr>
-                        <a:t>402</a:t>
-                      </a:r>
-                      <a:endParaRPr lang="en-US" sz="2500" b="0" i="0" u="none" strike="noStrike" cap="none" spc="0" dirty="0">
-                        <a:solidFill>
-                          <a:schemeClr val="tx1"/>
-                        </a:solidFill>
-                        <a:effectLst/>
-                        <a:latin typeface="Calibri" panose="020F0502020204030204" pitchFamily="34" charset="0"/>
-                      </a:endParaRPr>
-                    </a:p>
-                  </a:txBody>
-                  <a:tcPr marL="13062" marR="13062" marT="188084" marB="0" anchor="ctr">
-                    <a:lnL w="12700" cmpd="sng">
-                      <a:noFill/>
-                      <a:prstDash val="solid"/>
-                    </a:lnL>
-                    <a:lnR w="12700" cmpd="sng">
-                      <a:noFill/>
-                      <a:prstDash val="solid"/>
-                    </a:lnR>
-                    <a:lnT w="9525" cap="flat" cmpd="sng" algn="ctr">
-                      <a:solidFill>
-                        <a:schemeClr val="tx1">
-                          <a:lumMod val="50000"/>
-                          <a:lumOff val="50000"/>
-                        </a:schemeClr>
-                      </a:solidFill>
-                      <a:prstDash val="solid"/>
-                    </a:lnT>
-                    <a:lnB w="9525" cap="flat" cmpd="sng" algn="ctr">
-                      <a:solidFill>
-                        <a:schemeClr val="tx1">
-                          <a:lumMod val="50000"/>
-                          <a:lumOff val="50000"/>
-                        </a:schemeClr>
-                      </a:solidFill>
-                      <a:prstDash val="solid"/>
-                    </a:lnB>
-                    <a:solidFill>
-                      <a:schemeClr val="bg1">
-                        <a:lumMod val="95000"/>
-                      </a:schemeClr>
-                    </a:solidFill>
-                  </a:tcPr>
-                </a:tc>
-                <a:extLst>
-                  <a:ext uri="{0D108BD9-81ED-4DB2-BD59-A6C34878D82A}">
-                    <a16:rowId xmlns:a16="http://schemas.microsoft.com/office/drawing/2014/main" val="1870968171"/>
-                  </a:ext>
-                </a:extLst>
-              </a:tr>
-              <a:tr h="602313">
-                <a:tc>
-                  <a:txBody>
-                    <a:bodyPr/>
-                    <a:lstStyle/>
-                    <a:p>
-                      <a:pPr algn="l" fontAlgn="b"/>
-                      <a:r>
-                        <a:rPr lang="en-US" sz="2500" u="none" strike="noStrike" cap="none" spc="0">
-                          <a:solidFill>
-                            <a:schemeClr val="tx1"/>
-                          </a:solidFill>
-                          <a:effectLst/>
-                        </a:rPr>
-                        <a:t>fear</a:t>
-                      </a:r>
-                      <a:endParaRPr lang="en-US" sz="2500" b="0" i="0" u="none" strike="noStrike" cap="none" spc="0">
-                        <a:solidFill>
-                          <a:schemeClr val="tx1"/>
-                        </a:solidFill>
-                        <a:effectLst/>
-                        <a:latin typeface="Calibri" panose="020F0502020204030204" pitchFamily="34" charset="0"/>
-                      </a:endParaRPr>
-                    </a:p>
-                  </a:txBody>
-                  <a:tcPr marL="13062" marR="13062" marT="188084" marB="0" anchor="ctr">
-                    <a:lnL w="12700" cmpd="sng">
-                      <a:noFill/>
-                      <a:prstDash val="solid"/>
-                    </a:lnL>
-                    <a:lnR w="12700" cmpd="sng">
-                      <a:noFill/>
-                      <a:prstDash val="solid"/>
-                    </a:lnR>
-                    <a:lnT w="9525" cap="flat" cmpd="sng" algn="ctr">
-                      <a:solidFill>
-                        <a:schemeClr val="tx1">
-                          <a:lumMod val="50000"/>
-                          <a:lumOff val="50000"/>
-                        </a:schemeClr>
-                      </a:solidFill>
-                      <a:prstDash val="solid"/>
-                    </a:lnT>
-                    <a:lnB w="9525" cap="flat" cmpd="sng" algn="ctr">
-                      <a:solidFill>
-                        <a:schemeClr val="tx1">
-                          <a:lumMod val="50000"/>
-                          <a:lumOff val="50000"/>
-                        </a:schemeClr>
-                      </a:solidFill>
-                      <a:prstDash val="solid"/>
-                    </a:lnB>
-                    <a:solidFill>
-                      <a:schemeClr val="bg1">
-                        <a:lumMod val="95000"/>
-                      </a:schemeClr>
-                    </a:solidFill>
-                  </a:tcPr>
-                </a:tc>
-                <a:tc>
-                  <a:txBody>
-                    <a:bodyPr/>
-                    <a:lstStyle/>
-                    <a:p>
-                      <a:pPr algn="ctr" fontAlgn="b"/>
-                      <a:r>
-                        <a:rPr lang="en-US" sz="2500" u="none" strike="noStrike" cap="none" spc="0">
-                          <a:solidFill>
-                            <a:schemeClr val="tx1"/>
-                          </a:solidFill>
-                          <a:effectLst/>
-                        </a:rPr>
-                        <a:t>4103</a:t>
-                      </a:r>
-                      <a:endParaRPr lang="en-US" sz="2500" b="0" i="0" u="none" strike="noStrike" cap="none" spc="0">
-                        <a:solidFill>
-                          <a:schemeClr val="tx1"/>
-                        </a:solidFill>
-                        <a:effectLst/>
-                        <a:latin typeface="Calibri" panose="020F0502020204030204" pitchFamily="34" charset="0"/>
-                      </a:endParaRPr>
-                    </a:p>
-                  </a:txBody>
-                  <a:tcPr marL="13062" marR="13062" marT="188084" marB="0" anchor="ctr">
-                    <a:lnL w="12700" cmpd="sng">
-                      <a:noFill/>
-                      <a:prstDash val="solid"/>
-                    </a:lnL>
-                    <a:lnR w="12700" cmpd="sng">
-                      <a:noFill/>
-                      <a:prstDash val="solid"/>
-                    </a:lnR>
-                    <a:lnT w="9525" cap="flat" cmpd="sng" algn="ctr">
-                      <a:solidFill>
-                        <a:schemeClr val="tx1">
-                          <a:lumMod val="50000"/>
-                          <a:lumOff val="50000"/>
-                        </a:schemeClr>
-                      </a:solidFill>
-                      <a:prstDash val="solid"/>
-                    </a:lnT>
-                    <a:lnB w="9525" cap="flat" cmpd="sng" algn="ctr">
-                      <a:solidFill>
-                        <a:schemeClr val="tx1">
-                          <a:lumMod val="50000"/>
-                          <a:lumOff val="50000"/>
-                        </a:schemeClr>
-                      </a:solidFill>
-                      <a:prstDash val="solid"/>
-                    </a:lnB>
-                    <a:solidFill>
-                      <a:schemeClr val="bg1">
-                        <a:lumMod val="95000"/>
-                      </a:schemeClr>
-                    </a:solidFill>
-                  </a:tcPr>
-                </a:tc>
-                <a:tc>
-                  <a:txBody>
-                    <a:bodyPr/>
-                    <a:lstStyle/>
-                    <a:p>
-                      <a:pPr algn="ctr" fontAlgn="b"/>
-                      <a:r>
-                        <a:rPr lang="en-US" sz="2500" u="none" strike="noStrike" cap="none" spc="0" dirty="0">
-                          <a:solidFill>
-                            <a:schemeClr val="tx1"/>
-                          </a:solidFill>
-                          <a:effectLst/>
-                        </a:rPr>
-                        <a:t>1018</a:t>
-                      </a:r>
-                      <a:endParaRPr lang="en-US" sz="2500" b="0" i="0" u="none" strike="noStrike" cap="none" spc="0" dirty="0">
-                        <a:solidFill>
-                          <a:schemeClr val="tx1"/>
-                        </a:solidFill>
-                        <a:effectLst/>
-                        <a:latin typeface="Calibri" panose="020F0502020204030204" pitchFamily="34" charset="0"/>
-                      </a:endParaRPr>
-                    </a:p>
-                  </a:txBody>
-                  <a:tcPr marL="13062" marR="13062" marT="188084" marB="0" anchor="ctr">
-                    <a:lnL w="12700" cmpd="sng">
-                      <a:noFill/>
-                      <a:prstDash val="solid"/>
-                    </a:lnL>
-                    <a:lnR w="12700" cmpd="sng">
-                      <a:noFill/>
-                      <a:prstDash val="solid"/>
-                    </a:lnR>
-                    <a:lnT w="9525" cap="flat" cmpd="sng" algn="ctr">
-                      <a:solidFill>
-                        <a:schemeClr val="tx1">
-                          <a:lumMod val="50000"/>
-                          <a:lumOff val="50000"/>
-                        </a:schemeClr>
-                      </a:solidFill>
-                      <a:prstDash val="solid"/>
-                    </a:lnT>
-                    <a:lnB w="9525" cap="flat" cmpd="sng" algn="ctr">
-                      <a:solidFill>
-                        <a:schemeClr val="tx1">
-                          <a:lumMod val="50000"/>
-                          <a:lumOff val="50000"/>
-                        </a:schemeClr>
-                      </a:solidFill>
-                      <a:prstDash val="solid"/>
-                    </a:lnB>
-                    <a:solidFill>
-                      <a:schemeClr val="bg1">
-                        <a:lumMod val="95000"/>
-                      </a:schemeClr>
-                    </a:solidFill>
-                  </a:tcPr>
-                </a:tc>
-                <a:tc>
-                  <a:txBody>
-                    <a:bodyPr/>
-                    <a:lstStyle/>
-                    <a:p>
-                      <a:pPr algn="ctr" fontAlgn="b"/>
-                      <a:r>
-                        <a:rPr lang="en-US" sz="2500" u="none" strike="noStrike" cap="none" spc="0" dirty="0">
-                          <a:solidFill>
-                            <a:schemeClr val="tx1"/>
-                          </a:solidFill>
-                          <a:effectLst/>
-                        </a:rPr>
-                        <a:t>496</a:t>
-                      </a:r>
-                      <a:endParaRPr lang="en-US" sz="2500" b="0" i="0" u="none" strike="noStrike" cap="none" spc="0" dirty="0">
-                        <a:solidFill>
-                          <a:schemeClr val="tx1"/>
-                        </a:solidFill>
-                        <a:effectLst/>
-                        <a:latin typeface="Calibri" panose="020F0502020204030204" pitchFamily="34" charset="0"/>
-                      </a:endParaRPr>
-                    </a:p>
-                  </a:txBody>
-                  <a:tcPr marL="13062" marR="13062" marT="188084" marB="0" anchor="ctr">
-                    <a:lnL w="12700" cmpd="sng">
-                      <a:noFill/>
-                      <a:prstDash val="solid"/>
-                    </a:lnL>
-                    <a:lnR w="12700" cmpd="sng">
-                      <a:noFill/>
-                      <a:prstDash val="solid"/>
-                    </a:lnR>
-                    <a:lnT w="9525" cap="flat" cmpd="sng" algn="ctr">
-                      <a:solidFill>
-                        <a:schemeClr val="tx1">
-                          <a:lumMod val="50000"/>
-                          <a:lumOff val="50000"/>
-                        </a:schemeClr>
-                      </a:solidFill>
-                      <a:prstDash val="solid"/>
-                    </a:lnT>
-                    <a:lnB w="9525" cap="flat" cmpd="sng" algn="ctr">
-                      <a:solidFill>
-                        <a:schemeClr val="tx1">
-                          <a:lumMod val="50000"/>
-                          <a:lumOff val="50000"/>
-                        </a:schemeClr>
-                      </a:solidFill>
-                      <a:prstDash val="solid"/>
-                    </a:lnB>
-                    <a:solidFill>
-                      <a:schemeClr val="bg1">
-                        <a:lumMod val="95000"/>
-                      </a:schemeClr>
-                    </a:solidFill>
-                  </a:tcPr>
-                </a:tc>
-                <a:extLst>
-                  <a:ext uri="{0D108BD9-81ED-4DB2-BD59-A6C34878D82A}">
-                    <a16:rowId xmlns:a16="http://schemas.microsoft.com/office/drawing/2014/main" val="1193141385"/>
-                  </a:ext>
-                </a:extLst>
-              </a:tr>
-              <a:tr h="602313">
-                <a:tc>
-                  <a:txBody>
-                    <a:bodyPr/>
-                    <a:lstStyle/>
-                    <a:p>
-                      <a:pPr algn="l" fontAlgn="b"/>
-                      <a:r>
-                        <a:rPr lang="en-US" sz="2500" u="none" strike="noStrike" cap="none" spc="0">
-                          <a:solidFill>
-                            <a:schemeClr val="tx1"/>
-                          </a:solidFill>
-                          <a:effectLst/>
-                        </a:rPr>
-                        <a:t>happy</a:t>
-                      </a:r>
-                      <a:endParaRPr lang="en-US" sz="2500" b="0" i="0" u="none" strike="noStrike" cap="none" spc="0">
-                        <a:solidFill>
-                          <a:schemeClr val="tx1"/>
-                        </a:solidFill>
-                        <a:effectLst/>
-                        <a:latin typeface="Calibri" panose="020F0502020204030204" pitchFamily="34" charset="0"/>
-                      </a:endParaRPr>
-                    </a:p>
-                  </a:txBody>
-                  <a:tcPr marL="13062" marR="13062" marT="188084" marB="0" anchor="ctr">
-                    <a:lnL w="12700" cmpd="sng">
-                      <a:noFill/>
-                      <a:prstDash val="solid"/>
-                    </a:lnL>
-                    <a:lnR w="12700" cmpd="sng">
-                      <a:noFill/>
-                      <a:prstDash val="solid"/>
-                    </a:lnR>
-                    <a:lnT w="9525" cap="flat" cmpd="sng" algn="ctr">
-                      <a:solidFill>
-                        <a:schemeClr val="tx1">
-                          <a:lumMod val="50000"/>
-                          <a:lumOff val="50000"/>
-                        </a:schemeClr>
-                      </a:solidFill>
-                      <a:prstDash val="solid"/>
-                    </a:lnT>
-                    <a:lnB w="9525" cap="flat" cmpd="sng" algn="ctr">
-                      <a:solidFill>
-                        <a:schemeClr val="tx1">
-                          <a:lumMod val="50000"/>
-                          <a:lumOff val="50000"/>
-                        </a:schemeClr>
-                      </a:solidFill>
-                      <a:prstDash val="solid"/>
-                    </a:lnB>
-                    <a:solidFill>
-                      <a:schemeClr val="bg1">
-                        <a:lumMod val="95000"/>
-                      </a:schemeClr>
-                    </a:solidFill>
-                  </a:tcPr>
-                </a:tc>
-                <a:tc>
-                  <a:txBody>
-                    <a:bodyPr/>
-                    <a:lstStyle/>
-                    <a:p>
-                      <a:pPr algn="ctr" fontAlgn="b"/>
-                      <a:r>
-                        <a:rPr lang="en-US" sz="2500" u="none" strike="noStrike" cap="none" spc="0">
-                          <a:solidFill>
-                            <a:schemeClr val="tx1"/>
-                          </a:solidFill>
-                          <a:effectLst/>
-                        </a:rPr>
-                        <a:t>7164</a:t>
-                      </a:r>
-                      <a:endParaRPr lang="en-US" sz="2500" b="0" i="0" u="none" strike="noStrike" cap="none" spc="0">
-                        <a:solidFill>
-                          <a:schemeClr val="tx1"/>
-                        </a:solidFill>
-                        <a:effectLst/>
-                        <a:latin typeface="Calibri" panose="020F0502020204030204" pitchFamily="34" charset="0"/>
-                      </a:endParaRPr>
-                    </a:p>
-                  </a:txBody>
-                  <a:tcPr marL="13062" marR="13062" marT="188084" marB="0" anchor="ctr">
-                    <a:lnL w="12700" cmpd="sng">
-                      <a:noFill/>
-                      <a:prstDash val="solid"/>
-                    </a:lnL>
-                    <a:lnR w="12700" cmpd="sng">
-                      <a:noFill/>
-                      <a:prstDash val="solid"/>
-                    </a:lnR>
-                    <a:lnT w="9525" cap="flat" cmpd="sng" algn="ctr">
-                      <a:solidFill>
-                        <a:schemeClr val="tx1">
-                          <a:lumMod val="50000"/>
-                          <a:lumOff val="50000"/>
-                        </a:schemeClr>
-                      </a:solidFill>
-                      <a:prstDash val="solid"/>
-                    </a:lnT>
-                    <a:lnB w="9525" cap="flat" cmpd="sng" algn="ctr">
-                      <a:solidFill>
-                        <a:schemeClr val="tx1">
-                          <a:lumMod val="50000"/>
-                          <a:lumOff val="50000"/>
-                        </a:schemeClr>
-                      </a:solidFill>
-                      <a:prstDash val="solid"/>
-                    </a:lnB>
-                    <a:solidFill>
-                      <a:schemeClr val="bg1">
-                        <a:lumMod val="95000"/>
-                      </a:schemeClr>
-                    </a:solidFill>
-                  </a:tcPr>
-                </a:tc>
-                <a:tc>
-                  <a:txBody>
-                    <a:bodyPr/>
-                    <a:lstStyle/>
-                    <a:p>
-                      <a:pPr algn="ctr" fontAlgn="b"/>
-                      <a:r>
-                        <a:rPr lang="en-US" sz="2500" u="none" strike="noStrike" cap="none" spc="0" dirty="0">
-                          <a:solidFill>
-                            <a:schemeClr val="tx1"/>
-                          </a:solidFill>
-                          <a:effectLst/>
-                        </a:rPr>
-                        <a:t>1825</a:t>
-                      </a:r>
-                      <a:endParaRPr lang="en-US" sz="2500" b="0" i="0" u="none" strike="noStrike" cap="none" spc="0" dirty="0">
-                        <a:solidFill>
-                          <a:schemeClr val="tx1"/>
-                        </a:solidFill>
-                        <a:effectLst/>
-                        <a:latin typeface="Calibri" panose="020F0502020204030204" pitchFamily="34" charset="0"/>
-                      </a:endParaRPr>
-                    </a:p>
-                  </a:txBody>
-                  <a:tcPr marL="13062" marR="13062" marT="188084" marB="0" anchor="ctr">
-                    <a:lnL w="12700" cmpd="sng">
-                      <a:noFill/>
-                      <a:prstDash val="solid"/>
-                    </a:lnL>
-                    <a:lnR w="12700" cmpd="sng">
-                      <a:noFill/>
-                      <a:prstDash val="solid"/>
-                    </a:lnR>
-                    <a:lnT w="9525" cap="flat" cmpd="sng" algn="ctr">
-                      <a:solidFill>
-                        <a:schemeClr val="tx1">
-                          <a:lumMod val="50000"/>
-                          <a:lumOff val="50000"/>
-                        </a:schemeClr>
-                      </a:solidFill>
-                      <a:prstDash val="solid"/>
-                    </a:lnT>
-                    <a:lnB w="9525" cap="flat" cmpd="sng" algn="ctr">
-                      <a:solidFill>
-                        <a:schemeClr val="tx1">
-                          <a:lumMod val="50000"/>
-                          <a:lumOff val="50000"/>
-                        </a:schemeClr>
-                      </a:solidFill>
-                      <a:prstDash val="solid"/>
-                    </a:lnB>
-                    <a:solidFill>
-                      <a:schemeClr val="bg1">
-                        <a:lumMod val="95000"/>
-                      </a:schemeClr>
-                    </a:solidFill>
-                  </a:tcPr>
-                </a:tc>
-                <a:tc>
-                  <a:txBody>
-                    <a:bodyPr/>
-                    <a:lstStyle/>
-                    <a:p>
-                      <a:pPr algn="ctr" fontAlgn="b"/>
-                      <a:r>
-                        <a:rPr lang="en-US" sz="2500" u="none" strike="noStrike" cap="none" spc="0" dirty="0">
-                          <a:solidFill>
-                            <a:schemeClr val="tx1"/>
-                          </a:solidFill>
-                          <a:effectLst/>
-                        </a:rPr>
-                        <a:t>499</a:t>
-                      </a:r>
-                      <a:endParaRPr lang="en-US" sz="2500" b="0" i="0" u="none" strike="noStrike" cap="none" spc="0" dirty="0">
-                        <a:solidFill>
-                          <a:schemeClr val="tx1"/>
-                        </a:solidFill>
-                        <a:effectLst/>
-                        <a:latin typeface="Calibri" panose="020F0502020204030204" pitchFamily="34" charset="0"/>
-                      </a:endParaRPr>
-                    </a:p>
-                  </a:txBody>
-                  <a:tcPr marL="13062" marR="13062" marT="188084" marB="0" anchor="ctr">
-                    <a:lnL w="12700" cmpd="sng">
-                      <a:noFill/>
-                      <a:prstDash val="solid"/>
-                    </a:lnL>
-                    <a:lnR w="12700" cmpd="sng">
-                      <a:noFill/>
-                      <a:prstDash val="solid"/>
-                    </a:lnR>
-                    <a:lnT w="9525" cap="flat" cmpd="sng" algn="ctr">
-                      <a:solidFill>
-                        <a:schemeClr val="tx1">
-                          <a:lumMod val="50000"/>
-                          <a:lumOff val="50000"/>
-                        </a:schemeClr>
-                      </a:solidFill>
-                      <a:prstDash val="solid"/>
-                    </a:lnT>
-                    <a:lnB w="9525" cap="flat" cmpd="sng" algn="ctr">
-                      <a:solidFill>
-                        <a:schemeClr val="tx1">
-                          <a:lumMod val="50000"/>
-                          <a:lumOff val="50000"/>
-                        </a:schemeClr>
-                      </a:solidFill>
-                      <a:prstDash val="solid"/>
-                    </a:lnB>
-                    <a:solidFill>
-                      <a:schemeClr val="bg1">
-                        <a:lumMod val="95000"/>
-                      </a:schemeClr>
-                    </a:solidFill>
-                  </a:tcPr>
-                </a:tc>
-                <a:extLst>
-                  <a:ext uri="{0D108BD9-81ED-4DB2-BD59-A6C34878D82A}">
-                    <a16:rowId xmlns:a16="http://schemas.microsoft.com/office/drawing/2014/main" val="3710164711"/>
-                  </a:ext>
-                </a:extLst>
-              </a:tr>
-              <a:tr h="602313">
-                <a:tc>
-                  <a:txBody>
-                    <a:bodyPr/>
-                    <a:lstStyle/>
-                    <a:p>
-                      <a:pPr algn="l" fontAlgn="b"/>
-                      <a:r>
-                        <a:rPr lang="en-US" sz="2500" u="none" strike="noStrike" cap="none" spc="0">
-                          <a:solidFill>
-                            <a:schemeClr val="tx1"/>
-                          </a:solidFill>
-                          <a:effectLst/>
-                        </a:rPr>
-                        <a:t>neutral</a:t>
-                      </a:r>
-                      <a:endParaRPr lang="en-US" sz="2500" b="0" i="0" u="none" strike="noStrike" cap="none" spc="0">
-                        <a:solidFill>
-                          <a:schemeClr val="tx1"/>
-                        </a:solidFill>
-                        <a:effectLst/>
-                        <a:latin typeface="Calibri" panose="020F0502020204030204" pitchFamily="34" charset="0"/>
-                      </a:endParaRPr>
-                    </a:p>
-                  </a:txBody>
-                  <a:tcPr marL="13062" marR="13062" marT="188084" marB="0" anchor="ctr">
-                    <a:lnL w="12700" cmpd="sng">
-                      <a:noFill/>
-                      <a:prstDash val="solid"/>
-                    </a:lnL>
-                    <a:lnR w="12700" cmpd="sng">
-                      <a:noFill/>
-                      <a:prstDash val="solid"/>
-                    </a:lnR>
-                    <a:lnT w="9525" cap="flat" cmpd="sng" algn="ctr">
-                      <a:solidFill>
-                        <a:schemeClr val="tx1">
-                          <a:lumMod val="50000"/>
-                          <a:lumOff val="50000"/>
-                        </a:schemeClr>
-                      </a:solidFill>
-                      <a:prstDash val="solid"/>
-                    </a:lnT>
-                    <a:lnB w="9525" cap="flat" cmpd="sng" algn="ctr">
-                      <a:solidFill>
-                        <a:schemeClr val="tx1">
-                          <a:lumMod val="50000"/>
-                          <a:lumOff val="50000"/>
-                        </a:schemeClr>
-                      </a:solidFill>
-                      <a:prstDash val="solid"/>
-                    </a:lnB>
-                    <a:solidFill>
-                      <a:schemeClr val="bg1">
-                        <a:lumMod val="95000"/>
-                      </a:schemeClr>
-                    </a:solidFill>
-                  </a:tcPr>
-                </a:tc>
-                <a:tc>
-                  <a:txBody>
-                    <a:bodyPr/>
-                    <a:lstStyle/>
-                    <a:p>
-                      <a:pPr algn="ctr" fontAlgn="b"/>
-                      <a:r>
-                        <a:rPr lang="en-US" sz="2500" u="none" strike="noStrike" cap="none" spc="0">
-                          <a:solidFill>
-                            <a:schemeClr val="tx1"/>
-                          </a:solidFill>
-                          <a:effectLst/>
-                        </a:rPr>
-                        <a:t>4982</a:t>
-                      </a:r>
-                      <a:endParaRPr lang="en-US" sz="2500" b="0" i="0" u="none" strike="noStrike" cap="none" spc="0">
-                        <a:solidFill>
-                          <a:schemeClr val="tx1"/>
-                        </a:solidFill>
-                        <a:effectLst/>
-                        <a:latin typeface="Calibri" panose="020F0502020204030204" pitchFamily="34" charset="0"/>
-                      </a:endParaRPr>
-                    </a:p>
-                  </a:txBody>
-                  <a:tcPr marL="13062" marR="13062" marT="188084" marB="0" anchor="ctr">
-                    <a:lnL w="12700" cmpd="sng">
-                      <a:noFill/>
-                      <a:prstDash val="solid"/>
-                    </a:lnL>
-                    <a:lnR w="12700" cmpd="sng">
-                      <a:noFill/>
-                      <a:prstDash val="solid"/>
-                    </a:lnR>
-                    <a:lnT w="9525" cap="flat" cmpd="sng" algn="ctr">
-                      <a:solidFill>
-                        <a:schemeClr val="tx1">
-                          <a:lumMod val="50000"/>
-                          <a:lumOff val="50000"/>
-                        </a:schemeClr>
-                      </a:solidFill>
-                      <a:prstDash val="solid"/>
-                    </a:lnT>
-                    <a:lnB w="9525" cap="flat" cmpd="sng" algn="ctr">
-                      <a:solidFill>
-                        <a:schemeClr val="tx1">
-                          <a:lumMod val="50000"/>
-                          <a:lumOff val="50000"/>
-                        </a:schemeClr>
-                      </a:solidFill>
-                      <a:prstDash val="solid"/>
-                    </a:lnB>
-                    <a:solidFill>
-                      <a:schemeClr val="bg1">
-                        <a:lumMod val="95000"/>
-                      </a:schemeClr>
-                    </a:solidFill>
-                  </a:tcPr>
-                </a:tc>
-                <a:tc>
-                  <a:txBody>
-                    <a:bodyPr/>
-                    <a:lstStyle/>
-                    <a:p>
-                      <a:pPr algn="ctr" fontAlgn="b"/>
-                      <a:r>
-                        <a:rPr lang="en-US" sz="2500" u="none" strike="noStrike" cap="none" spc="0" dirty="0">
-                          <a:solidFill>
-                            <a:schemeClr val="tx1"/>
-                          </a:solidFill>
-                          <a:effectLst/>
-                        </a:rPr>
-                        <a:t>1216</a:t>
-                      </a:r>
-                      <a:endParaRPr lang="en-US" sz="2500" b="0" i="0" u="none" strike="noStrike" cap="none" spc="0" dirty="0">
-                        <a:solidFill>
-                          <a:schemeClr val="tx1"/>
-                        </a:solidFill>
-                        <a:effectLst/>
-                        <a:latin typeface="Calibri" panose="020F0502020204030204" pitchFamily="34" charset="0"/>
-                      </a:endParaRPr>
-                    </a:p>
-                  </a:txBody>
-                  <a:tcPr marL="13062" marR="13062" marT="188084" marB="0" anchor="ctr">
-                    <a:lnL w="12700" cmpd="sng">
-                      <a:noFill/>
-                      <a:prstDash val="solid"/>
-                    </a:lnL>
-                    <a:lnR w="12700" cmpd="sng">
-                      <a:noFill/>
-                      <a:prstDash val="solid"/>
-                    </a:lnR>
-                    <a:lnT w="9525" cap="flat" cmpd="sng" algn="ctr">
-                      <a:solidFill>
-                        <a:schemeClr val="tx1">
-                          <a:lumMod val="50000"/>
-                          <a:lumOff val="50000"/>
-                        </a:schemeClr>
-                      </a:solidFill>
-                      <a:prstDash val="solid"/>
-                    </a:lnT>
-                    <a:lnB w="9525" cap="flat" cmpd="sng" algn="ctr">
-                      <a:solidFill>
-                        <a:schemeClr val="tx1">
-                          <a:lumMod val="50000"/>
-                          <a:lumOff val="50000"/>
-                        </a:schemeClr>
-                      </a:solidFill>
-                      <a:prstDash val="solid"/>
-                    </a:lnB>
-                    <a:solidFill>
-                      <a:schemeClr val="bg1">
-                        <a:lumMod val="95000"/>
-                      </a:schemeClr>
-                    </a:solidFill>
-                  </a:tcPr>
-                </a:tc>
-                <a:tc>
-                  <a:txBody>
-                    <a:bodyPr/>
-                    <a:lstStyle/>
-                    <a:p>
-                      <a:pPr algn="ctr" fontAlgn="b"/>
-                      <a:r>
-                        <a:rPr lang="en-US" sz="2500" u="none" strike="noStrike" cap="none" spc="0" dirty="0">
-                          <a:solidFill>
-                            <a:schemeClr val="tx1"/>
-                          </a:solidFill>
-                          <a:effectLst/>
-                        </a:rPr>
-                        <a:t>497</a:t>
-                      </a:r>
-                      <a:endParaRPr lang="en-US" sz="2500" b="0" i="0" u="none" strike="noStrike" cap="none" spc="0" dirty="0">
-                        <a:solidFill>
-                          <a:schemeClr val="tx1"/>
-                        </a:solidFill>
-                        <a:effectLst/>
-                        <a:latin typeface="Calibri" panose="020F0502020204030204" pitchFamily="34" charset="0"/>
-                      </a:endParaRPr>
-                    </a:p>
-                  </a:txBody>
-                  <a:tcPr marL="13062" marR="13062" marT="188084" marB="0" anchor="ctr">
-                    <a:lnL w="12700" cmpd="sng">
-                      <a:noFill/>
-                      <a:prstDash val="solid"/>
-                    </a:lnL>
-                    <a:lnR w="12700" cmpd="sng">
-                      <a:noFill/>
-                      <a:prstDash val="solid"/>
-                    </a:lnR>
-                    <a:lnT w="9525" cap="flat" cmpd="sng" algn="ctr">
-                      <a:solidFill>
-                        <a:schemeClr val="tx1">
-                          <a:lumMod val="50000"/>
-                          <a:lumOff val="50000"/>
-                        </a:schemeClr>
-                      </a:solidFill>
-                      <a:prstDash val="solid"/>
-                    </a:lnT>
-                    <a:lnB w="9525" cap="flat" cmpd="sng" algn="ctr">
-                      <a:solidFill>
-                        <a:schemeClr val="tx1">
-                          <a:lumMod val="50000"/>
-                          <a:lumOff val="50000"/>
-                        </a:schemeClr>
-                      </a:solidFill>
-                      <a:prstDash val="solid"/>
-                    </a:lnB>
-                    <a:solidFill>
-                      <a:schemeClr val="bg1">
-                        <a:lumMod val="95000"/>
-                      </a:schemeClr>
-                    </a:solidFill>
-                  </a:tcPr>
-                </a:tc>
-                <a:extLst>
-                  <a:ext uri="{0D108BD9-81ED-4DB2-BD59-A6C34878D82A}">
-                    <a16:rowId xmlns:a16="http://schemas.microsoft.com/office/drawing/2014/main" val="1611659854"/>
-                  </a:ext>
-                </a:extLst>
-              </a:tr>
-              <a:tr h="602313">
-                <a:tc>
-                  <a:txBody>
-                    <a:bodyPr/>
-                    <a:lstStyle/>
-                    <a:p>
-                      <a:pPr algn="l" fontAlgn="b"/>
-                      <a:r>
-                        <a:rPr lang="en-US" sz="2500" u="none" strike="noStrike" cap="none" spc="0">
-                          <a:solidFill>
-                            <a:schemeClr val="tx1"/>
-                          </a:solidFill>
-                          <a:effectLst/>
-                        </a:rPr>
-                        <a:t>sad</a:t>
-                      </a:r>
-                      <a:endParaRPr lang="en-US" sz="2500" b="0" i="0" u="none" strike="noStrike" cap="none" spc="0">
-                        <a:solidFill>
-                          <a:schemeClr val="tx1"/>
-                        </a:solidFill>
-                        <a:effectLst/>
-                        <a:latin typeface="Calibri" panose="020F0502020204030204" pitchFamily="34" charset="0"/>
-                      </a:endParaRPr>
-                    </a:p>
-                  </a:txBody>
-                  <a:tcPr marL="13062" marR="13062" marT="188084" marB="0" anchor="ctr">
-                    <a:lnL w="12700" cmpd="sng">
-                      <a:noFill/>
-                      <a:prstDash val="solid"/>
-                    </a:lnL>
-                    <a:lnR w="12700" cmpd="sng">
-                      <a:noFill/>
-                      <a:prstDash val="solid"/>
-                    </a:lnR>
-                    <a:lnT w="9525" cap="flat" cmpd="sng" algn="ctr">
-                      <a:solidFill>
-                        <a:schemeClr val="tx1">
-                          <a:lumMod val="50000"/>
-                          <a:lumOff val="50000"/>
-                        </a:schemeClr>
-                      </a:solidFill>
-                      <a:prstDash val="solid"/>
-                    </a:lnT>
-                    <a:lnB w="9525" cap="flat" cmpd="sng" algn="ctr">
-                      <a:solidFill>
-                        <a:schemeClr val="tx1">
-                          <a:lumMod val="50000"/>
-                          <a:lumOff val="50000"/>
-                        </a:schemeClr>
-                      </a:solidFill>
-                      <a:prstDash val="solid"/>
-                    </a:lnB>
-                    <a:solidFill>
-                      <a:schemeClr val="bg1">
-                        <a:lumMod val="95000"/>
-                      </a:schemeClr>
-                    </a:solidFill>
-                  </a:tcPr>
-                </a:tc>
-                <a:tc>
-                  <a:txBody>
-                    <a:bodyPr/>
-                    <a:lstStyle/>
-                    <a:p>
-                      <a:pPr algn="ctr" fontAlgn="b"/>
-                      <a:r>
-                        <a:rPr lang="en-US" sz="2500" u="none" strike="noStrike" cap="none" spc="0">
-                          <a:solidFill>
-                            <a:schemeClr val="tx1"/>
-                          </a:solidFill>
-                          <a:effectLst/>
-                        </a:rPr>
-                        <a:t>4938</a:t>
-                      </a:r>
-                      <a:endParaRPr lang="en-US" sz="2500" b="0" i="0" u="none" strike="noStrike" cap="none" spc="0">
-                        <a:solidFill>
-                          <a:schemeClr val="tx1"/>
-                        </a:solidFill>
-                        <a:effectLst/>
-                        <a:latin typeface="Calibri" panose="020F0502020204030204" pitchFamily="34" charset="0"/>
-                      </a:endParaRPr>
-                    </a:p>
-                  </a:txBody>
-                  <a:tcPr marL="13062" marR="13062" marT="188084" marB="0" anchor="ctr">
-                    <a:lnL w="12700" cmpd="sng">
-                      <a:noFill/>
-                      <a:prstDash val="solid"/>
-                    </a:lnL>
-                    <a:lnR w="12700" cmpd="sng">
-                      <a:noFill/>
-                      <a:prstDash val="solid"/>
-                    </a:lnR>
-                    <a:lnT w="9525" cap="flat" cmpd="sng" algn="ctr">
-                      <a:solidFill>
-                        <a:schemeClr val="tx1">
-                          <a:lumMod val="50000"/>
-                          <a:lumOff val="50000"/>
-                        </a:schemeClr>
-                      </a:solidFill>
-                      <a:prstDash val="solid"/>
-                    </a:lnT>
-                    <a:lnB w="9525" cap="flat" cmpd="sng" algn="ctr">
-                      <a:solidFill>
-                        <a:schemeClr val="tx1">
-                          <a:lumMod val="50000"/>
-                          <a:lumOff val="50000"/>
-                        </a:schemeClr>
-                      </a:solidFill>
-                      <a:prstDash val="solid"/>
-                    </a:lnB>
-                    <a:solidFill>
-                      <a:schemeClr val="bg1">
-                        <a:lumMod val="95000"/>
-                      </a:schemeClr>
-                    </a:solidFill>
-                  </a:tcPr>
-                </a:tc>
-                <a:tc>
-                  <a:txBody>
-                    <a:bodyPr/>
-                    <a:lstStyle/>
-                    <a:p>
-                      <a:pPr algn="ctr" fontAlgn="b"/>
-                      <a:r>
-                        <a:rPr lang="en-US" sz="2500" u="none" strike="noStrike" cap="none" spc="0" dirty="0">
-                          <a:solidFill>
-                            <a:schemeClr val="tx1"/>
-                          </a:solidFill>
-                          <a:effectLst/>
-                        </a:rPr>
-                        <a:t>1139</a:t>
-                      </a:r>
-                      <a:endParaRPr lang="en-US" sz="2500" b="0" i="0" u="none" strike="noStrike" cap="none" spc="0" dirty="0">
-                        <a:solidFill>
-                          <a:schemeClr val="tx1"/>
-                        </a:solidFill>
-                        <a:effectLst/>
-                        <a:latin typeface="Calibri" panose="020F0502020204030204" pitchFamily="34" charset="0"/>
-                      </a:endParaRPr>
-                    </a:p>
-                  </a:txBody>
-                  <a:tcPr marL="13062" marR="13062" marT="188084" marB="0" anchor="ctr">
-                    <a:lnL w="12700" cmpd="sng">
-                      <a:noFill/>
-                      <a:prstDash val="solid"/>
-                    </a:lnL>
-                    <a:lnR w="12700" cmpd="sng">
-                      <a:noFill/>
-                      <a:prstDash val="solid"/>
-                    </a:lnR>
-                    <a:lnT w="9525" cap="flat" cmpd="sng" algn="ctr">
-                      <a:solidFill>
-                        <a:schemeClr val="tx1">
-                          <a:lumMod val="50000"/>
-                          <a:lumOff val="50000"/>
-                        </a:schemeClr>
-                      </a:solidFill>
-                      <a:prstDash val="solid"/>
-                    </a:lnT>
-                    <a:lnB w="9525" cap="flat" cmpd="sng" algn="ctr">
-                      <a:solidFill>
-                        <a:schemeClr val="tx1">
-                          <a:lumMod val="50000"/>
-                          <a:lumOff val="50000"/>
-                        </a:schemeClr>
-                      </a:solidFill>
-                      <a:prstDash val="solid"/>
-                    </a:lnB>
-                    <a:solidFill>
-                      <a:schemeClr val="bg1">
-                        <a:lumMod val="95000"/>
-                      </a:schemeClr>
-                    </a:solidFill>
-                  </a:tcPr>
-                </a:tc>
-                <a:tc>
-                  <a:txBody>
-                    <a:bodyPr/>
-                    <a:lstStyle/>
-                    <a:p>
-                      <a:pPr algn="ctr" fontAlgn="b"/>
-                      <a:r>
-                        <a:rPr lang="en-US" sz="2500" u="none" strike="noStrike" cap="none" spc="0" dirty="0">
-                          <a:solidFill>
-                            <a:schemeClr val="tx1"/>
-                          </a:solidFill>
-                          <a:effectLst/>
-                        </a:rPr>
-                        <a:t>495</a:t>
-                      </a:r>
-                      <a:endParaRPr lang="en-US" sz="2500" b="0" i="0" u="none" strike="noStrike" cap="none" spc="0" dirty="0">
-                        <a:solidFill>
-                          <a:schemeClr val="tx1"/>
-                        </a:solidFill>
-                        <a:effectLst/>
-                        <a:latin typeface="Calibri" panose="020F0502020204030204" pitchFamily="34" charset="0"/>
-                      </a:endParaRPr>
-                    </a:p>
-                  </a:txBody>
-                  <a:tcPr marL="13062" marR="13062" marT="188084" marB="0" anchor="ctr">
-                    <a:lnL w="12700" cmpd="sng">
-                      <a:noFill/>
-                      <a:prstDash val="solid"/>
-                    </a:lnL>
-                    <a:lnR w="12700" cmpd="sng">
-                      <a:noFill/>
-                      <a:prstDash val="solid"/>
-                    </a:lnR>
-                    <a:lnT w="9525" cap="flat" cmpd="sng" algn="ctr">
-                      <a:solidFill>
-                        <a:schemeClr val="tx1">
-                          <a:lumMod val="50000"/>
-                          <a:lumOff val="50000"/>
-                        </a:schemeClr>
-                      </a:solidFill>
-                      <a:prstDash val="solid"/>
-                    </a:lnT>
-                    <a:lnB w="9525" cap="flat" cmpd="sng" algn="ctr">
-                      <a:solidFill>
-                        <a:schemeClr val="tx1">
-                          <a:lumMod val="50000"/>
-                          <a:lumOff val="50000"/>
-                        </a:schemeClr>
-                      </a:solidFill>
-                      <a:prstDash val="solid"/>
-                    </a:lnB>
-                    <a:solidFill>
-                      <a:schemeClr val="bg1">
-                        <a:lumMod val="95000"/>
-                      </a:schemeClr>
-                    </a:solidFill>
-                  </a:tcPr>
-                </a:tc>
-                <a:extLst>
-                  <a:ext uri="{0D108BD9-81ED-4DB2-BD59-A6C34878D82A}">
-                    <a16:rowId xmlns:a16="http://schemas.microsoft.com/office/drawing/2014/main" val="3062592319"/>
-                  </a:ext>
-                </a:extLst>
-              </a:tr>
-              <a:tr h="602313">
-                <a:tc>
-                  <a:txBody>
-                    <a:bodyPr/>
-                    <a:lstStyle/>
-                    <a:p>
-                      <a:pPr algn="l" fontAlgn="b"/>
-                      <a:r>
-                        <a:rPr lang="en-US" sz="2500" u="none" strike="noStrike" cap="none" spc="0" dirty="0">
-                          <a:solidFill>
-                            <a:schemeClr val="tx1"/>
-                          </a:solidFill>
-                          <a:effectLst/>
-                        </a:rPr>
-                        <a:t>surprise</a:t>
-                      </a:r>
-                      <a:endParaRPr lang="en-US" sz="2500" b="0" i="0" u="none" strike="noStrike" cap="none" spc="0" dirty="0">
-                        <a:solidFill>
-                          <a:schemeClr val="tx1"/>
-                        </a:solidFill>
-                        <a:effectLst/>
-                        <a:latin typeface="Calibri" panose="020F0502020204030204" pitchFamily="34" charset="0"/>
-                      </a:endParaRPr>
-                    </a:p>
-                  </a:txBody>
-                  <a:tcPr marL="13062" marR="13062" marT="188084" marB="0" anchor="ctr">
-                    <a:lnL w="12700" cmpd="sng">
-                      <a:noFill/>
-                      <a:prstDash val="solid"/>
-                    </a:lnL>
-                    <a:lnR w="12700" cmpd="sng">
-                      <a:noFill/>
-                      <a:prstDash val="solid"/>
-                    </a:lnR>
-                    <a:lnT w="9525" cap="flat" cmpd="sng" algn="ctr">
-                      <a:solidFill>
-                        <a:schemeClr val="tx1">
-                          <a:lumMod val="50000"/>
-                          <a:lumOff val="50000"/>
-                        </a:schemeClr>
-                      </a:solidFill>
-                      <a:prstDash val="solid"/>
-                    </a:lnT>
-                    <a:lnB w="38100" cap="flat" cmpd="sng" algn="ctr">
-                      <a:solidFill>
-                        <a:schemeClr val="tx1"/>
-                      </a:solidFill>
-                      <a:prstDash val="solid"/>
-                      <a:round/>
-                      <a:headEnd type="none" w="med" len="med"/>
-                      <a:tailEnd type="none" w="med" len="med"/>
-                    </a:lnB>
-                    <a:solidFill>
-                      <a:schemeClr val="bg1">
-                        <a:lumMod val="95000"/>
-                      </a:schemeClr>
-                    </a:solidFill>
-                  </a:tcPr>
-                </a:tc>
-                <a:tc>
-                  <a:txBody>
-                    <a:bodyPr/>
-                    <a:lstStyle/>
-                    <a:p>
-                      <a:pPr algn="ctr" fontAlgn="b"/>
-                      <a:r>
-                        <a:rPr lang="en-US" sz="2500" u="none" strike="noStrike" cap="none" spc="0" dirty="0">
-                          <a:solidFill>
-                            <a:schemeClr val="tx1"/>
-                          </a:solidFill>
-                          <a:effectLst/>
-                        </a:rPr>
-                        <a:t>3205</a:t>
-                      </a:r>
-                      <a:endParaRPr lang="en-US" sz="2500" b="0" i="0" u="none" strike="noStrike" cap="none" spc="0" dirty="0">
-                        <a:solidFill>
-                          <a:schemeClr val="tx1"/>
-                        </a:solidFill>
-                        <a:effectLst/>
-                        <a:latin typeface="Calibri" panose="020F0502020204030204" pitchFamily="34" charset="0"/>
-                      </a:endParaRPr>
-                    </a:p>
-                  </a:txBody>
-                  <a:tcPr marL="13062" marR="13062" marT="188084" marB="0" anchor="ctr">
-                    <a:lnL w="12700" cmpd="sng">
-                      <a:noFill/>
-                      <a:prstDash val="solid"/>
-                    </a:lnL>
-                    <a:lnR w="12700" cmpd="sng">
-                      <a:noFill/>
-                      <a:prstDash val="solid"/>
-                    </a:lnR>
-                    <a:lnT w="9525" cap="flat" cmpd="sng" algn="ctr">
-                      <a:solidFill>
-                        <a:schemeClr val="tx1">
-                          <a:lumMod val="50000"/>
-                          <a:lumOff val="50000"/>
-                        </a:schemeClr>
-                      </a:solidFill>
-                      <a:prstDash val="solid"/>
-                    </a:lnT>
-                    <a:lnB w="38100" cap="flat" cmpd="sng" algn="ctr">
-                      <a:solidFill>
-                        <a:schemeClr val="tx1"/>
-                      </a:solidFill>
-                      <a:prstDash val="solid"/>
-                      <a:round/>
-                      <a:headEnd type="none" w="med" len="med"/>
-                      <a:tailEnd type="none" w="med" len="med"/>
-                    </a:lnB>
-                    <a:solidFill>
-                      <a:schemeClr val="bg1">
-                        <a:lumMod val="95000"/>
-                      </a:schemeClr>
-                    </a:solidFill>
-                  </a:tcPr>
-                </a:tc>
-                <a:tc>
-                  <a:txBody>
-                    <a:bodyPr/>
-                    <a:lstStyle/>
-                    <a:p>
-                      <a:pPr algn="ctr" fontAlgn="b"/>
-                      <a:r>
-                        <a:rPr lang="en-US" sz="2500" u="none" strike="noStrike" cap="none" spc="0" dirty="0">
-                          <a:solidFill>
-                            <a:schemeClr val="tx1"/>
-                          </a:solidFill>
-                          <a:effectLst/>
-                        </a:rPr>
-                        <a:t>797</a:t>
-                      </a:r>
-                      <a:endParaRPr lang="en-US" sz="2500" b="0" i="0" u="none" strike="noStrike" cap="none" spc="0" dirty="0">
-                        <a:solidFill>
-                          <a:schemeClr val="tx1"/>
-                        </a:solidFill>
-                        <a:effectLst/>
-                        <a:latin typeface="Calibri" panose="020F0502020204030204" pitchFamily="34" charset="0"/>
-                      </a:endParaRPr>
-                    </a:p>
-                  </a:txBody>
-                  <a:tcPr marL="13062" marR="13062" marT="188084" marB="0" anchor="ctr">
-                    <a:lnL w="12700" cmpd="sng">
-                      <a:noFill/>
-                      <a:prstDash val="solid"/>
-                    </a:lnL>
-                    <a:lnR w="12700" cmpd="sng">
-                      <a:noFill/>
-                      <a:prstDash val="solid"/>
-                    </a:lnR>
-                    <a:lnT w="9525" cap="flat" cmpd="sng" algn="ctr">
-                      <a:solidFill>
-                        <a:schemeClr val="tx1">
-                          <a:lumMod val="50000"/>
-                          <a:lumOff val="50000"/>
-                        </a:schemeClr>
-                      </a:solidFill>
-                      <a:prstDash val="solid"/>
-                    </a:lnT>
-                    <a:lnB w="38100" cap="flat" cmpd="sng" algn="ctr">
-                      <a:solidFill>
-                        <a:schemeClr val="tx1"/>
-                      </a:solidFill>
-                      <a:prstDash val="solid"/>
-                      <a:round/>
-                      <a:headEnd type="none" w="med" len="med"/>
-                      <a:tailEnd type="none" w="med" len="med"/>
-                    </a:lnB>
-                    <a:solidFill>
-                      <a:schemeClr val="bg1">
-                        <a:lumMod val="95000"/>
-                      </a:schemeClr>
-                    </a:solidFill>
-                  </a:tcPr>
-                </a:tc>
-                <a:tc>
-                  <a:txBody>
-                    <a:bodyPr/>
-                    <a:lstStyle/>
-                    <a:p>
-                      <a:pPr algn="ctr" fontAlgn="b"/>
-                      <a:r>
-                        <a:rPr lang="en-US" sz="2500" u="none" strike="noStrike" cap="none" spc="0" dirty="0">
-                          <a:solidFill>
-                            <a:schemeClr val="tx1"/>
-                          </a:solidFill>
-                          <a:effectLst/>
-                        </a:rPr>
-                        <a:t>495</a:t>
-                      </a:r>
-                      <a:endParaRPr lang="en-US" sz="2500" b="0" i="0" u="none" strike="noStrike" cap="none" spc="0" dirty="0">
-                        <a:solidFill>
-                          <a:schemeClr val="tx1"/>
-                        </a:solidFill>
-                        <a:effectLst/>
-                        <a:latin typeface="Calibri" panose="020F0502020204030204" pitchFamily="34" charset="0"/>
-                      </a:endParaRPr>
-                    </a:p>
-                  </a:txBody>
-                  <a:tcPr marL="13062" marR="13062" marT="188084" marB="0" anchor="ctr">
-                    <a:lnL w="12700" cmpd="sng">
-                      <a:noFill/>
-                      <a:prstDash val="solid"/>
-                    </a:lnL>
-                    <a:lnR w="12700" cmpd="sng">
-                      <a:noFill/>
-                      <a:prstDash val="solid"/>
-                    </a:lnR>
-                    <a:lnT w="9525" cap="flat" cmpd="sng" algn="ctr">
-                      <a:solidFill>
-                        <a:schemeClr val="tx1">
-                          <a:lumMod val="50000"/>
-                          <a:lumOff val="50000"/>
-                        </a:schemeClr>
-                      </a:solidFill>
-                      <a:prstDash val="solid"/>
-                    </a:lnT>
-                    <a:lnB w="38100" cap="flat" cmpd="sng" algn="ctr">
-                      <a:solidFill>
-                        <a:schemeClr val="tx1"/>
-                      </a:solidFill>
-                      <a:prstDash val="solid"/>
-                      <a:round/>
-                      <a:headEnd type="none" w="med" len="med"/>
-                      <a:tailEnd type="none" w="med" len="med"/>
-                    </a:lnB>
-                    <a:solidFill>
-                      <a:schemeClr val="bg1">
-                        <a:lumMod val="95000"/>
-                      </a:schemeClr>
-                    </a:solidFill>
-                  </a:tcPr>
-                </a:tc>
-                <a:extLst>
-                  <a:ext uri="{0D108BD9-81ED-4DB2-BD59-A6C34878D82A}">
-                    <a16:rowId xmlns:a16="http://schemas.microsoft.com/office/drawing/2014/main" val="4054575254"/>
-                  </a:ext>
-                </a:extLst>
-              </a:tr>
-              <a:tr h="602313">
-                <a:tc>
-                  <a:txBody>
-                    <a:bodyPr/>
-                    <a:lstStyle/>
-                    <a:p>
-                      <a:pPr algn="l" fontAlgn="b"/>
-                      <a:r>
-                        <a:rPr lang="en-US" sz="2500" u="none" strike="noStrike" cap="none" spc="0" dirty="0">
-                          <a:solidFill>
-                            <a:schemeClr val="tx1"/>
-                          </a:solidFill>
-                          <a:effectLst/>
-                        </a:rPr>
-                        <a:t>Total</a:t>
-                      </a:r>
-                      <a:endParaRPr lang="en-US" sz="2500" b="0" i="0" u="none" strike="noStrike" cap="none" spc="0" dirty="0">
-                        <a:solidFill>
-                          <a:schemeClr val="tx1"/>
-                        </a:solidFill>
-                        <a:effectLst/>
-                        <a:latin typeface="Calibri" panose="020F0502020204030204" pitchFamily="34" charset="0"/>
-                      </a:endParaRPr>
-                    </a:p>
-                  </a:txBody>
-                  <a:tcPr marL="13062" marR="13062" marT="188084" marB="0" anchor="ctr">
-                    <a:lnL w="12700" cmpd="sng">
-                      <a:noFill/>
-                      <a:prstDash val="solid"/>
-                    </a:lnL>
-                    <a:lnR w="12700" cmpd="sng">
-                      <a:noFill/>
-                      <a:prstDash val="solid"/>
-                    </a:lnR>
-                    <a:lnT w="38100" cap="flat" cmpd="sng" algn="ctr">
-                      <a:solidFill>
-                        <a:schemeClr val="tx1"/>
-                      </a:solidFill>
-                      <a:prstDash val="solid"/>
-                      <a:round/>
-                      <a:headEnd type="none" w="med" len="med"/>
-                      <a:tailEnd type="none" w="med" len="med"/>
-                    </a:lnT>
-                    <a:lnB w="12700" cmpd="sng">
-                      <a:noFill/>
-                      <a:prstDash val="solid"/>
-                    </a:lnB>
-                    <a:solidFill>
-                      <a:schemeClr val="bg1">
-                        <a:lumMod val="95000"/>
-                      </a:schemeClr>
-                    </a:solidFill>
-                  </a:tcPr>
-                </a:tc>
-                <a:tc>
-                  <a:txBody>
-                    <a:bodyPr/>
-                    <a:lstStyle/>
-                    <a:p>
-                      <a:pPr algn="ctr" fontAlgn="b"/>
-                      <a:r>
-                        <a:rPr lang="en-US" sz="2500" u="none" strike="noStrike" cap="none" spc="0" dirty="0">
-                          <a:solidFill>
-                            <a:schemeClr val="tx1"/>
-                          </a:solidFill>
-                          <a:effectLst/>
-                        </a:rPr>
-                        <a:t>28821</a:t>
-                      </a:r>
-                      <a:endParaRPr lang="en-US" sz="2500" b="0" i="0" u="none" strike="noStrike" cap="none" spc="0" dirty="0">
-                        <a:solidFill>
-                          <a:schemeClr val="tx1"/>
-                        </a:solidFill>
-                        <a:effectLst/>
-                        <a:latin typeface="Calibri" panose="020F0502020204030204" pitchFamily="34" charset="0"/>
-                      </a:endParaRPr>
-                    </a:p>
-                  </a:txBody>
-                  <a:tcPr marL="13062" marR="13062" marT="188084" marB="0" anchor="ctr">
-                    <a:lnL w="12700" cmpd="sng">
-                      <a:noFill/>
-                      <a:prstDash val="solid"/>
-                    </a:lnL>
-                    <a:lnR w="12700" cmpd="sng">
-                      <a:noFill/>
-                      <a:prstDash val="solid"/>
-                    </a:lnR>
-                    <a:lnT w="38100" cap="flat" cmpd="sng" algn="ctr">
-                      <a:solidFill>
-                        <a:schemeClr val="tx1"/>
-                      </a:solidFill>
-                      <a:prstDash val="solid"/>
-                      <a:round/>
-                      <a:headEnd type="none" w="med" len="med"/>
-                      <a:tailEnd type="none" w="med" len="med"/>
-                    </a:lnT>
-                    <a:lnB w="12700" cmpd="sng">
-                      <a:noFill/>
-                      <a:prstDash val="solid"/>
-                    </a:lnB>
-                    <a:solidFill>
-                      <a:schemeClr val="bg1">
-                        <a:lumMod val="95000"/>
-                      </a:schemeClr>
-                    </a:solidFill>
-                  </a:tcPr>
-                </a:tc>
-                <a:tc>
-                  <a:txBody>
-                    <a:bodyPr/>
-                    <a:lstStyle/>
-                    <a:p>
-                      <a:pPr algn="ctr" fontAlgn="b"/>
-                      <a:r>
-                        <a:rPr lang="en-US" sz="2500" u="none" strike="noStrike" cap="none" spc="0" dirty="0">
-                          <a:solidFill>
-                            <a:schemeClr val="tx1"/>
-                          </a:solidFill>
-                          <a:effectLst/>
-                        </a:rPr>
-                        <a:t>7066</a:t>
-                      </a:r>
-                      <a:endParaRPr lang="en-US" sz="2500" b="0" i="0" u="none" strike="noStrike" cap="none" spc="0" dirty="0">
-                        <a:solidFill>
-                          <a:schemeClr val="tx1"/>
-                        </a:solidFill>
-                        <a:effectLst/>
-                        <a:latin typeface="Calibri" panose="020F0502020204030204" pitchFamily="34" charset="0"/>
-                      </a:endParaRPr>
-                    </a:p>
-                  </a:txBody>
-                  <a:tcPr marL="13062" marR="13062" marT="188084" marB="0" anchor="ctr">
-                    <a:lnL w="12700" cmpd="sng">
-                      <a:noFill/>
-                      <a:prstDash val="solid"/>
-                    </a:lnL>
-                    <a:lnR w="12700" cmpd="sng">
-                      <a:noFill/>
-                      <a:prstDash val="solid"/>
-                    </a:lnR>
-                    <a:lnT w="38100" cap="flat" cmpd="sng" algn="ctr">
-                      <a:solidFill>
-                        <a:schemeClr val="tx1"/>
-                      </a:solidFill>
-                      <a:prstDash val="solid"/>
-                      <a:round/>
-                      <a:headEnd type="none" w="med" len="med"/>
-                      <a:tailEnd type="none" w="med" len="med"/>
-                    </a:lnT>
-                    <a:lnB w="12700" cmpd="sng">
-                      <a:noFill/>
-                      <a:prstDash val="solid"/>
-                    </a:lnB>
-                    <a:solidFill>
-                      <a:schemeClr val="bg1">
-                        <a:lumMod val="95000"/>
-                      </a:schemeClr>
-                    </a:solidFill>
-                  </a:tcPr>
-                </a:tc>
-                <a:tc>
-                  <a:txBody>
-                    <a:bodyPr/>
-                    <a:lstStyle/>
-                    <a:p>
-                      <a:pPr algn="ctr" fontAlgn="b"/>
-                      <a:r>
-                        <a:rPr lang="en-US" sz="2500" u="none" strike="noStrike" cap="none" spc="0" dirty="0">
-                          <a:solidFill>
-                            <a:schemeClr val="tx1"/>
-                          </a:solidFill>
-                          <a:effectLst/>
-                        </a:rPr>
-                        <a:t>3382</a:t>
-                      </a:r>
-                      <a:endParaRPr lang="en-US" sz="2500" b="0" i="0" u="none" strike="noStrike" cap="none" spc="0" dirty="0">
-                        <a:solidFill>
-                          <a:schemeClr val="tx1"/>
-                        </a:solidFill>
-                        <a:effectLst/>
-                        <a:latin typeface="Calibri" panose="020F0502020204030204" pitchFamily="34" charset="0"/>
-                      </a:endParaRPr>
-                    </a:p>
-                  </a:txBody>
-                  <a:tcPr marL="13062" marR="13062" marT="188084" marB="0" anchor="ctr">
-                    <a:lnL w="12700" cmpd="sng">
-                      <a:noFill/>
-                      <a:prstDash val="solid"/>
-                    </a:lnL>
-                    <a:lnR w="12700" cmpd="sng">
-                      <a:noFill/>
-                      <a:prstDash val="solid"/>
-                    </a:lnR>
-                    <a:lnT w="38100" cap="flat" cmpd="sng" algn="ctr">
-                      <a:solidFill>
-                        <a:schemeClr val="tx1"/>
-                      </a:solidFill>
-                      <a:prstDash val="solid"/>
-                      <a:round/>
-                      <a:headEnd type="none" w="med" len="med"/>
-                      <a:tailEnd type="none" w="med" len="med"/>
-                    </a:lnT>
-                    <a:lnB w="12700" cmpd="sng">
-                      <a:noFill/>
-                      <a:prstDash val="solid"/>
-                    </a:lnB>
-                    <a:solidFill>
-                      <a:schemeClr val="bg1">
-                        <a:lumMod val="95000"/>
-                      </a:schemeClr>
-                    </a:solidFill>
-                  </a:tcPr>
-                </a:tc>
-                <a:extLst>
-                  <a:ext uri="{0D108BD9-81ED-4DB2-BD59-A6C34878D82A}">
-                    <a16:rowId xmlns:a16="http://schemas.microsoft.com/office/drawing/2014/main" val="2227439224"/>
-                  </a:ext>
-                </a:extLst>
-              </a:tr>
-            </a:tbl>
-          </a:graphicData>
-        </a:graphic>
-      </p:graphicFrame>
       <p:sp>
         <p:nvSpPr>
           <p:cNvPr id="3" name="Slide Number Placeholder 2">
@@ -9568,7 +7427,12 @@
             <p:ph type="title"/>
           </p:nvPr>
         </p:nvSpPr>
-        <p:spPr/>
+        <p:spPr>
+          <a:xfrm>
+            <a:off x="838200" y="365126"/>
+            <a:ext cx="10515600" cy="974284"/>
+          </a:xfrm>
+        </p:spPr>
         <p:txBody>
           <a:bodyPr/>
           <a:lstStyle/>
@@ -9610,7 +7474,7 @@
         </p:blipFill>
         <p:spPr>
           <a:xfrm>
-            <a:off x="3581401" y="3376005"/>
+            <a:off x="1377227" y="3254929"/>
             <a:ext cx="4031329" cy="3345470"/>
           </a:xfrm>
         </p:spPr>
@@ -9666,8 +7530,38 @@
         </p:blipFill>
         <p:spPr>
           <a:xfrm>
-            <a:off x="2727610" y="1553898"/>
+            <a:off x="3141163" y="1530407"/>
             <a:ext cx="6210300" cy="1533525"/>
+          </a:xfrm>
+          <a:prstGeom prst="rect">
+            <a:avLst/>
+          </a:prstGeom>
+        </p:spPr>
+      </p:pic>
+      <p:pic>
+        <p:nvPicPr>
+          <p:cNvPr id="5" name="Picture 4">
+            <a:extLst>
+              <a:ext uri="{FF2B5EF4-FFF2-40B4-BE49-F238E27FC236}">
+                <a16:creationId xmlns:a16="http://schemas.microsoft.com/office/drawing/2014/main" id="{E80A38BC-7BE8-4859-B041-7E78B1942ECA}"/>
+              </a:ext>
+            </a:extLst>
+          </p:cNvPr>
+          <p:cNvPicPr>
+            <a:picLocks noChangeAspect="1"/>
+          </p:cNvPicPr>
+          <p:nvPr/>
+        </p:nvPicPr>
+        <p:blipFill>
+          <a:blip r:embed="rId4"/>
+          <a:stretch>
+            <a:fillRect/>
+          </a:stretch>
+        </p:blipFill>
+        <p:spPr>
+          <a:xfrm>
+            <a:off x="6783445" y="3429000"/>
+            <a:ext cx="4128291" cy="2889803"/>
           </a:xfrm>
           <a:prstGeom prst="rect">
             <a:avLst/>
@@ -9720,7 +7614,12 @@
             <p:ph type="title"/>
           </p:nvPr>
         </p:nvSpPr>
-        <p:spPr/>
+        <p:spPr>
+          <a:xfrm>
+            <a:off x="838200" y="136526"/>
+            <a:ext cx="10515600" cy="928818"/>
+          </a:xfrm>
+        </p:spPr>
         <p:txBody>
           <a:bodyPr/>
           <a:lstStyle/>
@@ -9732,73 +7631,21 @@
           </a:p>
         </p:txBody>
       </p:sp>
-      <p:sp>
-        <p:nvSpPr>
-          <p:cNvPr id="3" name="Content Placeholder 2">
-            <a:extLst>
-              <a:ext uri="{FF2B5EF4-FFF2-40B4-BE49-F238E27FC236}">
-                <a16:creationId xmlns:a16="http://schemas.microsoft.com/office/drawing/2014/main" id="{4B206306-3E6A-4671-AE72-7A87ACEE85B2}"/>
-              </a:ext>
-            </a:extLst>
-          </p:cNvPr>
-          <p:cNvSpPr>
-            <a:spLocks noGrp="1"/>
-          </p:cNvSpPr>
-          <p:nvPr>
-            <p:ph idx="1"/>
-          </p:nvPr>
-        </p:nvSpPr>
-        <p:spPr/>
-        <p:txBody>
-          <a:bodyPr/>
-          <a:lstStyle/>
-          <a:p>
-            <a:endParaRPr lang="en-US"/>
-          </a:p>
-        </p:txBody>
-      </p:sp>
-      <p:sp>
-        <p:nvSpPr>
-          <p:cNvPr id="4" name="Slide Number Placeholder 3">
-            <a:extLst>
-              <a:ext uri="{FF2B5EF4-FFF2-40B4-BE49-F238E27FC236}">
-                <a16:creationId xmlns:a16="http://schemas.microsoft.com/office/drawing/2014/main" id="{478841F7-16D3-42CC-8A3B-24D41076FCAE}"/>
-              </a:ext>
-            </a:extLst>
-          </p:cNvPr>
-          <p:cNvSpPr>
-            <a:spLocks noGrp="1"/>
-          </p:cNvSpPr>
-          <p:nvPr>
-            <p:ph type="sldNum" sz="quarter" idx="12"/>
-          </p:nvPr>
-        </p:nvSpPr>
-        <p:spPr/>
-        <p:txBody>
-          <a:bodyPr/>
-          <a:lstStyle/>
-          <a:p>
-            <a:fld id="{5BD42AC1-DE13-46F2-A3E8-BAE2CF711F37}" type="slidenum">
-              <a:rPr lang="en-US" smtClean="0"/>
-              <a:t>6</a:t>
-            </a:fld>
-            <a:endParaRPr lang="en-US"/>
-          </a:p>
-        </p:txBody>
-      </p:sp>
       <p:pic>
         <p:nvPicPr>
-          <p:cNvPr id="6" name="Picture 5" descr="A close up of a person wearing glasses and smiling at the camera&#10;&#10;Description automatically generated">
-            <a:extLst>
-              <a:ext uri="{FF2B5EF4-FFF2-40B4-BE49-F238E27FC236}">
-                <a16:creationId xmlns:a16="http://schemas.microsoft.com/office/drawing/2014/main" id="{C36F9E99-C932-4599-8BD4-857FC98FA439}"/>
+          <p:cNvPr id="9" name="Content Placeholder 8" descr="A screenshot of a cell phone&#10;&#10;Description automatically generated">
+            <a:extLst>
+              <a:ext uri="{FF2B5EF4-FFF2-40B4-BE49-F238E27FC236}">
+                <a16:creationId xmlns:a16="http://schemas.microsoft.com/office/drawing/2014/main" id="{AD19AD12-7B44-4DB6-A780-3840B0E93929}"/>
               </a:ext>
             </a:extLst>
           </p:cNvPr>
           <p:cNvPicPr>
-            <a:picLocks noChangeAspect="1"/>
+            <a:picLocks noGrp="1" noChangeAspect="1"/>
           </p:cNvPicPr>
-          <p:nvPr/>
+          <p:nvPr>
+            <p:ph idx="1"/>
+          </p:nvPr>
         </p:nvPicPr>
         <p:blipFill>
           <a:blip r:embed="rId2">
@@ -9814,20 +7661,46 @@
         </p:blipFill>
         <p:spPr>
           <a:xfrm>
-            <a:off x="2323766" y="4027071"/>
-            <a:ext cx="1334167" cy="1334167"/>
+            <a:off x="2447930" y="1065343"/>
+            <a:ext cx="7673099" cy="5473569"/>
           </a:xfrm>
-          <a:prstGeom prst="rect">
-            <a:avLst/>
-          </a:prstGeom>
         </p:spPr>
       </p:pic>
+      <p:sp>
+        <p:nvSpPr>
+          <p:cNvPr id="4" name="Slide Number Placeholder 3">
+            <a:extLst>
+              <a:ext uri="{FF2B5EF4-FFF2-40B4-BE49-F238E27FC236}">
+                <a16:creationId xmlns:a16="http://schemas.microsoft.com/office/drawing/2014/main" id="{478841F7-16D3-42CC-8A3B-24D41076FCAE}"/>
+              </a:ext>
+            </a:extLst>
+          </p:cNvPr>
+          <p:cNvSpPr>
+            <a:spLocks noGrp="1"/>
+          </p:cNvSpPr>
+          <p:nvPr>
+            <p:ph type="sldNum" sz="quarter" idx="12"/>
+          </p:nvPr>
+        </p:nvSpPr>
+        <p:spPr/>
+        <p:txBody>
+          <a:bodyPr/>
+          <a:lstStyle/>
+          <a:p>
+            <a:fld id="{5BD42AC1-DE13-46F2-A3E8-BAE2CF711F37}" type="slidenum">
+              <a:rPr lang="en-US" smtClean="0"/>
+              <a:t>6</a:t>
+            </a:fld>
+            <a:endParaRPr lang="en-US"/>
+          </a:p>
+        </p:txBody>
+      </p:sp>
       <p:pic>
         <p:nvPicPr>
-          <p:cNvPr id="8" name="Picture 7" descr="A screenshot of a cell phone&#10;&#10;Description automatically generated">
-            <a:extLst>
-              <a:ext uri="{FF2B5EF4-FFF2-40B4-BE49-F238E27FC236}">
-                <a16:creationId xmlns:a16="http://schemas.microsoft.com/office/drawing/2014/main" id="{210A5519-9878-40B4-BFA5-7EC370E57840}"/>
+          <p:cNvPr id="7" name="Picture 6">
+            <a:extLst>
+              <a:ext uri="{FF2B5EF4-FFF2-40B4-BE49-F238E27FC236}">
+                <a16:creationId xmlns:a16="http://schemas.microsoft.com/office/drawing/2014/main" id="{CBF4083C-30E7-487E-BE83-8B61B29C4828}"/>
               </a:ext>
             </a:extLst>
           </p:cNvPr>
@@ -9837,43 +7710,7 @@
           <p:nvPr/>
         </p:nvPicPr>
         <p:blipFill>
-          <a:blip r:embed="rId3">
-            <a:extLst>
-              <a:ext uri="{28A0092B-C50C-407E-A947-70E740481C1C}">
-                <a14:useLocalDpi xmlns:a14="http://schemas.microsoft.com/office/drawing/2010/main" val="0"/>
-              </a:ext>
-            </a:extLst>
-          </a:blip>
-          <a:stretch>
-            <a:fillRect/>
-          </a:stretch>
-        </p:blipFill>
-        <p:spPr>
-          <a:xfrm>
-            <a:off x="5721612" y="2087309"/>
-            <a:ext cx="6178887" cy="4634166"/>
-          </a:xfrm>
-          <a:prstGeom prst="rect">
-            <a:avLst/>
-          </a:prstGeom>
-        </p:spPr>
-      </p:pic>
-      <p:pic>
-        <p:nvPicPr>
-          <p:cNvPr id="7" name="Picture 6">
-            <a:extLst>
-              <a:ext uri="{FF2B5EF4-FFF2-40B4-BE49-F238E27FC236}">
-                <a16:creationId xmlns:a16="http://schemas.microsoft.com/office/drawing/2014/main" id="{CBF4083C-30E7-487E-BE83-8B61B29C4828}"/>
-              </a:ext>
-            </a:extLst>
-          </p:cNvPr>
-          <p:cNvPicPr>
-            <a:picLocks noChangeAspect="1"/>
-          </p:cNvPicPr>
-          <p:nvPr/>
-        </p:nvPicPr>
-        <p:blipFill>
-          <a:blip r:embed="rId4"/>
+          <a:blip r:embed="rId3"/>
           <a:stretch>
             <a:fillRect/>
           </a:stretch>
@@ -9886,267 +7723,6 @@
           <a:prstGeom prst="rect">
             <a:avLst/>
           </a:prstGeom>
-        </p:spPr>
-      </p:pic>
-      <p:pic>
-        <p:nvPicPr>
-          <p:cNvPr id="10" name="Picture 9">
-            <a:extLst>
-              <a:ext uri="{FF2B5EF4-FFF2-40B4-BE49-F238E27FC236}">
-                <a16:creationId xmlns:a16="http://schemas.microsoft.com/office/drawing/2014/main" id="{8CBA2DEE-0EF7-43EE-A54C-D94563F9207E}"/>
-              </a:ext>
-            </a:extLst>
-          </p:cNvPr>
-          <p:cNvPicPr>
-            <a:picLocks noChangeAspect="1"/>
-          </p:cNvPicPr>
-          <p:nvPr/>
-        </p:nvPicPr>
-        <p:blipFill>
-          <a:blip r:embed="rId5"/>
-          <a:stretch>
-            <a:fillRect/>
-          </a:stretch>
-        </p:blipFill>
-        <p:spPr>
-          <a:xfrm>
-            <a:off x="7390357" y="5816302"/>
-            <a:ext cx="402259" cy="443672"/>
-          </a:xfrm>
-          <a:prstGeom prst="rect">
-            <a:avLst/>
-          </a:prstGeom>
-        </p:spPr>
-      </p:pic>
-      <p:pic>
-        <p:nvPicPr>
-          <p:cNvPr id="1026" name="Picture 2" descr="Face Screaming in Fear Emoji (U+1F631)">
-            <a:extLst>
-              <a:ext uri="{FF2B5EF4-FFF2-40B4-BE49-F238E27FC236}">
-                <a16:creationId xmlns:a16="http://schemas.microsoft.com/office/drawing/2014/main" id="{A7C0CFC6-B0F1-4E9B-9CDB-B871547BBF7A}"/>
-              </a:ext>
-            </a:extLst>
-          </p:cNvPr>
-          <p:cNvPicPr>
-            <a:picLocks noChangeAspect="1" noChangeArrowheads="1"/>
-          </p:cNvPicPr>
-          <p:nvPr/>
-        </p:nvPicPr>
-        <p:blipFill>
-          <a:blip r:embed="rId6">
-            <a:extLst>
-              <a:ext uri="{28A0092B-C50C-407E-A947-70E740481C1C}">
-                <a14:useLocalDpi xmlns:a14="http://schemas.microsoft.com/office/drawing/2010/main" val="0"/>
-              </a:ext>
-            </a:extLst>
-          </a:blip>
-          <a:srcRect/>
-          <a:stretch>
-            <a:fillRect/>
-          </a:stretch>
-        </p:blipFill>
-        <p:spPr bwMode="auto">
-          <a:xfrm>
-            <a:off x="8034151" y="5816302"/>
-            <a:ext cx="436910" cy="436910"/>
-          </a:xfrm>
-          <a:prstGeom prst="rect">
-            <a:avLst/>
-          </a:prstGeom>
-          <a:noFill/>
-          <a:extLst>
-            <a:ext uri="{909E8E84-426E-40DD-AFC4-6F175D3DCCD1}">
-              <a14:hiddenFill xmlns:a14="http://schemas.microsoft.com/office/drawing/2010/main">
-                <a:solidFill>
-                  <a:srgbClr val="FFFFFF"/>
-                </a:solidFill>
-              </a14:hiddenFill>
-            </a:ext>
-          </a:extLst>
-        </p:spPr>
-      </p:pic>
-      <p:pic>
-        <p:nvPicPr>
-          <p:cNvPr id="12" name="Picture 11">
-            <a:extLst>
-              <a:ext uri="{FF2B5EF4-FFF2-40B4-BE49-F238E27FC236}">
-                <a16:creationId xmlns:a16="http://schemas.microsoft.com/office/drawing/2014/main" id="{3FBEF6B6-69B5-4CCB-A26A-0AA91823F785}"/>
-              </a:ext>
-            </a:extLst>
-          </p:cNvPr>
-          <p:cNvPicPr>
-            <a:picLocks noChangeAspect="1"/>
-          </p:cNvPicPr>
-          <p:nvPr/>
-        </p:nvPicPr>
-        <p:blipFill>
-          <a:blip r:embed="rId7"/>
-          <a:stretch>
-            <a:fillRect/>
-          </a:stretch>
-        </p:blipFill>
-        <p:spPr>
-          <a:xfrm>
-            <a:off x="6773712" y="5763419"/>
-            <a:ext cx="457200" cy="457200"/>
-          </a:xfrm>
-          <a:prstGeom prst="rect">
-            <a:avLst/>
-          </a:prstGeom>
-        </p:spPr>
-      </p:pic>
-      <p:pic>
-        <p:nvPicPr>
-          <p:cNvPr id="14" name="Picture 13">
-            <a:extLst>
-              <a:ext uri="{FF2B5EF4-FFF2-40B4-BE49-F238E27FC236}">
-                <a16:creationId xmlns:a16="http://schemas.microsoft.com/office/drawing/2014/main" id="{419ACBA9-1AAD-4AE6-887B-358A81297EDA}"/>
-              </a:ext>
-            </a:extLst>
-          </p:cNvPr>
-          <p:cNvPicPr>
-            <a:picLocks noChangeAspect="1"/>
-          </p:cNvPicPr>
-          <p:nvPr/>
-        </p:nvPicPr>
-        <p:blipFill>
-          <a:blip r:embed="rId8"/>
-          <a:stretch>
-            <a:fillRect/>
-          </a:stretch>
-        </p:blipFill>
-        <p:spPr>
-          <a:xfrm>
-            <a:off x="8660704" y="2870981"/>
-            <a:ext cx="463730" cy="457200"/>
-          </a:xfrm>
-          <a:prstGeom prst="rect">
-            <a:avLst/>
-          </a:prstGeom>
-        </p:spPr>
-      </p:pic>
-      <p:pic>
-        <p:nvPicPr>
-          <p:cNvPr id="16" name="Picture 15">
-            <a:extLst>
-              <a:ext uri="{FF2B5EF4-FFF2-40B4-BE49-F238E27FC236}">
-                <a16:creationId xmlns:a16="http://schemas.microsoft.com/office/drawing/2014/main" id="{F1C59E83-6CC3-44D2-822F-66AAFB4FCE10}"/>
-              </a:ext>
-            </a:extLst>
-          </p:cNvPr>
-          <p:cNvPicPr>
-            <a:picLocks noChangeAspect="1"/>
-          </p:cNvPicPr>
-          <p:nvPr/>
-        </p:nvPicPr>
-        <p:blipFill>
-          <a:blip r:embed="rId9"/>
-          <a:stretch>
-            <a:fillRect/>
-          </a:stretch>
-        </p:blipFill>
-        <p:spPr>
-          <a:xfrm>
-            <a:off x="9323096" y="5757888"/>
-            <a:ext cx="450670" cy="457200"/>
-          </a:xfrm>
-          <a:prstGeom prst="rect">
-            <a:avLst/>
-          </a:prstGeom>
-        </p:spPr>
-      </p:pic>
-      <p:pic>
-        <p:nvPicPr>
-          <p:cNvPr id="1028" name="Picture 4" descr="Shock surprised emoji emoticon - Transparent PNG &amp; SVG vector file">
-            <a:extLst>
-              <a:ext uri="{FF2B5EF4-FFF2-40B4-BE49-F238E27FC236}">
-                <a16:creationId xmlns:a16="http://schemas.microsoft.com/office/drawing/2014/main" id="{AC5E09AB-6732-42BF-9E66-EBED689544AD}"/>
-              </a:ext>
-            </a:extLst>
-          </p:cNvPr>
-          <p:cNvPicPr>
-            <a:picLocks noChangeAspect="1" noChangeArrowheads="1"/>
-          </p:cNvPicPr>
-          <p:nvPr/>
-        </p:nvPicPr>
-        <p:blipFill>
-          <a:blip r:embed="rId10">
-            <a:extLst>
-              <a:ext uri="{28A0092B-C50C-407E-A947-70E740481C1C}">
-                <a14:useLocalDpi xmlns:a14="http://schemas.microsoft.com/office/drawing/2010/main" val="0"/>
-              </a:ext>
-            </a:extLst>
-          </a:blip>
-          <a:srcRect/>
-          <a:stretch>
-            <a:fillRect/>
-          </a:stretch>
-        </p:blipFill>
-        <p:spPr bwMode="auto">
-          <a:xfrm>
-            <a:off x="9982200" y="5843863"/>
-            <a:ext cx="371225" cy="371225"/>
-          </a:xfrm>
-          <a:prstGeom prst="rect">
-            <a:avLst/>
-          </a:prstGeom>
-          <a:noFill/>
-          <a:extLst>
-            <a:ext uri="{909E8E84-426E-40DD-AFC4-6F175D3DCCD1}">
-              <a14:hiddenFill xmlns:a14="http://schemas.microsoft.com/office/drawing/2010/main">
-                <a:solidFill>
-                  <a:srgbClr val="FFFFFF"/>
-                </a:solidFill>
-              </a14:hiddenFill>
-            </a:ext>
-          </a:extLst>
-        </p:spPr>
-      </p:pic>
-      <p:pic>
-        <p:nvPicPr>
-          <p:cNvPr id="1030" name="Picture 6" descr="Neutral Face Emoji Vector Free | Vector free, Emoji, Free vector art">
-            <a:extLst>
-              <a:ext uri="{FF2B5EF4-FFF2-40B4-BE49-F238E27FC236}">
-                <a16:creationId xmlns:a16="http://schemas.microsoft.com/office/drawing/2014/main" id="{312786C3-FF5A-4A94-93C1-F582BFF81EDD}"/>
-              </a:ext>
-            </a:extLst>
-          </p:cNvPr>
-          <p:cNvPicPr>
-            <a:picLocks noChangeAspect="1" noChangeArrowheads="1"/>
-          </p:cNvPicPr>
-          <p:nvPr/>
-        </p:nvPicPr>
-        <p:blipFill>
-          <a:blip r:embed="rId11">
-            <a:extLst>
-              <a:ext uri="{28A0092B-C50C-407E-A947-70E740481C1C}">
-                <a14:useLocalDpi xmlns:a14="http://schemas.microsoft.com/office/drawing/2010/main" val="0"/>
-              </a:ext>
-            </a:extLst>
-          </a:blip>
-          <a:srcRect/>
-          <a:stretch>
-            <a:fillRect/>
-          </a:stretch>
-        </p:blipFill>
-        <p:spPr bwMode="auto">
-          <a:xfrm>
-            <a:off x="10597103" y="5529288"/>
-            <a:ext cx="457200" cy="457200"/>
-          </a:xfrm>
-          <a:prstGeom prst="rect">
-            <a:avLst/>
-          </a:prstGeom>
-          <a:noFill/>
-          <a:extLst>
-            <a:ext uri="{909E8E84-426E-40DD-AFC4-6F175D3DCCD1}">
-              <a14:hiddenFill xmlns:a14="http://schemas.microsoft.com/office/drawing/2010/main">
-                <a:solidFill>
-                  <a:srgbClr val="FFFFFF"/>
-                </a:solidFill>
-              </a14:hiddenFill>
-            </a:ext>
-          </a:extLst>
         </p:spPr>
       </p:pic>
     </p:spTree>
@@ -10195,7 +7771,12 @@
             <p:ph type="title"/>
           </p:nvPr>
         </p:nvSpPr>
-        <p:spPr/>
+        <p:spPr>
+          <a:xfrm>
+            <a:off x="838200" y="365125"/>
+            <a:ext cx="10515600" cy="854075"/>
+          </a:xfrm>
+        </p:spPr>
         <p:txBody>
           <a:bodyPr/>
           <a:lstStyle/>
@@ -10223,12 +7804,65 @@
             <p:ph idx="1"/>
           </p:nvPr>
         </p:nvSpPr>
-        <p:spPr/>
+        <p:spPr>
+          <a:xfrm>
+            <a:off x="838200" y="1371601"/>
+            <a:ext cx="10515600" cy="5349874"/>
+          </a:xfrm>
+        </p:spPr>
         <p:txBody>
           <a:bodyPr/>
           <a:lstStyle/>
           <a:p>
-            <a:endParaRPr lang="en-US"/>
+            <a:pPr marL="338138" indent="-338138"/>
+            <a:r>
+              <a:rPr lang="en-US" dirty="0"/>
+              <a:t>Present a deep NN approach for the detection of human emotion</a:t>
+            </a:r>
+          </a:p>
+          <a:p>
+            <a:pPr marL="338138" indent="-338138"/>
+            <a:endParaRPr lang="en-US" dirty="0"/>
+          </a:p>
+          <a:p>
+            <a:pPr marL="338138" indent="-338138"/>
+            <a:r>
+              <a:rPr lang="en-US" dirty="0"/>
+              <a:t>Improved model has a 76% training and 61% validation accuracy</a:t>
+            </a:r>
+          </a:p>
+          <a:p>
+            <a:pPr marL="338138" indent="-338138"/>
+            <a:endParaRPr lang="en-US" dirty="0"/>
+          </a:p>
+          <a:p>
+            <a:pPr marL="338138" indent="-338138"/>
+            <a:r>
+              <a:rPr lang="en-US" dirty="0"/>
+              <a:t>Web scraped images proved to decrease the model accuracy</a:t>
+            </a:r>
+          </a:p>
+          <a:p>
+            <a:pPr marL="338138" indent="-338138"/>
+            <a:endParaRPr lang="en-US" dirty="0"/>
+          </a:p>
+          <a:p>
+            <a:pPr marL="338138" indent="-338138"/>
+            <a:r>
+              <a:rPr lang="en-US" dirty="0"/>
+              <a:t>With a very small set of images from a single user can quickly build a model that is well optimized for that each user</a:t>
+            </a:r>
+          </a:p>
+          <a:p>
+            <a:pPr marL="338138" indent="-338138"/>
+            <a:endParaRPr lang="en-US" dirty="0"/>
+          </a:p>
+          <a:p>
+            <a:pPr marL="338138" indent="-338138"/>
+            <a:r>
+              <a:rPr lang="en-US" dirty="0"/>
+              <a:t>For the purpose of a journal app the models constructed here suffice</a:t>
+            </a:r>
           </a:p>
         </p:txBody>
       </p:sp>
@@ -10335,12 +7969,54 @@
             <p:ph idx="1"/>
           </p:nvPr>
         </p:nvSpPr>
-        <p:spPr/>
+        <p:spPr>
+          <a:xfrm>
+            <a:off x="838200" y="1825625"/>
+            <a:ext cx="10515600" cy="4895850"/>
+          </a:xfrm>
+        </p:spPr>
         <p:txBody>
           <a:bodyPr/>
           <a:lstStyle/>
           <a:p>
-            <a:endParaRPr lang="en-US"/>
+            <a:pPr marL="338138" indent="-338138"/>
+            <a:r>
+              <a:rPr lang="en-US" dirty="0"/>
+              <a:t>The model is demonstrated to work as a web app</a:t>
+            </a:r>
+          </a:p>
+          <a:p>
+            <a:pPr marL="338138" indent="-338138"/>
+            <a:endParaRPr lang="en-US" dirty="0"/>
+          </a:p>
+          <a:p>
+            <a:pPr marL="338138" indent="-338138"/>
+            <a:r>
+              <a:rPr lang="en-US" dirty="0"/>
+              <a:t>User must input at least 10 images per emotion to get a baseline model</a:t>
+            </a:r>
+          </a:p>
+          <a:p>
+            <a:pPr marL="338138" indent="-338138"/>
+            <a:endParaRPr lang="en-US" dirty="0"/>
+          </a:p>
+          <a:p>
+            <a:pPr marL="338138" indent="-338138"/>
+            <a:r>
+              <a:rPr lang="en-US" dirty="0"/>
+              <a:t>The app will be built to continuously feed new images and labels from the user</a:t>
+            </a:r>
+          </a:p>
+          <a:p>
+            <a:pPr marL="338138" indent="-338138"/>
+            <a:endParaRPr lang="en-US" dirty="0"/>
+          </a:p>
+          <a:p>
+            <a:pPr marL="338138" indent="-338138"/>
+            <a:r>
+              <a:rPr lang="en-US" dirty="0"/>
+              <a:t>could possible be an asset to psychiatrists, psychotherapist as well as general physicians</a:t>
+            </a:r>
           </a:p>
         </p:txBody>
       </p:sp>
@@ -10447,12 +8123,65 @@
             <p:ph idx="1"/>
           </p:nvPr>
         </p:nvSpPr>
-        <p:spPr/>
+        <p:spPr>
+          <a:xfrm>
+            <a:off x="838200" y="1825624"/>
+            <a:ext cx="10515600" cy="4800953"/>
+          </a:xfrm>
+        </p:spPr>
         <p:txBody>
           <a:bodyPr/>
           <a:lstStyle/>
           <a:p>
-            <a:endParaRPr lang="en-US"/>
+            <a:pPr marL="338138" indent="-338138"/>
+            <a:r>
+              <a:rPr lang="en-US" dirty="0"/>
+              <a:t>Implement authentication and DB for each user</a:t>
+            </a:r>
+          </a:p>
+          <a:p>
+            <a:pPr marL="338138" indent="-338138"/>
+            <a:endParaRPr lang="en-US" dirty="0"/>
+          </a:p>
+          <a:p>
+            <a:pPr marL="338138" indent="-338138"/>
+            <a:r>
+              <a:rPr lang="en-US" dirty="0"/>
+              <a:t>Add automatic re-training of the model on server side for each user</a:t>
+            </a:r>
+          </a:p>
+          <a:p>
+            <a:pPr marL="338138" indent="-338138"/>
+            <a:endParaRPr lang="en-US" dirty="0"/>
+          </a:p>
+          <a:p>
+            <a:pPr marL="338138" indent="-338138"/>
+            <a:r>
+              <a:rPr lang="en-US" dirty="0"/>
+              <a:t>add capability for users to update labels</a:t>
+            </a:r>
+          </a:p>
+          <a:p>
+            <a:pPr marL="338138" indent="-338138"/>
+            <a:endParaRPr lang="en-US" dirty="0"/>
+          </a:p>
+          <a:p>
+            <a:pPr marL="338138" indent="-338138"/>
+            <a:r>
+              <a:rPr lang="en-US" dirty="0"/>
+              <a:t>deploy the Django webapp</a:t>
+            </a:r>
+          </a:p>
+          <a:p>
+            <a:pPr marL="338138" indent="-338138"/>
+            <a:endParaRPr lang="en-US" dirty="0"/>
+          </a:p>
+          <a:p>
+            <a:pPr marL="338138" indent="-338138"/>
+            <a:r>
+              <a:rPr lang="en-US" dirty="0"/>
+              <a:t>develop and deploy Android and IOS apps</a:t>
+            </a:r>
           </a:p>
         </p:txBody>
       </p:sp>

--- a/ppt/MOD_5.pptx
+++ b/ppt/MOD_5.pptx
@@ -5,7 +5,7 @@
     <p:sldMasterId id="2147483648" r:id="rId1"/>
   </p:sldMasterIdLst>
   <p:notesMasterIdLst>
-    <p:notesMasterId r:id="rId13"/>
+    <p:notesMasterId r:id="rId14"/>
   </p:notesMasterIdLst>
   <p:sldIdLst>
     <p:sldId id="256" r:id="rId2"/>
@@ -14,11 +14,12 @@
     <p:sldId id="262" r:id="rId5"/>
     <p:sldId id="263" r:id="rId6"/>
     <p:sldId id="264" r:id="rId7"/>
-    <p:sldId id="265" r:id="rId8"/>
-    <p:sldId id="266" r:id="rId9"/>
-    <p:sldId id="267" r:id="rId10"/>
-    <p:sldId id="268" r:id="rId11"/>
-    <p:sldId id="257" r:id="rId12"/>
+    <p:sldId id="269" r:id="rId8"/>
+    <p:sldId id="265" r:id="rId9"/>
+    <p:sldId id="266" r:id="rId10"/>
+    <p:sldId id="267" r:id="rId11"/>
+    <p:sldId id="268" r:id="rId12"/>
+    <p:sldId id="257" r:id="rId13"/>
   </p:sldIdLst>
   <p:sldSz cx="12192000" cy="6858000"/>
   <p:notesSz cx="6858000" cy="9144000"/>
@@ -207,7 +208,7 @@
           <a:p>
             <a:fld id="{944200C6-F8E7-4CD6-AD45-A03DB8ADEC2E}" type="datetimeFigureOut">
               <a:rPr lang="en-US" smtClean="0"/>
-              <a:t>7/27/2020</a:t>
+              <a:t>7/29/2020</a:t>
             </a:fld>
             <a:endParaRPr lang="en-US"/>
           </a:p>
@@ -621,7 +622,7 @@
           <a:p>
             <a:fld id="{067684EC-C4B2-43C6-BDC8-184431E6E2DB}" type="datetime1">
               <a:rPr lang="en-US" smtClean="0"/>
-              <a:t>7/27/2020</a:t>
+              <a:t>7/29/2020</a:t>
             </a:fld>
             <a:endParaRPr lang="en-US"/>
           </a:p>
@@ -819,7 +820,7 @@
           <a:p>
             <a:fld id="{8ED2AB16-EB92-483F-B9C5-BA94201E60CE}" type="datetime1">
               <a:rPr lang="en-US" smtClean="0"/>
-              <a:t>7/27/2020</a:t>
+              <a:t>7/29/2020</a:t>
             </a:fld>
             <a:endParaRPr lang="en-US"/>
           </a:p>
@@ -1027,7 +1028,7 @@
           <a:p>
             <a:fld id="{7E090191-A12F-44A0-9F31-B3ED69B7A332}" type="datetime1">
               <a:rPr lang="en-US" smtClean="0"/>
-              <a:t>7/27/2020</a:t>
+              <a:t>7/29/2020</a:t>
             </a:fld>
             <a:endParaRPr lang="en-US"/>
           </a:p>
@@ -1269,7 +1270,7 @@
           <a:p>
             <a:fld id="{9F535B62-2A88-4150-B93F-F0529DC8A71D}" type="datetime1">
               <a:rPr lang="en-US" smtClean="0"/>
-              <a:t>7/27/2020</a:t>
+              <a:t>7/29/2020</a:t>
             </a:fld>
             <a:endParaRPr lang="en-US"/>
           </a:p>
@@ -1579,7 +1580,7 @@
           <a:p>
             <a:fld id="{0976E5EB-E45D-4220-918D-0C3E463C2314}" type="datetime1">
               <a:rPr lang="en-US" smtClean="0"/>
-              <a:t>7/27/2020</a:t>
+              <a:t>7/29/2020</a:t>
             </a:fld>
             <a:endParaRPr lang="en-US"/>
           </a:p>
@@ -1844,7 +1845,7 @@
           <a:p>
             <a:fld id="{525F1668-20D9-46A7-86BB-48F86F4D7660}" type="datetime1">
               <a:rPr lang="en-US" smtClean="0"/>
-              <a:t>7/27/2020</a:t>
+              <a:t>7/29/2020</a:t>
             </a:fld>
             <a:endParaRPr lang="en-US"/>
           </a:p>
@@ -2256,7 +2257,7 @@
           <a:p>
             <a:fld id="{F6FB28C1-B380-4E38-ADE6-5D441BEFCDCA}" type="datetime1">
               <a:rPr lang="en-US" smtClean="0"/>
-              <a:t>7/27/2020</a:t>
+              <a:t>7/29/2020</a:t>
             </a:fld>
             <a:endParaRPr lang="en-US"/>
           </a:p>
@@ -2397,7 +2398,7 @@
           <a:p>
             <a:fld id="{EE159EB3-582F-46E1-A3BB-F82CC3AB30FA}" type="datetime1">
               <a:rPr lang="en-US" smtClean="0"/>
-              <a:t>7/27/2020</a:t>
+              <a:t>7/29/2020</a:t>
             </a:fld>
             <a:endParaRPr lang="en-US"/>
           </a:p>
@@ -2510,7 +2511,7 @@
           <a:p>
             <a:fld id="{97167329-57DD-46F0-BB8C-8EDA39C07A5C}" type="datetime1">
               <a:rPr lang="en-US" smtClean="0"/>
-              <a:t>7/27/2020</a:t>
+              <a:t>7/29/2020</a:t>
             </a:fld>
             <a:endParaRPr lang="en-US"/>
           </a:p>
@@ -2821,7 +2822,7 @@
           <a:p>
             <a:fld id="{DC9D90E0-E22A-4E40-A029-6FF706DF5FD2}" type="datetime1">
               <a:rPr lang="en-US" smtClean="0"/>
-              <a:t>7/27/2020</a:t>
+              <a:t>7/29/2020</a:t>
             </a:fld>
             <a:endParaRPr lang="en-US"/>
           </a:p>
@@ -3109,7 +3110,7 @@
           <a:p>
             <a:fld id="{AB010AF7-7A4A-4423-BB22-BDE17273CE00}" type="datetime1">
               <a:rPr lang="en-US" smtClean="0"/>
-              <a:t>7/27/2020</a:t>
+              <a:t>7/29/2020</a:t>
             </a:fld>
             <a:endParaRPr lang="en-US"/>
           </a:p>
@@ -3350,7 +3351,7 @@
           <a:p>
             <a:fld id="{92ED9411-F502-4267-8E23-CAEA2E642654}" type="datetime1">
               <a:rPr lang="en-US" smtClean="0"/>
-              <a:t>7/27/2020</a:t>
+              <a:t>7/29/2020</a:t>
             </a:fld>
             <a:endParaRPr lang="en-US"/>
           </a:p>
@@ -3971,7 +3972,7 @@
                 <a:ea typeface="+mj-ea"/>
                 <a:cs typeface="+mj-cs"/>
               </a:rPr>
-              <a:t>– A Journal of emotional state</a:t>
+              <a:t>– A Journal of emotions</a:t>
             </a:r>
           </a:p>
         </p:txBody>
@@ -4397,6 +4398,171 @@
 </file>
 
 <file path=ppt/slides/slide10.xml><?xml version="1.0" encoding="utf-8"?>
+<p:sld xmlns:a="http://schemas.openxmlformats.org/drawingml/2006/main" xmlns:r="http://schemas.openxmlformats.org/officeDocument/2006/relationships" xmlns:p="http://schemas.openxmlformats.org/presentationml/2006/main">
+  <p:cSld>
+    <p:spTree>
+      <p:nvGrpSpPr>
+        <p:cNvPr id="1" name=""/>
+        <p:cNvGrpSpPr/>
+        <p:nvPr/>
+      </p:nvGrpSpPr>
+      <p:grpSpPr>
+        <a:xfrm>
+          <a:off x="0" y="0"/>
+          <a:ext cx="0" cy="0"/>
+          <a:chOff x="0" y="0"/>
+          <a:chExt cx="0" cy="0"/>
+        </a:xfrm>
+      </p:grpSpPr>
+      <p:sp>
+        <p:nvSpPr>
+          <p:cNvPr id="2" name="Title 1">
+            <a:extLst>
+              <a:ext uri="{FF2B5EF4-FFF2-40B4-BE49-F238E27FC236}">
+                <a16:creationId xmlns:a16="http://schemas.microsoft.com/office/drawing/2014/main" id="{AE874DF7-07E2-497E-9D8F-112A4FDE4C99}"/>
+              </a:ext>
+            </a:extLst>
+          </p:cNvPr>
+          <p:cNvSpPr>
+            <a:spLocks noGrp="1"/>
+          </p:cNvSpPr>
+          <p:nvPr>
+            <p:ph type="title"/>
+          </p:nvPr>
+        </p:nvSpPr>
+        <p:spPr/>
+        <p:txBody>
+          <a:bodyPr/>
+          <a:lstStyle/>
+          <a:p>
+            <a:r>
+              <a:rPr lang="en-US" dirty="0"/>
+              <a:t>Future work</a:t>
+            </a:r>
+          </a:p>
+        </p:txBody>
+      </p:sp>
+      <p:sp>
+        <p:nvSpPr>
+          <p:cNvPr id="3" name="Content Placeholder 2">
+            <a:extLst>
+              <a:ext uri="{FF2B5EF4-FFF2-40B4-BE49-F238E27FC236}">
+                <a16:creationId xmlns:a16="http://schemas.microsoft.com/office/drawing/2014/main" id="{819C7B6C-2467-4C85-9D1F-D8E599229154}"/>
+              </a:ext>
+            </a:extLst>
+          </p:cNvPr>
+          <p:cNvSpPr>
+            <a:spLocks noGrp="1"/>
+          </p:cNvSpPr>
+          <p:nvPr>
+            <p:ph idx="1"/>
+          </p:nvPr>
+        </p:nvSpPr>
+        <p:spPr>
+          <a:xfrm>
+            <a:off x="838200" y="1825624"/>
+            <a:ext cx="10515600" cy="4800953"/>
+          </a:xfrm>
+        </p:spPr>
+        <p:txBody>
+          <a:bodyPr/>
+          <a:lstStyle/>
+          <a:p>
+            <a:pPr marL="338138" indent="-338138"/>
+            <a:r>
+              <a:rPr lang="en-US" dirty="0"/>
+              <a:t>Implement authentication and DB for each user</a:t>
+            </a:r>
+          </a:p>
+          <a:p>
+            <a:pPr marL="338138" indent="-338138"/>
+            <a:endParaRPr lang="en-US" dirty="0"/>
+          </a:p>
+          <a:p>
+            <a:pPr marL="338138" indent="-338138"/>
+            <a:r>
+              <a:rPr lang="en-US" dirty="0"/>
+              <a:t>Add automatic re-training of the model on server side for each user</a:t>
+            </a:r>
+          </a:p>
+          <a:p>
+            <a:pPr marL="338138" indent="-338138"/>
+            <a:endParaRPr lang="en-US" dirty="0"/>
+          </a:p>
+          <a:p>
+            <a:pPr marL="338138" indent="-338138"/>
+            <a:r>
+              <a:rPr lang="en-US" dirty="0"/>
+              <a:t>add capability for users to update labels</a:t>
+            </a:r>
+          </a:p>
+          <a:p>
+            <a:pPr marL="338138" indent="-338138"/>
+            <a:endParaRPr lang="en-US" dirty="0"/>
+          </a:p>
+          <a:p>
+            <a:pPr marL="338138" indent="-338138"/>
+            <a:r>
+              <a:rPr lang="en-US" dirty="0"/>
+              <a:t>deploy the Django webapp</a:t>
+            </a:r>
+          </a:p>
+          <a:p>
+            <a:pPr marL="338138" indent="-338138"/>
+            <a:endParaRPr lang="en-US" dirty="0"/>
+          </a:p>
+          <a:p>
+            <a:pPr marL="338138" indent="-338138"/>
+            <a:r>
+              <a:rPr lang="en-US" dirty="0"/>
+              <a:t>develop and deploy Android and IOS apps</a:t>
+            </a:r>
+          </a:p>
+        </p:txBody>
+      </p:sp>
+      <p:sp>
+        <p:nvSpPr>
+          <p:cNvPr id="4" name="Slide Number Placeholder 3">
+            <a:extLst>
+              <a:ext uri="{FF2B5EF4-FFF2-40B4-BE49-F238E27FC236}">
+                <a16:creationId xmlns:a16="http://schemas.microsoft.com/office/drawing/2014/main" id="{70A00C5B-46A0-4C9A-B4CC-72E696908AE9}"/>
+              </a:ext>
+            </a:extLst>
+          </p:cNvPr>
+          <p:cNvSpPr>
+            <a:spLocks noGrp="1"/>
+          </p:cNvSpPr>
+          <p:nvPr>
+            <p:ph type="sldNum" sz="quarter" idx="12"/>
+          </p:nvPr>
+        </p:nvSpPr>
+        <p:spPr/>
+        <p:txBody>
+          <a:bodyPr/>
+          <a:lstStyle/>
+          <a:p>
+            <a:fld id="{5BD42AC1-DE13-46F2-A3E8-BAE2CF711F37}" type="slidenum">
+              <a:rPr lang="en-US" smtClean="0"/>
+              <a:t>10</a:t>
+            </a:fld>
+            <a:endParaRPr lang="en-US"/>
+          </a:p>
+        </p:txBody>
+      </p:sp>
+    </p:spTree>
+    <p:extLst>
+      <p:ext uri="{BB962C8B-B14F-4D97-AF65-F5344CB8AC3E}">
+        <p14:creationId xmlns:p14="http://schemas.microsoft.com/office/powerpoint/2010/main" val="853445775"/>
+      </p:ext>
+    </p:extLst>
+  </p:cSld>
+  <p:clrMapOvr>
+    <a:masterClrMapping/>
+  </p:clrMapOvr>
+</p:sld>
+</file>
+
+<file path=ppt/slides/slide11.xml><?xml version="1.0" encoding="utf-8"?>
 <p:sld xmlns:a="http://schemas.openxmlformats.org/drawingml/2006/main" xmlns:r="http://schemas.openxmlformats.org/officeDocument/2006/relationships" xmlns:p="http://schemas.openxmlformats.org/presentationml/2006/main">
   <p:cSld>
     <p:bg>
@@ -4896,7 +5062,7 @@
                   <a:spcPts val="600"/>
                 </a:spcAft>
               </a:pPr>
-              <a:t>10</a:t>
+              <a:t>11</a:t>
             </a:fld>
             <a:endParaRPr lang="en-US" sz="1100">
               <a:solidFill>
@@ -5324,7 +5490,7 @@
 </p:sld>
 </file>
 
-<file path=ppt/slides/slide11.xml><?xml version="1.0" encoding="utf-8"?>
+<file path=ppt/slides/slide12.xml><?xml version="1.0" encoding="utf-8"?>
 <p:sld xmlns:a="http://schemas.openxmlformats.org/drawingml/2006/main" xmlns:r="http://schemas.openxmlformats.org/officeDocument/2006/relationships" xmlns:p="http://schemas.openxmlformats.org/presentationml/2006/main">
   <p:cSld>
     <p:bg>
@@ -5427,7 +5593,7 @@
         </p:nvSpPr>
         <p:spPr>
           <a:xfrm>
-            <a:off x="411480" y="991443"/>
+            <a:off x="384463" y="1036496"/>
             <a:ext cx="4443154" cy="1087819"/>
           </a:xfrm>
         </p:spPr>
@@ -5439,7 +5605,7 @@
           <a:p>
             <a:r>
               <a:rPr lang="en-US" sz="3400" b="1" dirty="0"/>
-              <a:t>Appendix: </a:t>
+              <a:t>Appendix:  Datasets </a:t>
             </a:r>
           </a:p>
         </p:txBody>
@@ -5583,10 +5749,221 @@
       </p:sp>
       <p:sp>
         <p:nvSpPr>
-          <p:cNvPr id="6" name="Content Placeholder 5">
-            <a:extLst>
-              <a:ext uri="{FF2B5EF4-FFF2-40B4-BE49-F238E27FC236}">
-                <a16:creationId xmlns:a16="http://schemas.microsoft.com/office/drawing/2014/main" id="{3C1289A3-4F97-4C15-A88B-18DF0A39F192}"/>
+          <p:cNvPr id="3" name="Slide Number Placeholder 2">
+            <a:extLst>
+              <a:ext uri="{FF2B5EF4-FFF2-40B4-BE49-F238E27FC236}">
+                <a16:creationId xmlns:a16="http://schemas.microsoft.com/office/drawing/2014/main" id="{14F003F5-0A88-4627-A1E9-87B3EE7AEF06}"/>
+              </a:ext>
+            </a:extLst>
+          </p:cNvPr>
+          <p:cNvSpPr>
+            <a:spLocks noGrp="1"/>
+          </p:cNvSpPr>
+          <p:nvPr>
+            <p:ph type="sldNum" sz="quarter" idx="12"/>
+          </p:nvPr>
+        </p:nvSpPr>
+        <p:spPr/>
+        <p:txBody>
+          <a:bodyPr/>
+          <a:lstStyle/>
+          <a:p>
+            <a:fld id="{5BD42AC1-DE13-46F2-A3E8-BAE2CF711F37}" type="slidenum">
+              <a:rPr lang="en-US" smtClean="0"/>
+              <a:t>12</a:t>
+            </a:fld>
+            <a:endParaRPr lang="en-US"/>
+          </a:p>
+        </p:txBody>
+      </p:sp>
+      <p:graphicFrame>
+        <p:nvGraphicFramePr>
+          <p:cNvPr id="4" name="Table 4">
+            <a:extLst>
+              <a:ext uri="{FF2B5EF4-FFF2-40B4-BE49-F238E27FC236}">
+                <a16:creationId xmlns:a16="http://schemas.microsoft.com/office/drawing/2014/main" id="{AE5008C0-9325-40A2-B001-5ABE71409128}"/>
+              </a:ext>
+            </a:extLst>
+          </p:cNvPr>
+          <p:cNvGraphicFramePr>
+            <a:graphicFrameLocks noGrp="1"/>
+          </p:cNvGraphicFramePr>
+          <p:nvPr>
+            <p:extLst>
+              <p:ext uri="{D42A27DB-BD31-4B8C-83A1-F6EECF244321}">
+                <p14:modId xmlns:p14="http://schemas.microsoft.com/office/powerpoint/2010/main" val="3898285678"/>
+              </p:ext>
+            </p:extLst>
+          </p:nvPr>
+        </p:nvGraphicFramePr>
+        <p:xfrm>
+          <a:off x="2223912" y="2359681"/>
+          <a:ext cx="8466666" cy="1828800"/>
+        </p:xfrm>
+        <a:graphic>
+          <a:graphicData uri="http://schemas.openxmlformats.org/drawingml/2006/table">
+            <a:tbl>
+              <a:tblPr firstRow="1" bandRow="1">
+                <a:tableStyleId>{5C22544A-7EE6-4342-B048-85BDC9FD1C3A}</a:tableStyleId>
+              </a:tblPr>
+              <a:tblGrid>
+                <a:gridCol w="4233333">
+                  <a:extLst>
+                    <a:ext uri="{9D8B030D-6E8A-4147-A177-3AD203B41FA5}">
+                      <a16:colId xmlns:a16="http://schemas.microsoft.com/office/drawing/2014/main" val="3710547677"/>
+                    </a:ext>
+                  </a:extLst>
+                </a:gridCol>
+                <a:gridCol w="4233333">
+                  <a:extLst>
+                    <a:ext uri="{9D8B030D-6E8A-4147-A177-3AD203B41FA5}">
+                      <a16:colId xmlns:a16="http://schemas.microsoft.com/office/drawing/2014/main" val="1032237690"/>
+                    </a:ext>
+                  </a:extLst>
+                </a:gridCol>
+              </a:tblGrid>
+              <a:tr h="425640">
+                <a:tc>
+                  <a:txBody>
+                    <a:bodyPr/>
+                    <a:lstStyle/>
+                    <a:p>
+                      <a:r>
+                        <a:rPr lang="en-US" sz="2400" dirty="0"/>
+                        <a:t>Source</a:t>
+                      </a:r>
+                    </a:p>
+                  </a:txBody>
+                  <a:tcPr/>
+                </a:tc>
+                <a:tc>
+                  <a:txBody>
+                    <a:bodyPr/>
+                    <a:lstStyle/>
+                    <a:p>
+                      <a:r>
+                        <a:rPr lang="en-US" sz="2400" dirty="0"/>
+                        <a:t>Size</a:t>
+                      </a:r>
+                    </a:p>
+                  </a:txBody>
+                  <a:tcPr/>
+                </a:tc>
+                <a:extLst>
+                  <a:ext uri="{0D108BD9-81ED-4DB2-BD59-A6C34878D82A}">
+                    <a16:rowId xmlns:a16="http://schemas.microsoft.com/office/drawing/2014/main" val="1072199387"/>
+                  </a:ext>
+                </a:extLst>
+              </a:tr>
+              <a:tr h="453863">
+                <a:tc>
+                  <a:txBody>
+                    <a:bodyPr/>
+                    <a:lstStyle/>
+                    <a:p>
+                      <a:r>
+                        <a:rPr lang="en-US" sz="2400" dirty="0"/>
+                        <a:t>Kaggle dataset</a:t>
+                      </a:r>
+                    </a:p>
+                  </a:txBody>
+                  <a:tcPr/>
+                </a:tc>
+                <a:tc>
+                  <a:txBody>
+                    <a:bodyPr/>
+                    <a:lstStyle/>
+                    <a:p>
+                      <a:r>
+                        <a:rPr lang="en-US" sz="2400" dirty="0"/>
+                        <a:t>35888</a:t>
+                      </a:r>
+                    </a:p>
+                  </a:txBody>
+                  <a:tcPr/>
+                </a:tc>
+                <a:extLst>
+                  <a:ext uri="{0D108BD9-81ED-4DB2-BD59-A6C34878D82A}">
+                    <a16:rowId xmlns:a16="http://schemas.microsoft.com/office/drawing/2014/main" val="875005229"/>
+                  </a:ext>
+                </a:extLst>
+              </a:tr>
+              <a:tr h="448218">
+                <a:tc>
+                  <a:txBody>
+                    <a:bodyPr/>
+                    <a:lstStyle/>
+                    <a:p>
+                      <a:r>
+                        <a:rPr lang="en-US" sz="2400" dirty="0"/>
+                        <a:t>Google images</a:t>
+                      </a:r>
+                    </a:p>
+                  </a:txBody>
+                  <a:tcPr/>
+                </a:tc>
+                <a:tc>
+                  <a:txBody>
+                    <a:bodyPr/>
+                    <a:lstStyle/>
+                    <a:p>
+                      <a:r>
+                        <a:rPr lang="en-US" sz="2400" dirty="0"/>
+                        <a:t>3136</a:t>
+                      </a:r>
+                    </a:p>
+                  </a:txBody>
+                  <a:tcPr/>
+                </a:tc>
+                <a:extLst>
+                  <a:ext uri="{0D108BD9-81ED-4DB2-BD59-A6C34878D82A}">
+                    <a16:rowId xmlns:a16="http://schemas.microsoft.com/office/drawing/2014/main" val="2194888407"/>
+                  </a:ext>
+                </a:extLst>
+              </a:tr>
+              <a:tr h="377875">
+                <a:tc>
+                  <a:txBody>
+                    <a:bodyPr/>
+                    <a:lstStyle/>
+                    <a:p>
+                      <a:r>
+                        <a:rPr lang="en-US" sz="2400" dirty="0"/>
+                        <a:t>User (me)</a:t>
+                      </a:r>
+                    </a:p>
+                  </a:txBody>
+                  <a:tcPr/>
+                </a:tc>
+                <a:tc>
+                  <a:txBody>
+                    <a:bodyPr/>
+                    <a:lstStyle/>
+                    <a:p>
+                      <a:r>
+                        <a:rPr lang="en-US" sz="2400" dirty="0"/>
+                        <a:t>77</a:t>
+                      </a:r>
+                    </a:p>
+                  </a:txBody>
+                  <a:tcPr/>
+                </a:tc>
+                <a:extLst>
+                  <a:ext uri="{0D108BD9-81ED-4DB2-BD59-A6C34878D82A}">
+                    <a16:rowId xmlns:a16="http://schemas.microsoft.com/office/drawing/2014/main" val="3148311816"/>
+                  </a:ext>
+                </a:extLst>
+              </a:tr>
+            </a:tbl>
+          </a:graphicData>
+        </a:graphic>
+      </p:graphicFrame>
+      <p:sp>
+        <p:nvSpPr>
+          <p:cNvPr id="7" name="Content Placeholder 6">
+            <a:extLst>
+              <a:ext uri="{FF2B5EF4-FFF2-40B4-BE49-F238E27FC236}">
+                <a16:creationId xmlns:a16="http://schemas.microsoft.com/office/drawing/2014/main" id="{36428CF5-1B56-4A74-87F3-B6C56C5A9281}"/>
               </a:ext>
             </a:extLst>
           </p:cNvPr>
@@ -5599,64 +5976,79 @@
         </p:nvSpPr>
         <p:spPr>
           <a:xfrm>
-            <a:off x="411480" y="2510108"/>
-            <a:ext cx="4443154" cy="3666855"/>
+            <a:off x="384463" y="4423847"/>
+            <a:ext cx="11716493" cy="2184463"/>
           </a:xfrm>
         </p:spPr>
         <p:txBody>
           <a:bodyPr>
-            <a:normAutofit/>
+            <a:normAutofit fontScale="92500" lnSpcReduction="10000"/>
           </a:bodyPr>
           <a:lstStyle/>
           <a:p>
             <a:r>
-              <a:rPr lang="en-US" sz="2400" dirty="0"/>
-              <a:t>Kaggle dataset has a total of 35888 images</a:t>
-            </a:r>
-          </a:p>
-          <a:p>
-            <a:r>
-              <a:rPr lang="en-US" sz="2400" dirty="0"/>
-              <a:t> Web scraped has a total of 3382 </a:t>
-            </a:r>
-          </a:p>
-          <a:p>
-            <a:r>
-              <a:rPr lang="en-US" sz="2400" dirty="0"/>
-              <a:t>User image dataset 77</a:t>
-            </a:r>
-          </a:p>
-          <a:p>
-            <a:endParaRPr lang="en-US" sz="2400" dirty="0"/>
-          </a:p>
-        </p:txBody>
-      </p:sp>
-      <p:sp>
-        <p:nvSpPr>
-          <p:cNvPr id="3" name="Slide Number Placeholder 2">
-            <a:extLst>
-              <a:ext uri="{FF2B5EF4-FFF2-40B4-BE49-F238E27FC236}">
-                <a16:creationId xmlns:a16="http://schemas.microsoft.com/office/drawing/2014/main" id="{14F003F5-0A88-4627-A1E9-87B3EE7AEF06}"/>
-              </a:ext>
-            </a:extLst>
-          </p:cNvPr>
-          <p:cNvSpPr>
-            <a:spLocks noGrp="1"/>
-          </p:cNvSpPr>
-          <p:nvPr>
-            <p:ph type="sldNum" sz="quarter" idx="12"/>
-          </p:nvPr>
-        </p:nvSpPr>
-        <p:spPr/>
-        <p:txBody>
-          <a:bodyPr/>
-          <a:lstStyle/>
-          <a:p>
-            <a:fld id="{5BD42AC1-DE13-46F2-A3E8-BAE2CF711F37}" type="slidenum">
-              <a:rPr lang="en-US" smtClean="0"/>
-              <a:t>11</a:t>
-            </a:fld>
-            <a:endParaRPr lang="en-US"/>
+              <a:rPr lang="en-US" dirty="0"/>
+              <a:t>Extended Cohn-</a:t>
+            </a:r>
+            <a:r>
+              <a:rPr lang="en-US" dirty="0" err="1"/>
+              <a:t>Kanade</a:t>
+            </a:r>
+            <a:r>
+              <a:rPr lang="en-US" dirty="0"/>
+              <a:t> Dataset - </a:t>
+            </a:r>
+            <a:r>
+              <a:rPr lang="en-US" dirty="0">
+                <a:hlinkClick r:id="rId2"/>
+              </a:rPr>
+              <a:t>CK+</a:t>
+            </a:r>
+            <a:endParaRPr lang="en-US" dirty="0"/>
+          </a:p>
+          <a:p>
+            <a:r>
+              <a:rPr lang="fr-FR" dirty="0"/>
+              <a:t>Japanese Female Facial Expressions (</a:t>
+            </a:r>
+            <a:r>
+              <a:rPr lang="fr-FR" dirty="0">
+                <a:hlinkClick r:id="rId3"/>
+              </a:rPr>
+              <a:t>JAFFE</a:t>
+            </a:r>
+            <a:r>
+              <a:rPr lang="fr-FR" dirty="0"/>
+              <a:t>)</a:t>
+            </a:r>
+          </a:p>
+          <a:p>
+            <a:r>
+              <a:rPr lang="en-US" dirty="0">
+                <a:hlinkClick r:id="rId4"/>
+              </a:rPr>
+              <a:t>MMI</a:t>
+            </a:r>
+            <a:r>
+              <a:rPr lang="en-US" dirty="0"/>
+              <a:t> Database</a:t>
+            </a:r>
+          </a:p>
+          <a:p>
+            <a:r>
+              <a:rPr lang="en-US" dirty="0" err="1">
+                <a:hlinkClick r:id="rId5"/>
+              </a:rPr>
+              <a:t>AffectNet</a:t>
+            </a:r>
+            <a:r>
+              <a:rPr lang="en-US" dirty="0"/>
+              <a:t>: A Database for Facial Expression, Valence, and Arousal Computing in the Wild</a:t>
+            </a:r>
+            <a:endParaRPr lang="fr-FR" dirty="0"/>
+          </a:p>
+          <a:p>
+            <a:endParaRPr lang="en-US" dirty="0"/>
           </a:p>
         </p:txBody>
       </p:sp>
@@ -7695,36 +8087,6 @@
           </a:p>
         </p:txBody>
       </p:sp>
-      <p:pic>
-        <p:nvPicPr>
-          <p:cNvPr id="7" name="Picture 6">
-            <a:extLst>
-              <a:ext uri="{FF2B5EF4-FFF2-40B4-BE49-F238E27FC236}">
-                <a16:creationId xmlns:a16="http://schemas.microsoft.com/office/drawing/2014/main" id="{CBF4083C-30E7-487E-BE83-8B61B29C4828}"/>
-              </a:ext>
-            </a:extLst>
-          </p:cNvPr>
-          <p:cNvPicPr>
-            <a:picLocks noChangeAspect="1"/>
-          </p:cNvPicPr>
-          <p:nvPr/>
-        </p:nvPicPr>
-        <p:blipFill>
-          <a:blip r:embed="rId3"/>
-          <a:stretch>
-            <a:fillRect/>
-          </a:stretch>
-        </p:blipFill>
-        <p:spPr>
-          <a:xfrm>
-            <a:off x="9773766" y="7912522"/>
-            <a:ext cx="87503" cy="83806"/>
-          </a:xfrm>
-          <a:prstGeom prst="rect">
-            <a:avLst/>
-          </a:prstGeom>
-        </p:spPr>
-      </p:pic>
     </p:spTree>
     <p:extLst>
       <p:ext uri="{BB962C8B-B14F-4D97-AF65-F5344CB8AC3E}">
@@ -7760,7 +8122,7 @@
           <p:cNvPr id="2" name="Title 1">
             <a:extLst>
               <a:ext uri="{FF2B5EF4-FFF2-40B4-BE49-F238E27FC236}">
-                <a16:creationId xmlns:a16="http://schemas.microsoft.com/office/drawing/2014/main" id="{63AF2FC1-D59D-43A0-9778-AA3ABC977A60}"/>
+                <a16:creationId xmlns:a16="http://schemas.microsoft.com/office/drawing/2014/main" id="{2544DA9E-E3F3-4B34-B7E2-7ABF68DCD6DF}"/>
               </a:ext>
             </a:extLst>
           </p:cNvPr>
@@ -7771,107 +8133,59 @@
             <p:ph type="title"/>
           </p:nvPr>
         </p:nvSpPr>
+        <p:spPr/>
+        <p:txBody>
+          <a:bodyPr/>
+          <a:lstStyle/>
+          <a:p>
+            <a:r>
+              <a:rPr lang="en-US" dirty="0"/>
+              <a:t>Django web app:</a:t>
+            </a:r>
+          </a:p>
+        </p:txBody>
+      </p:sp>
+      <p:pic>
+        <p:nvPicPr>
+          <p:cNvPr id="6" name="Content Placeholder 5" descr="A screenshot of a social media post&#10;&#10;Description automatically generated">
+            <a:extLst>
+              <a:ext uri="{FF2B5EF4-FFF2-40B4-BE49-F238E27FC236}">
+                <a16:creationId xmlns:a16="http://schemas.microsoft.com/office/drawing/2014/main" id="{635DF606-7315-4C4C-B7E1-EF26221F5512}"/>
+              </a:ext>
+            </a:extLst>
+          </p:cNvPr>
+          <p:cNvPicPr>
+            <a:picLocks noGrp="1" noChangeAspect="1"/>
+          </p:cNvPicPr>
+          <p:nvPr>
+            <p:ph idx="1"/>
+          </p:nvPr>
+        </p:nvPicPr>
+        <p:blipFill>
+          <a:blip r:embed="rId2">
+            <a:extLst>
+              <a:ext uri="{28A0092B-C50C-407E-A947-70E740481C1C}">
+                <a14:useLocalDpi xmlns:a14="http://schemas.microsoft.com/office/drawing/2010/main" val="0"/>
+              </a:ext>
+            </a:extLst>
+          </a:blip>
+          <a:stretch>
+            <a:fillRect/>
+          </a:stretch>
+        </p:blipFill>
         <p:spPr>
           <a:xfrm>
-            <a:off x="838200" y="365125"/>
-            <a:ext cx="10515600" cy="854075"/>
+            <a:off x="590315" y="1827513"/>
+            <a:ext cx="5410669" cy="4061812"/>
           </a:xfrm>
         </p:spPr>
-        <p:txBody>
-          <a:bodyPr/>
-          <a:lstStyle/>
-          <a:p>
-            <a:r>
-              <a:rPr lang="en-US" dirty="0"/>
-              <a:t>Conclusion</a:t>
-            </a:r>
-          </a:p>
-        </p:txBody>
-      </p:sp>
-      <p:sp>
-        <p:nvSpPr>
-          <p:cNvPr id="3" name="Content Placeholder 2">
-            <a:extLst>
-              <a:ext uri="{FF2B5EF4-FFF2-40B4-BE49-F238E27FC236}">
-                <a16:creationId xmlns:a16="http://schemas.microsoft.com/office/drawing/2014/main" id="{4B96166C-5EF2-4CCD-9BA0-286E13609F20}"/>
-              </a:ext>
-            </a:extLst>
-          </p:cNvPr>
-          <p:cNvSpPr>
-            <a:spLocks noGrp="1"/>
-          </p:cNvSpPr>
-          <p:nvPr>
-            <p:ph idx="1"/>
-          </p:nvPr>
-        </p:nvSpPr>
-        <p:spPr>
-          <a:xfrm>
-            <a:off x="838200" y="1371601"/>
-            <a:ext cx="10515600" cy="5349874"/>
-          </a:xfrm>
-        </p:spPr>
-        <p:txBody>
-          <a:bodyPr/>
-          <a:lstStyle/>
-          <a:p>
-            <a:pPr marL="338138" indent="-338138"/>
-            <a:r>
-              <a:rPr lang="en-US" dirty="0"/>
-              <a:t>Present a deep NN approach for the detection of human emotion</a:t>
-            </a:r>
-          </a:p>
-          <a:p>
-            <a:pPr marL="338138" indent="-338138"/>
-            <a:endParaRPr lang="en-US" dirty="0"/>
-          </a:p>
-          <a:p>
-            <a:pPr marL="338138" indent="-338138"/>
-            <a:r>
-              <a:rPr lang="en-US" dirty="0"/>
-              <a:t>Improved model has a 76% training and 61% validation accuracy</a:t>
-            </a:r>
-          </a:p>
-          <a:p>
-            <a:pPr marL="338138" indent="-338138"/>
-            <a:endParaRPr lang="en-US" dirty="0"/>
-          </a:p>
-          <a:p>
-            <a:pPr marL="338138" indent="-338138"/>
-            <a:r>
-              <a:rPr lang="en-US" dirty="0"/>
-              <a:t>Web scraped images proved to decrease the model accuracy</a:t>
-            </a:r>
-          </a:p>
-          <a:p>
-            <a:pPr marL="338138" indent="-338138"/>
-            <a:endParaRPr lang="en-US" dirty="0"/>
-          </a:p>
-          <a:p>
-            <a:pPr marL="338138" indent="-338138"/>
-            <a:r>
-              <a:rPr lang="en-US" dirty="0"/>
-              <a:t>With a very small set of images from a single user can quickly build a model that is well optimized for that each user</a:t>
-            </a:r>
-          </a:p>
-          <a:p>
-            <a:pPr marL="338138" indent="-338138"/>
-            <a:endParaRPr lang="en-US" dirty="0"/>
-          </a:p>
-          <a:p>
-            <a:pPr marL="338138" indent="-338138"/>
-            <a:r>
-              <a:rPr lang="en-US" dirty="0"/>
-              <a:t>For the purpose of a journal app the models constructed here suffice</a:t>
-            </a:r>
-          </a:p>
-        </p:txBody>
-      </p:sp>
+      </p:pic>
       <p:sp>
         <p:nvSpPr>
           <p:cNvPr id="4" name="Slide Number Placeholder 3">
             <a:extLst>
               <a:ext uri="{FF2B5EF4-FFF2-40B4-BE49-F238E27FC236}">
-                <a16:creationId xmlns:a16="http://schemas.microsoft.com/office/drawing/2014/main" id="{113E6715-4EAF-4423-B01F-60091E5C6AF0}"/>
+                <a16:creationId xmlns:a16="http://schemas.microsoft.com/office/drawing/2014/main" id="{BF0A9003-4D5A-4893-9290-C9784583CEC7}"/>
               </a:ext>
             </a:extLst>
           </p:cNvPr>
@@ -7895,10 +8209,46 @@
           </a:p>
         </p:txBody>
       </p:sp>
+      <p:pic>
+        <p:nvPicPr>
+          <p:cNvPr id="8" name="Picture 7" descr="A screenshot of a cell phone&#10;&#10;Description automatically generated">
+            <a:extLst>
+              <a:ext uri="{FF2B5EF4-FFF2-40B4-BE49-F238E27FC236}">
+                <a16:creationId xmlns:a16="http://schemas.microsoft.com/office/drawing/2014/main" id="{E286D455-B20D-4949-A8F2-18B68FCCC062}"/>
+              </a:ext>
+            </a:extLst>
+          </p:cNvPr>
+          <p:cNvPicPr>
+            <a:picLocks noChangeAspect="1"/>
+          </p:cNvPicPr>
+          <p:nvPr/>
+        </p:nvPicPr>
+        <p:blipFill>
+          <a:blip r:embed="rId3">
+            <a:extLst>
+              <a:ext uri="{28A0092B-C50C-407E-A947-70E740481C1C}">
+                <a14:useLocalDpi xmlns:a14="http://schemas.microsoft.com/office/drawing/2010/main" val="0"/>
+              </a:ext>
+            </a:extLst>
+          </a:blip>
+          <a:stretch>
+            <a:fillRect/>
+          </a:stretch>
+        </p:blipFill>
+        <p:spPr>
+          <a:xfrm>
+            <a:off x="6463435" y="2761044"/>
+            <a:ext cx="5303980" cy="2194750"/>
+          </a:xfrm>
+          <a:prstGeom prst="rect">
+            <a:avLst/>
+          </a:prstGeom>
+        </p:spPr>
+      </p:pic>
     </p:spTree>
     <p:extLst>
       <p:ext uri="{BB962C8B-B14F-4D97-AF65-F5344CB8AC3E}">
-        <p14:creationId xmlns:p14="http://schemas.microsoft.com/office/powerpoint/2010/main" val="3675199139"/>
+        <p14:creationId xmlns:p14="http://schemas.microsoft.com/office/powerpoint/2010/main" val="2747413901"/>
       </p:ext>
     </p:extLst>
   </p:cSld>
@@ -7930,7 +8280,7 @@
           <p:cNvPr id="2" name="Title 1">
             <a:extLst>
               <a:ext uri="{FF2B5EF4-FFF2-40B4-BE49-F238E27FC236}">
-                <a16:creationId xmlns:a16="http://schemas.microsoft.com/office/drawing/2014/main" id="{81D57D61-6C4E-4FA4-80EA-A46C811121D5}"/>
+                <a16:creationId xmlns:a16="http://schemas.microsoft.com/office/drawing/2014/main" id="{63AF2FC1-D59D-43A0-9778-AA3ABC977A60}"/>
               </a:ext>
             </a:extLst>
           </p:cNvPr>
@@ -7939,50 +8289,55 @@
           </p:cNvSpPr>
           <p:nvPr>
             <p:ph type="title"/>
-          </p:nvPr>
-        </p:nvSpPr>
-        <p:spPr/>
-        <p:txBody>
-          <a:bodyPr/>
-          <a:lstStyle/>
-          <a:p>
-            <a:r>
-              <a:rPr lang="en-US" dirty="0"/>
-              <a:t>Recommendations</a:t>
-            </a:r>
-          </a:p>
-        </p:txBody>
-      </p:sp>
-      <p:sp>
-        <p:nvSpPr>
-          <p:cNvPr id="3" name="Content Placeholder 2">
-            <a:extLst>
-              <a:ext uri="{FF2B5EF4-FFF2-40B4-BE49-F238E27FC236}">
-                <a16:creationId xmlns:a16="http://schemas.microsoft.com/office/drawing/2014/main" id="{C65A2088-314F-4E65-AF9C-212B22F2BC4A}"/>
-              </a:ext>
-            </a:extLst>
-          </p:cNvPr>
-          <p:cNvSpPr>
-            <a:spLocks noGrp="1"/>
-          </p:cNvSpPr>
-          <p:nvPr>
-            <p:ph idx="1"/>
           </p:nvPr>
         </p:nvSpPr>
         <p:spPr>
           <a:xfrm>
-            <a:off x="838200" y="1825625"/>
-            <a:ext cx="10515600" cy="4895850"/>
+            <a:off x="838200" y="365125"/>
+            <a:ext cx="10515600" cy="854075"/>
           </a:xfrm>
         </p:spPr>
         <p:txBody>
           <a:bodyPr/>
           <a:lstStyle/>
           <a:p>
+            <a:r>
+              <a:rPr lang="en-US" dirty="0"/>
+              <a:t>Conclusion</a:t>
+            </a:r>
+          </a:p>
+        </p:txBody>
+      </p:sp>
+      <p:sp>
+        <p:nvSpPr>
+          <p:cNvPr id="3" name="Content Placeholder 2">
+            <a:extLst>
+              <a:ext uri="{FF2B5EF4-FFF2-40B4-BE49-F238E27FC236}">
+                <a16:creationId xmlns:a16="http://schemas.microsoft.com/office/drawing/2014/main" id="{4B96166C-5EF2-4CCD-9BA0-286E13609F20}"/>
+              </a:ext>
+            </a:extLst>
+          </p:cNvPr>
+          <p:cNvSpPr>
+            <a:spLocks noGrp="1"/>
+          </p:cNvSpPr>
+          <p:nvPr>
+            <p:ph idx="1"/>
+          </p:nvPr>
+        </p:nvSpPr>
+        <p:spPr>
+          <a:xfrm>
+            <a:off x="838200" y="1371601"/>
+            <a:ext cx="10515600" cy="5349874"/>
+          </a:xfrm>
+        </p:spPr>
+        <p:txBody>
+          <a:bodyPr/>
+          <a:lstStyle/>
+          <a:p>
             <a:pPr marL="338138" indent="-338138"/>
             <a:r>
               <a:rPr lang="en-US" dirty="0"/>
-              <a:t>The model is demonstrated to work as a web app</a:t>
+              <a:t>Present a deep NN approach for the detection of human emotion</a:t>
             </a:r>
           </a:p>
           <a:p>
@@ -7993,7 +8348,7 @@
             <a:pPr marL="338138" indent="-338138"/>
             <a:r>
               <a:rPr lang="en-US" dirty="0"/>
-              <a:t>User must input at least 10 images per emotion to get a baseline model</a:t>
+              <a:t>Improved model has a 76% training and 61% validation accuracy</a:t>
             </a:r>
           </a:p>
           <a:p>
@@ -8004,7 +8359,7 @@
             <a:pPr marL="338138" indent="-338138"/>
             <a:r>
               <a:rPr lang="en-US" dirty="0"/>
-              <a:t>The app will be built to continuously feed new images and labels from the user</a:t>
+              <a:t>Web scraped images proved to decrease the model accuracy</a:t>
             </a:r>
           </a:p>
           <a:p>
@@ -8015,7 +8370,18 @@
             <a:pPr marL="338138" indent="-338138"/>
             <a:r>
               <a:rPr lang="en-US" dirty="0"/>
-              <a:t>could possible be an asset to psychiatrists, psychotherapist as well as general physicians</a:t>
+              <a:t>With a very small set of images from a single user can quickly build a model that is well optimized for that each user</a:t>
+            </a:r>
+          </a:p>
+          <a:p>
+            <a:pPr marL="338138" indent="-338138"/>
+            <a:endParaRPr lang="en-US" dirty="0"/>
+          </a:p>
+          <a:p>
+            <a:pPr marL="338138" indent="-338138"/>
+            <a:r>
+              <a:rPr lang="en-US" dirty="0"/>
+              <a:t>For the purpose of a journal app the models constructed here suffice</a:t>
             </a:r>
           </a:p>
         </p:txBody>
@@ -8025,7 +8391,7 @@
           <p:cNvPr id="4" name="Slide Number Placeholder 3">
             <a:extLst>
               <a:ext uri="{FF2B5EF4-FFF2-40B4-BE49-F238E27FC236}">
-                <a16:creationId xmlns:a16="http://schemas.microsoft.com/office/drawing/2014/main" id="{385A3CC3-8AA9-41C2-A92A-43D6EA5BFB90}"/>
+                <a16:creationId xmlns:a16="http://schemas.microsoft.com/office/drawing/2014/main" id="{113E6715-4EAF-4423-B01F-60091E5C6AF0}"/>
               </a:ext>
             </a:extLst>
           </p:cNvPr>
@@ -8052,7 +8418,7 @@
     </p:spTree>
     <p:extLst>
       <p:ext uri="{BB962C8B-B14F-4D97-AF65-F5344CB8AC3E}">
-        <p14:creationId xmlns:p14="http://schemas.microsoft.com/office/powerpoint/2010/main" val="2449471538"/>
+        <p14:creationId xmlns:p14="http://schemas.microsoft.com/office/powerpoint/2010/main" val="3675199139"/>
       </p:ext>
     </p:extLst>
   </p:cSld>
@@ -8084,7 +8450,7 @@
           <p:cNvPr id="2" name="Title 1">
             <a:extLst>
               <a:ext uri="{FF2B5EF4-FFF2-40B4-BE49-F238E27FC236}">
-                <a16:creationId xmlns:a16="http://schemas.microsoft.com/office/drawing/2014/main" id="{AE874DF7-07E2-497E-9D8F-112A4FDE4C99}"/>
+                <a16:creationId xmlns:a16="http://schemas.microsoft.com/office/drawing/2014/main" id="{81D57D61-6C4E-4FA4-80EA-A46C811121D5}"/>
               </a:ext>
             </a:extLst>
           </p:cNvPr>
@@ -8102,7 +8468,7 @@
           <a:p>
             <a:r>
               <a:rPr lang="en-US" dirty="0"/>
-              <a:t>Future work</a:t>
+              <a:t>Recommendations</a:t>
             </a:r>
           </a:p>
         </p:txBody>
@@ -8112,7 +8478,7 @@
           <p:cNvPr id="3" name="Content Placeholder 2">
             <a:extLst>
               <a:ext uri="{FF2B5EF4-FFF2-40B4-BE49-F238E27FC236}">
-                <a16:creationId xmlns:a16="http://schemas.microsoft.com/office/drawing/2014/main" id="{819C7B6C-2467-4C85-9D1F-D8E599229154}"/>
+                <a16:creationId xmlns:a16="http://schemas.microsoft.com/office/drawing/2014/main" id="{C65A2088-314F-4E65-AF9C-212B22F2BC4A}"/>
               </a:ext>
             </a:extLst>
           </p:cNvPr>
@@ -8125,8 +8491,8 @@
         </p:nvSpPr>
         <p:spPr>
           <a:xfrm>
-            <a:off x="838200" y="1825624"/>
-            <a:ext cx="10515600" cy="4800953"/>
+            <a:off x="838200" y="1825625"/>
+            <a:ext cx="10515600" cy="4895850"/>
           </a:xfrm>
         </p:spPr>
         <p:txBody>
@@ -8136,7 +8502,7 @@
             <a:pPr marL="338138" indent="-338138"/>
             <a:r>
               <a:rPr lang="en-US" dirty="0"/>
-              <a:t>Implement authentication and DB for each user</a:t>
+              <a:t>The model is demonstrated to work as a web app</a:t>
             </a:r>
           </a:p>
           <a:p>
@@ -8147,7 +8513,7 @@
             <a:pPr marL="338138" indent="-338138"/>
             <a:r>
               <a:rPr lang="en-US" dirty="0"/>
-              <a:t>Add automatic re-training of the model on server side for each user</a:t>
+              <a:t>User must input at least 10 images per emotion to get a baseline model</a:t>
             </a:r>
           </a:p>
           <a:p>
@@ -8158,7 +8524,7 @@
             <a:pPr marL="338138" indent="-338138"/>
             <a:r>
               <a:rPr lang="en-US" dirty="0"/>
-              <a:t>add capability for users to update labels</a:t>
+              <a:t>The app will be built to continuously feed new images and labels from the user</a:t>
             </a:r>
           </a:p>
           <a:p>
@@ -8169,18 +8535,7 @@
             <a:pPr marL="338138" indent="-338138"/>
             <a:r>
               <a:rPr lang="en-US" dirty="0"/>
-              <a:t>deploy the Django webapp</a:t>
-            </a:r>
-          </a:p>
-          <a:p>
-            <a:pPr marL="338138" indent="-338138"/>
-            <a:endParaRPr lang="en-US" dirty="0"/>
-          </a:p>
-          <a:p>
-            <a:pPr marL="338138" indent="-338138"/>
-            <a:r>
-              <a:rPr lang="en-US" dirty="0"/>
-              <a:t>develop and deploy Android and IOS apps</a:t>
+              <a:t>could possible be an asset to psychiatrists, psychotherapist as well as general physicians</a:t>
             </a:r>
           </a:p>
         </p:txBody>
@@ -8190,7 +8545,7 @@
           <p:cNvPr id="4" name="Slide Number Placeholder 3">
             <a:extLst>
               <a:ext uri="{FF2B5EF4-FFF2-40B4-BE49-F238E27FC236}">
-                <a16:creationId xmlns:a16="http://schemas.microsoft.com/office/drawing/2014/main" id="{70A00C5B-46A0-4C9A-B4CC-72E696908AE9}"/>
+                <a16:creationId xmlns:a16="http://schemas.microsoft.com/office/drawing/2014/main" id="{385A3CC3-8AA9-41C2-A92A-43D6EA5BFB90}"/>
               </a:ext>
             </a:extLst>
           </p:cNvPr>
@@ -8217,7 +8572,7 @@
     </p:spTree>
     <p:extLst>
       <p:ext uri="{BB962C8B-B14F-4D97-AF65-F5344CB8AC3E}">
-        <p14:creationId xmlns:p14="http://schemas.microsoft.com/office/powerpoint/2010/main" val="853445775"/>
+        <p14:creationId xmlns:p14="http://schemas.microsoft.com/office/powerpoint/2010/main" val="2449471538"/>
       </p:ext>
     </p:extLst>
   </p:cSld>
